--- a/ppt/关于团队建设 - 公链组汇报.pptx
+++ b/ppt/关于团队建设 - 公链组汇报.pptx
@@ -5,15 +5,18 @@
     <p:sldMasterId id="2147483648" r:id="rId1"/>
   </p:sldMasterIdLst>
   <p:notesMasterIdLst>
-    <p:notesMasterId r:id="rId9"/>
+    <p:notesMasterId r:id="rId12"/>
   </p:notesMasterIdLst>
   <p:sldIdLst>
     <p:sldId id="256" r:id="rId3"/>
     <p:sldId id="262" r:id="rId4"/>
-    <p:sldId id="300" r:id="rId5"/>
-    <p:sldId id="298" r:id="rId6"/>
-    <p:sldId id="299" r:id="rId7"/>
-    <p:sldId id="281" r:id="rId8"/>
+    <p:sldId id="304" r:id="rId5"/>
+    <p:sldId id="305" r:id="rId6"/>
+    <p:sldId id="306" r:id="rId7"/>
+    <p:sldId id="300" r:id="rId8"/>
+    <p:sldId id="298" r:id="rId9"/>
+    <p:sldId id="299" r:id="rId10"/>
+    <p:sldId id="281" r:id="rId11"/>
   </p:sldIdLst>
   <p:sldSz cx="12192000" cy="6858000"/>
   <p:notesSz cx="6858000" cy="9144000"/>
@@ -3191,15 +3194,11 @@
             </a:r>
             <a:r>
               <a:rPr lang="zh-CN" altLang="en-US" dirty="0" smtClean="0"/>
-              <a:t>团队梳理 </a:t>
+              <a:t>团队</a:t>
             </a:r>
             <a:r>
-              <a:rPr lang="en-US" altLang="zh-CN" dirty="0" smtClean="0"/>
-              <a:t>– </a:t>
-            </a:r>
-            <a:r>
-              <a:rPr lang="zh-CN" altLang="en-US" dirty="0" smtClean="0"/>
-              <a:t>参考样例</a:t>
+              <a:rPr lang="zh-CN" altLang="en-US" dirty="0"/>
+              <a:t>梳理</a:t>
             </a:r>
             <a:endParaRPr dirty="0"/>
           </a:p>
@@ -3207,76 +3206,14 @@
       </p:sp>
       <p:sp>
         <p:nvSpPr>
-          <p:cNvPr id="4" name="空缺"/>
-          <p:cNvSpPr/>
-          <p:nvPr/>
-        </p:nvSpPr>
-        <p:spPr>
-          <a:xfrm>
-            <a:off x="3969580" y="2454351"/>
-            <a:ext cx="1490734" cy="920139"/>
-          </a:xfrm>
-          <a:prstGeom prst="rect">
-            <a:avLst/>
-          </a:prstGeom>
-          <a:solidFill>
-            <a:schemeClr val="accent4">
-              <a:hueOff val="-461056"/>
-              <a:satOff val="4338"/>
-              <a:lumOff val="-10222"/>
-            </a:schemeClr>
-          </a:solidFill>
-          <a:ln w="12700">
-            <a:miter lim="400000"/>
-          </a:ln>
-        </p:spPr>
-        <p:txBody>
-          <a:bodyPr lIns="50800" tIns="50800" rIns="50800" bIns="50800" anchor="ctr"/>
-          <a:lstStyle>
-            <a:lvl1pPr>
-              <a:defRPr sz="2200" b="0">
-                <a:solidFill>
-                  <a:srgbClr val="FFFFFF"/>
-                </a:solidFill>
-                <a:latin typeface="+mn-lt"/>
-                <a:ea typeface="+mn-ea"/>
-                <a:cs typeface="+mn-cs"/>
-                <a:sym typeface="Helvetica Neue Medium"/>
-              </a:defRPr>
-            </a:lvl1pPr>
-          </a:lstStyle>
-          <a:p>
-            <a:pPr algn="ctr"/>
-            <a:r>
-              <a:rPr sz="1600" dirty="0" err="1" smtClean="0"/>
-              <a:t>空缺</a:t>
-            </a:r>
-            <a:endParaRPr lang="en-US" sz="1600" dirty="0"/>
-          </a:p>
-          <a:p>
-            <a:pPr algn="ctr"/>
-            <a:r>
-              <a:rPr lang="zh-CN" altLang="en-US" sz="1600" dirty="0" smtClean="0"/>
-              <a:t>负责</a:t>
-            </a:r>
-            <a:r>
-              <a:rPr lang="en-US" altLang="zh-CN" sz="1600" dirty="0" smtClean="0"/>
-              <a:t>××××</a:t>
-            </a:r>
-            <a:endParaRPr sz="1600" dirty="0"/>
-          </a:p>
-        </p:txBody>
-      </p:sp>
-      <p:sp>
-        <p:nvSpPr>
-          <p:cNvPr id="6" name="P7"/>
+          <p:cNvPr id="5" name="内容占位符 2"/>
           <p:cNvSpPr txBox="1"/>
           <p:nvPr/>
         </p:nvSpPr>
         <p:spPr>
           <a:xfrm>
-            <a:off x="431863" y="2715818"/>
-            <a:ext cx="487071" cy="461060"/>
+            <a:off x="670346" y="1533934"/>
+            <a:ext cx="10515600" cy="4351338"/>
           </a:xfrm>
           <a:prstGeom prst="rect">
             <a:avLst/>
@@ -3286,712 +3223,256 @@
           </a:ln>
         </p:spPr>
         <p:txBody>
-          <a:bodyPr wrap="none" lIns="50800" tIns="50800" rIns="50800" bIns="50800" anchor="ctr">
-            <a:spAutoFit/>
+          <a:bodyPr lIns="45719" rIns="45719">
+            <a:normAutofit/>
           </a:bodyPr>
-          <a:lstStyle/>
-          <a:p>
-            <a:r>
-              <a:t>P7</a:t>
-            </a:r>
-          </a:p>
-        </p:txBody>
-      </p:sp>
-      <p:sp>
-        <p:nvSpPr>
-          <p:cNvPr id="7" name="P6+"/>
-          <p:cNvSpPr txBox="1"/>
-          <p:nvPr/>
-        </p:nvSpPr>
-        <p:spPr>
-          <a:xfrm>
-            <a:off x="340423" y="4121281"/>
-            <a:ext cx="669951" cy="461060"/>
-          </a:xfrm>
-          <a:prstGeom prst="rect">
-            <a:avLst/>
-          </a:prstGeom>
-          <a:ln w="12700">
-            <a:miter lim="400000"/>
-          </a:ln>
-        </p:spPr>
-        <p:txBody>
-          <a:bodyPr wrap="none" lIns="50800" tIns="50800" rIns="50800" bIns="50800" anchor="ctr">
-            <a:spAutoFit/>
-          </a:bodyPr>
-          <a:lstStyle/>
-          <a:p>
-            <a:r>
-              <a:t>P6+</a:t>
-            </a:r>
-          </a:p>
-        </p:txBody>
-      </p:sp>
-      <p:sp>
-        <p:nvSpPr>
-          <p:cNvPr id="8" name="邱天"/>
-          <p:cNvSpPr/>
-          <p:nvPr/>
-        </p:nvSpPr>
-        <p:spPr>
-          <a:xfrm>
-            <a:off x="1602155" y="3743590"/>
-            <a:ext cx="1490734" cy="920140"/>
-          </a:xfrm>
-          <a:prstGeom prst="rect">
-            <a:avLst/>
-          </a:prstGeom>
-          <a:solidFill>
-            <a:schemeClr val="accent5">
-              <a:hueOff val="-82419"/>
-              <a:satOff val="-9510"/>
-              <a:lumOff val="-16340"/>
-            </a:schemeClr>
-          </a:solidFill>
-          <a:ln w="12700">
-            <a:miter lim="400000"/>
-          </a:ln>
-        </p:spPr>
-        <p:txBody>
-          <a:bodyPr lIns="50800" tIns="50800" rIns="50800" bIns="50800" anchor="ctr"/>
           <a:lstStyle>
-            <a:lvl1pPr>
-              <a:defRPr sz="2200" b="0">
+            <a:lvl1pPr marL="228600" marR="0" indent="-228600" algn="l" defTabSz="914400" rtl="0" latinLnBrk="0">
+              <a:lnSpc>
+                <a:spcPct val="90000"/>
+              </a:lnSpc>
+              <a:spcBef>
+                <a:spcPts val="1000"/>
+              </a:spcBef>
+              <a:spcAft>
+                <a:spcPts val="0"/>
+              </a:spcAft>
+              <a:buClrTx/>
+              <a:buSzPct val="100000"/>
+              <a:buFont typeface="Arial" panose="020B0604020202090204"/>
+              <a:buChar char="•"/>
+              <a:defRPr sz="2800" b="0" i="0" u="none" strike="noStrike" cap="none" spc="0" baseline="0">
                 <a:solidFill>
-                  <a:srgbClr val="FFFFFF"/>
+                  <a:srgbClr val="000000"/>
                 </a:solidFill>
-                <a:latin typeface="+mn-lt"/>
-                <a:ea typeface="+mn-ea"/>
-                <a:cs typeface="+mn-cs"/>
-                <a:sym typeface="Helvetica Neue Medium"/>
+                <a:uFillTx/>
+                <a:latin typeface="Microsoft YaHei Light"/>
+                <a:ea typeface="Microsoft YaHei Light"/>
+                <a:cs typeface="Microsoft YaHei Light"/>
+                <a:sym typeface="Microsoft YaHei Light"/>
               </a:defRPr>
             </a:lvl1pPr>
+            <a:lvl2pPr marL="723900" marR="0" indent="-266700" algn="l" defTabSz="914400" rtl="0" latinLnBrk="0">
+              <a:lnSpc>
+                <a:spcPct val="90000"/>
+              </a:lnSpc>
+              <a:spcBef>
+                <a:spcPts val="1000"/>
+              </a:spcBef>
+              <a:spcAft>
+                <a:spcPts val="0"/>
+              </a:spcAft>
+              <a:buClrTx/>
+              <a:buSzPct val="100000"/>
+              <a:buFont typeface="Arial" panose="020B0604020202090204"/>
+              <a:buChar char="•"/>
+              <a:defRPr sz="2800" b="0" i="0" u="none" strike="noStrike" cap="none" spc="0" baseline="0">
+                <a:solidFill>
+                  <a:srgbClr val="000000"/>
+                </a:solidFill>
+                <a:uFillTx/>
+                <a:latin typeface="Microsoft YaHei Light"/>
+                <a:ea typeface="Microsoft YaHei Light"/>
+                <a:cs typeface="Microsoft YaHei Light"/>
+                <a:sym typeface="Microsoft YaHei Light"/>
+              </a:defRPr>
+            </a:lvl2pPr>
+            <a:lvl3pPr marL="1234440" marR="0" indent="-320040" algn="l" defTabSz="914400" rtl="0" latinLnBrk="0">
+              <a:lnSpc>
+                <a:spcPct val="90000"/>
+              </a:lnSpc>
+              <a:spcBef>
+                <a:spcPts val="1000"/>
+              </a:spcBef>
+              <a:spcAft>
+                <a:spcPts val="0"/>
+              </a:spcAft>
+              <a:buClrTx/>
+              <a:buSzPct val="100000"/>
+              <a:buFont typeface="Arial" panose="020B0604020202090204"/>
+              <a:buChar char="•"/>
+              <a:defRPr sz="2800" b="0" i="0" u="none" strike="noStrike" cap="none" spc="0" baseline="0">
+                <a:solidFill>
+                  <a:srgbClr val="000000"/>
+                </a:solidFill>
+                <a:uFillTx/>
+                <a:latin typeface="Microsoft YaHei Light"/>
+                <a:ea typeface="Microsoft YaHei Light"/>
+                <a:cs typeface="Microsoft YaHei Light"/>
+                <a:sym typeface="Microsoft YaHei Light"/>
+              </a:defRPr>
+            </a:lvl3pPr>
+            <a:lvl4pPr marL="1727200" marR="0" indent="-355600" algn="l" defTabSz="914400" rtl="0" latinLnBrk="0">
+              <a:lnSpc>
+                <a:spcPct val="90000"/>
+              </a:lnSpc>
+              <a:spcBef>
+                <a:spcPts val="1000"/>
+              </a:spcBef>
+              <a:spcAft>
+                <a:spcPts val="0"/>
+              </a:spcAft>
+              <a:buClrTx/>
+              <a:buSzPct val="100000"/>
+              <a:buFont typeface="Arial" panose="020B0604020202090204"/>
+              <a:buChar char="•"/>
+              <a:defRPr sz="2800" b="0" i="0" u="none" strike="noStrike" cap="none" spc="0" baseline="0">
+                <a:solidFill>
+                  <a:srgbClr val="000000"/>
+                </a:solidFill>
+                <a:uFillTx/>
+                <a:latin typeface="Microsoft YaHei Light"/>
+                <a:ea typeface="Microsoft YaHei Light"/>
+                <a:cs typeface="Microsoft YaHei Light"/>
+                <a:sym typeface="Microsoft YaHei Light"/>
+              </a:defRPr>
+            </a:lvl4pPr>
+            <a:lvl5pPr marL="2184400" marR="0" indent="-355600" algn="l" defTabSz="914400" rtl="0" latinLnBrk="0">
+              <a:lnSpc>
+                <a:spcPct val="90000"/>
+              </a:lnSpc>
+              <a:spcBef>
+                <a:spcPts val="1000"/>
+              </a:spcBef>
+              <a:spcAft>
+                <a:spcPts val="0"/>
+              </a:spcAft>
+              <a:buClrTx/>
+              <a:buSzPct val="100000"/>
+              <a:buFont typeface="Arial" panose="020B0604020202090204"/>
+              <a:buChar char="•"/>
+              <a:defRPr sz="2800" b="0" i="0" u="none" strike="noStrike" cap="none" spc="0" baseline="0">
+                <a:solidFill>
+                  <a:srgbClr val="000000"/>
+                </a:solidFill>
+                <a:uFillTx/>
+                <a:latin typeface="Microsoft YaHei Light"/>
+                <a:ea typeface="Microsoft YaHei Light"/>
+                <a:cs typeface="Microsoft YaHei Light"/>
+                <a:sym typeface="Microsoft YaHei Light"/>
+              </a:defRPr>
+            </a:lvl5pPr>
+            <a:lvl6pPr marL="2641600" marR="0" indent="-355600" algn="l" defTabSz="914400" rtl="0" latinLnBrk="0">
+              <a:lnSpc>
+                <a:spcPct val="90000"/>
+              </a:lnSpc>
+              <a:spcBef>
+                <a:spcPts val="1000"/>
+              </a:spcBef>
+              <a:spcAft>
+                <a:spcPts val="0"/>
+              </a:spcAft>
+              <a:buClrTx/>
+              <a:buSzPct val="100000"/>
+              <a:buFont typeface="Arial" panose="020B0604020202090204"/>
+              <a:buChar char="•"/>
+              <a:defRPr sz="2800" b="0" i="0" u="none" strike="noStrike" cap="none" spc="0" baseline="0">
+                <a:solidFill>
+                  <a:srgbClr val="000000"/>
+                </a:solidFill>
+                <a:uFillTx/>
+                <a:latin typeface="Microsoft YaHei Light"/>
+                <a:ea typeface="Microsoft YaHei Light"/>
+                <a:cs typeface="Microsoft YaHei Light"/>
+                <a:sym typeface="Microsoft YaHei Light"/>
+              </a:defRPr>
+            </a:lvl6pPr>
+            <a:lvl7pPr marL="3098800" marR="0" indent="-355600" algn="l" defTabSz="914400" rtl="0" latinLnBrk="0">
+              <a:lnSpc>
+                <a:spcPct val="90000"/>
+              </a:lnSpc>
+              <a:spcBef>
+                <a:spcPts val="1000"/>
+              </a:spcBef>
+              <a:spcAft>
+                <a:spcPts val="0"/>
+              </a:spcAft>
+              <a:buClrTx/>
+              <a:buSzPct val="100000"/>
+              <a:buFont typeface="Arial" panose="020B0604020202090204"/>
+              <a:buChar char="•"/>
+              <a:defRPr sz="2800" b="0" i="0" u="none" strike="noStrike" cap="none" spc="0" baseline="0">
+                <a:solidFill>
+                  <a:srgbClr val="000000"/>
+                </a:solidFill>
+                <a:uFillTx/>
+                <a:latin typeface="Microsoft YaHei Light"/>
+                <a:ea typeface="Microsoft YaHei Light"/>
+                <a:cs typeface="Microsoft YaHei Light"/>
+                <a:sym typeface="Microsoft YaHei Light"/>
+              </a:defRPr>
+            </a:lvl7pPr>
+            <a:lvl8pPr marL="3556000" marR="0" indent="-355600" algn="l" defTabSz="914400" rtl="0" latinLnBrk="0">
+              <a:lnSpc>
+                <a:spcPct val="90000"/>
+              </a:lnSpc>
+              <a:spcBef>
+                <a:spcPts val="1000"/>
+              </a:spcBef>
+              <a:spcAft>
+                <a:spcPts val="0"/>
+              </a:spcAft>
+              <a:buClrTx/>
+              <a:buSzPct val="100000"/>
+              <a:buFont typeface="Arial" panose="020B0604020202090204"/>
+              <a:buChar char="•"/>
+              <a:defRPr sz="2800" b="0" i="0" u="none" strike="noStrike" cap="none" spc="0" baseline="0">
+                <a:solidFill>
+                  <a:srgbClr val="000000"/>
+                </a:solidFill>
+                <a:uFillTx/>
+                <a:latin typeface="Microsoft YaHei Light"/>
+                <a:ea typeface="Microsoft YaHei Light"/>
+                <a:cs typeface="Microsoft YaHei Light"/>
+                <a:sym typeface="Microsoft YaHei Light"/>
+              </a:defRPr>
+            </a:lvl8pPr>
+            <a:lvl9pPr marL="4013200" marR="0" indent="-355600" algn="l" defTabSz="914400" rtl="0" latinLnBrk="0">
+              <a:lnSpc>
+                <a:spcPct val="90000"/>
+              </a:lnSpc>
+              <a:spcBef>
+                <a:spcPts val="1000"/>
+              </a:spcBef>
+              <a:spcAft>
+                <a:spcPts val="0"/>
+              </a:spcAft>
+              <a:buClrTx/>
+              <a:buSzPct val="100000"/>
+              <a:buFont typeface="Arial" panose="020B0604020202090204"/>
+              <a:buChar char="•"/>
+              <a:defRPr sz="2800" b="0" i="0" u="none" strike="noStrike" cap="none" spc="0" baseline="0">
+                <a:solidFill>
+                  <a:srgbClr val="000000"/>
+                </a:solidFill>
+                <a:uFillTx/>
+                <a:latin typeface="Microsoft YaHei Light"/>
+                <a:ea typeface="Microsoft YaHei Light"/>
+                <a:cs typeface="Microsoft YaHei Light"/>
+                <a:sym typeface="Microsoft YaHei Light"/>
+              </a:defRPr>
+            </a:lvl9pPr>
           </a:lstStyle>
           <a:p>
-            <a:pPr algn="ctr"/>
+            <a:pPr marL="0" indent="0" hangingPunct="1">
+              <a:buNone/>
+            </a:pPr>
             <a:r>
-              <a:rPr lang="zh-CN" altLang="en-US" sz="1600" dirty="0" smtClean="0"/>
-              <a:t>赵小帅</a:t>
+              <a:rPr kumimoji="1" lang="zh-CN" altLang="en-US" sz="2400" dirty="0" smtClean="0"/>
+              <a:t>团队如何支撑业务发展，大致分工情况是怎样的</a:t>
             </a:r>
-            <a:endParaRPr lang="en-US" altLang="zh-CN" sz="1600" dirty="0" smtClean="0"/>
+            <a:endParaRPr kumimoji="1" lang="en-US" altLang="zh-CN" sz="2400" dirty="0" smtClean="0"/>
           </a:p>
           <a:p>
-            <a:pPr algn="ctr"/>
-            <a:r>
-              <a:rPr lang="zh-CN" altLang="en-US" sz="1600" dirty="0"/>
-              <a:t>（</a:t>
-            </a:r>
-            <a:r>
-              <a:rPr lang="zh-CN" altLang="en-US" sz="1600" dirty="0" smtClean="0"/>
-              <a:t>高潜</a:t>
-            </a:r>
-            <a:r>
-              <a:rPr lang="en-US" altLang="zh-CN" sz="1600" dirty="0" smtClean="0"/>
-              <a:t>&amp;</a:t>
-            </a:r>
-            <a:r>
-              <a:rPr lang="zh-CN" altLang="en-US" sz="1600" dirty="0" smtClean="0"/>
-              <a:t>核心）</a:t>
-            </a:r>
-            <a:endParaRPr lang="en-US" altLang="zh-CN" sz="1600" dirty="0" smtClean="0"/>
+            <a:pPr marL="0" indent="0" hangingPunct="1">
+              <a:buFontTx/>
+              <a:buNone/>
+            </a:pPr>
+            <a:endParaRPr kumimoji="1" lang="zh-CN" altLang="en-US" sz="1800" dirty="0"/>
           </a:p>
           <a:p>
-            <a:pPr algn="ctr"/>
-            <a:r>
-              <a:rPr lang="zh-CN" altLang="en-US" sz="1600" dirty="0" smtClean="0"/>
-              <a:t>负责</a:t>
-            </a:r>
-            <a:r>
-              <a:rPr lang="en-US" altLang="zh-CN" sz="1600" dirty="0" smtClean="0"/>
-              <a:t>××</a:t>
-            </a:r>
-            <a:endParaRPr sz="1600" dirty="0"/>
-          </a:p>
-        </p:txBody>
-      </p:sp>
-      <p:sp>
-        <p:nvSpPr>
-          <p:cNvPr id="9" name="邱天"/>
-          <p:cNvSpPr/>
-          <p:nvPr/>
-        </p:nvSpPr>
-        <p:spPr>
-          <a:xfrm>
-            <a:off x="3969580" y="3743590"/>
-            <a:ext cx="1490734" cy="920140"/>
-          </a:xfrm>
-          <a:prstGeom prst="rect">
-            <a:avLst/>
-          </a:prstGeom>
-          <a:solidFill>
-            <a:srgbClr val="FFC000"/>
-          </a:solidFill>
-          <a:ln w="12700">
-            <a:miter lim="400000"/>
-          </a:ln>
-        </p:spPr>
-        <p:txBody>
-          <a:bodyPr lIns="50800" tIns="50800" rIns="50800" bIns="50800" anchor="ctr"/>
-          <a:lstStyle>
-            <a:lvl1pPr>
-              <a:defRPr sz="2200" b="0">
-                <a:solidFill>
-                  <a:srgbClr val="FFFFFF"/>
-                </a:solidFill>
-                <a:latin typeface="+mn-lt"/>
-                <a:ea typeface="+mn-ea"/>
-                <a:cs typeface="+mn-cs"/>
-                <a:sym typeface="Helvetica Neue Medium"/>
-              </a:defRPr>
-            </a:lvl1pPr>
-          </a:lstStyle>
-          <a:p>
-            <a:pPr algn="ctr"/>
-            <a:r>
-              <a:rPr sz="1600" dirty="0" smtClean="0"/>
-              <a:t>邱</a:t>
-            </a:r>
-            <a:r>
-              <a:rPr lang="zh-CN" altLang="en-US" sz="1600" dirty="0" smtClean="0"/>
-              <a:t>小帅</a:t>
-            </a:r>
-            <a:endParaRPr lang="en-US" altLang="zh-CN" sz="1600" dirty="0" smtClean="0"/>
-          </a:p>
-          <a:p>
-            <a:pPr algn="ctr"/>
-            <a:r>
-              <a:rPr lang="zh-CN" altLang="en-US" sz="1600" dirty="0" smtClean="0"/>
-              <a:t>（核心）</a:t>
-            </a:r>
-            <a:endParaRPr lang="en-US" altLang="zh-CN" sz="1600" dirty="0" smtClean="0"/>
-          </a:p>
-          <a:p>
-            <a:pPr algn="ctr"/>
-            <a:r>
-              <a:rPr lang="zh-CN" altLang="en-US" sz="1600" dirty="0" smtClean="0"/>
-              <a:t>负责</a:t>
-            </a:r>
-            <a:r>
-              <a:rPr lang="en-US" altLang="zh-CN" sz="1600" dirty="0" smtClean="0"/>
-              <a:t>××</a:t>
-            </a:r>
-            <a:endParaRPr sz="1600" dirty="0"/>
-          </a:p>
-        </p:txBody>
-      </p:sp>
-      <p:sp>
-        <p:nvSpPr>
-          <p:cNvPr id="10" name="P6"/>
-          <p:cNvSpPr txBox="1"/>
-          <p:nvPr/>
-        </p:nvSpPr>
-        <p:spPr>
-          <a:xfrm>
-            <a:off x="426810" y="5296214"/>
-            <a:ext cx="487071" cy="461059"/>
-          </a:xfrm>
-          <a:prstGeom prst="rect">
-            <a:avLst/>
-          </a:prstGeom>
-          <a:ln w="12700">
-            <a:miter lim="400000"/>
-          </a:ln>
-        </p:spPr>
-        <p:txBody>
-          <a:bodyPr wrap="none" lIns="50800" tIns="50800" rIns="50800" bIns="50800" anchor="ctr">
-            <a:spAutoFit/>
-          </a:bodyPr>
-          <a:lstStyle/>
-          <a:p>
-            <a:r>
-              <a:rPr dirty="0"/>
-              <a:t>P6</a:t>
-            </a:r>
-            <a:endParaRPr dirty="0"/>
-          </a:p>
-        </p:txBody>
-      </p:sp>
-      <p:sp>
-        <p:nvSpPr>
-          <p:cNvPr id="11" name="邱天"/>
-          <p:cNvSpPr/>
-          <p:nvPr/>
-        </p:nvSpPr>
-        <p:spPr>
-          <a:xfrm>
-            <a:off x="1700740" y="5032829"/>
-            <a:ext cx="1490734" cy="920140"/>
-          </a:xfrm>
-          <a:prstGeom prst="rect">
-            <a:avLst/>
-          </a:prstGeom>
-          <a:solidFill>
-            <a:schemeClr val="accent1"/>
-          </a:solidFill>
-          <a:ln w="12700">
-            <a:miter lim="400000"/>
-          </a:ln>
-        </p:spPr>
-        <p:txBody>
-          <a:bodyPr lIns="50800" tIns="50800" rIns="50800" bIns="50800" anchor="ctr"/>
-          <a:lstStyle>
-            <a:lvl1pPr>
-              <a:defRPr sz="2200" b="0">
-                <a:solidFill>
-                  <a:srgbClr val="FFFFFF"/>
-                </a:solidFill>
-                <a:latin typeface="+mn-lt"/>
-                <a:ea typeface="+mn-ea"/>
-                <a:cs typeface="+mn-cs"/>
-                <a:sym typeface="Helvetica Neue Medium"/>
-              </a:defRPr>
-            </a:lvl1pPr>
-          </a:lstStyle>
-          <a:p>
-            <a:pPr algn="ctr"/>
-            <a:r>
-              <a:rPr lang="zh-CN" altLang="en-US" sz="1600" dirty="0" smtClean="0"/>
-              <a:t>田小帅</a:t>
-            </a:r>
-            <a:endParaRPr lang="en-US" altLang="zh-CN" sz="1600" dirty="0" smtClean="0"/>
-          </a:p>
-          <a:p>
-            <a:pPr algn="ctr"/>
-            <a:r>
-              <a:rPr lang="zh-CN" altLang="en-US" sz="1600" dirty="0" smtClean="0"/>
-              <a:t>负责</a:t>
-            </a:r>
-            <a:r>
-              <a:rPr lang="en-US" altLang="zh-CN" sz="1600" dirty="0" smtClean="0"/>
-              <a:t>××</a:t>
-            </a:r>
-            <a:endParaRPr sz="1600" dirty="0"/>
-          </a:p>
-        </p:txBody>
-      </p:sp>
-      <p:sp>
-        <p:nvSpPr>
-          <p:cNvPr id="12" name="邱天"/>
-          <p:cNvSpPr/>
-          <p:nvPr/>
-        </p:nvSpPr>
-        <p:spPr>
-          <a:xfrm>
-            <a:off x="3969580" y="5032829"/>
-            <a:ext cx="1490734" cy="920140"/>
-          </a:xfrm>
-          <a:prstGeom prst="rect">
-            <a:avLst/>
-          </a:prstGeom>
-          <a:solidFill>
-            <a:schemeClr val="accent1"/>
-          </a:solidFill>
-          <a:ln w="12700">
-            <a:miter lim="400000"/>
-          </a:ln>
-        </p:spPr>
-        <p:txBody>
-          <a:bodyPr lIns="50800" tIns="50800" rIns="50800" bIns="50800" anchor="ctr"/>
-          <a:lstStyle>
-            <a:lvl1pPr>
-              <a:defRPr sz="2200" b="0">
-                <a:solidFill>
-                  <a:srgbClr val="FFFFFF"/>
-                </a:solidFill>
-                <a:latin typeface="+mn-lt"/>
-                <a:ea typeface="+mn-ea"/>
-                <a:cs typeface="+mn-cs"/>
-                <a:sym typeface="Helvetica Neue Medium"/>
-              </a:defRPr>
-            </a:lvl1pPr>
-          </a:lstStyle>
-          <a:p>
-            <a:pPr algn="ctr"/>
-            <a:r>
-              <a:rPr lang="zh-CN" altLang="en-US" sz="1600" dirty="0" smtClean="0"/>
-              <a:t>徐小帅</a:t>
-            </a:r>
-            <a:endParaRPr lang="en-US" altLang="zh-CN" sz="1600" dirty="0" smtClean="0"/>
-          </a:p>
-          <a:p>
-            <a:pPr algn="ctr"/>
-            <a:r>
-              <a:rPr lang="zh-CN" altLang="en-US" sz="1600" dirty="0" smtClean="0"/>
-              <a:t>负责</a:t>
-            </a:r>
-            <a:r>
-              <a:rPr lang="en-US" altLang="zh-CN" sz="1600" dirty="0" smtClean="0"/>
-              <a:t>××</a:t>
-            </a:r>
-            <a:endParaRPr sz="1600" dirty="0"/>
-          </a:p>
-        </p:txBody>
-      </p:sp>
-      <p:sp>
-        <p:nvSpPr>
-          <p:cNvPr id="13" name="期权"/>
-          <p:cNvSpPr txBox="1"/>
-          <p:nvPr/>
-        </p:nvSpPr>
-        <p:spPr>
-          <a:xfrm>
-            <a:off x="2621322" y="1533934"/>
-            <a:ext cx="723901" cy="520701"/>
-          </a:xfrm>
-          <a:prstGeom prst="rect">
-            <a:avLst/>
-          </a:prstGeom>
-          <a:ln w="12700">
-            <a:miter lim="400000"/>
-          </a:ln>
-        </p:spPr>
-        <p:txBody>
-          <a:bodyPr wrap="none" lIns="50800" tIns="50800" rIns="50800" bIns="50800" anchor="ctr">
-            <a:spAutoFit/>
-          </a:bodyPr>
-          <a:lstStyle/>
-          <a:p>
-            <a:r>
-              <a:t>期权</a:t>
-            </a:r>
-          </a:p>
-        </p:txBody>
-      </p:sp>
-      <p:sp>
-        <p:nvSpPr>
-          <p:cNvPr id="14" name="空缺"/>
-          <p:cNvSpPr/>
-          <p:nvPr/>
-        </p:nvSpPr>
-        <p:spPr>
-          <a:xfrm>
-            <a:off x="7174038" y="3721160"/>
-            <a:ext cx="1490733" cy="920140"/>
-          </a:xfrm>
-          <a:prstGeom prst="rect">
-            <a:avLst/>
-          </a:prstGeom>
-          <a:solidFill>
-            <a:schemeClr val="accent4">
-              <a:hueOff val="-461056"/>
-              <a:satOff val="4338"/>
-              <a:lumOff val="-10222"/>
-            </a:schemeClr>
-          </a:solidFill>
-          <a:ln w="12700">
-            <a:miter lim="400000"/>
-          </a:ln>
-        </p:spPr>
-        <p:txBody>
-          <a:bodyPr lIns="50800" tIns="50800" rIns="50800" bIns="50800" anchor="ctr"/>
-          <a:lstStyle>
-            <a:lvl1pPr>
-              <a:defRPr sz="2200" b="0">
-                <a:solidFill>
-                  <a:srgbClr val="FFFFFF"/>
-                </a:solidFill>
-                <a:latin typeface="+mn-lt"/>
-                <a:ea typeface="+mn-ea"/>
-                <a:cs typeface="+mn-cs"/>
-                <a:sym typeface="Helvetica Neue Medium"/>
-              </a:defRPr>
-            </a:lvl1pPr>
-          </a:lstStyle>
-          <a:p>
-            <a:pPr algn="ctr"/>
-            <a:r>
-              <a:rPr sz="1600" dirty="0" err="1" smtClean="0"/>
-              <a:t>空缺</a:t>
-            </a:r>
-            <a:endParaRPr lang="en-US" sz="1600" dirty="0" smtClean="0"/>
-          </a:p>
-          <a:p>
-            <a:pPr algn="ctr"/>
-            <a:r>
-              <a:rPr lang="zh-CN" altLang="en-US" sz="1600" dirty="0" smtClean="0"/>
-              <a:t>负责</a:t>
-            </a:r>
-            <a:r>
-              <a:rPr lang="en-US" altLang="zh-CN" sz="1600" dirty="0" smtClean="0"/>
-              <a:t>××</a:t>
-            </a:r>
-            <a:endParaRPr sz="1600" dirty="0"/>
-          </a:p>
-        </p:txBody>
-      </p:sp>
-      <p:sp>
-        <p:nvSpPr>
-          <p:cNvPr id="15" name="邱天"/>
-          <p:cNvSpPr/>
-          <p:nvPr/>
-        </p:nvSpPr>
-        <p:spPr>
-          <a:xfrm>
-            <a:off x="7174038" y="2454351"/>
-            <a:ext cx="1490733" cy="920139"/>
-          </a:xfrm>
-          <a:prstGeom prst="rect">
-            <a:avLst/>
-          </a:prstGeom>
-          <a:solidFill>
-            <a:schemeClr val="accent5">
-              <a:hueOff val="-82419"/>
-              <a:satOff val="-9510"/>
-              <a:lumOff val="-16340"/>
-            </a:schemeClr>
-          </a:solidFill>
-          <a:ln w="12700">
-            <a:miter lim="400000"/>
-          </a:ln>
-        </p:spPr>
-        <p:txBody>
-          <a:bodyPr lIns="50800" tIns="50800" rIns="50800" bIns="50800" anchor="ctr"/>
-          <a:lstStyle>
-            <a:lvl1pPr>
-              <a:defRPr sz="2200" b="0">
-                <a:solidFill>
-                  <a:srgbClr val="FFFFFF"/>
-                </a:solidFill>
-                <a:latin typeface="+mn-lt"/>
-                <a:ea typeface="+mn-ea"/>
-                <a:cs typeface="+mn-cs"/>
-                <a:sym typeface="Helvetica Neue Medium"/>
-              </a:defRPr>
-            </a:lvl1pPr>
-          </a:lstStyle>
-          <a:p>
-            <a:pPr algn="ctr"/>
-            <a:r>
-              <a:rPr lang="zh-CN" altLang="en-US" sz="1600" dirty="0"/>
-              <a:t>王</a:t>
-            </a:r>
-            <a:r>
-              <a:rPr lang="zh-CN" altLang="en-US" sz="1600" dirty="0" smtClean="0"/>
-              <a:t>小帅</a:t>
-            </a:r>
-            <a:endParaRPr lang="en-US" altLang="zh-CN" sz="1600" dirty="0" smtClean="0"/>
-          </a:p>
-          <a:p>
-            <a:pPr algn="ctr"/>
-            <a:r>
-              <a:rPr lang="zh-CN" altLang="en-US" sz="1600" dirty="0" smtClean="0"/>
-              <a:t>（高潜）</a:t>
-            </a:r>
-            <a:endParaRPr lang="en-US" altLang="zh-CN" sz="1600" dirty="0" smtClean="0"/>
-          </a:p>
-          <a:p>
-            <a:pPr algn="ctr"/>
-            <a:r>
-              <a:rPr lang="zh-CN" altLang="en-US" sz="1600" dirty="0" smtClean="0"/>
-              <a:t>负责</a:t>
-            </a:r>
-            <a:r>
-              <a:rPr lang="en-US" altLang="zh-CN" sz="1600" dirty="0" smtClean="0"/>
-              <a:t>×××</a:t>
-            </a:r>
-            <a:endParaRPr sz="1600" dirty="0"/>
-          </a:p>
-        </p:txBody>
-      </p:sp>
-      <p:sp>
-        <p:nvSpPr>
-          <p:cNvPr id="16" name="邱天"/>
-          <p:cNvSpPr/>
-          <p:nvPr/>
-        </p:nvSpPr>
-        <p:spPr>
-          <a:xfrm>
-            <a:off x="9442878" y="3721160"/>
-            <a:ext cx="1490733" cy="920140"/>
-          </a:xfrm>
-          <a:prstGeom prst="rect">
-            <a:avLst/>
-          </a:prstGeom>
-          <a:solidFill>
-            <a:schemeClr val="accent1"/>
-          </a:solidFill>
-          <a:ln w="12700">
-            <a:miter lim="400000"/>
-          </a:ln>
-        </p:spPr>
-        <p:txBody>
-          <a:bodyPr lIns="50800" tIns="50800" rIns="50800" bIns="50800" anchor="ctr"/>
-          <a:lstStyle>
-            <a:lvl1pPr>
-              <a:defRPr sz="2200" b="0">
-                <a:solidFill>
-                  <a:srgbClr val="FFFFFF"/>
-                </a:solidFill>
-                <a:latin typeface="+mn-lt"/>
-                <a:ea typeface="+mn-ea"/>
-                <a:cs typeface="+mn-cs"/>
-                <a:sym typeface="Helvetica Neue Medium"/>
-              </a:defRPr>
-            </a:lvl1pPr>
-          </a:lstStyle>
-          <a:p>
-            <a:pPr algn="ctr"/>
-            <a:r>
-              <a:rPr lang="zh-CN" altLang="en-US" sz="1600" dirty="0" smtClean="0"/>
-              <a:t>张小帅</a:t>
-            </a:r>
-            <a:endParaRPr lang="en-US" altLang="zh-CN" sz="1600" dirty="0" smtClean="0"/>
-          </a:p>
-          <a:p>
-            <a:pPr algn="ctr"/>
-            <a:r>
-              <a:rPr lang="zh-CN" altLang="en-US" sz="1600" dirty="0" smtClean="0"/>
-              <a:t>负责</a:t>
-            </a:r>
-            <a:r>
-              <a:rPr lang="en-US" altLang="zh-CN" sz="1600" dirty="0" smtClean="0"/>
-              <a:t>××</a:t>
-            </a:r>
-            <a:endParaRPr sz="1600" dirty="0"/>
-          </a:p>
-        </p:txBody>
-      </p:sp>
-      <p:sp>
-        <p:nvSpPr>
-          <p:cNvPr id="17" name="邱天"/>
-          <p:cNvSpPr/>
-          <p:nvPr/>
-        </p:nvSpPr>
-        <p:spPr>
-          <a:xfrm>
-            <a:off x="7174038" y="5010398"/>
-            <a:ext cx="1490733" cy="920139"/>
-          </a:xfrm>
-          <a:prstGeom prst="rect">
-            <a:avLst/>
-          </a:prstGeom>
-          <a:solidFill>
-            <a:schemeClr val="accent1"/>
-          </a:solidFill>
-          <a:ln w="12700">
-            <a:miter lim="400000"/>
-          </a:ln>
-        </p:spPr>
-        <p:txBody>
-          <a:bodyPr lIns="50800" tIns="50800" rIns="50800" bIns="50800" anchor="ctr"/>
-          <a:lstStyle>
-            <a:lvl1pPr>
-              <a:defRPr sz="2200" b="0">
-                <a:solidFill>
-                  <a:srgbClr val="FFFFFF"/>
-                </a:solidFill>
-                <a:latin typeface="+mn-lt"/>
-                <a:ea typeface="+mn-ea"/>
-                <a:cs typeface="+mn-cs"/>
-                <a:sym typeface="Helvetica Neue Medium"/>
-              </a:defRPr>
-            </a:lvl1pPr>
-          </a:lstStyle>
-          <a:p>
-            <a:pPr algn="ctr"/>
-            <a:r>
-              <a:rPr lang="zh-CN" altLang="en-US" sz="1600" dirty="0" smtClean="0"/>
-              <a:t>何小帅</a:t>
-            </a:r>
-            <a:br>
-              <a:rPr lang="en-US" altLang="zh-CN" sz="1600" dirty="0" smtClean="0"/>
-            </a:br>
-            <a:r>
-              <a:rPr lang="zh-CN" altLang="en-US" sz="1600" dirty="0" smtClean="0"/>
-              <a:t>负责</a:t>
-            </a:r>
-            <a:r>
-              <a:rPr lang="en-US" altLang="zh-CN" sz="1600" dirty="0" smtClean="0"/>
-              <a:t>××</a:t>
-            </a:r>
-            <a:endParaRPr sz="1600" dirty="0"/>
-          </a:p>
-        </p:txBody>
-      </p:sp>
-      <p:sp>
-        <p:nvSpPr>
-          <p:cNvPr id="18" name="邱天"/>
-          <p:cNvSpPr/>
-          <p:nvPr/>
-        </p:nvSpPr>
-        <p:spPr>
-          <a:xfrm>
-            <a:off x="9442878" y="5010398"/>
-            <a:ext cx="1490733" cy="920139"/>
-          </a:xfrm>
-          <a:prstGeom prst="rect">
-            <a:avLst/>
-          </a:prstGeom>
-          <a:solidFill>
-            <a:schemeClr val="accent1"/>
-          </a:solidFill>
-          <a:ln w="12700">
-            <a:miter lim="400000"/>
-          </a:ln>
-        </p:spPr>
-        <p:txBody>
-          <a:bodyPr lIns="50800" tIns="50800" rIns="50800" bIns="50800" anchor="ctr"/>
-          <a:lstStyle>
-            <a:lvl1pPr>
-              <a:defRPr sz="2200" b="0">
-                <a:solidFill>
-                  <a:srgbClr val="FFFFFF"/>
-                </a:solidFill>
-                <a:latin typeface="+mn-lt"/>
-                <a:ea typeface="+mn-ea"/>
-                <a:cs typeface="+mn-cs"/>
-                <a:sym typeface="Helvetica Neue Medium"/>
-              </a:defRPr>
-            </a:lvl1pPr>
-          </a:lstStyle>
-          <a:p>
-            <a:pPr algn="ctr"/>
-            <a:r>
-              <a:rPr lang="zh-CN" altLang="en-US" sz="1600" dirty="0" smtClean="0"/>
-              <a:t>付小帅</a:t>
-            </a:r>
-            <a:br>
-              <a:rPr lang="en-US" altLang="zh-CN" sz="1600" dirty="0" smtClean="0"/>
-            </a:br>
-            <a:r>
-              <a:rPr lang="zh-CN" altLang="en-US" sz="1600" dirty="0" smtClean="0"/>
-              <a:t>负责</a:t>
-            </a:r>
-            <a:r>
-              <a:rPr lang="en-US" altLang="zh-CN" sz="1600" dirty="0" smtClean="0"/>
-              <a:t>××</a:t>
-            </a:r>
-            <a:endParaRPr sz="1600" dirty="0"/>
-          </a:p>
-        </p:txBody>
-      </p:sp>
-      <p:sp>
-        <p:nvSpPr>
-          <p:cNvPr id="19" name="永续"/>
-          <p:cNvSpPr txBox="1"/>
-          <p:nvPr/>
-        </p:nvSpPr>
-        <p:spPr>
-          <a:xfrm>
-            <a:off x="8659137" y="1533934"/>
-            <a:ext cx="723901" cy="520701"/>
-          </a:xfrm>
-          <a:prstGeom prst="rect">
-            <a:avLst/>
-          </a:prstGeom>
-          <a:ln w="12700">
-            <a:miter lim="400000"/>
-          </a:ln>
-        </p:spPr>
-        <p:txBody>
-          <a:bodyPr wrap="none" lIns="50800" tIns="50800" rIns="50800" bIns="50800" anchor="ctr">
-            <a:spAutoFit/>
-          </a:bodyPr>
-          <a:lstStyle/>
-          <a:p>
-            <a:r>
-              <a:t>永续</a:t>
-            </a:r>
+            <a:pPr hangingPunct="1"/>
+            <a:endParaRPr kumimoji="1" lang="zh-CN" altLang="en-US" dirty="0"/>
           </a:p>
         </p:txBody>
       </p:sp>
@@ -4012,6 +3493,3393 @@
 </file>
 
 <file path=ppt/slides/slide4.xml><?xml version="1.0" encoding="utf-8"?>
+<p:sld xmlns:a="http://schemas.openxmlformats.org/drawingml/2006/main" xmlns:r="http://schemas.openxmlformats.org/officeDocument/2006/relationships" xmlns:p="http://schemas.openxmlformats.org/presentationml/2006/main">
+  <p:cSld>
+    <p:spTree>
+      <p:nvGrpSpPr>
+        <p:cNvPr id="1" name=""/>
+        <p:cNvGrpSpPr/>
+        <p:nvPr/>
+      </p:nvGrpSpPr>
+      <p:grpSpPr>
+        <a:xfrm>
+          <a:off x="0" y="0"/>
+          <a:ext cx="0" cy="0"/>
+          <a:chOff x="0" y="0"/>
+          <a:chExt cx="0" cy="0"/>
+        </a:xfrm>
+      </p:grpSpPr>
+      <p:sp>
+        <p:nvSpPr>
+          <p:cNvPr id="152" name="议题"/>
+          <p:cNvSpPr txBox="1">
+            <a:spLocks noGrp="1"/>
+          </p:cNvSpPr>
+          <p:nvPr>
+            <p:ph type="title"/>
+          </p:nvPr>
+        </p:nvSpPr>
+        <p:spPr>
+          <a:xfrm>
+            <a:off x="670346" y="208371"/>
+            <a:ext cx="10515600" cy="1325563"/>
+          </a:xfrm>
+          <a:prstGeom prst="rect">
+            <a:avLst/>
+          </a:prstGeom>
+        </p:spPr>
+        <p:txBody>
+          <a:bodyPr/>
+          <a:lstStyle>
+            <a:lvl1pPr>
+              <a:defRPr>
+                <a:solidFill>
+                  <a:schemeClr val="accent5"/>
+                </a:solidFill>
+              </a:defRPr>
+            </a:lvl1pPr>
+          </a:lstStyle>
+          <a:p>
+            <a:r>
+              <a:rPr lang="zh-CN" altLang="en-US" dirty="0" smtClean="0"/>
+              <a:t>组织</a:t>
+            </a:r>
+            <a:r>
+              <a:rPr lang="en-US" altLang="zh-CN" dirty="0" smtClean="0"/>
+              <a:t>/</a:t>
+            </a:r>
+            <a:r>
+              <a:rPr lang="zh-CN" altLang="en-US" dirty="0" smtClean="0"/>
+              <a:t>团队</a:t>
+            </a:r>
+            <a:r>
+              <a:rPr lang="zh-CN" altLang="en-US" dirty="0"/>
+              <a:t>梳理</a:t>
+            </a:r>
+            <a:endParaRPr dirty="0"/>
+          </a:p>
+        </p:txBody>
+      </p:sp>
+      <p:sp>
+        <p:nvSpPr>
+          <p:cNvPr id="5" name="内容占位符 2"/>
+          <p:cNvSpPr txBox="1"/>
+          <p:nvPr/>
+        </p:nvSpPr>
+        <p:spPr>
+          <a:xfrm>
+            <a:off x="670346" y="1533934"/>
+            <a:ext cx="10515600" cy="4351338"/>
+          </a:xfrm>
+          <a:prstGeom prst="rect">
+            <a:avLst/>
+          </a:prstGeom>
+          <a:ln w="12700">
+            <a:miter lim="400000"/>
+          </a:ln>
+        </p:spPr>
+        <p:txBody>
+          <a:bodyPr lIns="45719" rIns="45719">
+            <a:normAutofit/>
+          </a:bodyPr>
+          <a:lstStyle>
+            <a:lvl1pPr marL="228600" marR="0" indent="-228600" algn="l" defTabSz="914400" rtl="0" latinLnBrk="0">
+              <a:lnSpc>
+                <a:spcPct val="90000"/>
+              </a:lnSpc>
+              <a:spcBef>
+                <a:spcPts val="1000"/>
+              </a:spcBef>
+              <a:spcAft>
+                <a:spcPts val="0"/>
+              </a:spcAft>
+              <a:buClrTx/>
+              <a:buSzPct val="100000"/>
+              <a:buFont typeface="Arial" panose="020B0604020202090204"/>
+              <a:buChar char="•"/>
+              <a:defRPr sz="2800" b="0" i="0" u="none" strike="noStrike" cap="none" spc="0" baseline="0">
+                <a:solidFill>
+                  <a:srgbClr val="000000"/>
+                </a:solidFill>
+                <a:uFillTx/>
+                <a:latin typeface="Microsoft YaHei Light"/>
+                <a:ea typeface="Microsoft YaHei Light"/>
+                <a:cs typeface="Microsoft YaHei Light"/>
+                <a:sym typeface="Microsoft YaHei Light"/>
+              </a:defRPr>
+            </a:lvl1pPr>
+            <a:lvl2pPr marL="723900" marR="0" indent="-266700" algn="l" defTabSz="914400" rtl="0" latinLnBrk="0">
+              <a:lnSpc>
+                <a:spcPct val="90000"/>
+              </a:lnSpc>
+              <a:spcBef>
+                <a:spcPts val="1000"/>
+              </a:spcBef>
+              <a:spcAft>
+                <a:spcPts val="0"/>
+              </a:spcAft>
+              <a:buClrTx/>
+              <a:buSzPct val="100000"/>
+              <a:buFont typeface="Arial" panose="020B0604020202090204"/>
+              <a:buChar char="•"/>
+              <a:defRPr sz="2800" b="0" i="0" u="none" strike="noStrike" cap="none" spc="0" baseline="0">
+                <a:solidFill>
+                  <a:srgbClr val="000000"/>
+                </a:solidFill>
+                <a:uFillTx/>
+                <a:latin typeface="Microsoft YaHei Light"/>
+                <a:ea typeface="Microsoft YaHei Light"/>
+                <a:cs typeface="Microsoft YaHei Light"/>
+                <a:sym typeface="Microsoft YaHei Light"/>
+              </a:defRPr>
+            </a:lvl2pPr>
+            <a:lvl3pPr marL="1234440" marR="0" indent="-320040" algn="l" defTabSz="914400" rtl="0" latinLnBrk="0">
+              <a:lnSpc>
+                <a:spcPct val="90000"/>
+              </a:lnSpc>
+              <a:spcBef>
+                <a:spcPts val="1000"/>
+              </a:spcBef>
+              <a:spcAft>
+                <a:spcPts val="0"/>
+              </a:spcAft>
+              <a:buClrTx/>
+              <a:buSzPct val="100000"/>
+              <a:buFont typeface="Arial" panose="020B0604020202090204"/>
+              <a:buChar char="•"/>
+              <a:defRPr sz="2800" b="0" i="0" u="none" strike="noStrike" cap="none" spc="0" baseline="0">
+                <a:solidFill>
+                  <a:srgbClr val="000000"/>
+                </a:solidFill>
+                <a:uFillTx/>
+                <a:latin typeface="Microsoft YaHei Light"/>
+                <a:ea typeface="Microsoft YaHei Light"/>
+                <a:cs typeface="Microsoft YaHei Light"/>
+                <a:sym typeface="Microsoft YaHei Light"/>
+              </a:defRPr>
+            </a:lvl3pPr>
+            <a:lvl4pPr marL="1727200" marR="0" indent="-355600" algn="l" defTabSz="914400" rtl="0" latinLnBrk="0">
+              <a:lnSpc>
+                <a:spcPct val="90000"/>
+              </a:lnSpc>
+              <a:spcBef>
+                <a:spcPts val="1000"/>
+              </a:spcBef>
+              <a:spcAft>
+                <a:spcPts val="0"/>
+              </a:spcAft>
+              <a:buClrTx/>
+              <a:buSzPct val="100000"/>
+              <a:buFont typeface="Arial" panose="020B0604020202090204"/>
+              <a:buChar char="•"/>
+              <a:defRPr sz="2800" b="0" i="0" u="none" strike="noStrike" cap="none" spc="0" baseline="0">
+                <a:solidFill>
+                  <a:srgbClr val="000000"/>
+                </a:solidFill>
+                <a:uFillTx/>
+                <a:latin typeface="Microsoft YaHei Light"/>
+                <a:ea typeface="Microsoft YaHei Light"/>
+                <a:cs typeface="Microsoft YaHei Light"/>
+                <a:sym typeface="Microsoft YaHei Light"/>
+              </a:defRPr>
+            </a:lvl4pPr>
+            <a:lvl5pPr marL="2184400" marR="0" indent="-355600" algn="l" defTabSz="914400" rtl="0" latinLnBrk="0">
+              <a:lnSpc>
+                <a:spcPct val="90000"/>
+              </a:lnSpc>
+              <a:spcBef>
+                <a:spcPts val="1000"/>
+              </a:spcBef>
+              <a:spcAft>
+                <a:spcPts val="0"/>
+              </a:spcAft>
+              <a:buClrTx/>
+              <a:buSzPct val="100000"/>
+              <a:buFont typeface="Arial" panose="020B0604020202090204"/>
+              <a:buChar char="•"/>
+              <a:defRPr sz="2800" b="0" i="0" u="none" strike="noStrike" cap="none" spc="0" baseline="0">
+                <a:solidFill>
+                  <a:srgbClr val="000000"/>
+                </a:solidFill>
+                <a:uFillTx/>
+                <a:latin typeface="Microsoft YaHei Light"/>
+                <a:ea typeface="Microsoft YaHei Light"/>
+                <a:cs typeface="Microsoft YaHei Light"/>
+                <a:sym typeface="Microsoft YaHei Light"/>
+              </a:defRPr>
+            </a:lvl5pPr>
+            <a:lvl6pPr marL="2641600" marR="0" indent="-355600" algn="l" defTabSz="914400" rtl="0" latinLnBrk="0">
+              <a:lnSpc>
+                <a:spcPct val="90000"/>
+              </a:lnSpc>
+              <a:spcBef>
+                <a:spcPts val="1000"/>
+              </a:spcBef>
+              <a:spcAft>
+                <a:spcPts val="0"/>
+              </a:spcAft>
+              <a:buClrTx/>
+              <a:buSzPct val="100000"/>
+              <a:buFont typeface="Arial" panose="020B0604020202090204"/>
+              <a:buChar char="•"/>
+              <a:defRPr sz="2800" b="0" i="0" u="none" strike="noStrike" cap="none" spc="0" baseline="0">
+                <a:solidFill>
+                  <a:srgbClr val="000000"/>
+                </a:solidFill>
+                <a:uFillTx/>
+                <a:latin typeface="Microsoft YaHei Light"/>
+                <a:ea typeface="Microsoft YaHei Light"/>
+                <a:cs typeface="Microsoft YaHei Light"/>
+                <a:sym typeface="Microsoft YaHei Light"/>
+              </a:defRPr>
+            </a:lvl6pPr>
+            <a:lvl7pPr marL="3098800" marR="0" indent="-355600" algn="l" defTabSz="914400" rtl="0" latinLnBrk="0">
+              <a:lnSpc>
+                <a:spcPct val="90000"/>
+              </a:lnSpc>
+              <a:spcBef>
+                <a:spcPts val="1000"/>
+              </a:spcBef>
+              <a:spcAft>
+                <a:spcPts val="0"/>
+              </a:spcAft>
+              <a:buClrTx/>
+              <a:buSzPct val="100000"/>
+              <a:buFont typeface="Arial" panose="020B0604020202090204"/>
+              <a:buChar char="•"/>
+              <a:defRPr sz="2800" b="0" i="0" u="none" strike="noStrike" cap="none" spc="0" baseline="0">
+                <a:solidFill>
+                  <a:srgbClr val="000000"/>
+                </a:solidFill>
+                <a:uFillTx/>
+                <a:latin typeface="Microsoft YaHei Light"/>
+                <a:ea typeface="Microsoft YaHei Light"/>
+                <a:cs typeface="Microsoft YaHei Light"/>
+                <a:sym typeface="Microsoft YaHei Light"/>
+              </a:defRPr>
+            </a:lvl7pPr>
+            <a:lvl8pPr marL="3556000" marR="0" indent="-355600" algn="l" defTabSz="914400" rtl="0" latinLnBrk="0">
+              <a:lnSpc>
+                <a:spcPct val="90000"/>
+              </a:lnSpc>
+              <a:spcBef>
+                <a:spcPts val="1000"/>
+              </a:spcBef>
+              <a:spcAft>
+                <a:spcPts val="0"/>
+              </a:spcAft>
+              <a:buClrTx/>
+              <a:buSzPct val="100000"/>
+              <a:buFont typeface="Arial" panose="020B0604020202090204"/>
+              <a:buChar char="•"/>
+              <a:defRPr sz="2800" b="0" i="0" u="none" strike="noStrike" cap="none" spc="0" baseline="0">
+                <a:solidFill>
+                  <a:srgbClr val="000000"/>
+                </a:solidFill>
+                <a:uFillTx/>
+                <a:latin typeface="Microsoft YaHei Light"/>
+                <a:ea typeface="Microsoft YaHei Light"/>
+                <a:cs typeface="Microsoft YaHei Light"/>
+                <a:sym typeface="Microsoft YaHei Light"/>
+              </a:defRPr>
+            </a:lvl8pPr>
+            <a:lvl9pPr marL="4013200" marR="0" indent="-355600" algn="l" defTabSz="914400" rtl="0" latinLnBrk="0">
+              <a:lnSpc>
+                <a:spcPct val="90000"/>
+              </a:lnSpc>
+              <a:spcBef>
+                <a:spcPts val="1000"/>
+              </a:spcBef>
+              <a:spcAft>
+                <a:spcPts val="0"/>
+              </a:spcAft>
+              <a:buClrTx/>
+              <a:buSzPct val="100000"/>
+              <a:buFont typeface="Arial" panose="020B0604020202090204"/>
+              <a:buChar char="•"/>
+              <a:defRPr sz="2800" b="0" i="0" u="none" strike="noStrike" cap="none" spc="0" baseline="0">
+                <a:solidFill>
+                  <a:srgbClr val="000000"/>
+                </a:solidFill>
+                <a:uFillTx/>
+                <a:latin typeface="Microsoft YaHei Light"/>
+                <a:ea typeface="Microsoft YaHei Light"/>
+                <a:cs typeface="Microsoft YaHei Light"/>
+                <a:sym typeface="Microsoft YaHei Light"/>
+              </a:defRPr>
+            </a:lvl9pPr>
+          </a:lstStyle>
+          <a:p>
+            <a:pPr marL="0" indent="0" hangingPunct="1">
+              <a:buNone/>
+            </a:pPr>
+            <a:r>
+              <a:rPr kumimoji="1" lang="zh-CN" altLang="en-US" sz="2400" dirty="0" smtClean="0"/>
+              <a:t>理想的团队阵型是怎样的（</a:t>
+            </a:r>
+            <a:r>
+              <a:rPr lang="zh-CN" altLang="en-US" sz="2400" dirty="0" smtClean="0"/>
+              <a:t>需要对标业务</a:t>
+            </a:r>
+            <a:r>
+              <a:rPr lang="zh-CN" altLang="en-US" sz="2400" dirty="0"/>
+              <a:t>的发展预期</a:t>
+            </a:r>
+            <a:r>
+              <a:rPr lang="zh-CN" altLang="en-US" sz="2400" dirty="0" smtClean="0"/>
+              <a:t>），</a:t>
+            </a:r>
+            <a:r>
+              <a:rPr kumimoji="1" lang="zh-CN" altLang="en-US" sz="2400" dirty="0" smtClean="0"/>
+              <a:t>目前</a:t>
+            </a:r>
+            <a:r>
+              <a:rPr kumimoji="1" lang="zh-CN" altLang="en-US" sz="2400" dirty="0"/>
+              <a:t>团队阵型的问题所在</a:t>
+            </a:r>
+            <a:r>
+              <a:rPr kumimoji="1" lang="zh-CN" altLang="en-US" sz="2400" dirty="0" smtClean="0"/>
+              <a:t>？</a:t>
+            </a:r>
+            <a:endParaRPr kumimoji="1" lang="en-US" altLang="zh-CN" sz="2400" dirty="0" smtClean="0"/>
+          </a:p>
+          <a:p>
+            <a:pPr hangingPunct="1">
+              <a:buFontTx/>
+              <a:buChar char="-"/>
+            </a:pPr>
+            <a:endParaRPr kumimoji="1" lang="zh-CN" altLang="en-US" sz="1800" dirty="0"/>
+          </a:p>
+          <a:p>
+            <a:pPr hangingPunct="1"/>
+            <a:endParaRPr kumimoji="1" lang="zh-CN" altLang="en-US" dirty="0"/>
+          </a:p>
+        </p:txBody>
+      </p:sp>
+    </p:spTree>
+  </p:cSld>
+  <p:clrMapOvr>
+    <a:masterClrMapping/>
+  </p:clrMapOvr>
+  <p:transition spd="med"/>
+  <p:timing>
+    <p:tnLst>
+      <p:par>
+        <p:cTn id="1" dur="indefinite" restart="never" nodeType="tmRoot"/>
+      </p:par>
+    </p:tnLst>
+  </p:timing>
+</p:sld>
+</file>
+
+<file path=ppt/slides/slide5.xml><?xml version="1.0" encoding="utf-8"?>
+<p:sld xmlns:a="http://schemas.openxmlformats.org/drawingml/2006/main" xmlns:r="http://schemas.openxmlformats.org/officeDocument/2006/relationships" xmlns:p="http://schemas.openxmlformats.org/presentationml/2006/main">
+  <p:cSld>
+    <p:spTree>
+      <p:nvGrpSpPr>
+        <p:cNvPr id="1" name=""/>
+        <p:cNvGrpSpPr/>
+        <p:nvPr/>
+      </p:nvGrpSpPr>
+      <p:grpSpPr>
+        <a:xfrm>
+          <a:off x="0" y="0"/>
+          <a:ext cx="0" cy="0"/>
+          <a:chOff x="0" y="0"/>
+          <a:chExt cx="0" cy="0"/>
+        </a:xfrm>
+      </p:grpSpPr>
+      <p:sp>
+        <p:nvSpPr>
+          <p:cNvPr id="152" name="议题"/>
+          <p:cNvSpPr txBox="1">
+            <a:spLocks noGrp="1"/>
+          </p:cNvSpPr>
+          <p:nvPr>
+            <p:ph type="title"/>
+          </p:nvPr>
+        </p:nvSpPr>
+        <p:spPr>
+          <a:xfrm>
+            <a:off x="670346" y="208371"/>
+            <a:ext cx="10515600" cy="1325563"/>
+          </a:xfrm>
+          <a:prstGeom prst="rect">
+            <a:avLst/>
+          </a:prstGeom>
+        </p:spPr>
+        <p:txBody>
+          <a:bodyPr/>
+          <a:lstStyle>
+            <a:lvl1pPr>
+              <a:defRPr>
+                <a:solidFill>
+                  <a:schemeClr val="accent5"/>
+                </a:solidFill>
+              </a:defRPr>
+            </a:lvl1pPr>
+          </a:lstStyle>
+          <a:p>
+            <a:r>
+              <a:rPr lang="zh-CN" altLang="en-US" dirty="0" smtClean="0"/>
+              <a:t>组织</a:t>
+            </a:r>
+            <a:r>
+              <a:rPr lang="en-US" altLang="zh-CN" dirty="0" smtClean="0"/>
+              <a:t>/</a:t>
+            </a:r>
+            <a:r>
+              <a:rPr lang="zh-CN" altLang="en-US" dirty="0" smtClean="0"/>
+              <a:t>团队</a:t>
+            </a:r>
+            <a:r>
+              <a:rPr lang="zh-CN" altLang="en-US" dirty="0"/>
+              <a:t>梳理</a:t>
+            </a:r>
+            <a:endParaRPr dirty="0"/>
+          </a:p>
+        </p:txBody>
+      </p:sp>
+      <p:sp>
+        <p:nvSpPr>
+          <p:cNvPr id="5" name="内容占位符 2"/>
+          <p:cNvSpPr txBox="1"/>
+          <p:nvPr/>
+        </p:nvSpPr>
+        <p:spPr>
+          <a:xfrm>
+            <a:off x="670346" y="1533934"/>
+            <a:ext cx="10515600" cy="4351338"/>
+          </a:xfrm>
+          <a:prstGeom prst="rect">
+            <a:avLst/>
+          </a:prstGeom>
+          <a:ln w="12700">
+            <a:miter lim="400000"/>
+          </a:ln>
+        </p:spPr>
+        <p:txBody>
+          <a:bodyPr lIns="45719" rIns="45719">
+            <a:normAutofit/>
+          </a:bodyPr>
+          <a:lstStyle>
+            <a:lvl1pPr marL="228600" marR="0" indent="-228600" algn="l" defTabSz="914400" rtl="0" latinLnBrk="0">
+              <a:lnSpc>
+                <a:spcPct val="90000"/>
+              </a:lnSpc>
+              <a:spcBef>
+                <a:spcPts val="1000"/>
+              </a:spcBef>
+              <a:spcAft>
+                <a:spcPts val="0"/>
+              </a:spcAft>
+              <a:buClrTx/>
+              <a:buSzPct val="100000"/>
+              <a:buFont typeface="Arial" panose="020B0604020202090204"/>
+              <a:buChar char="•"/>
+              <a:defRPr sz="2800" b="0" i="0" u="none" strike="noStrike" cap="none" spc="0" baseline="0">
+                <a:solidFill>
+                  <a:srgbClr val="000000"/>
+                </a:solidFill>
+                <a:uFillTx/>
+                <a:latin typeface="Microsoft YaHei Light"/>
+                <a:ea typeface="Microsoft YaHei Light"/>
+                <a:cs typeface="Microsoft YaHei Light"/>
+                <a:sym typeface="Microsoft YaHei Light"/>
+              </a:defRPr>
+            </a:lvl1pPr>
+            <a:lvl2pPr marL="723900" marR="0" indent="-266700" algn="l" defTabSz="914400" rtl="0" latinLnBrk="0">
+              <a:lnSpc>
+                <a:spcPct val="90000"/>
+              </a:lnSpc>
+              <a:spcBef>
+                <a:spcPts val="1000"/>
+              </a:spcBef>
+              <a:spcAft>
+                <a:spcPts val="0"/>
+              </a:spcAft>
+              <a:buClrTx/>
+              <a:buSzPct val="100000"/>
+              <a:buFont typeface="Arial" panose="020B0604020202090204"/>
+              <a:buChar char="•"/>
+              <a:defRPr sz="2800" b="0" i="0" u="none" strike="noStrike" cap="none" spc="0" baseline="0">
+                <a:solidFill>
+                  <a:srgbClr val="000000"/>
+                </a:solidFill>
+                <a:uFillTx/>
+                <a:latin typeface="Microsoft YaHei Light"/>
+                <a:ea typeface="Microsoft YaHei Light"/>
+                <a:cs typeface="Microsoft YaHei Light"/>
+                <a:sym typeface="Microsoft YaHei Light"/>
+              </a:defRPr>
+            </a:lvl2pPr>
+            <a:lvl3pPr marL="1234440" marR="0" indent="-320040" algn="l" defTabSz="914400" rtl="0" latinLnBrk="0">
+              <a:lnSpc>
+                <a:spcPct val="90000"/>
+              </a:lnSpc>
+              <a:spcBef>
+                <a:spcPts val="1000"/>
+              </a:spcBef>
+              <a:spcAft>
+                <a:spcPts val="0"/>
+              </a:spcAft>
+              <a:buClrTx/>
+              <a:buSzPct val="100000"/>
+              <a:buFont typeface="Arial" panose="020B0604020202090204"/>
+              <a:buChar char="•"/>
+              <a:defRPr sz="2800" b="0" i="0" u="none" strike="noStrike" cap="none" spc="0" baseline="0">
+                <a:solidFill>
+                  <a:srgbClr val="000000"/>
+                </a:solidFill>
+                <a:uFillTx/>
+                <a:latin typeface="Microsoft YaHei Light"/>
+                <a:ea typeface="Microsoft YaHei Light"/>
+                <a:cs typeface="Microsoft YaHei Light"/>
+                <a:sym typeface="Microsoft YaHei Light"/>
+              </a:defRPr>
+            </a:lvl3pPr>
+            <a:lvl4pPr marL="1727200" marR="0" indent="-355600" algn="l" defTabSz="914400" rtl="0" latinLnBrk="0">
+              <a:lnSpc>
+                <a:spcPct val="90000"/>
+              </a:lnSpc>
+              <a:spcBef>
+                <a:spcPts val="1000"/>
+              </a:spcBef>
+              <a:spcAft>
+                <a:spcPts val="0"/>
+              </a:spcAft>
+              <a:buClrTx/>
+              <a:buSzPct val="100000"/>
+              <a:buFont typeface="Arial" panose="020B0604020202090204"/>
+              <a:buChar char="•"/>
+              <a:defRPr sz="2800" b="0" i="0" u="none" strike="noStrike" cap="none" spc="0" baseline="0">
+                <a:solidFill>
+                  <a:srgbClr val="000000"/>
+                </a:solidFill>
+                <a:uFillTx/>
+                <a:latin typeface="Microsoft YaHei Light"/>
+                <a:ea typeface="Microsoft YaHei Light"/>
+                <a:cs typeface="Microsoft YaHei Light"/>
+                <a:sym typeface="Microsoft YaHei Light"/>
+              </a:defRPr>
+            </a:lvl4pPr>
+            <a:lvl5pPr marL="2184400" marR="0" indent="-355600" algn="l" defTabSz="914400" rtl="0" latinLnBrk="0">
+              <a:lnSpc>
+                <a:spcPct val="90000"/>
+              </a:lnSpc>
+              <a:spcBef>
+                <a:spcPts val="1000"/>
+              </a:spcBef>
+              <a:spcAft>
+                <a:spcPts val="0"/>
+              </a:spcAft>
+              <a:buClrTx/>
+              <a:buSzPct val="100000"/>
+              <a:buFont typeface="Arial" panose="020B0604020202090204"/>
+              <a:buChar char="•"/>
+              <a:defRPr sz="2800" b="0" i="0" u="none" strike="noStrike" cap="none" spc="0" baseline="0">
+                <a:solidFill>
+                  <a:srgbClr val="000000"/>
+                </a:solidFill>
+                <a:uFillTx/>
+                <a:latin typeface="Microsoft YaHei Light"/>
+                <a:ea typeface="Microsoft YaHei Light"/>
+                <a:cs typeface="Microsoft YaHei Light"/>
+                <a:sym typeface="Microsoft YaHei Light"/>
+              </a:defRPr>
+            </a:lvl5pPr>
+            <a:lvl6pPr marL="2641600" marR="0" indent="-355600" algn="l" defTabSz="914400" rtl="0" latinLnBrk="0">
+              <a:lnSpc>
+                <a:spcPct val="90000"/>
+              </a:lnSpc>
+              <a:spcBef>
+                <a:spcPts val="1000"/>
+              </a:spcBef>
+              <a:spcAft>
+                <a:spcPts val="0"/>
+              </a:spcAft>
+              <a:buClrTx/>
+              <a:buSzPct val="100000"/>
+              <a:buFont typeface="Arial" panose="020B0604020202090204"/>
+              <a:buChar char="•"/>
+              <a:defRPr sz="2800" b="0" i="0" u="none" strike="noStrike" cap="none" spc="0" baseline="0">
+                <a:solidFill>
+                  <a:srgbClr val="000000"/>
+                </a:solidFill>
+                <a:uFillTx/>
+                <a:latin typeface="Microsoft YaHei Light"/>
+                <a:ea typeface="Microsoft YaHei Light"/>
+                <a:cs typeface="Microsoft YaHei Light"/>
+                <a:sym typeface="Microsoft YaHei Light"/>
+              </a:defRPr>
+            </a:lvl6pPr>
+            <a:lvl7pPr marL="3098800" marR="0" indent="-355600" algn="l" defTabSz="914400" rtl="0" latinLnBrk="0">
+              <a:lnSpc>
+                <a:spcPct val="90000"/>
+              </a:lnSpc>
+              <a:spcBef>
+                <a:spcPts val="1000"/>
+              </a:spcBef>
+              <a:spcAft>
+                <a:spcPts val="0"/>
+              </a:spcAft>
+              <a:buClrTx/>
+              <a:buSzPct val="100000"/>
+              <a:buFont typeface="Arial" panose="020B0604020202090204"/>
+              <a:buChar char="•"/>
+              <a:defRPr sz="2800" b="0" i="0" u="none" strike="noStrike" cap="none" spc="0" baseline="0">
+                <a:solidFill>
+                  <a:srgbClr val="000000"/>
+                </a:solidFill>
+                <a:uFillTx/>
+                <a:latin typeface="Microsoft YaHei Light"/>
+                <a:ea typeface="Microsoft YaHei Light"/>
+                <a:cs typeface="Microsoft YaHei Light"/>
+                <a:sym typeface="Microsoft YaHei Light"/>
+              </a:defRPr>
+            </a:lvl7pPr>
+            <a:lvl8pPr marL="3556000" marR="0" indent="-355600" algn="l" defTabSz="914400" rtl="0" latinLnBrk="0">
+              <a:lnSpc>
+                <a:spcPct val="90000"/>
+              </a:lnSpc>
+              <a:spcBef>
+                <a:spcPts val="1000"/>
+              </a:spcBef>
+              <a:spcAft>
+                <a:spcPts val="0"/>
+              </a:spcAft>
+              <a:buClrTx/>
+              <a:buSzPct val="100000"/>
+              <a:buFont typeface="Arial" panose="020B0604020202090204"/>
+              <a:buChar char="•"/>
+              <a:defRPr sz="2800" b="0" i="0" u="none" strike="noStrike" cap="none" spc="0" baseline="0">
+                <a:solidFill>
+                  <a:srgbClr val="000000"/>
+                </a:solidFill>
+                <a:uFillTx/>
+                <a:latin typeface="Microsoft YaHei Light"/>
+                <a:ea typeface="Microsoft YaHei Light"/>
+                <a:cs typeface="Microsoft YaHei Light"/>
+                <a:sym typeface="Microsoft YaHei Light"/>
+              </a:defRPr>
+            </a:lvl8pPr>
+            <a:lvl9pPr marL="4013200" marR="0" indent="-355600" algn="l" defTabSz="914400" rtl="0" latinLnBrk="0">
+              <a:lnSpc>
+                <a:spcPct val="90000"/>
+              </a:lnSpc>
+              <a:spcBef>
+                <a:spcPts val="1000"/>
+              </a:spcBef>
+              <a:spcAft>
+                <a:spcPts val="0"/>
+              </a:spcAft>
+              <a:buClrTx/>
+              <a:buSzPct val="100000"/>
+              <a:buFont typeface="Arial" panose="020B0604020202090204"/>
+              <a:buChar char="•"/>
+              <a:defRPr sz="2800" b="0" i="0" u="none" strike="noStrike" cap="none" spc="0" baseline="0">
+                <a:solidFill>
+                  <a:srgbClr val="000000"/>
+                </a:solidFill>
+                <a:uFillTx/>
+                <a:latin typeface="Microsoft YaHei Light"/>
+                <a:ea typeface="Microsoft YaHei Light"/>
+                <a:cs typeface="Microsoft YaHei Light"/>
+                <a:sym typeface="Microsoft YaHei Light"/>
+              </a:defRPr>
+            </a:lvl9pPr>
+          </a:lstStyle>
+          <a:p>
+            <a:pPr marL="0" indent="0" hangingPunct="1">
+              <a:buNone/>
+            </a:pPr>
+            <a:r>
+              <a:rPr kumimoji="1" lang="zh-CN" altLang="en-US" sz="2400" dirty="0" smtClean="0"/>
+              <a:t>目前各成员</a:t>
+            </a:r>
+            <a:r>
+              <a:rPr kumimoji="1" lang="zh-CN" altLang="en-US" sz="2400" dirty="0"/>
+              <a:t>的优劣势</a:t>
+            </a:r>
+            <a:r>
+              <a:rPr kumimoji="1" lang="zh-CN" altLang="en-US" sz="2400" dirty="0" smtClean="0"/>
+              <a:t>情况？相应的管理动作是什么？</a:t>
+            </a:r>
+            <a:endParaRPr kumimoji="1" lang="en-US" altLang="zh-CN" sz="2400" dirty="0" smtClean="0"/>
+          </a:p>
+          <a:p>
+            <a:pPr marL="0" indent="0" hangingPunct="1">
+              <a:buNone/>
+            </a:pPr>
+            <a:endParaRPr kumimoji="1" lang="zh-CN" altLang="en-US" sz="1800" dirty="0"/>
+          </a:p>
+          <a:p>
+            <a:pPr hangingPunct="1"/>
+            <a:endParaRPr kumimoji="1" lang="zh-CN" altLang="en-US" dirty="0"/>
+          </a:p>
+        </p:txBody>
+      </p:sp>
+    </p:spTree>
+  </p:cSld>
+  <p:clrMapOvr>
+    <a:masterClrMapping/>
+  </p:clrMapOvr>
+  <p:transition spd="med"/>
+  <p:timing>
+    <p:tnLst>
+      <p:par>
+        <p:cTn id="1" dur="indefinite" restart="never" nodeType="tmRoot"/>
+      </p:par>
+    </p:tnLst>
+  </p:timing>
+</p:sld>
+</file>
+
+<file path=ppt/slides/slide6.xml><?xml version="1.0" encoding="utf-8"?>
+<p:sld xmlns:a="http://schemas.openxmlformats.org/drawingml/2006/main" xmlns:r="http://schemas.openxmlformats.org/officeDocument/2006/relationships" xmlns:p="http://schemas.openxmlformats.org/presentationml/2006/main">
+  <p:cSld>
+    <p:spTree>
+      <p:nvGrpSpPr>
+        <p:cNvPr id="1" name=""/>
+        <p:cNvGrpSpPr/>
+        <p:nvPr/>
+      </p:nvGrpSpPr>
+      <p:grpSpPr>
+        <a:xfrm>
+          <a:off x="0" y="0"/>
+          <a:ext cx="0" cy="0"/>
+          <a:chOff x="0" y="0"/>
+          <a:chExt cx="0" cy="0"/>
+        </a:xfrm>
+      </p:grpSpPr>
+      <p:sp>
+        <p:nvSpPr>
+          <p:cNvPr id="152" name="议题"/>
+          <p:cNvSpPr txBox="1">
+            <a:spLocks noGrp="1"/>
+          </p:cNvSpPr>
+          <p:nvPr>
+            <p:ph type="title"/>
+          </p:nvPr>
+        </p:nvSpPr>
+        <p:spPr>
+          <a:xfrm>
+            <a:off x="670560" y="208280"/>
+            <a:ext cx="10515600" cy="996315"/>
+          </a:xfrm>
+          <a:prstGeom prst="rect">
+            <a:avLst/>
+          </a:prstGeom>
+        </p:spPr>
+        <p:txBody>
+          <a:bodyPr/>
+          <a:lstStyle>
+            <a:lvl1pPr>
+              <a:defRPr>
+                <a:solidFill>
+                  <a:schemeClr val="accent5"/>
+                </a:solidFill>
+              </a:defRPr>
+            </a:lvl1pPr>
+          </a:lstStyle>
+          <a:p>
+            <a:r>
+              <a:rPr lang="zh-CN" altLang="en-US" dirty="0" smtClean="0"/>
+              <a:t>组织</a:t>
+            </a:r>
+            <a:r>
+              <a:rPr lang="en-US" altLang="zh-CN" dirty="0" smtClean="0"/>
+              <a:t>/</a:t>
+            </a:r>
+            <a:r>
+              <a:rPr lang="zh-CN" altLang="en-US" dirty="0" smtClean="0"/>
+              <a:t>团队梳理</a:t>
+            </a:r>
+            <a:endParaRPr dirty="0"/>
+          </a:p>
+        </p:txBody>
+      </p:sp>
+      <p:graphicFrame>
+        <p:nvGraphicFramePr>
+          <p:cNvPr id="0" name="Table -1"/>
+          <p:cNvGraphicFramePr/>
+          <p:nvPr/>
+        </p:nvGraphicFramePr>
+        <p:xfrm>
+          <a:off x="805180" y="1334770"/>
+          <a:ext cx="10695305" cy="5241925"/>
+        </p:xfrm>
+        <a:graphic>
+          <a:graphicData uri="http://schemas.openxmlformats.org/drawingml/2006/table">
+            <a:tbl>
+              <a:tblPr firstRow="1" bandRow="1">
+                <a:tableStyleId>{5C22544A-7EE6-4342-B048-85BDC9FD1C3A}</a:tableStyleId>
+              </a:tblPr>
+              <a:tblGrid>
+                <a:gridCol w="662305"/>
+                <a:gridCol w="4525645"/>
+                <a:gridCol w="3509010"/>
+                <a:gridCol w="1998345"/>
+              </a:tblGrid>
+              <a:tr h="880110">
+                <a:tc>
+                  <a:txBody>
+                    <a:bodyPr/>
+                    <a:p>
+                      <a:pPr algn="l">
+                        <a:buNone/>
+                      </a:pPr>
+                      <a:r>
+                        <a:rPr lang="en-US" altLang="zh-CN" sz="1400" b="0">
+                          <a:solidFill>
+                            <a:srgbClr val="000000"/>
+                          </a:solidFill>
+                          <a:latin typeface="Calibri" charset="0"/>
+                          <a:cs typeface="Calibri" charset="0"/>
+                        </a:rPr>
+                        <a:t>P7</a:t>
+                      </a:r>
+                      <a:endParaRPr lang="en-US" altLang="zh-CN" sz="1400" b="0">
+                        <a:solidFill>
+                          <a:srgbClr val="000000"/>
+                        </a:solidFill>
+                        <a:latin typeface="Calibri" charset="0"/>
+                        <a:ea typeface="Calibri" charset="0"/>
+                        <a:cs typeface="Calibri" charset="0"/>
+                      </a:endParaRPr>
+                    </a:p>
+                  </a:txBody>
+                  <a:tcPr marL="0" marR="0" marT="0" marB="0" vert="horz" anchor="ctr">
+                    <a:lnL w="6350" cap="flat" cmpd="sng">
+                      <a:solidFill>
+                        <a:srgbClr val="000000"/>
+                      </a:solidFill>
+                      <a:prstDash val="dot"/>
+                      <a:headEnd type="none" w="med" len="med"/>
+                      <a:tailEnd type="none" w="med" len="med"/>
+                    </a:lnL>
+                    <a:lnR w="6350" cap="flat" cmpd="sng">
+                      <a:solidFill>
+                        <a:srgbClr val="000000"/>
+                      </a:solidFill>
+                      <a:prstDash val="dot"/>
+                      <a:headEnd type="none" w="med" len="med"/>
+                      <a:tailEnd type="none" w="med" len="med"/>
+                    </a:lnR>
+                    <a:lnT w="6350" cap="flat" cmpd="sng">
+                      <a:solidFill>
+                        <a:srgbClr val="000000"/>
+                      </a:solidFill>
+                      <a:prstDash val="dot"/>
+                      <a:headEnd type="none" w="med" len="med"/>
+                      <a:tailEnd type="none" w="med" len="med"/>
+                    </a:lnT>
+                    <a:lnB w="6350" cap="flat" cmpd="sng">
+                      <a:solidFill>
+                        <a:srgbClr val="000000"/>
+                      </a:solidFill>
+                      <a:prstDash val="dot"/>
+                      <a:headEnd type="none" w="med" len="med"/>
+                      <a:tailEnd type="none" w="med" len="med"/>
+                    </a:lnB>
+                    <a:lnTlToBr>
+                      <a:noFill/>
+                    </a:lnTlToBr>
+                    <a:lnBlToTr>
+                      <a:noFill/>
+                    </a:lnBlToTr>
+                    <a:noFill/>
+                  </a:tcPr>
+                </a:tc>
+                <a:tc>
+                  <a:txBody>
+                    <a:bodyPr/>
+                    <a:p>
+                      <a:pPr algn="l">
+                        <a:buNone/>
+                      </a:pPr>
+                      <a:r>
+                        <a:rPr lang="zh-CN" altLang="en-US" sz="1400" b="0">
+                          <a:solidFill>
+                            <a:srgbClr val="000000"/>
+                          </a:solidFill>
+                          <a:latin typeface="Calibri" charset="0"/>
+                          <a:cs typeface="Calibri" charset="0"/>
+                        </a:rPr>
+                        <a:t>郑超</a:t>
+                      </a:r>
+                      <a:endParaRPr lang="zh-CN" altLang="en-US" sz="1400" b="0">
+                        <a:solidFill>
+                          <a:srgbClr val="000000"/>
+                        </a:solidFill>
+                        <a:latin typeface="Calibri" charset="0"/>
+                        <a:cs typeface="Calibri" charset="0"/>
+                      </a:endParaRPr>
+                    </a:p>
+                    <a:p>
+                      <a:pPr algn="l">
+                        <a:buNone/>
+                      </a:pPr>
+                      <a:r>
+                        <a:rPr lang="zh-CN" altLang="en-US" sz="1400" b="0">
+                          <a:solidFill>
+                            <a:srgbClr val="000000"/>
+                          </a:solidFill>
+                          <a:latin typeface="Calibri" charset="0"/>
+                          <a:cs typeface="Calibri" charset="0"/>
+                        </a:rPr>
+                        <a:t>核心</a:t>
+                      </a:r>
+                      <a:endParaRPr lang="zh-CN" altLang="en-US" sz="1400" b="0">
+                        <a:solidFill>
+                          <a:srgbClr val="000000"/>
+                        </a:solidFill>
+                        <a:latin typeface="Calibri" charset="0"/>
+                        <a:cs typeface="Calibri" charset="0"/>
+                      </a:endParaRPr>
+                    </a:p>
+                    <a:p>
+                      <a:pPr algn="l">
+                        <a:buNone/>
+                      </a:pPr>
+                      <a:r>
+                        <a:rPr lang="en-US" altLang="zh-CN" sz="1400" b="0">
+                          <a:solidFill>
+                            <a:srgbClr val="000000"/>
+                          </a:solidFill>
+                          <a:latin typeface="Calibri" charset="0"/>
+                          <a:cs typeface="Calibri" charset="0"/>
+                        </a:rPr>
+                        <a:t>Dex</a:t>
+                      </a:r>
+                      <a:r>
+                        <a:rPr lang="zh-CN" altLang="en-US" sz="1400" b="0">
+                          <a:solidFill>
+                            <a:srgbClr val="000000"/>
+                          </a:solidFill>
+                          <a:latin typeface="Calibri" charset="0"/>
+                          <a:cs typeface="Calibri" charset="0"/>
+                        </a:rPr>
+                        <a:t>前端</a:t>
+                      </a:r>
+                      <a:r>
+                        <a:rPr lang="en-US" altLang="zh-CN" sz="1400" b="0">
+                          <a:solidFill>
+                            <a:srgbClr val="000000"/>
+                          </a:solidFill>
+                          <a:latin typeface="Calibri" charset="0"/>
+                          <a:cs typeface="Calibri" charset="0"/>
+                        </a:rPr>
+                        <a:t>+</a:t>
+                      </a:r>
+                      <a:r>
+                        <a:rPr lang="zh-CN" altLang="en-US" sz="1400" b="0">
+                          <a:solidFill>
+                            <a:srgbClr val="000000"/>
+                          </a:solidFill>
+                          <a:latin typeface="Calibri" charset="0"/>
+                          <a:cs typeface="Calibri" charset="0"/>
+                        </a:rPr>
+                        <a:t>事务管理</a:t>
+                      </a:r>
+                      <a:endParaRPr lang="zh-CN" altLang="en-US" sz="1400" b="0">
+                        <a:solidFill>
+                          <a:srgbClr val="000000"/>
+                        </a:solidFill>
+                        <a:latin typeface="Calibri" charset="0"/>
+                        <a:ea typeface="Calibri" charset="0"/>
+                        <a:cs typeface="Calibri" charset="0"/>
+                      </a:endParaRPr>
+                    </a:p>
+                  </a:txBody>
+                  <a:tcPr marL="0" marR="0" marT="0" marB="0" vert="horz" anchor="ctr">
+                    <a:lnL w="6350" cap="flat" cmpd="sng">
+                      <a:solidFill>
+                        <a:srgbClr val="000000"/>
+                      </a:solidFill>
+                      <a:prstDash val="dot"/>
+                      <a:headEnd type="none" w="med" len="med"/>
+                      <a:tailEnd type="none" w="med" len="med"/>
+                    </a:lnL>
+                    <a:lnR w="6350" cap="flat" cmpd="sng">
+                      <a:solidFill>
+                        <a:srgbClr val="000000"/>
+                      </a:solidFill>
+                      <a:prstDash val="dot"/>
+                      <a:headEnd type="none" w="med" len="med"/>
+                      <a:tailEnd type="none" w="med" len="med"/>
+                    </a:lnR>
+                    <a:lnT w="6350" cap="flat" cmpd="sng">
+                      <a:solidFill>
+                        <a:srgbClr val="000000"/>
+                      </a:solidFill>
+                      <a:prstDash val="dot"/>
+                      <a:headEnd type="none" w="med" len="med"/>
+                      <a:tailEnd type="none" w="med" len="med"/>
+                    </a:lnT>
+                    <a:lnB w="6350" cap="flat" cmpd="sng">
+                      <a:solidFill>
+                        <a:srgbClr val="000000"/>
+                      </a:solidFill>
+                      <a:prstDash val="dot"/>
+                      <a:headEnd type="none" w="med" len="med"/>
+                      <a:tailEnd type="none" w="med" len="med"/>
+                    </a:lnB>
+                    <a:lnTlToBr>
+                      <a:noFill/>
+                    </a:lnTlToBr>
+                    <a:lnBlToTr>
+                      <a:noFill/>
+                    </a:lnBlToTr>
+                    <a:noFill/>
+                  </a:tcPr>
+                </a:tc>
+                <a:tc>
+                  <a:txBody>
+                    <a:bodyPr/>
+                    <a:p>
+                      <a:pPr algn="l">
+                        <a:buNone/>
+                      </a:pPr>
+                      <a:r>
+                        <a:rPr lang="zh-CN" altLang="en-US" sz="1400" b="0">
+                          <a:solidFill>
+                            <a:srgbClr val="000000"/>
+                          </a:solidFill>
+                          <a:latin typeface="Calibri" charset="0"/>
+                          <a:cs typeface="Calibri" charset="0"/>
+                        </a:rPr>
+                        <a:t>符玲亭</a:t>
+                      </a:r>
+                      <a:endParaRPr lang="zh-CN" altLang="en-US" sz="1400" b="0">
+                        <a:solidFill>
+                          <a:srgbClr val="000000"/>
+                        </a:solidFill>
+                        <a:latin typeface="Calibri" charset="0"/>
+                        <a:cs typeface="Calibri" charset="0"/>
+                      </a:endParaRPr>
+                    </a:p>
+                    <a:p>
+                      <a:pPr algn="l">
+                        <a:buNone/>
+                      </a:pPr>
+                      <a:r>
+                        <a:rPr lang="zh-CN" altLang="en-US" sz="1400" b="0">
+                          <a:solidFill>
+                            <a:srgbClr val="000000"/>
+                          </a:solidFill>
+                          <a:latin typeface="Calibri" charset="0"/>
+                          <a:cs typeface="Calibri" charset="0"/>
+                        </a:rPr>
+                        <a:t>核心</a:t>
+                      </a:r>
+                      <a:endParaRPr lang="zh-CN" altLang="en-US" sz="1400" b="0">
+                        <a:solidFill>
+                          <a:srgbClr val="000000"/>
+                        </a:solidFill>
+                        <a:latin typeface="Calibri" charset="0"/>
+                        <a:cs typeface="Calibri" charset="0"/>
+                      </a:endParaRPr>
+                    </a:p>
+                    <a:p>
+                      <a:pPr algn="l">
+                        <a:buNone/>
+                      </a:pPr>
+                      <a:r>
+                        <a:rPr lang="en-US" altLang="zh-CN" sz="1400" b="0">
+                          <a:solidFill>
+                            <a:srgbClr val="000000"/>
+                          </a:solidFill>
+                          <a:latin typeface="Calibri" charset="0"/>
+                          <a:cs typeface="Calibri" charset="0"/>
+                        </a:rPr>
+                        <a:t>stream</a:t>
+                      </a:r>
+                      <a:r>
+                        <a:rPr lang="zh-CN" altLang="en-US" sz="1400" b="0">
+                          <a:solidFill>
+                            <a:srgbClr val="000000"/>
+                          </a:solidFill>
+                          <a:latin typeface="Calibri" charset="0"/>
+                          <a:cs typeface="Calibri" charset="0"/>
+                        </a:rPr>
+                        <a:t>架构</a:t>
+                      </a:r>
+                      <a:r>
+                        <a:rPr lang="en-US" altLang="zh-CN" sz="1400" b="0">
+                          <a:solidFill>
+                            <a:srgbClr val="000000"/>
+                          </a:solidFill>
+                          <a:latin typeface="Calibri" charset="0"/>
+                          <a:cs typeface="Calibri" charset="0"/>
+                        </a:rPr>
+                        <a:t>+</a:t>
+                      </a:r>
+                      <a:r>
+                        <a:rPr lang="zh-CN" altLang="en-US" sz="1400" b="0">
+                          <a:solidFill>
+                            <a:srgbClr val="000000"/>
+                          </a:solidFill>
+                          <a:latin typeface="Calibri" charset="0"/>
+                          <a:cs typeface="Calibri" charset="0"/>
+                        </a:rPr>
+                        <a:t>跨链</a:t>
+                      </a:r>
+                      <a:endParaRPr lang="zh-CN" altLang="en-US" sz="1400" b="0">
+                        <a:solidFill>
+                          <a:srgbClr val="000000"/>
+                        </a:solidFill>
+                        <a:latin typeface="Calibri" charset="0"/>
+                        <a:ea typeface="Calibri" charset="0"/>
+                        <a:cs typeface="Calibri" charset="0"/>
+                      </a:endParaRPr>
+                    </a:p>
+                  </a:txBody>
+                  <a:tcPr marL="0" marR="0" marT="0" marB="0" vert="horz" anchor="ctr">
+                    <a:lnL w="6350" cap="flat" cmpd="sng">
+                      <a:solidFill>
+                        <a:srgbClr val="000000"/>
+                      </a:solidFill>
+                      <a:prstDash val="dot"/>
+                      <a:headEnd type="none" w="med" len="med"/>
+                      <a:tailEnd type="none" w="med" len="med"/>
+                    </a:lnL>
+                    <a:lnR w="6350" cap="flat" cmpd="sng">
+                      <a:solidFill>
+                        <a:srgbClr val="000000"/>
+                      </a:solidFill>
+                      <a:prstDash val="dot"/>
+                      <a:headEnd type="none" w="med" len="med"/>
+                      <a:tailEnd type="none" w="med" len="med"/>
+                    </a:lnR>
+                    <a:lnT w="6350" cap="flat" cmpd="sng">
+                      <a:solidFill>
+                        <a:srgbClr val="000000"/>
+                      </a:solidFill>
+                      <a:prstDash val="dot"/>
+                      <a:headEnd type="none" w="med" len="med"/>
+                      <a:tailEnd type="none" w="med" len="med"/>
+                    </a:lnT>
+                    <a:lnB w="6350" cap="flat" cmpd="sng">
+                      <a:solidFill>
+                        <a:srgbClr val="000000"/>
+                      </a:solidFill>
+                      <a:prstDash val="dot"/>
+                      <a:headEnd type="none" w="med" len="med"/>
+                      <a:tailEnd type="none" w="med" len="med"/>
+                    </a:lnB>
+                    <a:lnTlToBr>
+                      <a:noFill/>
+                    </a:lnTlToBr>
+                    <a:lnBlToTr>
+                      <a:noFill/>
+                    </a:lnBlToTr>
+                    <a:noFill/>
+                  </a:tcPr>
+                </a:tc>
+                <a:tc>
+                  <a:txBody>
+                    <a:bodyPr/>
+                    <a:p>
+                      <a:pPr algn="l">
+                        <a:buNone/>
+                      </a:pPr>
+                      <a:endParaRPr lang="en-US" sz="1400" b="0">
+                        <a:solidFill>
+                          <a:srgbClr val="000000"/>
+                        </a:solidFill>
+                        <a:latin typeface="Calibri" charset="0"/>
+                        <a:ea typeface="Calibri" charset="0"/>
+                        <a:cs typeface="Calibri" charset="0"/>
+                      </a:endParaRPr>
+                    </a:p>
+                  </a:txBody>
+                  <a:tcPr marL="0" marR="0" marT="0" marB="0" vert="horz" anchor="ctr">
+                    <a:lnL w="6350" cap="flat" cmpd="sng">
+                      <a:solidFill>
+                        <a:srgbClr val="000000"/>
+                      </a:solidFill>
+                      <a:prstDash val="dot"/>
+                      <a:headEnd type="none" w="med" len="med"/>
+                      <a:tailEnd type="none" w="med" len="med"/>
+                    </a:lnL>
+                    <a:lnR w="6350" cap="flat" cmpd="sng">
+                      <a:solidFill>
+                        <a:srgbClr val="000000"/>
+                      </a:solidFill>
+                      <a:prstDash val="dot"/>
+                      <a:headEnd type="none" w="med" len="med"/>
+                      <a:tailEnd type="none" w="med" len="med"/>
+                    </a:lnR>
+                    <a:lnT w="6350" cap="flat" cmpd="sng">
+                      <a:solidFill>
+                        <a:srgbClr val="000000"/>
+                      </a:solidFill>
+                      <a:prstDash val="dot"/>
+                      <a:headEnd type="none" w="med" len="med"/>
+                      <a:tailEnd type="none" w="med" len="med"/>
+                    </a:lnT>
+                    <a:lnB w="6350" cap="flat" cmpd="sng">
+                      <a:solidFill>
+                        <a:srgbClr val="000000"/>
+                      </a:solidFill>
+                      <a:prstDash val="dot"/>
+                      <a:headEnd type="none" w="med" len="med"/>
+                      <a:tailEnd type="none" w="med" len="med"/>
+                    </a:lnB>
+                    <a:lnTlToBr>
+                      <a:noFill/>
+                    </a:lnTlToBr>
+                    <a:lnBlToTr>
+                      <a:noFill/>
+                    </a:lnBlToTr>
+                    <a:noFill/>
+                  </a:tcPr>
+                </a:tc>
+              </a:tr>
+              <a:tr h="1134110">
+                <a:tc>
+                  <a:txBody>
+                    <a:bodyPr/>
+                    <a:p>
+                      <a:pPr algn="l">
+                        <a:buNone/>
+                      </a:pPr>
+                      <a:r>
+                        <a:rPr lang="en-US" altLang="zh-CN" sz="1400">
+                          <a:solidFill>
+                            <a:srgbClr val="000000"/>
+                          </a:solidFill>
+                          <a:latin typeface="Calibri" charset="0"/>
+                          <a:cs typeface="Calibri" charset="0"/>
+                        </a:rPr>
+                        <a:t>P6+</a:t>
+                      </a:r>
+                      <a:endParaRPr lang="en-US" altLang="zh-CN" sz="1400">
+                        <a:solidFill>
+                          <a:srgbClr val="000000"/>
+                        </a:solidFill>
+                        <a:latin typeface="Calibri" charset="0"/>
+                        <a:ea typeface="Calibri" charset="0"/>
+                        <a:cs typeface="Calibri" charset="0"/>
+                      </a:endParaRPr>
+                    </a:p>
+                  </a:txBody>
+                  <a:tcPr marL="0" marR="0" marT="0" marB="0" vert="horz" anchor="ctr">
+                    <a:lnL w="6350" cap="flat" cmpd="sng">
+                      <a:solidFill>
+                        <a:srgbClr val="000000"/>
+                      </a:solidFill>
+                      <a:prstDash val="dot"/>
+                      <a:headEnd type="none" w="med" len="med"/>
+                      <a:tailEnd type="none" w="med" len="med"/>
+                    </a:lnL>
+                    <a:lnR w="6350" cap="flat" cmpd="sng">
+                      <a:solidFill>
+                        <a:srgbClr val="000000"/>
+                      </a:solidFill>
+                      <a:prstDash val="dot"/>
+                      <a:headEnd type="none" w="med" len="med"/>
+                      <a:tailEnd type="none" w="med" len="med"/>
+                    </a:lnR>
+                    <a:lnT w="6350" cap="flat" cmpd="sng">
+                      <a:solidFill>
+                        <a:srgbClr val="000000"/>
+                      </a:solidFill>
+                      <a:prstDash val="dot"/>
+                      <a:headEnd type="none" w="med" len="med"/>
+                      <a:tailEnd type="none" w="med" len="med"/>
+                    </a:lnT>
+                    <a:lnB w="6350" cap="flat" cmpd="sng">
+                      <a:solidFill>
+                        <a:srgbClr val="000000"/>
+                      </a:solidFill>
+                      <a:prstDash val="dot"/>
+                      <a:headEnd type="none" w="med" len="med"/>
+                      <a:tailEnd type="none" w="med" len="med"/>
+                    </a:lnB>
+                    <a:lnTlToBr>
+                      <a:noFill/>
+                    </a:lnTlToBr>
+                    <a:lnBlToTr>
+                      <a:noFill/>
+                    </a:lnBlToTr>
+                    <a:noFill/>
+                  </a:tcPr>
+                </a:tc>
+                <a:tc>
+                  <a:txBody>
+                    <a:bodyPr/>
+                    <a:p>
+                      <a:pPr algn="l">
+                        <a:buNone/>
+                      </a:pPr>
+                      <a:r>
+                        <a:rPr lang="zh-CN" altLang="en-US" sz="1400">
+                          <a:solidFill>
+                            <a:srgbClr val="000000"/>
+                          </a:solidFill>
+                          <a:latin typeface="Calibri" charset="0"/>
+                          <a:cs typeface="Calibri" charset="0"/>
+                        </a:rPr>
+                        <a:t>孟祥剑</a:t>
+                      </a:r>
+                      <a:endParaRPr lang="zh-CN" altLang="en-US" sz="1400">
+                        <a:solidFill>
+                          <a:srgbClr val="000000"/>
+                        </a:solidFill>
+                        <a:latin typeface="Calibri" charset="0"/>
+                        <a:cs typeface="Calibri" charset="0"/>
+                      </a:endParaRPr>
+                    </a:p>
+                    <a:p>
+                      <a:pPr algn="l">
+                        <a:buNone/>
+                      </a:pPr>
+                      <a:r>
+                        <a:rPr lang="zh-CN" altLang="en-US" sz="1400">
+                          <a:solidFill>
+                            <a:srgbClr val="FF0000"/>
+                          </a:solidFill>
+                          <a:latin typeface="font-weight" charset="0"/>
+                          <a:cs typeface="font-weight" charset="0"/>
+                        </a:rPr>
+                        <a:t>高潜</a:t>
+                      </a:r>
+                      <a:r>
+                        <a:rPr lang="en-US" altLang="zh-CN" sz="1400">
+                          <a:solidFill>
+                            <a:srgbClr val="FF0000"/>
+                          </a:solidFill>
+                          <a:latin typeface="font-weight" charset="0"/>
+                          <a:cs typeface="font-weight" charset="0"/>
+                        </a:rPr>
+                        <a:t>&amp;</a:t>
+                      </a:r>
+                      <a:r>
+                        <a:rPr lang="zh-CN" altLang="en-US" sz="1400">
+                          <a:solidFill>
+                            <a:srgbClr val="FF0000"/>
+                          </a:solidFill>
+                          <a:latin typeface="font-weight" charset="0"/>
+                          <a:cs typeface="font-weight" charset="0"/>
+                        </a:rPr>
+                        <a:t>核心</a:t>
+                      </a:r>
+                      <a:endParaRPr lang="zh-CN" altLang="en-US" sz="1400">
+                        <a:solidFill>
+                          <a:srgbClr val="FF0000"/>
+                        </a:solidFill>
+                        <a:latin typeface="font-weight" charset="0"/>
+                        <a:cs typeface="font-weight" charset="0"/>
+                      </a:endParaRPr>
+                    </a:p>
+                    <a:p>
+                      <a:pPr algn="l">
+                        <a:buNone/>
+                      </a:pPr>
+                      <a:r>
+                        <a:rPr lang="zh-CN" altLang="en-US" sz="1400">
+                          <a:solidFill>
+                            <a:srgbClr val="000000"/>
+                          </a:solidFill>
+                          <a:latin typeface="font-weight" charset="0"/>
+                          <a:cs typeface="font-weight" charset="0"/>
+                        </a:rPr>
+                        <a:t>委托</a:t>
+                      </a:r>
+                      <a:r>
+                        <a:rPr lang="en-US" altLang="zh-CN" sz="1400">
+                          <a:solidFill>
+                            <a:srgbClr val="000000"/>
+                          </a:solidFill>
+                          <a:latin typeface="font-weight" charset="0"/>
+                          <a:cs typeface="font-weight" charset="0"/>
+                        </a:rPr>
+                        <a:t>+</a:t>
+                      </a:r>
+                      <a:r>
+                        <a:rPr lang="zh-CN" altLang="en-US" sz="1400">
+                          <a:solidFill>
+                            <a:srgbClr val="000000"/>
+                          </a:solidFill>
+                          <a:latin typeface="font-weight" charset="0"/>
+                          <a:cs typeface="font-weight" charset="0"/>
+                        </a:rPr>
+                        <a:t>治理</a:t>
+                      </a:r>
+                      <a:r>
+                        <a:rPr lang="en-US" altLang="zh-CN" sz="1400">
+                          <a:solidFill>
+                            <a:srgbClr val="000000"/>
+                          </a:solidFill>
+                          <a:latin typeface="font-weight" charset="0"/>
+                          <a:cs typeface="font-weight" charset="0"/>
+                        </a:rPr>
+                        <a:t>+</a:t>
+                      </a:r>
+                      <a:r>
+                        <a:rPr lang="zh-CN" altLang="en-US" sz="1400">
+                          <a:solidFill>
+                            <a:srgbClr val="000000"/>
+                          </a:solidFill>
+                          <a:latin typeface="font-weight" charset="0"/>
+                          <a:cs typeface="font-weight" charset="0"/>
+                        </a:rPr>
+                        <a:t>分红</a:t>
+                      </a:r>
+                      <a:r>
+                        <a:rPr lang="en-US" altLang="zh-CN" sz="1400">
+                          <a:solidFill>
+                            <a:srgbClr val="000000"/>
+                          </a:solidFill>
+                          <a:latin typeface="font-weight" charset="0"/>
+                          <a:cs typeface="font-weight" charset="0"/>
+                        </a:rPr>
+                        <a:t>+</a:t>
+                      </a:r>
+                      <a:r>
+                        <a:rPr lang="zh-CN" altLang="en-US" sz="1400">
+                          <a:solidFill>
+                            <a:srgbClr val="000000"/>
+                          </a:solidFill>
+                          <a:latin typeface="font-weight" charset="0"/>
+                          <a:cs typeface="font-weight" charset="0"/>
+                        </a:rPr>
+                        <a:t>跨链</a:t>
+                      </a:r>
+                      <a:r>
+                        <a:rPr lang="en-US" altLang="zh-CN" sz="1400">
+                          <a:solidFill>
+                            <a:srgbClr val="000000"/>
+                          </a:solidFill>
+                          <a:latin typeface="font-weight" charset="0"/>
+                          <a:cs typeface="font-weight" charset="0"/>
+                        </a:rPr>
+                        <a:t>+OKChain</a:t>
+                      </a:r>
+                      <a:r>
+                        <a:rPr lang="zh-CN" altLang="en-US" sz="1400">
+                          <a:solidFill>
+                            <a:srgbClr val="000000"/>
+                          </a:solidFill>
+                          <a:latin typeface="font-weight" charset="0"/>
+                          <a:cs typeface="font-weight" charset="0"/>
+                        </a:rPr>
+                        <a:t>底层架构</a:t>
+                      </a:r>
+                      <a:r>
+                        <a:rPr lang="en-US" altLang="zh-CN" sz="1400">
+                          <a:solidFill>
+                            <a:srgbClr val="000000"/>
+                          </a:solidFill>
+                          <a:latin typeface="font-weight" charset="0"/>
+                          <a:cs typeface="font-weight" charset="0"/>
+                        </a:rPr>
+                        <a:t>+</a:t>
+                      </a:r>
+                      <a:r>
+                        <a:rPr lang="zh-CN" altLang="en-US" sz="1400">
+                          <a:solidFill>
+                            <a:srgbClr val="000000"/>
+                          </a:solidFill>
+                          <a:latin typeface="font-weight" charset="0"/>
+                          <a:cs typeface="font-weight" charset="0"/>
+                        </a:rPr>
+                        <a:t>门罗冷签名</a:t>
+                      </a:r>
+                      <a:endParaRPr lang="zh-CN" altLang="en-US" sz="1400">
+                        <a:solidFill>
+                          <a:srgbClr val="000000"/>
+                        </a:solidFill>
+                        <a:latin typeface="font-weight" charset="0"/>
+                        <a:ea typeface="Calibri" charset="0"/>
+                        <a:cs typeface="font-weight" charset="0"/>
+                      </a:endParaRPr>
+                    </a:p>
+                  </a:txBody>
+                  <a:tcPr marL="0" marR="0" marT="0" marB="0" vert="horz" anchor="ctr">
+                    <a:lnL w="6350" cap="flat" cmpd="sng">
+                      <a:solidFill>
+                        <a:srgbClr val="000000"/>
+                      </a:solidFill>
+                      <a:prstDash val="dot"/>
+                      <a:headEnd type="none" w="med" len="med"/>
+                      <a:tailEnd type="none" w="med" len="med"/>
+                    </a:lnL>
+                    <a:lnR w="6350" cap="flat" cmpd="sng">
+                      <a:solidFill>
+                        <a:srgbClr val="000000"/>
+                      </a:solidFill>
+                      <a:prstDash val="dot"/>
+                      <a:headEnd type="none" w="med" len="med"/>
+                      <a:tailEnd type="none" w="med" len="med"/>
+                    </a:lnR>
+                    <a:lnT w="6350" cap="flat" cmpd="sng">
+                      <a:solidFill>
+                        <a:srgbClr val="000000"/>
+                      </a:solidFill>
+                      <a:prstDash val="dot"/>
+                      <a:headEnd type="none" w="med" len="med"/>
+                      <a:tailEnd type="none" w="med" len="med"/>
+                    </a:lnT>
+                    <a:lnB w="6350" cap="flat" cmpd="sng">
+                      <a:solidFill>
+                        <a:srgbClr val="000000"/>
+                      </a:solidFill>
+                      <a:prstDash val="dot"/>
+                      <a:headEnd type="none" w="med" len="med"/>
+                      <a:tailEnd type="none" w="med" len="med"/>
+                    </a:lnB>
+                    <a:lnTlToBr>
+                      <a:noFill/>
+                    </a:lnTlToBr>
+                    <a:lnBlToTr>
+                      <a:noFill/>
+                    </a:lnBlToTr>
+                    <a:noFill/>
+                  </a:tcPr>
+                </a:tc>
+                <a:tc>
+                  <a:txBody>
+                    <a:bodyPr/>
+                    <a:p>
+                      <a:pPr algn="l">
+                        <a:buNone/>
+                      </a:pPr>
+                      <a:r>
+                        <a:rPr lang="zh-CN" altLang="en-US" sz="1400">
+                          <a:solidFill>
+                            <a:srgbClr val="000000"/>
+                          </a:solidFill>
+                          <a:latin typeface="Calibri" charset="0"/>
+                          <a:cs typeface="Calibri" charset="0"/>
+                        </a:rPr>
+                        <a:t>叶志刚</a:t>
+                      </a:r>
+                      <a:endParaRPr lang="zh-CN" altLang="en-US" sz="1400">
+                        <a:solidFill>
+                          <a:srgbClr val="000000"/>
+                        </a:solidFill>
+                        <a:latin typeface="Calibri" charset="0"/>
+                        <a:cs typeface="Calibri" charset="0"/>
+                      </a:endParaRPr>
+                    </a:p>
+                    <a:p>
+                      <a:pPr algn="l">
+                        <a:buNone/>
+                      </a:pPr>
+                      <a:r>
+                        <a:rPr lang="zh-CN" altLang="en-US" sz="1400">
+                          <a:solidFill>
+                            <a:srgbClr val="FF0000"/>
+                          </a:solidFill>
+                          <a:latin typeface="font-weight" charset="0"/>
+                          <a:cs typeface="font-weight" charset="0"/>
+                        </a:rPr>
+                        <a:t>高潜</a:t>
+                      </a:r>
+                      <a:r>
+                        <a:rPr lang="en-US" altLang="zh-CN" sz="1400">
+                          <a:solidFill>
+                            <a:srgbClr val="FF0000"/>
+                          </a:solidFill>
+                          <a:latin typeface="font-weight" charset="0"/>
+                          <a:cs typeface="font-weight" charset="0"/>
+                        </a:rPr>
+                        <a:t>&amp;</a:t>
+                      </a:r>
+                      <a:r>
+                        <a:rPr lang="zh-CN" altLang="en-US" sz="1400">
+                          <a:solidFill>
+                            <a:srgbClr val="FF0000"/>
+                          </a:solidFill>
+                          <a:latin typeface="font-weight" charset="0"/>
+                          <a:cs typeface="font-weight" charset="0"/>
+                        </a:rPr>
+                        <a:t>核心</a:t>
+                      </a:r>
+                      <a:endParaRPr lang="zh-CN" altLang="en-US" sz="1400">
+                        <a:solidFill>
+                          <a:srgbClr val="FF0000"/>
+                        </a:solidFill>
+                        <a:latin typeface="font-weight" charset="0"/>
+                        <a:cs typeface="font-weight" charset="0"/>
+                      </a:endParaRPr>
+                    </a:p>
+                    <a:p>
+                      <a:pPr algn="l">
+                        <a:buNone/>
+                      </a:pPr>
+                      <a:r>
+                        <a:rPr lang="zh-CN" altLang="en-US" sz="1400">
+                          <a:solidFill>
+                            <a:srgbClr val="000000"/>
+                          </a:solidFill>
+                          <a:latin typeface="font-weight" charset="0"/>
+                          <a:cs typeface="font-weight" charset="0"/>
+                        </a:rPr>
+                        <a:t>委托</a:t>
+                      </a:r>
+                      <a:r>
+                        <a:rPr lang="en-US" altLang="zh-CN" sz="1400">
+                          <a:solidFill>
+                            <a:srgbClr val="000000"/>
+                          </a:solidFill>
+                          <a:latin typeface="font-weight" charset="0"/>
+                          <a:cs typeface="font-weight" charset="0"/>
+                        </a:rPr>
+                        <a:t>+</a:t>
+                      </a:r>
+                      <a:r>
+                        <a:rPr lang="zh-CN" altLang="en-US" sz="1400">
+                          <a:solidFill>
+                            <a:srgbClr val="000000"/>
+                          </a:solidFill>
+                          <a:latin typeface="font-weight" charset="0"/>
+                          <a:cs typeface="font-weight" charset="0"/>
+                        </a:rPr>
+                        <a:t>治理</a:t>
+                      </a:r>
+                      <a:r>
+                        <a:rPr lang="en-US" altLang="zh-CN" sz="1400">
+                          <a:solidFill>
+                            <a:srgbClr val="000000"/>
+                          </a:solidFill>
+                          <a:latin typeface="font-weight" charset="0"/>
+                          <a:cs typeface="font-weight" charset="0"/>
+                        </a:rPr>
+                        <a:t>+OKChain</a:t>
+                      </a:r>
+                      <a:r>
+                        <a:rPr lang="zh-CN" altLang="en-US" sz="1400">
+                          <a:solidFill>
+                            <a:srgbClr val="000000"/>
+                          </a:solidFill>
+                          <a:latin typeface="font-weight" charset="0"/>
+                          <a:cs typeface="font-weight" charset="0"/>
+                        </a:rPr>
+                        <a:t>底层架构</a:t>
+                      </a:r>
+                      <a:r>
+                        <a:rPr lang="en-US" altLang="zh-CN" sz="1400">
+                          <a:solidFill>
+                            <a:srgbClr val="000000"/>
+                          </a:solidFill>
+                          <a:latin typeface="font-weight" charset="0"/>
+                          <a:cs typeface="font-weight" charset="0"/>
+                        </a:rPr>
+                        <a:t>+</a:t>
+                      </a:r>
+                      <a:r>
+                        <a:rPr lang="zh-CN" altLang="en-US" sz="1400">
+                          <a:solidFill>
+                            <a:srgbClr val="000000"/>
+                          </a:solidFill>
+                          <a:latin typeface="font-weight" charset="0"/>
+                          <a:cs typeface="font-weight" charset="0"/>
+                        </a:rPr>
+                        <a:t>门罗冷签名</a:t>
+                      </a:r>
+                      <a:endParaRPr lang="zh-CN" altLang="en-US" sz="1400">
+                        <a:solidFill>
+                          <a:srgbClr val="000000"/>
+                        </a:solidFill>
+                        <a:latin typeface="font-weight" charset="0"/>
+                        <a:ea typeface="Calibri" charset="0"/>
+                        <a:cs typeface="font-weight" charset="0"/>
+                      </a:endParaRPr>
+                    </a:p>
+                  </a:txBody>
+                  <a:tcPr marL="0" marR="0" marT="0" marB="0" vert="horz" anchor="ctr">
+                    <a:lnL w="6350" cap="flat" cmpd="sng">
+                      <a:solidFill>
+                        <a:srgbClr val="000000"/>
+                      </a:solidFill>
+                      <a:prstDash val="dot"/>
+                      <a:headEnd type="none" w="med" len="med"/>
+                      <a:tailEnd type="none" w="med" len="med"/>
+                    </a:lnL>
+                    <a:lnR w="6350" cap="flat" cmpd="sng">
+                      <a:solidFill>
+                        <a:srgbClr val="000000"/>
+                      </a:solidFill>
+                      <a:prstDash val="dot"/>
+                      <a:headEnd type="none" w="med" len="med"/>
+                      <a:tailEnd type="none" w="med" len="med"/>
+                    </a:lnR>
+                    <a:lnT w="6350" cap="flat" cmpd="sng">
+                      <a:solidFill>
+                        <a:srgbClr val="000000"/>
+                      </a:solidFill>
+                      <a:prstDash val="dot"/>
+                      <a:headEnd type="none" w="med" len="med"/>
+                      <a:tailEnd type="none" w="med" len="med"/>
+                    </a:lnT>
+                    <a:lnB w="6350" cap="flat" cmpd="sng">
+                      <a:solidFill>
+                        <a:srgbClr val="000000"/>
+                      </a:solidFill>
+                      <a:prstDash val="dot"/>
+                      <a:headEnd type="none" w="med" len="med"/>
+                      <a:tailEnd type="none" w="med" len="med"/>
+                    </a:lnB>
+                    <a:lnTlToBr>
+                      <a:noFill/>
+                    </a:lnTlToBr>
+                    <a:lnBlToTr>
+                      <a:noFill/>
+                    </a:lnBlToTr>
+                    <a:noFill/>
+                  </a:tcPr>
+                </a:tc>
+                <a:tc>
+                  <a:txBody>
+                    <a:bodyPr/>
+                    <a:p>
+                      <a:pPr algn="l">
+                        <a:buNone/>
+                      </a:pPr>
+                      <a:endParaRPr lang="en-US" sz="1400">
+                        <a:solidFill>
+                          <a:srgbClr val="000000"/>
+                        </a:solidFill>
+                        <a:latin typeface="Calibri" charset="0"/>
+                        <a:ea typeface="Calibri" charset="0"/>
+                        <a:cs typeface="Calibri" charset="0"/>
+                      </a:endParaRPr>
+                    </a:p>
+                  </a:txBody>
+                  <a:tcPr marL="0" marR="0" marT="0" marB="0" vert="horz" anchor="ctr">
+                    <a:lnL w="6350" cap="flat" cmpd="sng">
+                      <a:solidFill>
+                        <a:srgbClr val="000000"/>
+                      </a:solidFill>
+                      <a:prstDash val="dot"/>
+                      <a:headEnd type="none" w="med" len="med"/>
+                      <a:tailEnd type="none" w="med" len="med"/>
+                    </a:lnL>
+                    <a:lnR w="6350" cap="flat" cmpd="sng">
+                      <a:solidFill>
+                        <a:srgbClr val="000000"/>
+                      </a:solidFill>
+                      <a:prstDash val="dot"/>
+                      <a:headEnd type="none" w="med" len="med"/>
+                      <a:tailEnd type="none" w="med" len="med"/>
+                    </a:lnR>
+                    <a:lnT w="6350" cap="flat" cmpd="sng">
+                      <a:solidFill>
+                        <a:srgbClr val="000000"/>
+                      </a:solidFill>
+                      <a:prstDash val="dot"/>
+                      <a:headEnd type="none" w="med" len="med"/>
+                      <a:tailEnd type="none" w="med" len="med"/>
+                    </a:lnT>
+                    <a:lnB w="6350" cap="flat" cmpd="sng">
+                      <a:solidFill>
+                        <a:srgbClr val="000000"/>
+                      </a:solidFill>
+                      <a:prstDash val="dot"/>
+                      <a:headEnd type="none" w="med" len="med"/>
+                      <a:tailEnd type="none" w="med" len="med"/>
+                    </a:lnB>
+                    <a:lnTlToBr>
+                      <a:noFill/>
+                    </a:lnTlToBr>
+                    <a:lnBlToTr>
+                      <a:noFill/>
+                    </a:lnBlToTr>
+                    <a:noFill/>
+                  </a:tcPr>
+                </a:tc>
+              </a:tr>
+              <a:tr h="880110">
+                <a:tc>
+                  <a:txBody>
+                    <a:bodyPr/>
+                    <a:p>
+                      <a:pPr algn="l">
+                        <a:buNone/>
+                      </a:pPr>
+                      <a:r>
+                        <a:rPr lang="en-US" altLang="zh-CN" sz="1400">
+                          <a:solidFill>
+                            <a:srgbClr val="000000"/>
+                          </a:solidFill>
+                          <a:latin typeface="Calibri" charset="0"/>
+                          <a:cs typeface="Calibri" charset="0"/>
+                        </a:rPr>
+                        <a:t>P6</a:t>
+                      </a:r>
+                      <a:endParaRPr lang="en-US" altLang="zh-CN" sz="1400">
+                        <a:solidFill>
+                          <a:srgbClr val="000000"/>
+                        </a:solidFill>
+                        <a:latin typeface="Calibri" charset="0"/>
+                        <a:ea typeface="Calibri" charset="0"/>
+                        <a:cs typeface="Calibri" charset="0"/>
+                      </a:endParaRPr>
+                    </a:p>
+                  </a:txBody>
+                  <a:tcPr marL="0" marR="0" marT="0" marB="0" vert="horz" anchor="ctr">
+                    <a:lnL w="6350" cap="flat" cmpd="sng">
+                      <a:solidFill>
+                        <a:srgbClr val="000000"/>
+                      </a:solidFill>
+                      <a:prstDash val="dot"/>
+                      <a:headEnd type="none" w="med" len="med"/>
+                      <a:tailEnd type="none" w="med" len="med"/>
+                    </a:lnL>
+                    <a:lnR w="6350" cap="flat" cmpd="sng">
+                      <a:solidFill>
+                        <a:srgbClr val="000000"/>
+                      </a:solidFill>
+                      <a:prstDash val="dot"/>
+                      <a:headEnd type="none" w="med" len="med"/>
+                      <a:tailEnd type="none" w="med" len="med"/>
+                    </a:lnR>
+                    <a:lnT w="6350" cap="flat" cmpd="sng">
+                      <a:solidFill>
+                        <a:srgbClr val="000000"/>
+                      </a:solidFill>
+                      <a:prstDash val="dot"/>
+                      <a:headEnd type="none" w="med" len="med"/>
+                      <a:tailEnd type="none" w="med" len="med"/>
+                    </a:lnT>
+                    <a:lnB w="6350" cap="flat" cmpd="sng">
+                      <a:solidFill>
+                        <a:srgbClr val="000000"/>
+                      </a:solidFill>
+                      <a:prstDash val="dot"/>
+                      <a:headEnd type="none" w="med" len="med"/>
+                      <a:tailEnd type="none" w="med" len="med"/>
+                    </a:lnB>
+                    <a:lnTlToBr>
+                      <a:noFill/>
+                    </a:lnTlToBr>
+                    <a:lnBlToTr>
+                      <a:noFill/>
+                    </a:lnBlToTr>
+                    <a:noFill/>
+                  </a:tcPr>
+                </a:tc>
+                <a:tc>
+                  <a:txBody>
+                    <a:bodyPr/>
+                    <a:p>
+                      <a:pPr algn="l">
+                        <a:buNone/>
+                      </a:pPr>
+                      <a:r>
+                        <a:rPr lang="zh-CN" altLang="en-US" sz="1400">
+                          <a:solidFill>
+                            <a:srgbClr val="000000"/>
+                          </a:solidFill>
+                          <a:latin typeface="Calibri" charset="0"/>
+                          <a:cs typeface="Calibri" charset="0"/>
+                        </a:rPr>
+                        <a:t>韩学洋</a:t>
+                      </a:r>
+                      <a:endParaRPr lang="zh-CN" altLang="en-US" sz="1400">
+                        <a:solidFill>
+                          <a:srgbClr val="000000"/>
+                        </a:solidFill>
+                        <a:latin typeface="Calibri" charset="0"/>
+                        <a:cs typeface="Calibri" charset="0"/>
+                      </a:endParaRPr>
+                    </a:p>
+                    <a:p>
+                      <a:pPr algn="l">
+                        <a:buNone/>
+                      </a:pPr>
+                      <a:r>
+                        <a:rPr lang="zh-CN" altLang="en-US" sz="1400">
+                          <a:solidFill>
+                            <a:srgbClr val="000000"/>
+                          </a:solidFill>
+                          <a:latin typeface="Calibri" charset="0"/>
+                          <a:cs typeface="Calibri" charset="0"/>
+                        </a:rPr>
+                        <a:t>核心</a:t>
+                      </a:r>
+                      <a:endParaRPr lang="zh-CN" altLang="en-US" sz="1400">
+                        <a:solidFill>
+                          <a:srgbClr val="000000"/>
+                        </a:solidFill>
+                        <a:latin typeface="Calibri" charset="0"/>
+                        <a:cs typeface="Calibri" charset="0"/>
+                      </a:endParaRPr>
+                    </a:p>
+                    <a:p>
+                      <a:pPr algn="l">
+                        <a:buNone/>
+                      </a:pPr>
+                      <a:r>
+                        <a:rPr lang="zh-CN" altLang="en-US" sz="1400">
+                          <a:solidFill>
+                            <a:srgbClr val="000000"/>
+                          </a:solidFill>
+                          <a:latin typeface="Calibri" charset="0"/>
+                          <a:cs typeface="Calibri" charset="0"/>
+                        </a:rPr>
+                        <a:t>分红</a:t>
+                      </a:r>
+                      <a:r>
+                        <a:rPr lang="en-US" altLang="zh-CN" sz="1400">
+                          <a:solidFill>
+                            <a:srgbClr val="000000"/>
+                          </a:solidFill>
+                          <a:latin typeface="Calibri" charset="0"/>
+                          <a:cs typeface="Calibri" charset="0"/>
+                        </a:rPr>
+                        <a:t>+defi</a:t>
+                      </a:r>
+                      <a:endParaRPr lang="en-US" altLang="zh-CN" sz="1400">
+                        <a:solidFill>
+                          <a:srgbClr val="000000"/>
+                        </a:solidFill>
+                        <a:latin typeface="Calibri" charset="0"/>
+                        <a:ea typeface="Calibri" charset="0"/>
+                        <a:cs typeface="Calibri" charset="0"/>
+                      </a:endParaRPr>
+                    </a:p>
+                  </a:txBody>
+                  <a:tcPr marL="0" marR="0" marT="0" marB="0" vert="horz" anchor="ctr">
+                    <a:lnL w="6350" cap="flat" cmpd="sng">
+                      <a:solidFill>
+                        <a:srgbClr val="000000"/>
+                      </a:solidFill>
+                      <a:prstDash val="dot"/>
+                      <a:headEnd type="none" w="med" len="med"/>
+                      <a:tailEnd type="none" w="med" len="med"/>
+                    </a:lnL>
+                    <a:lnR w="6350" cap="flat" cmpd="sng">
+                      <a:solidFill>
+                        <a:srgbClr val="000000"/>
+                      </a:solidFill>
+                      <a:prstDash val="dot"/>
+                      <a:headEnd type="none" w="med" len="med"/>
+                      <a:tailEnd type="none" w="med" len="med"/>
+                    </a:lnR>
+                    <a:lnT w="6350" cap="flat" cmpd="sng">
+                      <a:solidFill>
+                        <a:srgbClr val="000000"/>
+                      </a:solidFill>
+                      <a:prstDash val="dot"/>
+                      <a:headEnd type="none" w="med" len="med"/>
+                      <a:tailEnd type="none" w="med" len="med"/>
+                    </a:lnT>
+                    <a:lnB w="6350" cap="flat" cmpd="sng">
+                      <a:solidFill>
+                        <a:srgbClr val="000000"/>
+                      </a:solidFill>
+                      <a:prstDash val="dot"/>
+                      <a:headEnd type="none" w="med" len="med"/>
+                      <a:tailEnd type="none" w="med" len="med"/>
+                    </a:lnB>
+                    <a:lnTlToBr>
+                      <a:noFill/>
+                    </a:lnTlToBr>
+                    <a:lnBlToTr>
+                      <a:noFill/>
+                    </a:lnBlToTr>
+                    <a:noFill/>
+                  </a:tcPr>
+                </a:tc>
+                <a:tc>
+                  <a:txBody>
+                    <a:bodyPr/>
+                    <a:p>
+                      <a:pPr algn="l">
+                        <a:buNone/>
+                      </a:pPr>
+                      <a:r>
+                        <a:rPr lang="zh-CN" altLang="en-US" sz="1400">
+                          <a:solidFill>
+                            <a:srgbClr val="000000"/>
+                          </a:solidFill>
+                          <a:latin typeface="Calibri" charset="0"/>
+                          <a:cs typeface="Calibri" charset="0"/>
+                        </a:rPr>
+                        <a:t>韩彦伟</a:t>
+                      </a:r>
+                      <a:endParaRPr lang="zh-CN" altLang="en-US" sz="1400">
+                        <a:solidFill>
+                          <a:srgbClr val="000000"/>
+                        </a:solidFill>
+                        <a:latin typeface="Calibri" charset="0"/>
+                        <a:cs typeface="Calibri" charset="0"/>
+                      </a:endParaRPr>
+                    </a:p>
+                    <a:p>
+                      <a:pPr algn="l">
+                        <a:buNone/>
+                      </a:pPr>
+                      <a:r>
+                        <a:rPr lang="en-US" altLang="zh-CN" sz="1400">
+                          <a:solidFill>
+                            <a:srgbClr val="000000"/>
+                          </a:solidFill>
+                          <a:latin typeface="Calibri" charset="0"/>
+                          <a:cs typeface="Calibri" charset="0"/>
+                        </a:rPr>
+                        <a:t>stream+</a:t>
+                      </a:r>
+                      <a:r>
+                        <a:rPr lang="zh-CN" altLang="en-US" sz="1400">
+                          <a:solidFill>
+                            <a:srgbClr val="000000"/>
+                          </a:solidFill>
+                          <a:latin typeface="Calibri" charset="0"/>
+                          <a:cs typeface="Calibri" charset="0"/>
+                        </a:rPr>
+                        <a:t>订单</a:t>
+                      </a:r>
+                      <a:endParaRPr lang="zh-CN" altLang="en-US" sz="1400">
+                        <a:solidFill>
+                          <a:srgbClr val="000000"/>
+                        </a:solidFill>
+                        <a:latin typeface="Calibri" charset="0"/>
+                        <a:ea typeface="Calibri" charset="0"/>
+                        <a:cs typeface="Calibri" charset="0"/>
+                      </a:endParaRPr>
+                    </a:p>
+                  </a:txBody>
+                  <a:tcPr marL="0" marR="0" marT="0" marB="0" vert="horz" anchor="ctr">
+                    <a:lnL w="6350" cap="flat" cmpd="sng">
+                      <a:solidFill>
+                        <a:srgbClr val="000000"/>
+                      </a:solidFill>
+                      <a:prstDash val="dot"/>
+                      <a:headEnd type="none" w="med" len="med"/>
+                      <a:tailEnd type="none" w="med" len="med"/>
+                    </a:lnL>
+                    <a:lnR w="6350" cap="flat" cmpd="sng">
+                      <a:solidFill>
+                        <a:srgbClr val="000000"/>
+                      </a:solidFill>
+                      <a:prstDash val="dot"/>
+                      <a:headEnd type="none" w="med" len="med"/>
+                      <a:tailEnd type="none" w="med" len="med"/>
+                    </a:lnR>
+                    <a:lnT w="6350" cap="flat" cmpd="sng">
+                      <a:solidFill>
+                        <a:srgbClr val="000000"/>
+                      </a:solidFill>
+                      <a:prstDash val="dot"/>
+                      <a:headEnd type="none" w="med" len="med"/>
+                      <a:tailEnd type="none" w="med" len="med"/>
+                    </a:lnT>
+                    <a:lnB w="6350" cap="flat" cmpd="sng">
+                      <a:solidFill>
+                        <a:srgbClr val="000000"/>
+                      </a:solidFill>
+                      <a:prstDash val="dot"/>
+                      <a:headEnd type="none" w="med" len="med"/>
+                      <a:tailEnd type="none" w="med" len="med"/>
+                    </a:lnB>
+                    <a:lnTlToBr>
+                      <a:noFill/>
+                    </a:lnTlToBr>
+                    <a:lnBlToTr>
+                      <a:noFill/>
+                    </a:lnBlToTr>
+                    <a:noFill/>
+                  </a:tcPr>
+                </a:tc>
+                <a:tc>
+                  <a:txBody>
+                    <a:bodyPr/>
+                    <a:p>
+                      <a:pPr algn="l">
+                        <a:buNone/>
+                      </a:pPr>
+                      <a:r>
+                        <a:rPr lang="zh-CN" altLang="en-US" sz="1400">
+                          <a:solidFill>
+                            <a:srgbClr val="000000"/>
+                          </a:solidFill>
+                          <a:latin typeface="Calibri" charset="0"/>
+                          <a:cs typeface="Calibri" charset="0"/>
+                        </a:rPr>
+                        <a:t>于林生</a:t>
+                      </a:r>
+                      <a:endParaRPr lang="zh-CN" altLang="en-US" sz="1400">
+                        <a:solidFill>
+                          <a:srgbClr val="000000"/>
+                        </a:solidFill>
+                        <a:latin typeface="Calibri" charset="0"/>
+                        <a:cs typeface="Calibri" charset="0"/>
+                      </a:endParaRPr>
+                    </a:p>
+                    <a:p>
+                      <a:pPr algn="l">
+                        <a:buNone/>
+                      </a:pPr>
+                      <a:r>
+                        <a:rPr lang="en-US" altLang="zh-CN" sz="1400">
+                          <a:solidFill>
+                            <a:srgbClr val="000000"/>
+                          </a:solidFill>
+                          <a:latin typeface="Calibri" charset="0"/>
+                          <a:cs typeface="Calibri" charset="0"/>
+                        </a:rPr>
+                        <a:t>OKChain</a:t>
+                      </a:r>
+                      <a:r>
+                        <a:rPr lang="zh-CN" altLang="en-US" sz="1400">
+                          <a:solidFill>
+                            <a:srgbClr val="000000"/>
+                          </a:solidFill>
+                          <a:latin typeface="Calibri" charset="0"/>
+                          <a:cs typeface="Calibri" charset="0"/>
+                        </a:rPr>
+                        <a:t>部署</a:t>
+                      </a:r>
+                      <a:r>
+                        <a:rPr lang="en-US" altLang="zh-CN" sz="1400">
+                          <a:solidFill>
+                            <a:srgbClr val="000000"/>
+                          </a:solidFill>
+                          <a:latin typeface="Calibri" charset="0"/>
+                          <a:cs typeface="Calibri" charset="0"/>
+                        </a:rPr>
+                        <a:t>+token</a:t>
+                      </a:r>
+                      <a:endParaRPr lang="en-US" altLang="zh-CN" sz="1400">
+                        <a:solidFill>
+                          <a:srgbClr val="000000"/>
+                        </a:solidFill>
+                        <a:latin typeface="Calibri" charset="0"/>
+                        <a:ea typeface="Calibri" charset="0"/>
+                        <a:cs typeface="Calibri" charset="0"/>
+                      </a:endParaRPr>
+                    </a:p>
+                  </a:txBody>
+                  <a:tcPr marL="0" marR="0" marT="0" marB="0" vert="horz" anchor="ctr">
+                    <a:lnL w="6350" cap="flat" cmpd="sng">
+                      <a:solidFill>
+                        <a:srgbClr val="000000"/>
+                      </a:solidFill>
+                      <a:prstDash val="dot"/>
+                      <a:headEnd type="none" w="med" len="med"/>
+                      <a:tailEnd type="none" w="med" len="med"/>
+                    </a:lnL>
+                    <a:lnR w="6350" cap="flat" cmpd="sng">
+                      <a:solidFill>
+                        <a:srgbClr val="000000"/>
+                      </a:solidFill>
+                      <a:prstDash val="dot"/>
+                      <a:headEnd type="none" w="med" len="med"/>
+                      <a:tailEnd type="none" w="med" len="med"/>
+                    </a:lnR>
+                    <a:lnT w="6350" cap="flat" cmpd="sng">
+                      <a:solidFill>
+                        <a:srgbClr val="000000"/>
+                      </a:solidFill>
+                      <a:prstDash val="dot"/>
+                      <a:headEnd type="none" w="med" len="med"/>
+                      <a:tailEnd type="none" w="med" len="med"/>
+                    </a:lnT>
+                    <a:lnB w="6350" cap="flat" cmpd="sng">
+                      <a:solidFill>
+                        <a:srgbClr val="000000"/>
+                      </a:solidFill>
+                      <a:prstDash val="dot"/>
+                      <a:headEnd type="none" w="med" len="med"/>
+                      <a:tailEnd type="none" w="med" len="med"/>
+                    </a:lnB>
+                    <a:lnTlToBr>
+                      <a:noFill/>
+                    </a:lnTlToBr>
+                    <a:lnBlToTr>
+                      <a:noFill/>
+                    </a:lnBlToTr>
+                    <a:noFill/>
+                  </a:tcPr>
+                </a:tc>
+              </a:tr>
+              <a:tr h="880110">
+                <a:tc>
+                  <a:txBody>
+                    <a:bodyPr/>
+                    <a:p>
+                      <a:pPr algn="l">
+                        <a:buNone/>
+                      </a:pPr>
+                      <a:r>
+                        <a:rPr lang="en-US" altLang="zh-CN" sz="1400">
+                          <a:solidFill>
+                            <a:srgbClr val="000000"/>
+                          </a:solidFill>
+                          <a:latin typeface="Calibri" charset="0"/>
+                          <a:cs typeface="Calibri" charset="0"/>
+                        </a:rPr>
+                        <a:t>P5</a:t>
+                      </a:r>
+                      <a:endParaRPr lang="en-US" altLang="zh-CN" sz="1400">
+                        <a:solidFill>
+                          <a:srgbClr val="000000"/>
+                        </a:solidFill>
+                        <a:latin typeface="Calibri" charset="0"/>
+                        <a:ea typeface="Calibri" charset="0"/>
+                        <a:cs typeface="Calibri" charset="0"/>
+                      </a:endParaRPr>
+                    </a:p>
+                  </a:txBody>
+                  <a:tcPr marL="0" marR="0" marT="0" marB="0" vert="horz" anchor="ctr">
+                    <a:lnL w="6350" cap="flat" cmpd="sng">
+                      <a:solidFill>
+                        <a:srgbClr val="000000"/>
+                      </a:solidFill>
+                      <a:prstDash val="dot"/>
+                      <a:headEnd type="none" w="med" len="med"/>
+                      <a:tailEnd type="none" w="med" len="med"/>
+                    </a:lnL>
+                    <a:lnR w="6350" cap="flat" cmpd="sng">
+                      <a:solidFill>
+                        <a:srgbClr val="000000"/>
+                      </a:solidFill>
+                      <a:prstDash val="dot"/>
+                      <a:headEnd type="none" w="med" len="med"/>
+                      <a:tailEnd type="none" w="med" len="med"/>
+                    </a:lnR>
+                    <a:lnT w="6350" cap="flat" cmpd="sng">
+                      <a:solidFill>
+                        <a:srgbClr val="000000"/>
+                      </a:solidFill>
+                      <a:prstDash val="dot"/>
+                      <a:headEnd type="none" w="med" len="med"/>
+                      <a:tailEnd type="none" w="med" len="med"/>
+                    </a:lnT>
+                    <a:lnB w="6350" cap="flat" cmpd="sng">
+                      <a:solidFill>
+                        <a:srgbClr val="000000"/>
+                      </a:solidFill>
+                      <a:prstDash val="dot"/>
+                      <a:headEnd type="none" w="med" len="med"/>
+                      <a:tailEnd type="none" w="med" len="med"/>
+                    </a:lnB>
+                    <a:lnTlToBr>
+                      <a:noFill/>
+                    </a:lnTlToBr>
+                    <a:lnBlToTr>
+                      <a:noFill/>
+                    </a:lnBlToTr>
+                    <a:noFill/>
+                  </a:tcPr>
+                </a:tc>
+                <a:tc>
+                  <a:txBody>
+                    <a:bodyPr/>
+                    <a:p>
+                      <a:pPr algn="l">
+                        <a:buNone/>
+                      </a:pPr>
+                      <a:r>
+                        <a:rPr lang="zh-CN" altLang="en-US" sz="1400">
+                          <a:solidFill>
+                            <a:srgbClr val="000000"/>
+                          </a:solidFill>
+                          <a:latin typeface="Calibri" charset="0"/>
+                          <a:cs typeface="Calibri" charset="0"/>
+                        </a:rPr>
+                        <a:t>王冠一</a:t>
+                      </a:r>
+                      <a:endParaRPr lang="zh-CN" altLang="en-US" sz="1400">
+                        <a:solidFill>
+                          <a:srgbClr val="000000"/>
+                        </a:solidFill>
+                        <a:latin typeface="Calibri" charset="0"/>
+                        <a:cs typeface="Calibri" charset="0"/>
+                      </a:endParaRPr>
+                    </a:p>
+                    <a:p>
+                      <a:pPr algn="l">
+                        <a:buNone/>
+                      </a:pPr>
+                      <a:r>
+                        <a:rPr lang="zh-CN" altLang="en-US" sz="1400">
+                          <a:solidFill>
+                            <a:srgbClr val="FF0000"/>
+                          </a:solidFill>
+                          <a:latin typeface="font-weight" charset="0"/>
+                          <a:cs typeface="font-weight" charset="0"/>
+                        </a:rPr>
+                        <a:t>高潜</a:t>
+                      </a:r>
+                      <a:r>
+                        <a:rPr lang="en-US" altLang="zh-CN" sz="1400">
+                          <a:solidFill>
+                            <a:srgbClr val="FF0000"/>
+                          </a:solidFill>
+                          <a:latin typeface="font-weight" charset="0"/>
+                          <a:cs typeface="font-weight" charset="0"/>
+                        </a:rPr>
+                        <a:t>&amp;</a:t>
+                      </a:r>
+                      <a:r>
+                        <a:rPr lang="zh-CN" altLang="en-US" sz="1400">
+                          <a:solidFill>
+                            <a:srgbClr val="FF0000"/>
+                          </a:solidFill>
+                          <a:latin typeface="font-weight" charset="0"/>
+                          <a:cs typeface="font-weight" charset="0"/>
+                        </a:rPr>
+                        <a:t>核心</a:t>
+                      </a:r>
+                      <a:endParaRPr lang="zh-CN" altLang="en-US" sz="1400">
+                        <a:solidFill>
+                          <a:srgbClr val="FF0000"/>
+                        </a:solidFill>
+                        <a:latin typeface="font-weight" charset="0"/>
+                        <a:cs typeface="font-weight" charset="0"/>
+                      </a:endParaRPr>
+                    </a:p>
+                    <a:p>
+                      <a:pPr algn="l">
+                        <a:buNone/>
+                      </a:pPr>
+                      <a:r>
+                        <a:rPr lang="zh-CN" altLang="en-US" sz="1400">
+                          <a:solidFill>
+                            <a:srgbClr val="000000"/>
+                          </a:solidFill>
+                          <a:latin typeface="font-weight" charset="0"/>
+                          <a:cs typeface="font-weight" charset="0"/>
+                        </a:rPr>
+                        <a:t>委托</a:t>
+                      </a:r>
+                      <a:r>
+                        <a:rPr lang="en-US" altLang="zh-CN" sz="1400">
+                          <a:solidFill>
+                            <a:srgbClr val="000000"/>
+                          </a:solidFill>
+                          <a:latin typeface="font-weight" charset="0"/>
+                          <a:cs typeface="font-weight" charset="0"/>
+                        </a:rPr>
+                        <a:t>+OKChain</a:t>
+                      </a:r>
+                      <a:r>
+                        <a:rPr lang="zh-CN" altLang="en-US" sz="1400">
+                          <a:solidFill>
+                            <a:srgbClr val="000000"/>
+                          </a:solidFill>
+                          <a:latin typeface="font-weight" charset="0"/>
+                          <a:cs typeface="font-weight" charset="0"/>
+                        </a:rPr>
+                        <a:t>升级</a:t>
+                      </a:r>
+                      <a:r>
+                        <a:rPr lang="en-US" altLang="zh-CN" sz="1400">
+                          <a:solidFill>
+                            <a:srgbClr val="000000"/>
+                          </a:solidFill>
+                          <a:latin typeface="font-weight" charset="0"/>
+                          <a:cs typeface="font-weight" charset="0"/>
+                        </a:rPr>
+                        <a:t>+token+</a:t>
+                      </a:r>
+                      <a:r>
+                        <a:rPr lang="zh-CN" altLang="en-US" sz="1400">
+                          <a:solidFill>
+                            <a:srgbClr val="000000"/>
+                          </a:solidFill>
+                          <a:latin typeface="font-weight" charset="0"/>
+                          <a:cs typeface="font-weight" charset="0"/>
+                        </a:rPr>
+                        <a:t>部署</a:t>
+                      </a:r>
+                      <a:r>
+                        <a:rPr lang="en-US" altLang="zh-CN" sz="1400">
+                          <a:solidFill>
+                            <a:srgbClr val="000000"/>
+                          </a:solidFill>
+                          <a:latin typeface="font-weight" charset="0"/>
+                          <a:cs typeface="font-weight" charset="0"/>
+                        </a:rPr>
+                        <a:t>+SDK+</a:t>
+                      </a:r>
+                      <a:r>
+                        <a:rPr lang="zh-CN" altLang="en-US" sz="1400">
+                          <a:solidFill>
+                            <a:srgbClr val="000000"/>
+                          </a:solidFill>
+                          <a:latin typeface="font-weight" charset="0"/>
+                          <a:cs typeface="font-weight" charset="0"/>
+                        </a:rPr>
+                        <a:t>压测工具</a:t>
+                      </a:r>
+                      <a:endParaRPr lang="zh-CN" altLang="en-US" sz="1400">
+                        <a:solidFill>
+                          <a:srgbClr val="000000"/>
+                        </a:solidFill>
+                        <a:latin typeface="font-weight" charset="0"/>
+                        <a:ea typeface="Calibri" charset="0"/>
+                        <a:cs typeface="font-weight" charset="0"/>
+                      </a:endParaRPr>
+                    </a:p>
+                  </a:txBody>
+                  <a:tcPr marL="0" marR="0" marT="0" marB="0" vert="horz" anchor="ctr">
+                    <a:lnL w="6350" cap="flat" cmpd="sng">
+                      <a:solidFill>
+                        <a:srgbClr val="000000"/>
+                      </a:solidFill>
+                      <a:prstDash val="dot"/>
+                      <a:headEnd type="none" w="med" len="med"/>
+                      <a:tailEnd type="none" w="med" len="med"/>
+                    </a:lnL>
+                    <a:lnR w="6350" cap="flat" cmpd="sng">
+                      <a:solidFill>
+                        <a:srgbClr val="000000"/>
+                      </a:solidFill>
+                      <a:prstDash val="dot"/>
+                      <a:headEnd type="none" w="med" len="med"/>
+                      <a:tailEnd type="none" w="med" len="med"/>
+                    </a:lnR>
+                    <a:lnT w="6350" cap="flat" cmpd="sng">
+                      <a:solidFill>
+                        <a:srgbClr val="000000"/>
+                      </a:solidFill>
+                      <a:prstDash val="dot"/>
+                      <a:headEnd type="none" w="med" len="med"/>
+                      <a:tailEnd type="none" w="med" len="med"/>
+                    </a:lnT>
+                    <a:lnB w="6350" cap="flat" cmpd="sng">
+                      <a:solidFill>
+                        <a:srgbClr val="000000"/>
+                      </a:solidFill>
+                      <a:prstDash val="dot"/>
+                      <a:headEnd type="none" w="med" len="med"/>
+                      <a:tailEnd type="none" w="med" len="med"/>
+                    </a:lnB>
+                    <a:lnTlToBr>
+                      <a:noFill/>
+                    </a:lnTlToBr>
+                    <a:lnBlToTr>
+                      <a:noFill/>
+                    </a:lnBlToTr>
+                    <a:noFill/>
+                  </a:tcPr>
+                </a:tc>
+                <a:tc>
+                  <a:txBody>
+                    <a:bodyPr/>
+                    <a:p>
+                      <a:pPr algn="l">
+                        <a:buNone/>
+                      </a:pPr>
+                      <a:r>
+                        <a:rPr lang="zh-CN" altLang="en-US" sz="1400">
+                          <a:solidFill>
+                            <a:srgbClr val="000000"/>
+                          </a:solidFill>
+                          <a:latin typeface="Calibri" charset="0"/>
+                          <a:cs typeface="Calibri" charset="0"/>
+                        </a:rPr>
+                        <a:t>冀磊  </a:t>
+                      </a:r>
+                      <a:endParaRPr lang="zh-CN" altLang="en-US" sz="1400">
+                        <a:solidFill>
+                          <a:srgbClr val="000000"/>
+                        </a:solidFill>
+                        <a:latin typeface="Calibri" charset="0"/>
+                        <a:cs typeface="Calibri" charset="0"/>
+                      </a:endParaRPr>
+                    </a:p>
+                    <a:p>
+                      <a:pPr algn="l">
+                        <a:buNone/>
+                      </a:pPr>
+                      <a:r>
+                        <a:rPr lang="en-US" altLang="zh-CN" sz="1400">
+                          <a:solidFill>
+                            <a:srgbClr val="000000"/>
+                          </a:solidFill>
+                          <a:latin typeface="Calibri" charset="0"/>
+                          <a:cs typeface="Calibri" charset="0"/>
+                        </a:rPr>
+                        <a:t>SDK</a:t>
+                      </a:r>
+                      <a:r>
+                        <a:rPr lang="en-US" altLang="zh-CN" sz="1400">
+                          <a:solidFill>
+                            <a:srgbClr val="000000"/>
+                          </a:solidFill>
+                          <a:latin typeface="Calibri" charset="0"/>
+                          <a:cs typeface="Calibri" charset="0"/>
+                          <a:sym typeface="+mn-ea"/>
+                        </a:rPr>
+                        <a:t>+</a:t>
+                      </a:r>
+                      <a:r>
+                        <a:rPr lang="zh-CN" altLang="en-US" sz="1400">
+                          <a:solidFill>
+                            <a:srgbClr val="000000"/>
+                          </a:solidFill>
+                          <a:latin typeface="Calibri" charset="0"/>
+                          <a:cs typeface="Calibri" charset="0"/>
+                          <a:sym typeface="+mn-ea"/>
+                        </a:rPr>
+                        <a:t>订单</a:t>
+                      </a:r>
+                      <a:r>
+                        <a:rPr lang="en-US" altLang="zh-CN" sz="1400">
+                          <a:solidFill>
+                            <a:srgbClr val="000000"/>
+                          </a:solidFill>
+                          <a:latin typeface="Calibri" charset="0"/>
+                          <a:cs typeface="Calibri" charset="0"/>
+                        </a:rPr>
+                        <a:t>+</a:t>
+                      </a:r>
+                      <a:r>
+                        <a:rPr lang="zh-CN" altLang="en-US" sz="1400">
+                          <a:solidFill>
+                            <a:srgbClr val="000000"/>
+                          </a:solidFill>
+                          <a:latin typeface="Calibri" charset="0"/>
+                          <a:cs typeface="Calibri" charset="0"/>
+                        </a:rPr>
+                        <a:t>压测工具</a:t>
+                      </a:r>
+                      <a:endParaRPr lang="zh-CN" altLang="en-US" sz="1400">
+                        <a:solidFill>
+                          <a:srgbClr val="000000"/>
+                        </a:solidFill>
+                        <a:latin typeface="Calibri" charset="0"/>
+                        <a:ea typeface="Calibri" charset="0"/>
+                        <a:cs typeface="Calibri" charset="0"/>
+                      </a:endParaRPr>
+                    </a:p>
+                  </a:txBody>
+                  <a:tcPr marL="0" marR="0" marT="0" marB="0" vert="horz" anchor="ctr">
+                    <a:lnL w="6350" cap="flat" cmpd="sng">
+                      <a:solidFill>
+                        <a:srgbClr val="000000"/>
+                      </a:solidFill>
+                      <a:prstDash val="dot"/>
+                      <a:headEnd type="none" w="med" len="med"/>
+                      <a:tailEnd type="none" w="med" len="med"/>
+                    </a:lnL>
+                    <a:lnR w="6350" cap="flat" cmpd="sng">
+                      <a:solidFill>
+                        <a:srgbClr val="000000"/>
+                      </a:solidFill>
+                      <a:prstDash val="dot"/>
+                      <a:headEnd type="none" w="med" len="med"/>
+                      <a:tailEnd type="none" w="med" len="med"/>
+                    </a:lnR>
+                    <a:lnT w="6350" cap="flat" cmpd="sng">
+                      <a:solidFill>
+                        <a:srgbClr val="000000"/>
+                      </a:solidFill>
+                      <a:prstDash val="dot"/>
+                      <a:headEnd type="none" w="med" len="med"/>
+                      <a:tailEnd type="none" w="med" len="med"/>
+                    </a:lnT>
+                    <a:lnB w="6350" cap="flat" cmpd="sng">
+                      <a:solidFill>
+                        <a:srgbClr val="000000"/>
+                      </a:solidFill>
+                      <a:prstDash val="dot"/>
+                      <a:headEnd type="none" w="med" len="med"/>
+                      <a:tailEnd type="none" w="med" len="med"/>
+                    </a:lnB>
+                    <a:lnTlToBr>
+                      <a:noFill/>
+                    </a:lnTlToBr>
+                    <a:lnBlToTr>
+                      <a:noFill/>
+                    </a:lnBlToTr>
+                    <a:noFill/>
+                  </a:tcPr>
+                </a:tc>
+                <a:tc>
+                  <a:txBody>
+                    <a:bodyPr/>
+                    <a:p>
+                      <a:pPr algn="l">
+                        <a:buNone/>
+                      </a:pPr>
+                      <a:endParaRPr lang="en-US" sz="1400">
+                        <a:solidFill>
+                          <a:srgbClr val="000000"/>
+                        </a:solidFill>
+                        <a:latin typeface="Calibri" charset="0"/>
+                        <a:ea typeface="Calibri" charset="0"/>
+                        <a:cs typeface="Calibri" charset="0"/>
+                      </a:endParaRPr>
+                    </a:p>
+                  </a:txBody>
+                  <a:tcPr marL="0" marR="0" marT="0" marB="0" vert="horz" anchor="ctr">
+                    <a:lnL w="6350" cap="flat" cmpd="sng">
+                      <a:solidFill>
+                        <a:srgbClr val="000000"/>
+                      </a:solidFill>
+                      <a:prstDash val="dot"/>
+                      <a:headEnd type="none" w="med" len="med"/>
+                      <a:tailEnd type="none" w="med" len="med"/>
+                    </a:lnL>
+                    <a:lnR w="6350" cap="flat" cmpd="sng">
+                      <a:solidFill>
+                        <a:srgbClr val="000000"/>
+                      </a:solidFill>
+                      <a:prstDash val="dot"/>
+                      <a:headEnd type="none" w="med" len="med"/>
+                      <a:tailEnd type="none" w="med" len="med"/>
+                    </a:lnR>
+                    <a:lnT w="6350" cap="flat" cmpd="sng">
+                      <a:solidFill>
+                        <a:srgbClr val="000000"/>
+                      </a:solidFill>
+                      <a:prstDash val="dot"/>
+                      <a:headEnd type="none" w="med" len="med"/>
+                      <a:tailEnd type="none" w="med" len="med"/>
+                    </a:lnT>
+                    <a:lnB w="6350" cap="flat" cmpd="sng">
+                      <a:solidFill>
+                        <a:srgbClr val="000000"/>
+                      </a:solidFill>
+                      <a:prstDash val="dot"/>
+                      <a:headEnd type="none" w="med" len="med"/>
+                      <a:tailEnd type="none" w="med" len="med"/>
+                    </a:lnB>
+                    <a:lnTlToBr>
+                      <a:noFill/>
+                    </a:lnTlToBr>
+                    <a:lnBlToTr>
+                      <a:noFill/>
+                    </a:lnBlToTr>
+                    <a:noFill/>
+                  </a:tcPr>
+                </a:tc>
+              </a:tr>
+              <a:tr h="880745">
+                <a:tc>
+                  <a:txBody>
+                    <a:bodyPr/>
+                    <a:p>
+                      <a:pPr algn="l">
+                        <a:buNone/>
+                      </a:pPr>
+                      <a:r>
+                        <a:rPr lang="en-US" altLang="zh-CN" sz="1400">
+                          <a:solidFill>
+                            <a:srgbClr val="000000"/>
+                          </a:solidFill>
+                          <a:latin typeface="Calibri" charset="0"/>
+                          <a:cs typeface="Calibri" charset="0"/>
+                        </a:rPr>
+                        <a:t>P5</a:t>
+                      </a:r>
+                      <a:endParaRPr lang="en-US" altLang="zh-CN" sz="1400">
+                        <a:solidFill>
+                          <a:srgbClr val="000000"/>
+                        </a:solidFill>
+                        <a:latin typeface="Calibri" charset="0"/>
+                        <a:ea typeface="Calibri" charset="0"/>
+                        <a:cs typeface="Calibri" charset="0"/>
+                      </a:endParaRPr>
+                    </a:p>
+                  </a:txBody>
+                  <a:tcPr marL="0" marR="0" marT="0" marB="0" vert="horz" anchor="ctr">
+                    <a:lnL w="6350" cap="flat" cmpd="sng">
+                      <a:solidFill>
+                        <a:srgbClr val="000000"/>
+                      </a:solidFill>
+                      <a:prstDash val="dot"/>
+                      <a:headEnd type="none" w="med" len="med"/>
+                      <a:tailEnd type="none" w="med" len="med"/>
+                    </a:lnL>
+                    <a:lnR w="6350" cap="flat" cmpd="sng">
+                      <a:solidFill>
+                        <a:srgbClr val="000000"/>
+                      </a:solidFill>
+                      <a:prstDash val="dot"/>
+                      <a:headEnd type="none" w="med" len="med"/>
+                      <a:tailEnd type="none" w="med" len="med"/>
+                    </a:lnR>
+                    <a:lnT w="6350" cap="flat" cmpd="sng">
+                      <a:solidFill>
+                        <a:srgbClr val="000000"/>
+                      </a:solidFill>
+                      <a:prstDash val="dot"/>
+                      <a:headEnd type="none" w="med" len="med"/>
+                      <a:tailEnd type="none" w="med" len="med"/>
+                    </a:lnT>
+                    <a:lnB w="6350" cap="flat" cmpd="sng">
+                      <a:solidFill>
+                        <a:srgbClr val="000000"/>
+                      </a:solidFill>
+                      <a:prstDash val="dot"/>
+                      <a:headEnd type="none" w="med" len="med"/>
+                      <a:tailEnd type="none" w="med" len="med"/>
+                    </a:lnB>
+                    <a:lnTlToBr>
+                      <a:noFill/>
+                    </a:lnTlToBr>
+                    <a:lnBlToTr>
+                      <a:noFill/>
+                    </a:lnBlToTr>
+                    <a:noFill/>
+                  </a:tcPr>
+                </a:tc>
+                <a:tc>
+                  <a:txBody>
+                    <a:bodyPr/>
+                    <a:p>
+                      <a:pPr algn="l">
+                        <a:buNone/>
+                      </a:pPr>
+                      <a:r>
+                        <a:rPr lang="zh-CN" altLang="en-US" sz="1400">
+                          <a:solidFill>
+                            <a:srgbClr val="000000"/>
+                          </a:solidFill>
+                          <a:latin typeface="Calibri" charset="0"/>
+                          <a:cs typeface="Calibri" charset="0"/>
+                        </a:rPr>
+                        <a:t>葛溢力</a:t>
+                      </a:r>
+                      <a:endParaRPr lang="zh-CN" altLang="en-US" sz="1400">
+                        <a:solidFill>
+                          <a:srgbClr val="000000"/>
+                        </a:solidFill>
+                        <a:latin typeface="Calibri" charset="0"/>
+                        <a:cs typeface="Calibri" charset="0"/>
+                      </a:endParaRPr>
+                    </a:p>
+                    <a:p>
+                      <a:pPr algn="l">
+                        <a:buNone/>
+                      </a:pPr>
+                      <a:r>
+                        <a:rPr lang="zh-CN" altLang="en-US" sz="1400">
+                          <a:solidFill>
+                            <a:srgbClr val="000000"/>
+                          </a:solidFill>
+                          <a:latin typeface="Calibri" charset="0"/>
+                          <a:cs typeface="Calibri" charset="0"/>
+                        </a:rPr>
+                        <a:t>高潜</a:t>
+                      </a:r>
+                      <a:endParaRPr lang="zh-CN" altLang="en-US" sz="1400">
+                        <a:solidFill>
+                          <a:srgbClr val="000000"/>
+                        </a:solidFill>
+                        <a:latin typeface="Calibri" charset="0"/>
+                        <a:cs typeface="Calibri" charset="0"/>
+                      </a:endParaRPr>
+                    </a:p>
+                    <a:p>
+                      <a:pPr algn="l">
+                        <a:buNone/>
+                      </a:pPr>
+                      <a:r>
+                        <a:rPr lang="en-US" altLang="zh-CN" sz="1400">
+                          <a:solidFill>
+                            <a:srgbClr val="000000"/>
+                          </a:solidFill>
+                          <a:latin typeface="Calibri" charset="0"/>
+                          <a:cs typeface="Calibri" charset="0"/>
+                        </a:rPr>
+                        <a:t>OKChain</a:t>
+                      </a:r>
+                      <a:r>
+                        <a:rPr lang="zh-CN" altLang="en-US" sz="1400">
+                          <a:solidFill>
+                            <a:srgbClr val="000000"/>
+                          </a:solidFill>
+                          <a:latin typeface="Calibri" charset="0"/>
+                          <a:cs typeface="Calibri" charset="0"/>
+                        </a:rPr>
+                        <a:t>升级</a:t>
+                      </a:r>
+                      <a:r>
+                        <a:rPr lang="en-US" altLang="zh-CN" sz="1400">
+                          <a:solidFill>
+                            <a:srgbClr val="000000"/>
+                          </a:solidFill>
+                          <a:latin typeface="Calibri" charset="0"/>
+                          <a:cs typeface="Calibri" charset="0"/>
+                        </a:rPr>
+                        <a:t>+</a:t>
+                      </a:r>
+                      <a:r>
+                        <a:rPr lang="zh-CN" altLang="en-US" sz="1400">
+                          <a:solidFill>
+                            <a:srgbClr val="000000"/>
+                          </a:solidFill>
+                          <a:latin typeface="Calibri" charset="0"/>
+                          <a:cs typeface="Calibri" charset="0"/>
+                        </a:rPr>
+                        <a:t>部署</a:t>
+                      </a:r>
+                      <a:r>
+                        <a:rPr lang="en-US" altLang="zh-CN" sz="1400">
+                          <a:solidFill>
+                            <a:srgbClr val="000000"/>
+                          </a:solidFill>
+                          <a:latin typeface="Calibri" charset="0"/>
+                          <a:cs typeface="Calibri" charset="0"/>
+                        </a:rPr>
+                        <a:t>+SDK</a:t>
+                      </a:r>
+                      <a:endParaRPr lang="en-US" altLang="zh-CN" sz="1400">
+                        <a:solidFill>
+                          <a:srgbClr val="000000"/>
+                        </a:solidFill>
+                        <a:latin typeface="Calibri" charset="0"/>
+                        <a:ea typeface="Calibri" charset="0"/>
+                        <a:cs typeface="Calibri" charset="0"/>
+                      </a:endParaRPr>
+                    </a:p>
+                  </a:txBody>
+                  <a:tcPr marL="0" marR="0" marT="0" marB="0" vert="horz" anchor="ctr">
+                    <a:lnL w="6350" cap="flat" cmpd="sng">
+                      <a:solidFill>
+                        <a:srgbClr val="000000"/>
+                      </a:solidFill>
+                      <a:prstDash val="dot"/>
+                      <a:headEnd type="none" w="med" len="med"/>
+                      <a:tailEnd type="none" w="med" len="med"/>
+                    </a:lnL>
+                    <a:lnR w="6350" cap="flat" cmpd="sng">
+                      <a:solidFill>
+                        <a:srgbClr val="000000"/>
+                      </a:solidFill>
+                      <a:prstDash val="dot"/>
+                      <a:headEnd type="none" w="med" len="med"/>
+                      <a:tailEnd type="none" w="med" len="med"/>
+                    </a:lnR>
+                    <a:lnT w="6350" cap="flat" cmpd="sng">
+                      <a:solidFill>
+                        <a:srgbClr val="000000"/>
+                      </a:solidFill>
+                      <a:prstDash val="dot"/>
+                      <a:headEnd type="none" w="med" len="med"/>
+                      <a:tailEnd type="none" w="med" len="med"/>
+                    </a:lnT>
+                    <a:lnB w="6350" cap="flat" cmpd="sng">
+                      <a:solidFill>
+                        <a:srgbClr val="000000"/>
+                      </a:solidFill>
+                      <a:prstDash val="dot"/>
+                      <a:headEnd type="none" w="med" len="med"/>
+                      <a:tailEnd type="none" w="med" len="med"/>
+                    </a:lnB>
+                    <a:lnTlToBr>
+                      <a:noFill/>
+                    </a:lnTlToBr>
+                    <a:lnBlToTr>
+                      <a:noFill/>
+                    </a:lnBlToTr>
+                    <a:noFill/>
+                  </a:tcPr>
+                </a:tc>
+                <a:tc>
+                  <a:txBody>
+                    <a:bodyPr/>
+                    <a:p>
+                      <a:pPr algn="l">
+                        <a:buNone/>
+                      </a:pPr>
+                      <a:r>
+                        <a:rPr lang="zh-CN" altLang="en-US" sz="1400">
+                          <a:solidFill>
+                            <a:srgbClr val="000000"/>
+                          </a:solidFill>
+                          <a:latin typeface="Calibri" charset="0"/>
+                          <a:cs typeface="Calibri" charset="0"/>
+                        </a:rPr>
+                        <a:t>陈芳平</a:t>
+                      </a:r>
+                      <a:endParaRPr lang="zh-CN" altLang="en-US" sz="1400">
+                        <a:solidFill>
+                          <a:srgbClr val="000000"/>
+                        </a:solidFill>
+                        <a:latin typeface="Calibri" charset="0"/>
+                        <a:cs typeface="Calibri" charset="0"/>
+                      </a:endParaRPr>
+                    </a:p>
+                    <a:p>
+                      <a:pPr algn="l">
+                        <a:buNone/>
+                      </a:pPr>
+                      <a:r>
+                        <a:rPr lang="en-US" altLang="zh-CN" sz="1400">
+                          <a:solidFill>
+                            <a:srgbClr val="000000"/>
+                          </a:solidFill>
+                          <a:latin typeface="Calibri" charset="0"/>
+                          <a:cs typeface="Calibri" charset="0"/>
+                        </a:rPr>
+                        <a:t>Dex</a:t>
+                      </a:r>
+                      <a:r>
+                        <a:rPr lang="zh-CN" altLang="en-US" sz="1400">
+                          <a:solidFill>
+                            <a:srgbClr val="000000"/>
+                          </a:solidFill>
+                          <a:latin typeface="Calibri" charset="0"/>
+                          <a:cs typeface="Calibri" charset="0"/>
+                        </a:rPr>
+                        <a:t>前端</a:t>
+                      </a:r>
+                      <a:r>
+                        <a:rPr lang="en-US" altLang="zh-CN" sz="1400">
+                          <a:solidFill>
+                            <a:srgbClr val="000000"/>
+                          </a:solidFill>
+                          <a:latin typeface="Calibri" charset="0"/>
+                          <a:cs typeface="Calibri" charset="0"/>
+                        </a:rPr>
+                        <a:t>+</a:t>
+                      </a:r>
+                      <a:r>
+                        <a:rPr lang="zh-CN" altLang="en-US" sz="1400">
+                          <a:solidFill>
+                            <a:srgbClr val="000000"/>
+                          </a:solidFill>
+                          <a:latin typeface="Calibri" charset="0"/>
+                          <a:cs typeface="Calibri" charset="0"/>
+                        </a:rPr>
+                        <a:t>压测工具</a:t>
+                      </a:r>
+                      <a:r>
+                        <a:rPr lang="en-US" altLang="zh-CN" sz="1400">
+                          <a:solidFill>
+                            <a:srgbClr val="000000"/>
+                          </a:solidFill>
+                          <a:latin typeface="Calibri" charset="0"/>
+                          <a:cs typeface="Calibri" charset="0"/>
+                        </a:rPr>
+                        <a:t>+stream</a:t>
+                      </a:r>
+                      <a:endParaRPr lang="en-US" altLang="zh-CN" sz="1400">
+                        <a:solidFill>
+                          <a:srgbClr val="000000"/>
+                        </a:solidFill>
+                        <a:latin typeface="Calibri" charset="0"/>
+                        <a:ea typeface="Calibri" charset="0"/>
+                        <a:cs typeface="Calibri" charset="0"/>
+                      </a:endParaRPr>
+                    </a:p>
+                  </a:txBody>
+                  <a:tcPr marL="0" marR="0" marT="0" marB="0" vert="horz" anchor="ctr">
+                    <a:lnL w="6350" cap="flat" cmpd="sng">
+                      <a:solidFill>
+                        <a:srgbClr val="000000"/>
+                      </a:solidFill>
+                      <a:prstDash val="dot"/>
+                      <a:headEnd type="none" w="med" len="med"/>
+                      <a:tailEnd type="none" w="med" len="med"/>
+                    </a:lnL>
+                    <a:lnR w="6350" cap="flat" cmpd="sng">
+                      <a:solidFill>
+                        <a:srgbClr val="000000"/>
+                      </a:solidFill>
+                      <a:prstDash val="dot"/>
+                      <a:headEnd type="none" w="med" len="med"/>
+                      <a:tailEnd type="none" w="med" len="med"/>
+                    </a:lnR>
+                    <a:lnT w="6350" cap="flat" cmpd="sng">
+                      <a:solidFill>
+                        <a:srgbClr val="000000"/>
+                      </a:solidFill>
+                      <a:prstDash val="dot"/>
+                      <a:headEnd type="none" w="med" len="med"/>
+                      <a:tailEnd type="none" w="med" len="med"/>
+                    </a:lnT>
+                    <a:lnB w="6350" cap="flat" cmpd="sng">
+                      <a:solidFill>
+                        <a:srgbClr val="000000"/>
+                      </a:solidFill>
+                      <a:prstDash val="dot"/>
+                      <a:headEnd type="none" w="med" len="med"/>
+                      <a:tailEnd type="none" w="med" len="med"/>
+                    </a:lnB>
+                    <a:lnTlToBr>
+                      <a:noFill/>
+                    </a:lnTlToBr>
+                    <a:lnBlToTr>
+                      <a:noFill/>
+                    </a:lnBlToTr>
+                    <a:noFill/>
+                  </a:tcPr>
+                </a:tc>
+                <a:tc>
+                  <a:txBody>
+                    <a:bodyPr/>
+                    <a:p>
+                      <a:pPr algn="l">
+                        <a:buNone/>
+                      </a:pPr>
+                      <a:endParaRPr lang="en-US" sz="1400">
+                        <a:solidFill>
+                          <a:srgbClr val="000000"/>
+                        </a:solidFill>
+                        <a:latin typeface="Calibri" charset="0"/>
+                        <a:ea typeface="Calibri" charset="0"/>
+                        <a:cs typeface="Calibri" charset="0"/>
+                      </a:endParaRPr>
+                    </a:p>
+                  </a:txBody>
+                  <a:tcPr marL="0" marR="0" marT="0" marB="0" vert="horz" anchor="ctr">
+                    <a:lnL w="6350" cap="flat" cmpd="sng">
+                      <a:solidFill>
+                        <a:srgbClr val="000000"/>
+                      </a:solidFill>
+                      <a:prstDash val="dot"/>
+                      <a:headEnd type="none" w="med" len="med"/>
+                      <a:tailEnd type="none" w="med" len="med"/>
+                    </a:lnL>
+                    <a:lnR w="6350" cap="flat" cmpd="sng">
+                      <a:solidFill>
+                        <a:srgbClr val="000000"/>
+                      </a:solidFill>
+                      <a:prstDash val="dot"/>
+                      <a:headEnd type="none" w="med" len="med"/>
+                      <a:tailEnd type="none" w="med" len="med"/>
+                    </a:lnR>
+                    <a:lnT w="6350" cap="flat" cmpd="sng">
+                      <a:solidFill>
+                        <a:srgbClr val="000000"/>
+                      </a:solidFill>
+                      <a:prstDash val="dot"/>
+                      <a:headEnd type="none" w="med" len="med"/>
+                      <a:tailEnd type="none" w="med" len="med"/>
+                    </a:lnT>
+                    <a:lnB w="6350" cap="flat" cmpd="sng">
+                      <a:solidFill>
+                        <a:srgbClr val="000000"/>
+                      </a:solidFill>
+                      <a:prstDash val="dot"/>
+                      <a:headEnd type="none" w="med" len="med"/>
+                      <a:tailEnd type="none" w="med" len="med"/>
+                    </a:lnB>
+                    <a:lnTlToBr>
+                      <a:noFill/>
+                    </a:lnTlToBr>
+                    <a:lnBlToTr>
+                      <a:noFill/>
+                    </a:lnBlToTr>
+                    <a:noFill/>
+                  </a:tcPr>
+                </a:tc>
+              </a:tr>
+              <a:tr h="586740">
+                <a:tc>
+                  <a:txBody>
+                    <a:bodyPr/>
+                    <a:p>
+                      <a:pPr algn="l">
+                        <a:buNone/>
+                      </a:pPr>
+                      <a:r>
+                        <a:rPr lang="zh-CN" altLang="en-US" sz="1400">
+                          <a:solidFill>
+                            <a:srgbClr val="000000"/>
+                          </a:solidFill>
+                          <a:latin typeface="Calibri" charset="0"/>
+                          <a:cs typeface="Calibri" charset="0"/>
+                        </a:rPr>
+                        <a:t>顾问</a:t>
+                      </a:r>
+                      <a:endParaRPr lang="zh-CN" altLang="en-US" sz="1400">
+                        <a:solidFill>
+                          <a:srgbClr val="000000"/>
+                        </a:solidFill>
+                        <a:latin typeface="Calibri" charset="0"/>
+                        <a:ea typeface="Calibri" charset="0"/>
+                        <a:cs typeface="Calibri" charset="0"/>
+                      </a:endParaRPr>
+                    </a:p>
+                  </a:txBody>
+                  <a:tcPr marL="0" marR="0" marT="0" marB="0" vert="horz" anchor="ctr">
+                    <a:lnL w="6350" cap="flat" cmpd="sng">
+                      <a:solidFill>
+                        <a:srgbClr val="000000"/>
+                      </a:solidFill>
+                      <a:prstDash val="dot"/>
+                      <a:headEnd type="none" w="med" len="med"/>
+                      <a:tailEnd type="none" w="med" len="med"/>
+                    </a:lnL>
+                    <a:lnR w="6350" cap="flat" cmpd="sng">
+                      <a:solidFill>
+                        <a:srgbClr val="000000"/>
+                      </a:solidFill>
+                      <a:prstDash val="dot"/>
+                      <a:headEnd type="none" w="med" len="med"/>
+                      <a:tailEnd type="none" w="med" len="med"/>
+                    </a:lnR>
+                    <a:lnT w="6350" cap="flat" cmpd="sng">
+                      <a:solidFill>
+                        <a:srgbClr val="000000"/>
+                      </a:solidFill>
+                      <a:prstDash val="dot"/>
+                      <a:headEnd type="none" w="med" len="med"/>
+                      <a:tailEnd type="none" w="med" len="med"/>
+                    </a:lnT>
+                    <a:lnB w="6350" cap="flat" cmpd="sng">
+                      <a:solidFill>
+                        <a:srgbClr val="000000"/>
+                      </a:solidFill>
+                      <a:prstDash val="dot"/>
+                      <a:headEnd type="none" w="med" len="med"/>
+                      <a:tailEnd type="none" w="med" len="med"/>
+                    </a:lnB>
+                    <a:lnTlToBr>
+                      <a:noFill/>
+                    </a:lnTlToBr>
+                    <a:lnBlToTr>
+                      <a:noFill/>
+                    </a:lnBlToTr>
+                    <a:noFill/>
+                  </a:tcPr>
+                </a:tc>
+                <a:tc>
+                  <a:txBody>
+                    <a:bodyPr/>
+                    <a:p>
+                      <a:pPr algn="l">
+                        <a:buNone/>
+                      </a:pPr>
+                      <a:r>
+                        <a:rPr lang="zh-CN" altLang="en-US" sz="1400">
+                          <a:solidFill>
+                            <a:srgbClr val="000000"/>
+                          </a:solidFill>
+                          <a:latin typeface="Calibri" charset="0"/>
+                          <a:cs typeface="Calibri" charset="0"/>
+                        </a:rPr>
+                        <a:t>付希明</a:t>
+                      </a:r>
+                      <a:endParaRPr lang="zh-CN" altLang="en-US" sz="1400">
+                        <a:solidFill>
+                          <a:srgbClr val="000000"/>
+                        </a:solidFill>
+                        <a:latin typeface="Calibri" charset="0"/>
+                        <a:cs typeface="Calibri" charset="0"/>
+                      </a:endParaRPr>
+                    </a:p>
+                    <a:p>
+                      <a:pPr algn="l">
+                        <a:buNone/>
+                      </a:pPr>
+                      <a:r>
+                        <a:rPr lang="zh-CN" altLang="en-US" sz="1400">
+                          <a:solidFill>
+                            <a:srgbClr val="000000"/>
+                          </a:solidFill>
+                          <a:latin typeface="Calibri" charset="0"/>
+                          <a:cs typeface="Calibri" charset="0"/>
+                        </a:rPr>
+                        <a:t>异步网络共识出块专利</a:t>
+                      </a:r>
+                      <a:endParaRPr lang="zh-CN" altLang="en-US" sz="1400">
+                        <a:solidFill>
+                          <a:srgbClr val="000000"/>
+                        </a:solidFill>
+                        <a:latin typeface="Calibri" charset="0"/>
+                        <a:ea typeface="Calibri" charset="0"/>
+                        <a:cs typeface="Calibri" charset="0"/>
+                      </a:endParaRPr>
+                    </a:p>
+                  </a:txBody>
+                  <a:tcPr marL="0" marR="0" marT="0" marB="0" vert="horz" anchor="ctr">
+                    <a:lnL w="6350" cap="flat" cmpd="sng">
+                      <a:solidFill>
+                        <a:srgbClr val="000000"/>
+                      </a:solidFill>
+                      <a:prstDash val="dot"/>
+                      <a:headEnd type="none" w="med" len="med"/>
+                      <a:tailEnd type="none" w="med" len="med"/>
+                    </a:lnL>
+                    <a:lnR w="6350" cap="flat" cmpd="sng">
+                      <a:solidFill>
+                        <a:srgbClr val="000000"/>
+                      </a:solidFill>
+                      <a:prstDash val="dot"/>
+                      <a:headEnd type="none" w="med" len="med"/>
+                      <a:tailEnd type="none" w="med" len="med"/>
+                    </a:lnR>
+                    <a:lnT w="6350" cap="flat" cmpd="sng">
+                      <a:solidFill>
+                        <a:srgbClr val="000000"/>
+                      </a:solidFill>
+                      <a:prstDash val="dot"/>
+                      <a:headEnd type="none" w="med" len="med"/>
+                      <a:tailEnd type="none" w="med" len="med"/>
+                    </a:lnT>
+                    <a:lnB w="6350" cap="flat" cmpd="sng">
+                      <a:solidFill>
+                        <a:srgbClr val="000000"/>
+                      </a:solidFill>
+                      <a:prstDash val="dot"/>
+                      <a:headEnd type="none" w="med" len="med"/>
+                      <a:tailEnd type="none" w="med" len="med"/>
+                    </a:lnB>
+                    <a:lnTlToBr>
+                      <a:noFill/>
+                    </a:lnTlToBr>
+                    <a:lnBlToTr>
+                      <a:noFill/>
+                    </a:lnBlToTr>
+                    <a:noFill/>
+                  </a:tcPr>
+                </a:tc>
+                <a:tc>
+                  <a:txBody>
+                    <a:bodyPr/>
+                    <a:p>
+                      <a:pPr algn="l">
+                        <a:buNone/>
+                      </a:pPr>
+                      <a:r>
+                        <a:rPr lang="en-US" altLang="zh-CN" sz="1400">
+                          <a:solidFill>
+                            <a:srgbClr val="000000"/>
+                          </a:solidFill>
+                          <a:latin typeface="Calibri" charset="0"/>
+                          <a:cs typeface="Calibri" charset="0"/>
+                        </a:rPr>
+                        <a:t>                  </a:t>
+                      </a:r>
+                      <a:endParaRPr lang="en-US" altLang="zh-CN" sz="1400">
+                        <a:solidFill>
+                          <a:srgbClr val="000000"/>
+                        </a:solidFill>
+                        <a:latin typeface="Calibri" charset="0"/>
+                        <a:ea typeface="Calibri" charset="0"/>
+                        <a:cs typeface="Calibri" charset="0"/>
+                      </a:endParaRPr>
+                    </a:p>
+                  </a:txBody>
+                  <a:tcPr marL="0" marR="0" marT="0" marB="0" vert="horz" anchor="ctr">
+                    <a:lnL w="6350" cap="flat" cmpd="sng">
+                      <a:solidFill>
+                        <a:srgbClr val="000000"/>
+                      </a:solidFill>
+                      <a:prstDash val="dot"/>
+                      <a:headEnd type="none" w="med" len="med"/>
+                      <a:tailEnd type="none" w="med" len="med"/>
+                    </a:lnL>
+                    <a:lnR w="6350" cap="flat" cmpd="sng">
+                      <a:solidFill>
+                        <a:srgbClr val="000000"/>
+                      </a:solidFill>
+                      <a:prstDash val="dot"/>
+                      <a:headEnd type="none" w="med" len="med"/>
+                      <a:tailEnd type="none" w="med" len="med"/>
+                    </a:lnR>
+                    <a:lnT w="6350" cap="flat" cmpd="sng">
+                      <a:solidFill>
+                        <a:srgbClr val="000000"/>
+                      </a:solidFill>
+                      <a:prstDash val="dot"/>
+                      <a:headEnd type="none" w="med" len="med"/>
+                      <a:tailEnd type="none" w="med" len="med"/>
+                    </a:lnT>
+                    <a:lnB w="6350" cap="flat" cmpd="sng">
+                      <a:solidFill>
+                        <a:srgbClr val="000000"/>
+                      </a:solidFill>
+                      <a:prstDash val="dot"/>
+                      <a:headEnd type="none" w="med" len="med"/>
+                      <a:tailEnd type="none" w="med" len="med"/>
+                    </a:lnB>
+                    <a:lnTlToBr>
+                      <a:noFill/>
+                    </a:lnTlToBr>
+                    <a:lnBlToTr>
+                      <a:noFill/>
+                    </a:lnBlToTr>
+                    <a:noFill/>
+                  </a:tcPr>
+                </a:tc>
+                <a:tc>
+                  <a:txBody>
+                    <a:bodyPr/>
+                    <a:p>
+                      <a:pPr algn="l">
+                        <a:buNone/>
+                      </a:pPr>
+                      <a:endParaRPr lang="en-US" sz="1400">
+                        <a:solidFill>
+                          <a:srgbClr val="000000"/>
+                        </a:solidFill>
+                        <a:latin typeface="Calibri" charset="0"/>
+                        <a:ea typeface="Calibri" charset="0"/>
+                        <a:cs typeface="Calibri" charset="0"/>
+                      </a:endParaRPr>
+                    </a:p>
+                  </a:txBody>
+                  <a:tcPr marL="0" marR="0" marT="0" marB="0" vert="horz" anchor="ctr">
+                    <a:lnL w="6350" cap="flat" cmpd="sng">
+                      <a:solidFill>
+                        <a:srgbClr val="000000"/>
+                      </a:solidFill>
+                      <a:prstDash val="dot"/>
+                      <a:headEnd type="none" w="med" len="med"/>
+                      <a:tailEnd type="none" w="med" len="med"/>
+                    </a:lnL>
+                    <a:lnR w="6350" cap="flat" cmpd="sng">
+                      <a:solidFill>
+                        <a:srgbClr val="000000"/>
+                      </a:solidFill>
+                      <a:prstDash val="dot"/>
+                      <a:headEnd type="none" w="med" len="med"/>
+                      <a:tailEnd type="none" w="med" len="med"/>
+                    </a:lnR>
+                    <a:lnT w="6350" cap="flat" cmpd="sng">
+                      <a:solidFill>
+                        <a:srgbClr val="000000"/>
+                      </a:solidFill>
+                      <a:prstDash val="dot"/>
+                      <a:headEnd type="none" w="med" len="med"/>
+                      <a:tailEnd type="none" w="med" len="med"/>
+                    </a:lnT>
+                    <a:lnB w="6350" cap="flat" cmpd="sng">
+                      <a:solidFill>
+                        <a:srgbClr val="000000"/>
+                      </a:solidFill>
+                      <a:prstDash val="dot"/>
+                      <a:headEnd type="none" w="med" len="med"/>
+                      <a:tailEnd type="none" w="med" len="med"/>
+                    </a:lnB>
+                    <a:lnTlToBr>
+                      <a:noFill/>
+                    </a:lnTlToBr>
+                    <a:lnBlToTr>
+                      <a:noFill/>
+                    </a:lnBlToTr>
+                    <a:noFill/>
+                  </a:tcPr>
+                </a:tc>
+              </a:tr>
+            </a:tbl>
+          </a:graphicData>
+        </a:graphic>
+      </p:graphicFrame>
+    </p:spTree>
+  </p:cSld>
+  <p:clrMapOvr>
+    <a:masterClrMapping/>
+  </p:clrMapOvr>
+  <p:transition spd="med"/>
+  <p:timing>
+    <p:tnLst>
+      <p:par>
+        <p:cTn id="1" dur="indefinite" restart="never" nodeType="tmRoot"/>
+      </p:par>
+    </p:tnLst>
+  </p:timing>
+</p:sld>
+</file>
+
+<file path=ppt/slides/slide7.xml><?xml version="1.0" encoding="utf-8"?>
 <p:sld xmlns:a="http://schemas.openxmlformats.org/drawingml/2006/main" xmlns:r="http://schemas.openxmlformats.org/officeDocument/2006/relationships" xmlns:p="http://schemas.openxmlformats.org/presentationml/2006/main">
   <p:cSld>
     <p:spTree>
@@ -4472,7 +7340,7 @@
 </p:sld>
 </file>
 
-<file path=ppt/slides/slide5.xml><?xml version="1.0" encoding="utf-8"?>
+<file path=ppt/slides/slide8.xml><?xml version="1.0" encoding="utf-8"?>
 <p:sld xmlns:a="http://schemas.openxmlformats.org/drawingml/2006/main" xmlns:r="http://schemas.openxmlformats.org/officeDocument/2006/relationships" xmlns:p="http://schemas.openxmlformats.org/presentationml/2006/main">
   <p:cSld>
     <p:spTree>
@@ -4901,7 +7769,7 @@
 </p:sld>
 </file>
 
-<file path=ppt/slides/slide6.xml><?xml version="1.0" encoding="utf-8"?>
+<file path=ppt/slides/slide9.xml><?xml version="1.0" encoding="utf-8"?>
 <p:sld xmlns:a="http://schemas.openxmlformats.org/drawingml/2006/main" xmlns:r="http://schemas.openxmlformats.org/officeDocument/2006/relationships" xmlns:p="http://schemas.openxmlformats.org/presentationml/2006/main">
   <p:cSld>
     <p:spTree>

--- a/ppt/关于团队建设 - 公链组汇报.pptx
+++ b/ppt/关于团队建设 - 公链组汇报.pptx
@@ -1,22 +1,22 @@
 
 <file path=ppt/presentation.xml><?xml version="1.0" encoding="utf-8"?>
-<p:presentation xmlns:a="http://schemas.openxmlformats.org/drawingml/2006/main" xmlns:r="http://schemas.openxmlformats.org/officeDocument/2006/relationships" xmlns:p="http://schemas.openxmlformats.org/presentationml/2006/main">
+<p:presentation xmlns:a="http://schemas.openxmlformats.org/drawingml/2006/main" xmlns:r="http://schemas.openxmlformats.org/officeDocument/2006/relationships" xmlns:p="http://schemas.openxmlformats.org/presentationml/2006/main" saveSubsetFonts="1">
   <p:sldMasterIdLst>
     <p:sldMasterId id="2147483648" r:id="rId1"/>
   </p:sldMasterIdLst>
   <p:notesMasterIdLst>
-    <p:notesMasterId r:id="rId12"/>
+    <p:notesMasterId r:id="rId11"/>
   </p:notesMasterIdLst>
   <p:sldIdLst>
-    <p:sldId id="256" r:id="rId3"/>
-    <p:sldId id="262" r:id="rId4"/>
-    <p:sldId id="304" r:id="rId5"/>
-    <p:sldId id="305" r:id="rId6"/>
-    <p:sldId id="306" r:id="rId7"/>
-    <p:sldId id="300" r:id="rId8"/>
-    <p:sldId id="298" r:id="rId9"/>
-    <p:sldId id="299" r:id="rId10"/>
-    <p:sldId id="281" r:id="rId11"/>
+    <p:sldId id="256" r:id="rId2"/>
+    <p:sldId id="300" r:id="rId3"/>
+    <p:sldId id="304" r:id="rId4"/>
+    <p:sldId id="305" r:id="rId5"/>
+    <p:sldId id="306" r:id="rId6"/>
+    <p:sldId id="307" r:id="rId7"/>
+    <p:sldId id="309" r:id="rId8"/>
+    <p:sldId id="310" r:id="rId9"/>
+    <p:sldId id="281" r:id="rId10"/>
   </p:sldIdLst>
   <p:sldSz cx="12192000" cy="6858000"/>
   <p:notesSz cx="6858000" cy="9144000"/>
@@ -308,6 +308,11 @@
       </a:defRPr>
     </a:lvl9pPr>
   </p:defaultTextStyle>
+  <p:extLst>
+    <p:ext uri="{EFAFB233-063F-42B5-8137-9DF3F51BA10A}">
+      <p15:sldGuideLst xmlns:p15="http://schemas.microsoft.com/office/powerpoint/2012/main"/>
+    </p:ext>
+  </p:extLst>
 </p:presentation>
 </file>
 
@@ -355,7 +360,9 @@
         <p:txBody>
           <a:bodyPr/>
           <a:lstStyle/>
-          <a:p/>
+          <a:p>
+            <a:endParaRPr/>
+          </a:p>
         </p:txBody>
       </p:sp>
       <p:sp>
@@ -380,7 +387,9 @@
         <p:txBody>
           <a:bodyPr/>
           <a:lstStyle/>
-          <a:p/>
+          <a:p>
+            <a:endParaRPr/>
+          </a:p>
         </p:txBody>
       </p:sp>
     </p:spTree>
@@ -679,6 +688,7 @@
           <a:p>
             <a:fld id="{86CB4B4D-7CA3-9044-876B-883B54F8677D}" type="slidenum">
               <a:rPr/>
+              <a:t>‹#›</a:t>
             </a:fld>
             <a:endParaRPr/>
           </a:p>
@@ -805,6 +815,7 @@
           <a:p>
             <a:fld id="{86CB4B4D-7CA3-9044-876B-883B54F8677D}" type="slidenum">
               <a:rPr/>
+              <a:t>‹#›</a:t>
             </a:fld>
             <a:endParaRPr/>
           </a:p>
@@ -960,6 +971,7 @@
           <a:p>
             <a:fld id="{86CB4B4D-7CA3-9044-876B-883B54F8677D}" type="slidenum">
               <a:rPr/>
+              <a:t>‹#›</a:t>
             </a:fld>
             <a:endParaRPr/>
           </a:p>
@@ -1190,6 +1202,7 @@
           <a:p>
             <a:fld id="{86CB4B4D-7CA3-9044-876B-883B54F8677D}" type="slidenum">
               <a:rPr/>
+              <a:t>‹#›</a:t>
             </a:fld>
             <a:endParaRPr/>
           </a:p>
@@ -1382,6 +1395,7 @@
           <a:p>
             <a:fld id="{86CB4B4D-7CA3-9044-876B-883B54F8677D}" type="slidenum">
               <a:rPr/>
+              <a:t>‹#›</a:t>
             </a:fld>
             <a:endParaRPr/>
           </a:p>
@@ -1537,6 +1551,7 @@
           <a:p>
             <a:fld id="{86CB4B4D-7CA3-9044-876B-883B54F8677D}" type="slidenum">
               <a:rPr/>
+              <a:t>‹#›</a:t>
             </a:fld>
             <a:endParaRPr/>
           </a:p>
@@ -1612,6 +1627,7 @@
           <a:p>
             <a:fld id="{6489D9C7-5DC6-4263-87FF-7C99F6FB63C3}" type="datetime1">
               <a:rPr lang="zh-CN" altLang="en-US" smtClean="0"/>
+              <a:t>2019/12/4</a:t>
             </a:fld>
             <a:endParaRPr lang="zh-CN" altLang="en-US"/>
           </a:p>
@@ -1657,6 +1673,7 @@
           <a:p>
             <a:fld id="{5DD3DB80-B894-403A-B48E-6FDC1A72010E}" type="slidenum">
               <a:rPr lang="zh-CN" altLang="en-US" smtClean="0"/>
+              <a:t>‹#›</a:t>
             </a:fld>
             <a:endParaRPr lang="zh-CN" altLang="en-US"/>
           </a:p>
@@ -1677,7 +1694,7 @@
     <p:bg>
       <p:bgPr>
         <a:blipFill rotWithShape="1">
-          <a:blip r:embed="rId8"/>
+          <a:blip r:embed="rId9"/>
           <a:srcRect/>
           <a:stretch>
             <a:fillRect/>
@@ -1826,6 +1843,7 @@
           <a:p>
             <a:fld id="{86CB4B4D-7CA3-9044-876B-883B54F8677D}" type="slidenum">
               <a:rPr/>
+              <a:t>‹#›</a:t>
             </a:fld>
             <a:endParaRPr/>
           </a:p>
@@ -2580,6 +2598,13 @@
               </a:rPr>
               <a:t>公链组</a:t>
             </a:r>
+            <a:r>
+              <a:rPr lang="en-US" altLang="zh-CN" dirty="0" smtClean="0">
+                <a:latin typeface="STKaiti" panose="02010600040101010101" pitchFamily="2" charset="-122"/>
+                <a:ea typeface="STKaiti" panose="02010600040101010101" pitchFamily="2" charset="-122"/>
+              </a:rPr>
+              <a:t/>
+            </a:r>
             <a:br>
               <a:rPr lang="en-US" altLang="zh-CN" dirty="0" smtClean="0">
                 <a:latin typeface="STKaiti" panose="02010600040101010101" pitchFamily="2" charset="-122"/>
@@ -2687,8 +2712,8 @@
         </p:nvSpPr>
         <p:spPr>
           <a:xfrm>
-            <a:off x="670346" y="208371"/>
-            <a:ext cx="10515600" cy="1325563"/>
+            <a:off x="670560" y="208280"/>
+            <a:ext cx="10515600" cy="996315"/>
           </a:xfrm>
           <a:prstGeom prst="rect">
             <a:avLst/>
@@ -2716,410 +2741,2203 @@
             </a:r>
             <a:r>
               <a:rPr lang="zh-CN" altLang="en-US" dirty="0" smtClean="0"/>
-              <a:t>团队</a:t>
-            </a:r>
-            <a:r>
-              <a:rPr lang="zh-CN" altLang="en-US" dirty="0"/>
-              <a:t>梳理</a:t>
+              <a:t>团队梳理</a:t>
             </a:r>
             <a:endParaRPr dirty="0"/>
           </a:p>
         </p:txBody>
       </p:sp>
-      <p:sp>
-        <p:nvSpPr>
-          <p:cNvPr id="5" name="内容占位符 2"/>
-          <p:cNvSpPr txBox="1"/>
-          <p:nvPr/>
-        </p:nvSpPr>
-        <p:spPr>
-          <a:xfrm>
-            <a:off x="670346" y="1533934"/>
-            <a:ext cx="10515600" cy="4351338"/>
-          </a:xfrm>
-          <a:prstGeom prst="rect">
-            <a:avLst/>
-          </a:prstGeom>
-          <a:ln w="12700">
-            <a:miter lim="400000"/>
-          </a:ln>
-        </p:spPr>
-        <p:txBody>
-          <a:bodyPr lIns="45719" rIns="45719">
-            <a:normAutofit/>
-          </a:bodyPr>
-          <a:lstStyle>
-            <a:lvl1pPr marL="228600" marR="0" indent="-228600" algn="l" defTabSz="914400" rtl="0" latinLnBrk="0">
-              <a:lnSpc>
-                <a:spcPct val="90000"/>
-              </a:lnSpc>
-              <a:spcBef>
-                <a:spcPts val="1000"/>
-              </a:spcBef>
-              <a:spcAft>
-                <a:spcPts val="0"/>
-              </a:spcAft>
-              <a:buClrTx/>
-              <a:buSzPct val="100000"/>
-              <a:buFont typeface="Arial" panose="020B0604020202090204"/>
-              <a:buChar char="•"/>
-              <a:defRPr sz="2800" b="0" i="0" u="none" strike="noStrike" cap="none" spc="0" baseline="0">
-                <a:solidFill>
-                  <a:srgbClr val="000000"/>
-                </a:solidFill>
-                <a:uFillTx/>
-                <a:latin typeface="Microsoft YaHei Light"/>
-                <a:ea typeface="Microsoft YaHei Light"/>
-                <a:cs typeface="Microsoft YaHei Light"/>
-                <a:sym typeface="Microsoft YaHei Light"/>
-              </a:defRPr>
-            </a:lvl1pPr>
-            <a:lvl2pPr marL="723900" marR="0" indent="-266700" algn="l" defTabSz="914400" rtl="0" latinLnBrk="0">
-              <a:lnSpc>
-                <a:spcPct val="90000"/>
-              </a:lnSpc>
-              <a:spcBef>
-                <a:spcPts val="1000"/>
-              </a:spcBef>
-              <a:spcAft>
-                <a:spcPts val="0"/>
-              </a:spcAft>
-              <a:buClrTx/>
-              <a:buSzPct val="100000"/>
-              <a:buFont typeface="Arial" panose="020B0604020202090204"/>
-              <a:buChar char="•"/>
-              <a:defRPr sz="2800" b="0" i="0" u="none" strike="noStrike" cap="none" spc="0" baseline="0">
-                <a:solidFill>
-                  <a:srgbClr val="000000"/>
-                </a:solidFill>
-                <a:uFillTx/>
-                <a:latin typeface="Microsoft YaHei Light"/>
-                <a:ea typeface="Microsoft YaHei Light"/>
-                <a:cs typeface="Microsoft YaHei Light"/>
-                <a:sym typeface="Microsoft YaHei Light"/>
-              </a:defRPr>
-            </a:lvl2pPr>
-            <a:lvl3pPr marL="1234440" marR="0" indent="-320040" algn="l" defTabSz="914400" rtl="0" latinLnBrk="0">
-              <a:lnSpc>
-                <a:spcPct val="90000"/>
-              </a:lnSpc>
-              <a:spcBef>
-                <a:spcPts val="1000"/>
-              </a:spcBef>
-              <a:spcAft>
-                <a:spcPts val="0"/>
-              </a:spcAft>
-              <a:buClrTx/>
-              <a:buSzPct val="100000"/>
-              <a:buFont typeface="Arial" panose="020B0604020202090204"/>
-              <a:buChar char="•"/>
-              <a:defRPr sz="2800" b="0" i="0" u="none" strike="noStrike" cap="none" spc="0" baseline="0">
-                <a:solidFill>
-                  <a:srgbClr val="000000"/>
-                </a:solidFill>
-                <a:uFillTx/>
-                <a:latin typeface="Microsoft YaHei Light"/>
-                <a:ea typeface="Microsoft YaHei Light"/>
-                <a:cs typeface="Microsoft YaHei Light"/>
-                <a:sym typeface="Microsoft YaHei Light"/>
-              </a:defRPr>
-            </a:lvl3pPr>
-            <a:lvl4pPr marL="1727200" marR="0" indent="-355600" algn="l" defTabSz="914400" rtl="0" latinLnBrk="0">
-              <a:lnSpc>
-                <a:spcPct val="90000"/>
-              </a:lnSpc>
-              <a:spcBef>
-                <a:spcPts val="1000"/>
-              </a:spcBef>
-              <a:spcAft>
-                <a:spcPts val="0"/>
-              </a:spcAft>
-              <a:buClrTx/>
-              <a:buSzPct val="100000"/>
-              <a:buFont typeface="Arial" panose="020B0604020202090204"/>
-              <a:buChar char="•"/>
-              <a:defRPr sz="2800" b="0" i="0" u="none" strike="noStrike" cap="none" spc="0" baseline="0">
-                <a:solidFill>
-                  <a:srgbClr val="000000"/>
-                </a:solidFill>
-                <a:uFillTx/>
-                <a:latin typeface="Microsoft YaHei Light"/>
-                <a:ea typeface="Microsoft YaHei Light"/>
-                <a:cs typeface="Microsoft YaHei Light"/>
-                <a:sym typeface="Microsoft YaHei Light"/>
-              </a:defRPr>
-            </a:lvl4pPr>
-            <a:lvl5pPr marL="2184400" marR="0" indent="-355600" algn="l" defTabSz="914400" rtl="0" latinLnBrk="0">
-              <a:lnSpc>
-                <a:spcPct val="90000"/>
-              </a:lnSpc>
-              <a:spcBef>
-                <a:spcPts val="1000"/>
-              </a:spcBef>
-              <a:spcAft>
-                <a:spcPts val="0"/>
-              </a:spcAft>
-              <a:buClrTx/>
-              <a:buSzPct val="100000"/>
-              <a:buFont typeface="Arial" panose="020B0604020202090204"/>
-              <a:buChar char="•"/>
-              <a:defRPr sz="2800" b="0" i="0" u="none" strike="noStrike" cap="none" spc="0" baseline="0">
-                <a:solidFill>
-                  <a:srgbClr val="000000"/>
-                </a:solidFill>
-                <a:uFillTx/>
-                <a:latin typeface="Microsoft YaHei Light"/>
-                <a:ea typeface="Microsoft YaHei Light"/>
-                <a:cs typeface="Microsoft YaHei Light"/>
-                <a:sym typeface="Microsoft YaHei Light"/>
-              </a:defRPr>
-            </a:lvl5pPr>
-            <a:lvl6pPr marL="2641600" marR="0" indent="-355600" algn="l" defTabSz="914400" rtl="0" latinLnBrk="0">
-              <a:lnSpc>
-                <a:spcPct val="90000"/>
-              </a:lnSpc>
-              <a:spcBef>
-                <a:spcPts val="1000"/>
-              </a:spcBef>
-              <a:spcAft>
-                <a:spcPts val="0"/>
-              </a:spcAft>
-              <a:buClrTx/>
-              <a:buSzPct val="100000"/>
-              <a:buFont typeface="Arial" panose="020B0604020202090204"/>
-              <a:buChar char="•"/>
-              <a:defRPr sz="2800" b="0" i="0" u="none" strike="noStrike" cap="none" spc="0" baseline="0">
-                <a:solidFill>
-                  <a:srgbClr val="000000"/>
-                </a:solidFill>
-                <a:uFillTx/>
-                <a:latin typeface="Microsoft YaHei Light"/>
-                <a:ea typeface="Microsoft YaHei Light"/>
-                <a:cs typeface="Microsoft YaHei Light"/>
-                <a:sym typeface="Microsoft YaHei Light"/>
-              </a:defRPr>
-            </a:lvl6pPr>
-            <a:lvl7pPr marL="3098800" marR="0" indent="-355600" algn="l" defTabSz="914400" rtl="0" latinLnBrk="0">
-              <a:lnSpc>
-                <a:spcPct val="90000"/>
-              </a:lnSpc>
-              <a:spcBef>
-                <a:spcPts val="1000"/>
-              </a:spcBef>
-              <a:spcAft>
-                <a:spcPts val="0"/>
-              </a:spcAft>
-              <a:buClrTx/>
-              <a:buSzPct val="100000"/>
-              <a:buFont typeface="Arial" panose="020B0604020202090204"/>
-              <a:buChar char="•"/>
-              <a:defRPr sz="2800" b="0" i="0" u="none" strike="noStrike" cap="none" spc="0" baseline="0">
-                <a:solidFill>
-                  <a:srgbClr val="000000"/>
-                </a:solidFill>
-                <a:uFillTx/>
-                <a:latin typeface="Microsoft YaHei Light"/>
-                <a:ea typeface="Microsoft YaHei Light"/>
-                <a:cs typeface="Microsoft YaHei Light"/>
-                <a:sym typeface="Microsoft YaHei Light"/>
-              </a:defRPr>
-            </a:lvl7pPr>
-            <a:lvl8pPr marL="3556000" marR="0" indent="-355600" algn="l" defTabSz="914400" rtl="0" latinLnBrk="0">
-              <a:lnSpc>
-                <a:spcPct val="90000"/>
-              </a:lnSpc>
-              <a:spcBef>
-                <a:spcPts val="1000"/>
-              </a:spcBef>
-              <a:spcAft>
-                <a:spcPts val="0"/>
-              </a:spcAft>
-              <a:buClrTx/>
-              <a:buSzPct val="100000"/>
-              <a:buFont typeface="Arial" panose="020B0604020202090204"/>
-              <a:buChar char="•"/>
-              <a:defRPr sz="2800" b="0" i="0" u="none" strike="noStrike" cap="none" spc="0" baseline="0">
-                <a:solidFill>
-                  <a:srgbClr val="000000"/>
-                </a:solidFill>
-                <a:uFillTx/>
-                <a:latin typeface="Microsoft YaHei Light"/>
-                <a:ea typeface="Microsoft YaHei Light"/>
-                <a:cs typeface="Microsoft YaHei Light"/>
-                <a:sym typeface="Microsoft YaHei Light"/>
-              </a:defRPr>
-            </a:lvl8pPr>
-            <a:lvl9pPr marL="4013200" marR="0" indent="-355600" algn="l" defTabSz="914400" rtl="0" latinLnBrk="0">
-              <a:lnSpc>
-                <a:spcPct val="90000"/>
-              </a:lnSpc>
-              <a:spcBef>
-                <a:spcPts val="1000"/>
-              </a:spcBef>
-              <a:spcAft>
-                <a:spcPts val="0"/>
-              </a:spcAft>
-              <a:buClrTx/>
-              <a:buSzPct val="100000"/>
-              <a:buFont typeface="Arial" panose="020B0604020202090204"/>
-              <a:buChar char="•"/>
-              <a:defRPr sz="2800" b="0" i="0" u="none" strike="noStrike" cap="none" spc="0" baseline="0">
-                <a:solidFill>
-                  <a:srgbClr val="000000"/>
-                </a:solidFill>
-                <a:uFillTx/>
-                <a:latin typeface="Microsoft YaHei Light"/>
-                <a:ea typeface="Microsoft YaHei Light"/>
-                <a:cs typeface="Microsoft YaHei Light"/>
-                <a:sym typeface="Microsoft YaHei Light"/>
-              </a:defRPr>
-            </a:lvl9pPr>
-          </a:lstStyle>
-          <a:p>
-            <a:pPr marL="0" indent="0" hangingPunct="1">
-              <a:buNone/>
-            </a:pPr>
-            <a:r>
-              <a:rPr kumimoji="1" lang="zh-CN" altLang="en-US" dirty="0" smtClean="0"/>
-              <a:t>我</a:t>
-            </a:r>
-            <a:r>
-              <a:rPr kumimoji="1" lang="zh-CN" altLang="en-US" dirty="0"/>
-              <a:t>现在的团队是怎样支撑业务发展的</a:t>
-            </a:r>
-            <a:r>
-              <a:rPr kumimoji="1" lang="zh-CN" altLang="en-US" dirty="0" smtClean="0"/>
-              <a:t>？</a:t>
-            </a:r>
-            <a:endParaRPr kumimoji="1" lang="en-US" altLang="zh-CN" dirty="0" smtClean="0"/>
-          </a:p>
-          <a:p>
-            <a:pPr marL="0" indent="0" hangingPunct="1">
-              <a:buNone/>
-            </a:pPr>
-            <a:r>
-              <a:rPr kumimoji="1" lang="zh-CN" altLang="en-US" sz="1800" dirty="0" smtClean="0"/>
-              <a:t>（如下</a:t>
-            </a:r>
-            <a:r>
-              <a:rPr kumimoji="1" lang="zh-CN" altLang="en-US" sz="1800" dirty="0"/>
-              <a:t>方面</a:t>
-            </a:r>
-            <a:r>
-              <a:rPr kumimoji="1" lang="zh-CN" altLang="en-US" sz="1800" dirty="0" smtClean="0"/>
-              <a:t>仅供参考，你可以按照自己的思路和逻辑进行梳理）</a:t>
-            </a:r>
-            <a:endParaRPr kumimoji="1" lang="en-US" altLang="zh-CN" sz="1800" dirty="0" smtClean="0"/>
-          </a:p>
-          <a:p>
-            <a:pPr marL="0" indent="0" hangingPunct="1">
-              <a:buNone/>
-            </a:pPr>
-            <a:endParaRPr kumimoji="1" lang="en-US" altLang="zh-CN" dirty="0"/>
-          </a:p>
-          <a:p>
-            <a:pPr hangingPunct="1">
-              <a:buFontTx/>
-              <a:buChar char="-"/>
-            </a:pPr>
-            <a:r>
-              <a:rPr kumimoji="1" lang="zh-CN" altLang="en-US" sz="2400" dirty="0" smtClean="0"/>
-              <a:t>团队如何支撑业务发展，大致分工情况是怎样的</a:t>
-            </a:r>
-            <a:endParaRPr kumimoji="1" lang="en-US" altLang="zh-CN" sz="2400" dirty="0" smtClean="0"/>
-          </a:p>
-          <a:p>
-            <a:pPr hangingPunct="1">
-              <a:buFontTx/>
-              <a:buChar char="-"/>
-            </a:pPr>
-            <a:r>
-              <a:rPr kumimoji="1" lang="zh-CN" altLang="en-US" sz="2400" dirty="0" smtClean="0"/>
-              <a:t>理想的团队阵型是怎样的（</a:t>
-            </a:r>
-            <a:r>
-              <a:rPr lang="zh-CN" altLang="en-US" sz="2400" dirty="0" smtClean="0"/>
-              <a:t>需要对标业务</a:t>
-            </a:r>
-            <a:r>
-              <a:rPr lang="zh-CN" altLang="en-US" sz="2400" dirty="0"/>
-              <a:t>的发展预期</a:t>
-            </a:r>
-            <a:r>
-              <a:rPr lang="zh-CN" altLang="en-US" sz="2400" dirty="0" smtClean="0"/>
-              <a:t>），</a:t>
-            </a:r>
-            <a:r>
-              <a:rPr kumimoji="1" lang="zh-CN" altLang="en-US" sz="2400" dirty="0" smtClean="0"/>
-              <a:t>目前</a:t>
-            </a:r>
-            <a:r>
-              <a:rPr kumimoji="1" lang="zh-CN" altLang="en-US" sz="2400" dirty="0"/>
-              <a:t>团队阵型的问题所在</a:t>
-            </a:r>
-            <a:r>
-              <a:rPr kumimoji="1" lang="zh-CN" altLang="en-US" sz="2400" dirty="0" smtClean="0"/>
-              <a:t>？</a:t>
-            </a:r>
-            <a:endParaRPr kumimoji="1" lang="en-US" altLang="zh-CN" sz="2400" dirty="0" smtClean="0"/>
-          </a:p>
-          <a:p>
-            <a:pPr hangingPunct="1">
-              <a:buFontTx/>
-              <a:buChar char="-"/>
-            </a:pPr>
-            <a:r>
-              <a:rPr kumimoji="1" lang="zh-CN" altLang="en-US" sz="2400" dirty="0" smtClean="0"/>
-              <a:t>目前各成员</a:t>
-            </a:r>
-            <a:r>
-              <a:rPr kumimoji="1" lang="zh-CN" altLang="en-US" sz="2400" dirty="0"/>
-              <a:t>的优劣势</a:t>
-            </a:r>
-            <a:r>
-              <a:rPr kumimoji="1" lang="zh-CN" altLang="en-US" sz="2400" dirty="0" smtClean="0"/>
-              <a:t>情况？相应的管理动作是什么？</a:t>
-            </a:r>
-            <a:endParaRPr kumimoji="1" lang="en-US" altLang="zh-CN" sz="2400" dirty="0" smtClean="0"/>
-          </a:p>
-          <a:p>
-            <a:pPr marL="0" indent="0" hangingPunct="1">
-              <a:buNone/>
-            </a:pPr>
-            <a:endParaRPr kumimoji="1" lang="en-US" altLang="zh-CN" sz="2000" dirty="0" smtClean="0"/>
-          </a:p>
-          <a:p>
-            <a:pPr marL="0" indent="0" hangingPunct="1">
-              <a:buNone/>
-            </a:pPr>
-            <a:r>
-              <a:rPr kumimoji="1" lang="zh-CN" altLang="en-US" sz="1800" u="sng" dirty="0" smtClean="0"/>
-              <a:t>备注</a:t>
-            </a:r>
-            <a:r>
-              <a:rPr kumimoji="1" lang="zh-CN" altLang="en-US" sz="1600" dirty="0" smtClean="0"/>
-              <a:t>：</a:t>
-            </a:r>
-            <a:r>
-              <a:rPr kumimoji="1" lang="zh-CN" altLang="en-US" sz="1800" dirty="0" smtClean="0"/>
-              <a:t>理想的团队阵型排布</a:t>
-            </a:r>
-            <a:r>
-              <a:rPr kumimoji="1" lang="zh-CN" altLang="en-US" sz="1800" dirty="0"/>
-              <a:t>可用下页</a:t>
-            </a:r>
-            <a:r>
-              <a:rPr kumimoji="1" lang="zh-CN" altLang="en-US" sz="1800" dirty="0" smtClean="0"/>
-              <a:t>模板</a:t>
-            </a:r>
-            <a:endParaRPr kumimoji="1" lang="zh-CN" altLang="en-US" sz="1800" dirty="0"/>
-          </a:p>
-          <a:p>
-            <a:pPr hangingPunct="1"/>
-            <a:endParaRPr kumimoji="1" lang="zh-CN" altLang="en-US" dirty="0"/>
-          </a:p>
-        </p:txBody>
-      </p:sp>
+      <p:graphicFrame>
+        <p:nvGraphicFramePr>
+          <p:cNvPr id="2" name="Table -1"/>
+          <p:cNvGraphicFramePr/>
+          <p:nvPr>
+            <p:extLst>
+              <p:ext uri="{D42A27DB-BD31-4B8C-83A1-F6EECF244321}">
+                <p14:modId xmlns:p14="http://schemas.microsoft.com/office/powerpoint/2010/main" val="1993665075"/>
+              </p:ext>
+            </p:extLst>
+          </p:nvPr>
+        </p:nvGraphicFramePr>
+        <p:xfrm>
+          <a:off x="805180" y="1334770"/>
+          <a:ext cx="10695305" cy="4655185"/>
+        </p:xfrm>
+        <a:graphic>
+          <a:graphicData uri="http://schemas.openxmlformats.org/drawingml/2006/table">
+            <a:tbl>
+              <a:tblPr firstRow="1" bandRow="1">
+                <a:tableStyleId>{5C22544A-7EE6-4342-B048-85BDC9FD1C3A}</a:tableStyleId>
+              </a:tblPr>
+              <a:tblGrid>
+                <a:gridCol w="662305"/>
+                <a:gridCol w="4525645"/>
+                <a:gridCol w="3509010"/>
+                <a:gridCol w="1998345"/>
+              </a:tblGrid>
+              <a:tr h="880110">
+                <a:tc>
+                  <a:txBody>
+                    <a:bodyPr/>
+                    <a:lstStyle/>
+                    <a:p>
+                      <a:pPr algn="l">
+                        <a:buNone/>
+                      </a:pPr>
+                      <a:r>
+                        <a:rPr lang="en-US" altLang="zh-CN" sz="1400" b="0">
+                          <a:solidFill>
+                            <a:srgbClr val="000000"/>
+                          </a:solidFill>
+                          <a:latin typeface="Calibri" charset="0"/>
+                          <a:cs typeface="Calibri" charset="0"/>
+                        </a:rPr>
+                        <a:t>P7</a:t>
+                      </a:r>
+                      <a:endParaRPr lang="en-US" altLang="zh-CN" sz="1400" b="0">
+                        <a:solidFill>
+                          <a:srgbClr val="000000"/>
+                        </a:solidFill>
+                        <a:latin typeface="Calibri" charset="0"/>
+                        <a:ea typeface="Calibri" charset="0"/>
+                        <a:cs typeface="Calibri" charset="0"/>
+                      </a:endParaRPr>
+                    </a:p>
+                  </a:txBody>
+                  <a:tcPr marL="0" marR="0" marT="0" marB="0" anchor="ctr">
+                    <a:lnL w="6350" cap="flat" cmpd="sng">
+                      <a:solidFill>
+                        <a:srgbClr val="000000"/>
+                      </a:solidFill>
+                      <a:prstDash val="dot"/>
+                      <a:headEnd type="none" w="med" len="med"/>
+                      <a:tailEnd type="none" w="med" len="med"/>
+                    </a:lnL>
+                    <a:lnR w="6350" cap="flat" cmpd="sng">
+                      <a:solidFill>
+                        <a:srgbClr val="000000"/>
+                      </a:solidFill>
+                      <a:prstDash val="dot"/>
+                      <a:headEnd type="none" w="med" len="med"/>
+                      <a:tailEnd type="none" w="med" len="med"/>
+                    </a:lnR>
+                    <a:lnT w="6350" cap="flat" cmpd="sng">
+                      <a:solidFill>
+                        <a:srgbClr val="000000"/>
+                      </a:solidFill>
+                      <a:prstDash val="dot"/>
+                      <a:headEnd type="none" w="med" len="med"/>
+                      <a:tailEnd type="none" w="med" len="med"/>
+                    </a:lnT>
+                    <a:lnB w="6350" cap="flat" cmpd="sng">
+                      <a:solidFill>
+                        <a:srgbClr val="000000"/>
+                      </a:solidFill>
+                      <a:prstDash val="dot"/>
+                      <a:headEnd type="none" w="med" len="med"/>
+                      <a:tailEnd type="none" w="med" len="med"/>
+                    </a:lnB>
+                    <a:lnTlToBr>
+                      <a:noFill/>
+                    </a:lnTlToBr>
+                    <a:lnBlToTr>
+                      <a:noFill/>
+                    </a:lnBlToTr>
+                    <a:noFill/>
+                  </a:tcPr>
+                </a:tc>
+                <a:tc>
+                  <a:txBody>
+                    <a:bodyPr/>
+                    <a:lstStyle/>
+                    <a:p>
+                      <a:pPr algn="l">
+                        <a:buNone/>
+                      </a:pPr>
+                      <a:r>
+                        <a:rPr lang="zh-CN" altLang="en-US" sz="1400" b="0">
+                          <a:solidFill>
+                            <a:srgbClr val="000000"/>
+                          </a:solidFill>
+                          <a:latin typeface="Calibri" charset="0"/>
+                          <a:cs typeface="Calibri" charset="0"/>
+                        </a:rPr>
+                        <a:t>郑超</a:t>
+                      </a:r>
+                    </a:p>
+                    <a:p>
+                      <a:pPr algn="l">
+                        <a:buNone/>
+                      </a:pPr>
+                      <a:r>
+                        <a:rPr lang="zh-CN" altLang="en-US" sz="1400" b="0">
+                          <a:solidFill>
+                            <a:srgbClr val="000000"/>
+                          </a:solidFill>
+                          <a:latin typeface="Calibri" charset="0"/>
+                          <a:cs typeface="Calibri" charset="0"/>
+                        </a:rPr>
+                        <a:t>核心</a:t>
+                      </a:r>
+                    </a:p>
+                    <a:p>
+                      <a:pPr algn="l">
+                        <a:buNone/>
+                      </a:pPr>
+                      <a:r>
+                        <a:rPr lang="en-US" altLang="zh-CN" sz="1400" b="0">
+                          <a:solidFill>
+                            <a:srgbClr val="000000"/>
+                          </a:solidFill>
+                          <a:latin typeface="Calibri" charset="0"/>
+                          <a:cs typeface="Calibri" charset="0"/>
+                        </a:rPr>
+                        <a:t>Dex</a:t>
+                      </a:r>
+                      <a:r>
+                        <a:rPr lang="zh-CN" altLang="en-US" sz="1400" b="0">
+                          <a:solidFill>
+                            <a:srgbClr val="000000"/>
+                          </a:solidFill>
+                          <a:latin typeface="Calibri" charset="0"/>
+                          <a:cs typeface="Calibri" charset="0"/>
+                        </a:rPr>
+                        <a:t>前端</a:t>
+                      </a:r>
+                      <a:r>
+                        <a:rPr lang="en-US" altLang="zh-CN" sz="1400" b="0">
+                          <a:solidFill>
+                            <a:srgbClr val="000000"/>
+                          </a:solidFill>
+                          <a:latin typeface="Calibri" charset="0"/>
+                          <a:cs typeface="Calibri" charset="0"/>
+                        </a:rPr>
+                        <a:t>+</a:t>
+                      </a:r>
+                      <a:r>
+                        <a:rPr lang="zh-CN" altLang="en-US" sz="1400" b="0">
+                          <a:solidFill>
+                            <a:srgbClr val="000000"/>
+                          </a:solidFill>
+                          <a:latin typeface="Calibri" charset="0"/>
+                          <a:cs typeface="Calibri" charset="0"/>
+                        </a:rPr>
+                        <a:t>事务管理</a:t>
+                      </a:r>
+                      <a:endParaRPr lang="zh-CN" altLang="en-US" sz="1400" b="0">
+                        <a:solidFill>
+                          <a:srgbClr val="000000"/>
+                        </a:solidFill>
+                        <a:latin typeface="Calibri" charset="0"/>
+                        <a:ea typeface="Calibri" charset="0"/>
+                        <a:cs typeface="Calibri" charset="0"/>
+                      </a:endParaRPr>
+                    </a:p>
+                  </a:txBody>
+                  <a:tcPr marL="0" marR="0" marT="0" marB="0" anchor="ctr">
+                    <a:lnL w="6350" cap="flat" cmpd="sng">
+                      <a:solidFill>
+                        <a:srgbClr val="000000"/>
+                      </a:solidFill>
+                      <a:prstDash val="dot"/>
+                      <a:headEnd type="none" w="med" len="med"/>
+                      <a:tailEnd type="none" w="med" len="med"/>
+                    </a:lnL>
+                    <a:lnR w="6350" cap="flat" cmpd="sng">
+                      <a:solidFill>
+                        <a:srgbClr val="000000"/>
+                      </a:solidFill>
+                      <a:prstDash val="dot"/>
+                      <a:headEnd type="none" w="med" len="med"/>
+                      <a:tailEnd type="none" w="med" len="med"/>
+                    </a:lnR>
+                    <a:lnT w="6350" cap="flat" cmpd="sng">
+                      <a:solidFill>
+                        <a:srgbClr val="000000"/>
+                      </a:solidFill>
+                      <a:prstDash val="dot"/>
+                      <a:headEnd type="none" w="med" len="med"/>
+                      <a:tailEnd type="none" w="med" len="med"/>
+                    </a:lnT>
+                    <a:lnB w="6350" cap="flat" cmpd="sng">
+                      <a:solidFill>
+                        <a:srgbClr val="000000"/>
+                      </a:solidFill>
+                      <a:prstDash val="dot"/>
+                      <a:headEnd type="none" w="med" len="med"/>
+                      <a:tailEnd type="none" w="med" len="med"/>
+                    </a:lnB>
+                    <a:lnTlToBr>
+                      <a:noFill/>
+                    </a:lnTlToBr>
+                    <a:lnBlToTr>
+                      <a:noFill/>
+                    </a:lnBlToTr>
+                    <a:noFill/>
+                  </a:tcPr>
+                </a:tc>
+                <a:tc>
+                  <a:txBody>
+                    <a:bodyPr/>
+                    <a:lstStyle/>
+                    <a:p>
+                      <a:pPr algn="l">
+                        <a:buNone/>
+                      </a:pPr>
+                      <a:r>
+                        <a:rPr lang="zh-CN" altLang="en-US" sz="1400" b="0">
+                          <a:solidFill>
+                            <a:srgbClr val="000000"/>
+                          </a:solidFill>
+                          <a:latin typeface="Calibri" charset="0"/>
+                          <a:cs typeface="Calibri" charset="0"/>
+                        </a:rPr>
+                        <a:t>符玲亭</a:t>
+                      </a:r>
+                    </a:p>
+                    <a:p>
+                      <a:pPr algn="l">
+                        <a:buNone/>
+                      </a:pPr>
+                      <a:r>
+                        <a:rPr lang="zh-CN" altLang="en-US" sz="1400" b="0">
+                          <a:solidFill>
+                            <a:srgbClr val="000000"/>
+                          </a:solidFill>
+                          <a:latin typeface="Calibri" charset="0"/>
+                          <a:cs typeface="Calibri" charset="0"/>
+                        </a:rPr>
+                        <a:t>核心</a:t>
+                      </a:r>
+                    </a:p>
+                    <a:p>
+                      <a:pPr algn="l">
+                        <a:buNone/>
+                      </a:pPr>
+                      <a:r>
+                        <a:rPr lang="en-US" altLang="zh-CN" sz="1400" b="0">
+                          <a:solidFill>
+                            <a:srgbClr val="000000"/>
+                          </a:solidFill>
+                          <a:latin typeface="Calibri" charset="0"/>
+                          <a:cs typeface="Calibri" charset="0"/>
+                        </a:rPr>
+                        <a:t>stream</a:t>
+                      </a:r>
+                      <a:r>
+                        <a:rPr lang="zh-CN" altLang="en-US" sz="1400" b="0">
+                          <a:solidFill>
+                            <a:srgbClr val="000000"/>
+                          </a:solidFill>
+                          <a:latin typeface="Calibri" charset="0"/>
+                          <a:cs typeface="Calibri" charset="0"/>
+                        </a:rPr>
+                        <a:t>架构</a:t>
+                      </a:r>
+                      <a:r>
+                        <a:rPr lang="en-US" altLang="zh-CN" sz="1400" b="0">
+                          <a:solidFill>
+                            <a:srgbClr val="000000"/>
+                          </a:solidFill>
+                          <a:latin typeface="Calibri" charset="0"/>
+                          <a:cs typeface="Calibri" charset="0"/>
+                        </a:rPr>
+                        <a:t>+</a:t>
+                      </a:r>
+                      <a:r>
+                        <a:rPr lang="zh-CN" altLang="en-US" sz="1400" b="0">
+                          <a:solidFill>
+                            <a:srgbClr val="000000"/>
+                          </a:solidFill>
+                          <a:latin typeface="Calibri" charset="0"/>
+                          <a:cs typeface="Calibri" charset="0"/>
+                        </a:rPr>
+                        <a:t>跨链</a:t>
+                      </a:r>
+                      <a:endParaRPr lang="zh-CN" altLang="en-US" sz="1400" b="0">
+                        <a:solidFill>
+                          <a:srgbClr val="000000"/>
+                        </a:solidFill>
+                        <a:latin typeface="Calibri" charset="0"/>
+                        <a:ea typeface="Calibri" charset="0"/>
+                        <a:cs typeface="Calibri" charset="0"/>
+                      </a:endParaRPr>
+                    </a:p>
+                  </a:txBody>
+                  <a:tcPr marL="0" marR="0" marT="0" marB="0" anchor="ctr">
+                    <a:lnL w="6350" cap="flat" cmpd="sng">
+                      <a:solidFill>
+                        <a:srgbClr val="000000"/>
+                      </a:solidFill>
+                      <a:prstDash val="dot"/>
+                      <a:headEnd type="none" w="med" len="med"/>
+                      <a:tailEnd type="none" w="med" len="med"/>
+                    </a:lnL>
+                    <a:lnR w="6350" cap="flat" cmpd="sng">
+                      <a:solidFill>
+                        <a:srgbClr val="000000"/>
+                      </a:solidFill>
+                      <a:prstDash val="dot"/>
+                      <a:headEnd type="none" w="med" len="med"/>
+                      <a:tailEnd type="none" w="med" len="med"/>
+                    </a:lnR>
+                    <a:lnT w="6350" cap="flat" cmpd="sng">
+                      <a:solidFill>
+                        <a:srgbClr val="000000"/>
+                      </a:solidFill>
+                      <a:prstDash val="dot"/>
+                      <a:headEnd type="none" w="med" len="med"/>
+                      <a:tailEnd type="none" w="med" len="med"/>
+                    </a:lnT>
+                    <a:lnB w="6350" cap="flat" cmpd="sng">
+                      <a:solidFill>
+                        <a:srgbClr val="000000"/>
+                      </a:solidFill>
+                      <a:prstDash val="dot"/>
+                      <a:headEnd type="none" w="med" len="med"/>
+                      <a:tailEnd type="none" w="med" len="med"/>
+                    </a:lnB>
+                    <a:lnTlToBr>
+                      <a:noFill/>
+                    </a:lnTlToBr>
+                    <a:lnBlToTr>
+                      <a:noFill/>
+                    </a:lnBlToTr>
+                    <a:noFill/>
+                  </a:tcPr>
+                </a:tc>
+                <a:tc>
+                  <a:txBody>
+                    <a:bodyPr/>
+                    <a:lstStyle/>
+                    <a:p>
+                      <a:pPr algn="l">
+                        <a:buNone/>
+                      </a:pPr>
+                      <a:endParaRPr lang="en-US" sz="1400" b="0">
+                        <a:solidFill>
+                          <a:srgbClr val="000000"/>
+                        </a:solidFill>
+                        <a:latin typeface="Calibri" charset="0"/>
+                        <a:ea typeface="Calibri" charset="0"/>
+                        <a:cs typeface="Calibri" charset="0"/>
+                      </a:endParaRPr>
+                    </a:p>
+                  </a:txBody>
+                  <a:tcPr marL="0" marR="0" marT="0" marB="0" anchor="ctr">
+                    <a:lnL w="6350" cap="flat" cmpd="sng">
+                      <a:solidFill>
+                        <a:srgbClr val="000000"/>
+                      </a:solidFill>
+                      <a:prstDash val="dot"/>
+                      <a:headEnd type="none" w="med" len="med"/>
+                      <a:tailEnd type="none" w="med" len="med"/>
+                    </a:lnL>
+                    <a:lnR w="6350" cap="flat" cmpd="sng">
+                      <a:solidFill>
+                        <a:srgbClr val="000000"/>
+                      </a:solidFill>
+                      <a:prstDash val="dot"/>
+                      <a:headEnd type="none" w="med" len="med"/>
+                      <a:tailEnd type="none" w="med" len="med"/>
+                    </a:lnR>
+                    <a:lnT w="6350" cap="flat" cmpd="sng">
+                      <a:solidFill>
+                        <a:srgbClr val="000000"/>
+                      </a:solidFill>
+                      <a:prstDash val="dot"/>
+                      <a:headEnd type="none" w="med" len="med"/>
+                      <a:tailEnd type="none" w="med" len="med"/>
+                    </a:lnT>
+                    <a:lnB w="6350" cap="flat" cmpd="sng">
+                      <a:solidFill>
+                        <a:srgbClr val="000000"/>
+                      </a:solidFill>
+                      <a:prstDash val="dot"/>
+                      <a:headEnd type="none" w="med" len="med"/>
+                      <a:tailEnd type="none" w="med" len="med"/>
+                    </a:lnB>
+                    <a:lnTlToBr>
+                      <a:noFill/>
+                    </a:lnTlToBr>
+                    <a:lnBlToTr>
+                      <a:noFill/>
+                    </a:lnBlToTr>
+                    <a:noFill/>
+                  </a:tcPr>
+                </a:tc>
+              </a:tr>
+              <a:tr h="1134110">
+                <a:tc>
+                  <a:txBody>
+                    <a:bodyPr/>
+                    <a:lstStyle/>
+                    <a:p>
+                      <a:pPr algn="l">
+                        <a:buNone/>
+                      </a:pPr>
+                      <a:r>
+                        <a:rPr lang="en-US" altLang="zh-CN" sz="1400">
+                          <a:solidFill>
+                            <a:srgbClr val="000000"/>
+                          </a:solidFill>
+                          <a:latin typeface="Calibri" charset="0"/>
+                          <a:cs typeface="Calibri" charset="0"/>
+                        </a:rPr>
+                        <a:t>P6+</a:t>
+                      </a:r>
+                      <a:endParaRPr lang="en-US" altLang="zh-CN" sz="1400">
+                        <a:solidFill>
+                          <a:srgbClr val="000000"/>
+                        </a:solidFill>
+                        <a:latin typeface="Calibri" charset="0"/>
+                        <a:ea typeface="Calibri" charset="0"/>
+                        <a:cs typeface="Calibri" charset="0"/>
+                      </a:endParaRPr>
+                    </a:p>
+                  </a:txBody>
+                  <a:tcPr marL="0" marR="0" marT="0" marB="0" anchor="ctr">
+                    <a:lnL w="6350" cap="flat" cmpd="sng">
+                      <a:solidFill>
+                        <a:srgbClr val="000000"/>
+                      </a:solidFill>
+                      <a:prstDash val="dot"/>
+                      <a:headEnd type="none" w="med" len="med"/>
+                      <a:tailEnd type="none" w="med" len="med"/>
+                    </a:lnL>
+                    <a:lnR w="6350" cap="flat" cmpd="sng">
+                      <a:solidFill>
+                        <a:srgbClr val="000000"/>
+                      </a:solidFill>
+                      <a:prstDash val="dot"/>
+                      <a:headEnd type="none" w="med" len="med"/>
+                      <a:tailEnd type="none" w="med" len="med"/>
+                    </a:lnR>
+                    <a:lnT w="6350" cap="flat" cmpd="sng">
+                      <a:solidFill>
+                        <a:srgbClr val="000000"/>
+                      </a:solidFill>
+                      <a:prstDash val="dot"/>
+                      <a:headEnd type="none" w="med" len="med"/>
+                      <a:tailEnd type="none" w="med" len="med"/>
+                    </a:lnT>
+                    <a:lnB w="6350" cap="flat" cmpd="sng">
+                      <a:solidFill>
+                        <a:srgbClr val="000000"/>
+                      </a:solidFill>
+                      <a:prstDash val="dot"/>
+                      <a:headEnd type="none" w="med" len="med"/>
+                      <a:tailEnd type="none" w="med" len="med"/>
+                    </a:lnB>
+                    <a:lnTlToBr>
+                      <a:noFill/>
+                    </a:lnTlToBr>
+                    <a:lnBlToTr>
+                      <a:noFill/>
+                    </a:lnBlToTr>
+                    <a:noFill/>
+                  </a:tcPr>
+                </a:tc>
+                <a:tc>
+                  <a:txBody>
+                    <a:bodyPr/>
+                    <a:lstStyle/>
+                    <a:p>
+                      <a:pPr algn="l">
+                        <a:buNone/>
+                      </a:pPr>
+                      <a:r>
+                        <a:rPr lang="zh-CN" altLang="en-US" sz="1400">
+                          <a:solidFill>
+                            <a:srgbClr val="000000"/>
+                          </a:solidFill>
+                          <a:latin typeface="Calibri" charset="0"/>
+                          <a:cs typeface="Calibri" charset="0"/>
+                        </a:rPr>
+                        <a:t>孟祥剑</a:t>
+                      </a:r>
+                    </a:p>
+                    <a:p>
+                      <a:pPr algn="l">
+                        <a:buNone/>
+                      </a:pPr>
+                      <a:r>
+                        <a:rPr lang="zh-CN" altLang="en-US" sz="1400">
+                          <a:solidFill>
+                            <a:srgbClr val="FF0000"/>
+                          </a:solidFill>
+                          <a:latin typeface="font-weight" charset="0"/>
+                          <a:cs typeface="font-weight" charset="0"/>
+                        </a:rPr>
+                        <a:t>高潜</a:t>
+                      </a:r>
+                      <a:r>
+                        <a:rPr lang="en-US" altLang="zh-CN" sz="1400">
+                          <a:solidFill>
+                            <a:srgbClr val="FF0000"/>
+                          </a:solidFill>
+                          <a:latin typeface="font-weight" charset="0"/>
+                          <a:cs typeface="font-weight" charset="0"/>
+                        </a:rPr>
+                        <a:t>&amp;</a:t>
+                      </a:r>
+                      <a:r>
+                        <a:rPr lang="zh-CN" altLang="en-US" sz="1400">
+                          <a:solidFill>
+                            <a:srgbClr val="FF0000"/>
+                          </a:solidFill>
+                          <a:latin typeface="font-weight" charset="0"/>
+                          <a:cs typeface="font-weight" charset="0"/>
+                        </a:rPr>
+                        <a:t>核心</a:t>
+                      </a:r>
+                    </a:p>
+                    <a:p>
+                      <a:pPr algn="l">
+                        <a:buNone/>
+                      </a:pPr>
+                      <a:r>
+                        <a:rPr lang="zh-CN" altLang="en-US" sz="1400">
+                          <a:solidFill>
+                            <a:srgbClr val="000000"/>
+                          </a:solidFill>
+                          <a:latin typeface="font-weight" charset="0"/>
+                          <a:cs typeface="font-weight" charset="0"/>
+                        </a:rPr>
+                        <a:t>委托</a:t>
+                      </a:r>
+                      <a:r>
+                        <a:rPr lang="en-US" altLang="zh-CN" sz="1400">
+                          <a:solidFill>
+                            <a:srgbClr val="000000"/>
+                          </a:solidFill>
+                          <a:latin typeface="font-weight" charset="0"/>
+                          <a:cs typeface="font-weight" charset="0"/>
+                        </a:rPr>
+                        <a:t>+</a:t>
+                      </a:r>
+                      <a:r>
+                        <a:rPr lang="zh-CN" altLang="en-US" sz="1400">
+                          <a:solidFill>
+                            <a:srgbClr val="000000"/>
+                          </a:solidFill>
+                          <a:latin typeface="font-weight" charset="0"/>
+                          <a:cs typeface="font-weight" charset="0"/>
+                        </a:rPr>
+                        <a:t>治理</a:t>
+                      </a:r>
+                      <a:r>
+                        <a:rPr lang="en-US" altLang="zh-CN" sz="1400">
+                          <a:solidFill>
+                            <a:srgbClr val="000000"/>
+                          </a:solidFill>
+                          <a:latin typeface="font-weight" charset="0"/>
+                          <a:cs typeface="font-weight" charset="0"/>
+                        </a:rPr>
+                        <a:t>+</a:t>
+                      </a:r>
+                      <a:r>
+                        <a:rPr lang="zh-CN" altLang="en-US" sz="1400">
+                          <a:solidFill>
+                            <a:srgbClr val="000000"/>
+                          </a:solidFill>
+                          <a:latin typeface="font-weight" charset="0"/>
+                          <a:cs typeface="font-weight" charset="0"/>
+                        </a:rPr>
+                        <a:t>分红</a:t>
+                      </a:r>
+                      <a:r>
+                        <a:rPr lang="en-US" altLang="zh-CN" sz="1400">
+                          <a:solidFill>
+                            <a:srgbClr val="000000"/>
+                          </a:solidFill>
+                          <a:latin typeface="font-weight" charset="0"/>
+                          <a:cs typeface="font-weight" charset="0"/>
+                        </a:rPr>
+                        <a:t>+</a:t>
+                      </a:r>
+                      <a:r>
+                        <a:rPr lang="zh-CN" altLang="en-US" sz="1400">
+                          <a:solidFill>
+                            <a:srgbClr val="000000"/>
+                          </a:solidFill>
+                          <a:latin typeface="font-weight" charset="0"/>
+                          <a:cs typeface="font-weight" charset="0"/>
+                        </a:rPr>
+                        <a:t>跨链</a:t>
+                      </a:r>
+                      <a:r>
+                        <a:rPr lang="en-US" altLang="zh-CN" sz="1400">
+                          <a:solidFill>
+                            <a:srgbClr val="000000"/>
+                          </a:solidFill>
+                          <a:latin typeface="font-weight" charset="0"/>
+                          <a:cs typeface="font-weight" charset="0"/>
+                        </a:rPr>
+                        <a:t>+OKChain</a:t>
+                      </a:r>
+                      <a:r>
+                        <a:rPr lang="zh-CN" altLang="en-US" sz="1400">
+                          <a:solidFill>
+                            <a:srgbClr val="000000"/>
+                          </a:solidFill>
+                          <a:latin typeface="font-weight" charset="0"/>
+                          <a:cs typeface="font-weight" charset="0"/>
+                        </a:rPr>
+                        <a:t>底层架构</a:t>
+                      </a:r>
+                      <a:r>
+                        <a:rPr lang="en-US" altLang="zh-CN" sz="1400">
+                          <a:solidFill>
+                            <a:srgbClr val="000000"/>
+                          </a:solidFill>
+                          <a:latin typeface="font-weight" charset="0"/>
+                          <a:cs typeface="font-weight" charset="0"/>
+                        </a:rPr>
+                        <a:t>+</a:t>
+                      </a:r>
+                      <a:r>
+                        <a:rPr lang="zh-CN" altLang="en-US" sz="1400">
+                          <a:solidFill>
+                            <a:srgbClr val="000000"/>
+                          </a:solidFill>
+                          <a:latin typeface="font-weight" charset="0"/>
+                          <a:cs typeface="font-weight" charset="0"/>
+                        </a:rPr>
+                        <a:t>门罗冷签名</a:t>
+                      </a:r>
+                      <a:endParaRPr lang="zh-CN" altLang="en-US" sz="1400">
+                        <a:solidFill>
+                          <a:srgbClr val="000000"/>
+                        </a:solidFill>
+                        <a:latin typeface="font-weight" charset="0"/>
+                        <a:ea typeface="Calibri" charset="0"/>
+                        <a:cs typeface="font-weight" charset="0"/>
+                      </a:endParaRPr>
+                    </a:p>
+                  </a:txBody>
+                  <a:tcPr marL="0" marR="0" marT="0" marB="0" anchor="ctr">
+                    <a:lnL w="6350" cap="flat" cmpd="sng">
+                      <a:solidFill>
+                        <a:srgbClr val="000000"/>
+                      </a:solidFill>
+                      <a:prstDash val="dot"/>
+                      <a:headEnd type="none" w="med" len="med"/>
+                      <a:tailEnd type="none" w="med" len="med"/>
+                    </a:lnL>
+                    <a:lnR w="6350" cap="flat" cmpd="sng">
+                      <a:solidFill>
+                        <a:srgbClr val="000000"/>
+                      </a:solidFill>
+                      <a:prstDash val="dot"/>
+                      <a:headEnd type="none" w="med" len="med"/>
+                      <a:tailEnd type="none" w="med" len="med"/>
+                    </a:lnR>
+                    <a:lnT w="6350" cap="flat" cmpd="sng">
+                      <a:solidFill>
+                        <a:srgbClr val="000000"/>
+                      </a:solidFill>
+                      <a:prstDash val="dot"/>
+                      <a:headEnd type="none" w="med" len="med"/>
+                      <a:tailEnd type="none" w="med" len="med"/>
+                    </a:lnT>
+                    <a:lnB w="6350" cap="flat" cmpd="sng">
+                      <a:solidFill>
+                        <a:srgbClr val="000000"/>
+                      </a:solidFill>
+                      <a:prstDash val="dot"/>
+                      <a:headEnd type="none" w="med" len="med"/>
+                      <a:tailEnd type="none" w="med" len="med"/>
+                    </a:lnB>
+                    <a:lnTlToBr>
+                      <a:noFill/>
+                    </a:lnTlToBr>
+                    <a:lnBlToTr>
+                      <a:noFill/>
+                    </a:lnBlToTr>
+                    <a:noFill/>
+                  </a:tcPr>
+                </a:tc>
+                <a:tc>
+                  <a:txBody>
+                    <a:bodyPr/>
+                    <a:lstStyle/>
+                    <a:p>
+                      <a:pPr algn="l">
+                        <a:buNone/>
+                      </a:pPr>
+                      <a:r>
+                        <a:rPr lang="zh-CN" altLang="en-US" sz="1400">
+                          <a:solidFill>
+                            <a:srgbClr val="000000"/>
+                          </a:solidFill>
+                          <a:latin typeface="Calibri" charset="0"/>
+                          <a:cs typeface="Calibri" charset="0"/>
+                        </a:rPr>
+                        <a:t>叶志刚</a:t>
+                      </a:r>
+                    </a:p>
+                    <a:p>
+                      <a:pPr algn="l">
+                        <a:buNone/>
+                      </a:pPr>
+                      <a:r>
+                        <a:rPr lang="zh-CN" altLang="en-US" sz="1400">
+                          <a:solidFill>
+                            <a:srgbClr val="FF0000"/>
+                          </a:solidFill>
+                          <a:latin typeface="font-weight" charset="0"/>
+                          <a:cs typeface="font-weight" charset="0"/>
+                        </a:rPr>
+                        <a:t>高潜</a:t>
+                      </a:r>
+                      <a:r>
+                        <a:rPr lang="en-US" altLang="zh-CN" sz="1400">
+                          <a:solidFill>
+                            <a:srgbClr val="FF0000"/>
+                          </a:solidFill>
+                          <a:latin typeface="font-weight" charset="0"/>
+                          <a:cs typeface="font-weight" charset="0"/>
+                        </a:rPr>
+                        <a:t>&amp;</a:t>
+                      </a:r>
+                      <a:r>
+                        <a:rPr lang="zh-CN" altLang="en-US" sz="1400">
+                          <a:solidFill>
+                            <a:srgbClr val="FF0000"/>
+                          </a:solidFill>
+                          <a:latin typeface="font-weight" charset="0"/>
+                          <a:cs typeface="font-weight" charset="0"/>
+                        </a:rPr>
+                        <a:t>核心</a:t>
+                      </a:r>
+                    </a:p>
+                    <a:p>
+                      <a:pPr algn="l">
+                        <a:buNone/>
+                      </a:pPr>
+                      <a:r>
+                        <a:rPr lang="zh-CN" altLang="en-US" sz="1400">
+                          <a:solidFill>
+                            <a:srgbClr val="000000"/>
+                          </a:solidFill>
+                          <a:latin typeface="font-weight" charset="0"/>
+                          <a:cs typeface="font-weight" charset="0"/>
+                        </a:rPr>
+                        <a:t>委托</a:t>
+                      </a:r>
+                      <a:r>
+                        <a:rPr lang="en-US" altLang="zh-CN" sz="1400">
+                          <a:solidFill>
+                            <a:srgbClr val="000000"/>
+                          </a:solidFill>
+                          <a:latin typeface="font-weight" charset="0"/>
+                          <a:cs typeface="font-weight" charset="0"/>
+                        </a:rPr>
+                        <a:t>+</a:t>
+                      </a:r>
+                      <a:r>
+                        <a:rPr lang="zh-CN" altLang="en-US" sz="1400">
+                          <a:solidFill>
+                            <a:srgbClr val="000000"/>
+                          </a:solidFill>
+                          <a:latin typeface="font-weight" charset="0"/>
+                          <a:cs typeface="font-weight" charset="0"/>
+                        </a:rPr>
+                        <a:t>治理</a:t>
+                      </a:r>
+                      <a:r>
+                        <a:rPr lang="en-US" altLang="zh-CN" sz="1400">
+                          <a:solidFill>
+                            <a:srgbClr val="000000"/>
+                          </a:solidFill>
+                          <a:latin typeface="font-weight" charset="0"/>
+                          <a:cs typeface="font-weight" charset="0"/>
+                        </a:rPr>
+                        <a:t>+OKChain</a:t>
+                      </a:r>
+                      <a:r>
+                        <a:rPr lang="zh-CN" altLang="en-US" sz="1400">
+                          <a:solidFill>
+                            <a:srgbClr val="000000"/>
+                          </a:solidFill>
+                          <a:latin typeface="font-weight" charset="0"/>
+                          <a:cs typeface="font-weight" charset="0"/>
+                        </a:rPr>
+                        <a:t>底层架构</a:t>
+                      </a:r>
+                      <a:r>
+                        <a:rPr lang="en-US" altLang="zh-CN" sz="1400">
+                          <a:solidFill>
+                            <a:srgbClr val="000000"/>
+                          </a:solidFill>
+                          <a:latin typeface="font-weight" charset="0"/>
+                          <a:cs typeface="font-weight" charset="0"/>
+                        </a:rPr>
+                        <a:t>+</a:t>
+                      </a:r>
+                      <a:r>
+                        <a:rPr lang="zh-CN" altLang="en-US" sz="1400">
+                          <a:solidFill>
+                            <a:srgbClr val="000000"/>
+                          </a:solidFill>
+                          <a:latin typeface="font-weight" charset="0"/>
+                          <a:cs typeface="font-weight" charset="0"/>
+                        </a:rPr>
+                        <a:t>门罗冷签名</a:t>
+                      </a:r>
+                      <a:endParaRPr lang="zh-CN" altLang="en-US" sz="1400">
+                        <a:solidFill>
+                          <a:srgbClr val="000000"/>
+                        </a:solidFill>
+                        <a:latin typeface="font-weight" charset="0"/>
+                        <a:ea typeface="Calibri" charset="0"/>
+                        <a:cs typeface="font-weight" charset="0"/>
+                      </a:endParaRPr>
+                    </a:p>
+                  </a:txBody>
+                  <a:tcPr marL="0" marR="0" marT="0" marB="0" anchor="ctr">
+                    <a:lnL w="6350" cap="flat" cmpd="sng">
+                      <a:solidFill>
+                        <a:srgbClr val="000000"/>
+                      </a:solidFill>
+                      <a:prstDash val="dot"/>
+                      <a:headEnd type="none" w="med" len="med"/>
+                      <a:tailEnd type="none" w="med" len="med"/>
+                    </a:lnL>
+                    <a:lnR w="6350" cap="flat" cmpd="sng">
+                      <a:solidFill>
+                        <a:srgbClr val="000000"/>
+                      </a:solidFill>
+                      <a:prstDash val="dot"/>
+                      <a:headEnd type="none" w="med" len="med"/>
+                      <a:tailEnd type="none" w="med" len="med"/>
+                    </a:lnR>
+                    <a:lnT w="6350" cap="flat" cmpd="sng">
+                      <a:solidFill>
+                        <a:srgbClr val="000000"/>
+                      </a:solidFill>
+                      <a:prstDash val="dot"/>
+                      <a:headEnd type="none" w="med" len="med"/>
+                      <a:tailEnd type="none" w="med" len="med"/>
+                    </a:lnT>
+                    <a:lnB w="6350" cap="flat" cmpd="sng">
+                      <a:solidFill>
+                        <a:srgbClr val="000000"/>
+                      </a:solidFill>
+                      <a:prstDash val="dot"/>
+                      <a:headEnd type="none" w="med" len="med"/>
+                      <a:tailEnd type="none" w="med" len="med"/>
+                    </a:lnB>
+                    <a:lnTlToBr>
+                      <a:noFill/>
+                    </a:lnTlToBr>
+                    <a:lnBlToTr>
+                      <a:noFill/>
+                    </a:lnBlToTr>
+                    <a:noFill/>
+                  </a:tcPr>
+                </a:tc>
+                <a:tc>
+                  <a:txBody>
+                    <a:bodyPr/>
+                    <a:lstStyle/>
+                    <a:p>
+                      <a:pPr algn="l">
+                        <a:buNone/>
+                      </a:pPr>
+                      <a:endParaRPr lang="en-US" sz="1400">
+                        <a:solidFill>
+                          <a:srgbClr val="000000"/>
+                        </a:solidFill>
+                        <a:latin typeface="Calibri" charset="0"/>
+                        <a:ea typeface="Calibri" charset="0"/>
+                        <a:cs typeface="Calibri" charset="0"/>
+                      </a:endParaRPr>
+                    </a:p>
+                  </a:txBody>
+                  <a:tcPr marL="0" marR="0" marT="0" marB="0" anchor="ctr">
+                    <a:lnL w="6350" cap="flat" cmpd="sng">
+                      <a:solidFill>
+                        <a:srgbClr val="000000"/>
+                      </a:solidFill>
+                      <a:prstDash val="dot"/>
+                      <a:headEnd type="none" w="med" len="med"/>
+                      <a:tailEnd type="none" w="med" len="med"/>
+                    </a:lnL>
+                    <a:lnR w="6350" cap="flat" cmpd="sng">
+                      <a:solidFill>
+                        <a:srgbClr val="000000"/>
+                      </a:solidFill>
+                      <a:prstDash val="dot"/>
+                      <a:headEnd type="none" w="med" len="med"/>
+                      <a:tailEnd type="none" w="med" len="med"/>
+                    </a:lnR>
+                    <a:lnT w="6350" cap="flat" cmpd="sng">
+                      <a:solidFill>
+                        <a:srgbClr val="000000"/>
+                      </a:solidFill>
+                      <a:prstDash val="dot"/>
+                      <a:headEnd type="none" w="med" len="med"/>
+                      <a:tailEnd type="none" w="med" len="med"/>
+                    </a:lnT>
+                    <a:lnB w="6350" cap="flat" cmpd="sng">
+                      <a:solidFill>
+                        <a:srgbClr val="000000"/>
+                      </a:solidFill>
+                      <a:prstDash val="dot"/>
+                      <a:headEnd type="none" w="med" len="med"/>
+                      <a:tailEnd type="none" w="med" len="med"/>
+                    </a:lnB>
+                    <a:lnTlToBr>
+                      <a:noFill/>
+                    </a:lnTlToBr>
+                    <a:lnBlToTr>
+                      <a:noFill/>
+                    </a:lnBlToTr>
+                    <a:noFill/>
+                  </a:tcPr>
+                </a:tc>
+              </a:tr>
+              <a:tr h="880110">
+                <a:tc>
+                  <a:txBody>
+                    <a:bodyPr/>
+                    <a:lstStyle/>
+                    <a:p>
+                      <a:pPr algn="l">
+                        <a:buNone/>
+                      </a:pPr>
+                      <a:r>
+                        <a:rPr lang="en-US" altLang="zh-CN" sz="1400">
+                          <a:solidFill>
+                            <a:srgbClr val="000000"/>
+                          </a:solidFill>
+                          <a:latin typeface="Calibri" charset="0"/>
+                          <a:cs typeface="Calibri" charset="0"/>
+                        </a:rPr>
+                        <a:t>P6</a:t>
+                      </a:r>
+                      <a:endParaRPr lang="en-US" altLang="zh-CN" sz="1400">
+                        <a:solidFill>
+                          <a:srgbClr val="000000"/>
+                        </a:solidFill>
+                        <a:latin typeface="Calibri" charset="0"/>
+                        <a:ea typeface="Calibri" charset="0"/>
+                        <a:cs typeface="Calibri" charset="0"/>
+                      </a:endParaRPr>
+                    </a:p>
+                  </a:txBody>
+                  <a:tcPr marL="0" marR="0" marT="0" marB="0" anchor="ctr">
+                    <a:lnL w="6350" cap="flat" cmpd="sng">
+                      <a:solidFill>
+                        <a:srgbClr val="000000"/>
+                      </a:solidFill>
+                      <a:prstDash val="dot"/>
+                      <a:headEnd type="none" w="med" len="med"/>
+                      <a:tailEnd type="none" w="med" len="med"/>
+                    </a:lnL>
+                    <a:lnR w="6350" cap="flat" cmpd="sng">
+                      <a:solidFill>
+                        <a:srgbClr val="000000"/>
+                      </a:solidFill>
+                      <a:prstDash val="dot"/>
+                      <a:headEnd type="none" w="med" len="med"/>
+                      <a:tailEnd type="none" w="med" len="med"/>
+                    </a:lnR>
+                    <a:lnT w="6350" cap="flat" cmpd="sng">
+                      <a:solidFill>
+                        <a:srgbClr val="000000"/>
+                      </a:solidFill>
+                      <a:prstDash val="dot"/>
+                      <a:headEnd type="none" w="med" len="med"/>
+                      <a:tailEnd type="none" w="med" len="med"/>
+                    </a:lnT>
+                    <a:lnB w="6350" cap="flat" cmpd="sng">
+                      <a:solidFill>
+                        <a:srgbClr val="000000"/>
+                      </a:solidFill>
+                      <a:prstDash val="dot"/>
+                      <a:headEnd type="none" w="med" len="med"/>
+                      <a:tailEnd type="none" w="med" len="med"/>
+                    </a:lnB>
+                    <a:lnTlToBr>
+                      <a:noFill/>
+                    </a:lnTlToBr>
+                    <a:lnBlToTr>
+                      <a:noFill/>
+                    </a:lnBlToTr>
+                    <a:noFill/>
+                  </a:tcPr>
+                </a:tc>
+                <a:tc>
+                  <a:txBody>
+                    <a:bodyPr/>
+                    <a:lstStyle/>
+                    <a:p>
+                      <a:pPr algn="l">
+                        <a:buNone/>
+                      </a:pPr>
+                      <a:r>
+                        <a:rPr lang="zh-CN" altLang="en-US" sz="1400">
+                          <a:solidFill>
+                            <a:srgbClr val="000000"/>
+                          </a:solidFill>
+                          <a:latin typeface="Calibri" charset="0"/>
+                          <a:cs typeface="Calibri" charset="0"/>
+                        </a:rPr>
+                        <a:t>韩学洋</a:t>
+                      </a:r>
+                    </a:p>
+                    <a:p>
+                      <a:pPr algn="l">
+                        <a:buNone/>
+                      </a:pPr>
+                      <a:r>
+                        <a:rPr lang="zh-CN" altLang="en-US" sz="1400">
+                          <a:solidFill>
+                            <a:srgbClr val="000000"/>
+                          </a:solidFill>
+                          <a:latin typeface="Calibri" charset="0"/>
+                          <a:cs typeface="Calibri" charset="0"/>
+                        </a:rPr>
+                        <a:t>核心</a:t>
+                      </a:r>
+                    </a:p>
+                    <a:p>
+                      <a:pPr algn="l">
+                        <a:buNone/>
+                      </a:pPr>
+                      <a:r>
+                        <a:rPr lang="zh-CN" altLang="en-US" sz="1400">
+                          <a:solidFill>
+                            <a:srgbClr val="000000"/>
+                          </a:solidFill>
+                          <a:latin typeface="Calibri" charset="0"/>
+                          <a:cs typeface="Calibri" charset="0"/>
+                        </a:rPr>
+                        <a:t>分红</a:t>
+                      </a:r>
+                      <a:r>
+                        <a:rPr lang="en-US" altLang="zh-CN" sz="1400">
+                          <a:solidFill>
+                            <a:srgbClr val="000000"/>
+                          </a:solidFill>
+                          <a:latin typeface="Calibri" charset="0"/>
+                          <a:cs typeface="Calibri" charset="0"/>
+                        </a:rPr>
+                        <a:t>+defi</a:t>
+                      </a:r>
+                      <a:endParaRPr lang="en-US" altLang="zh-CN" sz="1400">
+                        <a:solidFill>
+                          <a:srgbClr val="000000"/>
+                        </a:solidFill>
+                        <a:latin typeface="Calibri" charset="0"/>
+                        <a:ea typeface="Calibri" charset="0"/>
+                        <a:cs typeface="Calibri" charset="0"/>
+                      </a:endParaRPr>
+                    </a:p>
+                  </a:txBody>
+                  <a:tcPr marL="0" marR="0" marT="0" marB="0" anchor="ctr">
+                    <a:lnL w="6350" cap="flat" cmpd="sng">
+                      <a:solidFill>
+                        <a:srgbClr val="000000"/>
+                      </a:solidFill>
+                      <a:prstDash val="dot"/>
+                      <a:headEnd type="none" w="med" len="med"/>
+                      <a:tailEnd type="none" w="med" len="med"/>
+                    </a:lnL>
+                    <a:lnR w="6350" cap="flat" cmpd="sng">
+                      <a:solidFill>
+                        <a:srgbClr val="000000"/>
+                      </a:solidFill>
+                      <a:prstDash val="dot"/>
+                      <a:headEnd type="none" w="med" len="med"/>
+                      <a:tailEnd type="none" w="med" len="med"/>
+                    </a:lnR>
+                    <a:lnT w="6350" cap="flat" cmpd="sng">
+                      <a:solidFill>
+                        <a:srgbClr val="000000"/>
+                      </a:solidFill>
+                      <a:prstDash val="dot"/>
+                      <a:headEnd type="none" w="med" len="med"/>
+                      <a:tailEnd type="none" w="med" len="med"/>
+                    </a:lnT>
+                    <a:lnB w="6350" cap="flat" cmpd="sng">
+                      <a:solidFill>
+                        <a:srgbClr val="000000"/>
+                      </a:solidFill>
+                      <a:prstDash val="dot"/>
+                      <a:headEnd type="none" w="med" len="med"/>
+                      <a:tailEnd type="none" w="med" len="med"/>
+                    </a:lnB>
+                    <a:lnTlToBr>
+                      <a:noFill/>
+                    </a:lnTlToBr>
+                    <a:lnBlToTr>
+                      <a:noFill/>
+                    </a:lnBlToTr>
+                    <a:noFill/>
+                  </a:tcPr>
+                </a:tc>
+                <a:tc>
+                  <a:txBody>
+                    <a:bodyPr/>
+                    <a:lstStyle/>
+                    <a:p>
+                      <a:pPr algn="l">
+                        <a:buNone/>
+                      </a:pPr>
+                      <a:r>
+                        <a:rPr lang="zh-CN" altLang="en-US" sz="1400">
+                          <a:solidFill>
+                            <a:srgbClr val="000000"/>
+                          </a:solidFill>
+                          <a:latin typeface="Calibri" charset="0"/>
+                          <a:cs typeface="Calibri" charset="0"/>
+                        </a:rPr>
+                        <a:t>韩彦伟</a:t>
+                      </a:r>
+                    </a:p>
+                    <a:p>
+                      <a:pPr algn="l">
+                        <a:buNone/>
+                      </a:pPr>
+                      <a:r>
+                        <a:rPr lang="en-US" altLang="zh-CN" sz="1400">
+                          <a:solidFill>
+                            <a:srgbClr val="000000"/>
+                          </a:solidFill>
+                          <a:latin typeface="Calibri" charset="0"/>
+                          <a:cs typeface="Calibri" charset="0"/>
+                        </a:rPr>
+                        <a:t>stream+</a:t>
+                      </a:r>
+                      <a:r>
+                        <a:rPr lang="zh-CN" altLang="en-US" sz="1400">
+                          <a:solidFill>
+                            <a:srgbClr val="000000"/>
+                          </a:solidFill>
+                          <a:latin typeface="Calibri" charset="0"/>
+                          <a:cs typeface="Calibri" charset="0"/>
+                        </a:rPr>
+                        <a:t>订单</a:t>
+                      </a:r>
+                      <a:endParaRPr lang="zh-CN" altLang="en-US" sz="1400">
+                        <a:solidFill>
+                          <a:srgbClr val="000000"/>
+                        </a:solidFill>
+                        <a:latin typeface="Calibri" charset="0"/>
+                        <a:ea typeface="Calibri" charset="0"/>
+                        <a:cs typeface="Calibri" charset="0"/>
+                      </a:endParaRPr>
+                    </a:p>
+                  </a:txBody>
+                  <a:tcPr marL="0" marR="0" marT="0" marB="0" anchor="ctr">
+                    <a:lnL w="6350" cap="flat" cmpd="sng">
+                      <a:solidFill>
+                        <a:srgbClr val="000000"/>
+                      </a:solidFill>
+                      <a:prstDash val="dot"/>
+                      <a:headEnd type="none" w="med" len="med"/>
+                      <a:tailEnd type="none" w="med" len="med"/>
+                    </a:lnL>
+                    <a:lnR w="6350" cap="flat" cmpd="sng">
+                      <a:solidFill>
+                        <a:srgbClr val="000000"/>
+                      </a:solidFill>
+                      <a:prstDash val="dot"/>
+                      <a:headEnd type="none" w="med" len="med"/>
+                      <a:tailEnd type="none" w="med" len="med"/>
+                    </a:lnR>
+                    <a:lnT w="6350" cap="flat" cmpd="sng">
+                      <a:solidFill>
+                        <a:srgbClr val="000000"/>
+                      </a:solidFill>
+                      <a:prstDash val="dot"/>
+                      <a:headEnd type="none" w="med" len="med"/>
+                      <a:tailEnd type="none" w="med" len="med"/>
+                    </a:lnT>
+                    <a:lnB w="6350" cap="flat" cmpd="sng">
+                      <a:solidFill>
+                        <a:srgbClr val="000000"/>
+                      </a:solidFill>
+                      <a:prstDash val="dot"/>
+                      <a:headEnd type="none" w="med" len="med"/>
+                      <a:tailEnd type="none" w="med" len="med"/>
+                    </a:lnB>
+                    <a:lnTlToBr>
+                      <a:noFill/>
+                    </a:lnTlToBr>
+                    <a:lnBlToTr>
+                      <a:noFill/>
+                    </a:lnBlToTr>
+                    <a:noFill/>
+                  </a:tcPr>
+                </a:tc>
+                <a:tc>
+                  <a:txBody>
+                    <a:bodyPr/>
+                    <a:lstStyle/>
+                    <a:p>
+                      <a:pPr algn="l">
+                        <a:buNone/>
+                      </a:pPr>
+                      <a:r>
+                        <a:rPr lang="zh-CN" altLang="en-US" sz="1400">
+                          <a:solidFill>
+                            <a:srgbClr val="000000"/>
+                          </a:solidFill>
+                          <a:latin typeface="Calibri" charset="0"/>
+                          <a:cs typeface="Calibri" charset="0"/>
+                        </a:rPr>
+                        <a:t>于林生</a:t>
+                      </a:r>
+                    </a:p>
+                    <a:p>
+                      <a:pPr algn="l">
+                        <a:buNone/>
+                      </a:pPr>
+                      <a:r>
+                        <a:rPr lang="en-US" altLang="zh-CN" sz="1400">
+                          <a:solidFill>
+                            <a:srgbClr val="000000"/>
+                          </a:solidFill>
+                          <a:latin typeface="Calibri" charset="0"/>
+                          <a:cs typeface="Calibri" charset="0"/>
+                        </a:rPr>
+                        <a:t>OKChain</a:t>
+                      </a:r>
+                      <a:r>
+                        <a:rPr lang="zh-CN" altLang="en-US" sz="1400">
+                          <a:solidFill>
+                            <a:srgbClr val="000000"/>
+                          </a:solidFill>
+                          <a:latin typeface="Calibri" charset="0"/>
+                          <a:cs typeface="Calibri" charset="0"/>
+                        </a:rPr>
+                        <a:t>部署</a:t>
+                      </a:r>
+                      <a:r>
+                        <a:rPr lang="en-US" altLang="zh-CN" sz="1400">
+                          <a:solidFill>
+                            <a:srgbClr val="000000"/>
+                          </a:solidFill>
+                          <a:latin typeface="Calibri" charset="0"/>
+                          <a:cs typeface="Calibri" charset="0"/>
+                        </a:rPr>
+                        <a:t>+token</a:t>
+                      </a:r>
+                      <a:endParaRPr lang="en-US" altLang="zh-CN" sz="1400">
+                        <a:solidFill>
+                          <a:srgbClr val="000000"/>
+                        </a:solidFill>
+                        <a:latin typeface="Calibri" charset="0"/>
+                        <a:ea typeface="Calibri" charset="0"/>
+                        <a:cs typeface="Calibri" charset="0"/>
+                      </a:endParaRPr>
+                    </a:p>
+                  </a:txBody>
+                  <a:tcPr marL="0" marR="0" marT="0" marB="0" anchor="ctr">
+                    <a:lnL w="6350" cap="flat" cmpd="sng">
+                      <a:solidFill>
+                        <a:srgbClr val="000000"/>
+                      </a:solidFill>
+                      <a:prstDash val="dot"/>
+                      <a:headEnd type="none" w="med" len="med"/>
+                      <a:tailEnd type="none" w="med" len="med"/>
+                    </a:lnL>
+                    <a:lnR w="6350" cap="flat" cmpd="sng">
+                      <a:solidFill>
+                        <a:srgbClr val="000000"/>
+                      </a:solidFill>
+                      <a:prstDash val="dot"/>
+                      <a:headEnd type="none" w="med" len="med"/>
+                      <a:tailEnd type="none" w="med" len="med"/>
+                    </a:lnR>
+                    <a:lnT w="6350" cap="flat" cmpd="sng">
+                      <a:solidFill>
+                        <a:srgbClr val="000000"/>
+                      </a:solidFill>
+                      <a:prstDash val="dot"/>
+                      <a:headEnd type="none" w="med" len="med"/>
+                      <a:tailEnd type="none" w="med" len="med"/>
+                    </a:lnT>
+                    <a:lnB w="6350" cap="flat" cmpd="sng">
+                      <a:solidFill>
+                        <a:srgbClr val="000000"/>
+                      </a:solidFill>
+                      <a:prstDash val="dot"/>
+                      <a:headEnd type="none" w="med" len="med"/>
+                      <a:tailEnd type="none" w="med" len="med"/>
+                    </a:lnB>
+                    <a:lnTlToBr>
+                      <a:noFill/>
+                    </a:lnTlToBr>
+                    <a:lnBlToTr>
+                      <a:noFill/>
+                    </a:lnBlToTr>
+                    <a:noFill/>
+                  </a:tcPr>
+                </a:tc>
+              </a:tr>
+              <a:tr h="880110">
+                <a:tc>
+                  <a:txBody>
+                    <a:bodyPr/>
+                    <a:lstStyle/>
+                    <a:p>
+                      <a:pPr algn="l">
+                        <a:buNone/>
+                      </a:pPr>
+                      <a:r>
+                        <a:rPr lang="en-US" altLang="zh-CN" sz="1400">
+                          <a:solidFill>
+                            <a:srgbClr val="000000"/>
+                          </a:solidFill>
+                          <a:latin typeface="Calibri" charset="0"/>
+                          <a:cs typeface="Calibri" charset="0"/>
+                        </a:rPr>
+                        <a:t>P5</a:t>
+                      </a:r>
+                      <a:endParaRPr lang="en-US" altLang="zh-CN" sz="1400">
+                        <a:solidFill>
+                          <a:srgbClr val="000000"/>
+                        </a:solidFill>
+                        <a:latin typeface="Calibri" charset="0"/>
+                        <a:ea typeface="Calibri" charset="0"/>
+                        <a:cs typeface="Calibri" charset="0"/>
+                      </a:endParaRPr>
+                    </a:p>
+                  </a:txBody>
+                  <a:tcPr marL="0" marR="0" marT="0" marB="0" anchor="ctr">
+                    <a:lnL w="6350" cap="flat" cmpd="sng">
+                      <a:solidFill>
+                        <a:srgbClr val="000000"/>
+                      </a:solidFill>
+                      <a:prstDash val="dot"/>
+                      <a:headEnd type="none" w="med" len="med"/>
+                      <a:tailEnd type="none" w="med" len="med"/>
+                    </a:lnL>
+                    <a:lnR w="6350" cap="flat" cmpd="sng">
+                      <a:solidFill>
+                        <a:srgbClr val="000000"/>
+                      </a:solidFill>
+                      <a:prstDash val="dot"/>
+                      <a:headEnd type="none" w="med" len="med"/>
+                      <a:tailEnd type="none" w="med" len="med"/>
+                    </a:lnR>
+                    <a:lnT w="6350" cap="flat" cmpd="sng">
+                      <a:solidFill>
+                        <a:srgbClr val="000000"/>
+                      </a:solidFill>
+                      <a:prstDash val="dot"/>
+                      <a:headEnd type="none" w="med" len="med"/>
+                      <a:tailEnd type="none" w="med" len="med"/>
+                    </a:lnT>
+                    <a:lnB w="6350" cap="flat" cmpd="sng">
+                      <a:solidFill>
+                        <a:srgbClr val="000000"/>
+                      </a:solidFill>
+                      <a:prstDash val="dot"/>
+                      <a:headEnd type="none" w="med" len="med"/>
+                      <a:tailEnd type="none" w="med" len="med"/>
+                    </a:lnB>
+                    <a:lnTlToBr>
+                      <a:noFill/>
+                    </a:lnTlToBr>
+                    <a:lnBlToTr>
+                      <a:noFill/>
+                    </a:lnBlToTr>
+                    <a:noFill/>
+                  </a:tcPr>
+                </a:tc>
+                <a:tc>
+                  <a:txBody>
+                    <a:bodyPr/>
+                    <a:lstStyle/>
+                    <a:p>
+                      <a:pPr algn="l">
+                        <a:buNone/>
+                      </a:pPr>
+                      <a:r>
+                        <a:rPr lang="zh-CN" altLang="en-US" sz="1400" dirty="0">
+                          <a:solidFill>
+                            <a:srgbClr val="000000"/>
+                          </a:solidFill>
+                          <a:latin typeface="Calibri" charset="0"/>
+                          <a:cs typeface="Calibri" charset="0"/>
+                        </a:rPr>
+                        <a:t>王冠一</a:t>
+                      </a:r>
+                    </a:p>
+                    <a:p>
+                      <a:pPr algn="l">
+                        <a:buNone/>
+                      </a:pPr>
+                      <a:r>
+                        <a:rPr lang="zh-CN" altLang="en-US" sz="1400" dirty="0">
+                          <a:solidFill>
+                            <a:srgbClr val="FF0000"/>
+                          </a:solidFill>
+                          <a:latin typeface="font-weight" charset="0"/>
+                          <a:cs typeface="font-weight" charset="0"/>
+                        </a:rPr>
+                        <a:t>高潜</a:t>
+                      </a:r>
+                      <a:r>
+                        <a:rPr lang="en-US" altLang="zh-CN" sz="1400" dirty="0">
+                          <a:solidFill>
+                            <a:srgbClr val="FF0000"/>
+                          </a:solidFill>
+                          <a:latin typeface="font-weight" charset="0"/>
+                          <a:cs typeface="font-weight" charset="0"/>
+                        </a:rPr>
+                        <a:t>&amp;</a:t>
+                      </a:r>
+                      <a:r>
+                        <a:rPr lang="zh-CN" altLang="en-US" sz="1400" dirty="0">
+                          <a:solidFill>
+                            <a:srgbClr val="FF0000"/>
+                          </a:solidFill>
+                          <a:latin typeface="font-weight" charset="0"/>
+                          <a:cs typeface="font-weight" charset="0"/>
+                        </a:rPr>
+                        <a:t>核心</a:t>
+                      </a:r>
+                    </a:p>
+                    <a:p>
+                      <a:pPr algn="l">
+                        <a:buNone/>
+                      </a:pPr>
+                      <a:r>
+                        <a:rPr lang="zh-CN" altLang="en-US" sz="1400" dirty="0">
+                          <a:solidFill>
+                            <a:srgbClr val="000000"/>
+                          </a:solidFill>
+                          <a:latin typeface="font-weight" charset="0"/>
+                          <a:cs typeface="font-weight" charset="0"/>
+                        </a:rPr>
+                        <a:t>委托</a:t>
+                      </a:r>
+                      <a:r>
+                        <a:rPr lang="en-US" altLang="zh-CN" sz="1400" dirty="0">
+                          <a:solidFill>
+                            <a:srgbClr val="000000"/>
+                          </a:solidFill>
+                          <a:latin typeface="font-weight" charset="0"/>
+                          <a:cs typeface="font-weight" charset="0"/>
+                        </a:rPr>
+                        <a:t>+</a:t>
+                      </a:r>
+                      <a:r>
+                        <a:rPr lang="en-US" altLang="zh-CN" sz="1400" dirty="0" err="1">
+                          <a:solidFill>
+                            <a:srgbClr val="000000"/>
+                          </a:solidFill>
+                          <a:latin typeface="font-weight" charset="0"/>
+                          <a:cs typeface="font-weight" charset="0"/>
+                        </a:rPr>
+                        <a:t>OKChain</a:t>
+                      </a:r>
+                      <a:r>
+                        <a:rPr lang="zh-CN" altLang="en-US" sz="1400" dirty="0">
+                          <a:solidFill>
+                            <a:srgbClr val="000000"/>
+                          </a:solidFill>
+                          <a:latin typeface="font-weight" charset="0"/>
+                          <a:cs typeface="font-weight" charset="0"/>
+                        </a:rPr>
+                        <a:t>升级</a:t>
+                      </a:r>
+                      <a:r>
+                        <a:rPr lang="en-US" altLang="zh-CN" sz="1400" dirty="0">
+                          <a:solidFill>
+                            <a:srgbClr val="000000"/>
+                          </a:solidFill>
+                          <a:latin typeface="font-weight" charset="0"/>
+                          <a:cs typeface="font-weight" charset="0"/>
+                        </a:rPr>
+                        <a:t>+token+</a:t>
+                      </a:r>
+                      <a:r>
+                        <a:rPr lang="zh-CN" altLang="en-US" sz="1400" dirty="0">
+                          <a:solidFill>
+                            <a:srgbClr val="000000"/>
+                          </a:solidFill>
+                          <a:latin typeface="font-weight" charset="0"/>
+                          <a:cs typeface="font-weight" charset="0"/>
+                        </a:rPr>
+                        <a:t>部署</a:t>
+                      </a:r>
+                      <a:r>
+                        <a:rPr lang="en-US" altLang="zh-CN" sz="1400" dirty="0">
+                          <a:solidFill>
+                            <a:srgbClr val="000000"/>
+                          </a:solidFill>
+                          <a:latin typeface="font-weight" charset="0"/>
+                          <a:cs typeface="font-weight" charset="0"/>
+                        </a:rPr>
+                        <a:t>+SDK+</a:t>
+                      </a:r>
+                      <a:r>
+                        <a:rPr lang="zh-CN" altLang="en-US" sz="1400" dirty="0">
+                          <a:solidFill>
+                            <a:srgbClr val="000000"/>
+                          </a:solidFill>
+                          <a:latin typeface="font-weight" charset="0"/>
+                          <a:cs typeface="font-weight" charset="0"/>
+                        </a:rPr>
+                        <a:t>压测工具</a:t>
+                      </a:r>
+                      <a:endParaRPr lang="zh-CN" altLang="en-US" sz="1400" dirty="0">
+                        <a:solidFill>
+                          <a:srgbClr val="000000"/>
+                        </a:solidFill>
+                        <a:latin typeface="font-weight" charset="0"/>
+                        <a:ea typeface="Calibri" charset="0"/>
+                        <a:cs typeface="font-weight" charset="0"/>
+                      </a:endParaRPr>
+                    </a:p>
+                  </a:txBody>
+                  <a:tcPr marL="0" marR="0" marT="0" marB="0" anchor="ctr">
+                    <a:lnL w="6350" cap="flat" cmpd="sng">
+                      <a:solidFill>
+                        <a:srgbClr val="000000"/>
+                      </a:solidFill>
+                      <a:prstDash val="dot"/>
+                      <a:headEnd type="none" w="med" len="med"/>
+                      <a:tailEnd type="none" w="med" len="med"/>
+                    </a:lnL>
+                    <a:lnR w="6350" cap="flat" cmpd="sng">
+                      <a:solidFill>
+                        <a:srgbClr val="000000"/>
+                      </a:solidFill>
+                      <a:prstDash val="dot"/>
+                      <a:headEnd type="none" w="med" len="med"/>
+                      <a:tailEnd type="none" w="med" len="med"/>
+                    </a:lnR>
+                    <a:lnT w="6350" cap="flat" cmpd="sng">
+                      <a:solidFill>
+                        <a:srgbClr val="000000"/>
+                      </a:solidFill>
+                      <a:prstDash val="dot"/>
+                      <a:headEnd type="none" w="med" len="med"/>
+                      <a:tailEnd type="none" w="med" len="med"/>
+                    </a:lnT>
+                    <a:lnB w="6350" cap="flat" cmpd="sng">
+                      <a:solidFill>
+                        <a:srgbClr val="000000"/>
+                      </a:solidFill>
+                      <a:prstDash val="dot"/>
+                      <a:headEnd type="none" w="med" len="med"/>
+                      <a:tailEnd type="none" w="med" len="med"/>
+                    </a:lnB>
+                    <a:lnTlToBr>
+                      <a:noFill/>
+                    </a:lnTlToBr>
+                    <a:lnBlToTr>
+                      <a:noFill/>
+                    </a:lnBlToTr>
+                    <a:noFill/>
+                  </a:tcPr>
+                </a:tc>
+                <a:tc>
+                  <a:txBody>
+                    <a:bodyPr/>
+                    <a:lstStyle/>
+                    <a:p>
+                      <a:pPr algn="l">
+                        <a:buNone/>
+                      </a:pPr>
+                      <a:r>
+                        <a:rPr lang="zh-CN" altLang="en-US" sz="1400">
+                          <a:solidFill>
+                            <a:srgbClr val="000000"/>
+                          </a:solidFill>
+                          <a:latin typeface="Calibri" charset="0"/>
+                          <a:cs typeface="Calibri" charset="0"/>
+                        </a:rPr>
+                        <a:t>冀磊  </a:t>
+                      </a:r>
+                    </a:p>
+                    <a:p>
+                      <a:pPr algn="l">
+                        <a:buNone/>
+                      </a:pPr>
+                      <a:r>
+                        <a:rPr lang="en-US" altLang="zh-CN" sz="1400">
+                          <a:solidFill>
+                            <a:srgbClr val="000000"/>
+                          </a:solidFill>
+                          <a:latin typeface="Calibri" charset="0"/>
+                          <a:cs typeface="Calibri" charset="0"/>
+                        </a:rPr>
+                        <a:t>SDK</a:t>
+                      </a:r>
+                      <a:r>
+                        <a:rPr lang="en-US" altLang="zh-CN" sz="1400">
+                          <a:solidFill>
+                            <a:srgbClr val="000000"/>
+                          </a:solidFill>
+                          <a:latin typeface="Calibri" charset="0"/>
+                          <a:cs typeface="Calibri" charset="0"/>
+                          <a:sym typeface="+mn-ea"/>
+                        </a:rPr>
+                        <a:t>+</a:t>
+                      </a:r>
+                      <a:r>
+                        <a:rPr lang="zh-CN" altLang="en-US" sz="1400">
+                          <a:solidFill>
+                            <a:srgbClr val="000000"/>
+                          </a:solidFill>
+                          <a:latin typeface="Calibri" charset="0"/>
+                          <a:cs typeface="Calibri" charset="0"/>
+                          <a:sym typeface="+mn-ea"/>
+                        </a:rPr>
+                        <a:t>订单</a:t>
+                      </a:r>
+                      <a:r>
+                        <a:rPr lang="en-US" altLang="zh-CN" sz="1400">
+                          <a:solidFill>
+                            <a:srgbClr val="000000"/>
+                          </a:solidFill>
+                          <a:latin typeface="Calibri" charset="0"/>
+                          <a:cs typeface="Calibri" charset="0"/>
+                        </a:rPr>
+                        <a:t>+</a:t>
+                      </a:r>
+                      <a:r>
+                        <a:rPr lang="zh-CN" altLang="en-US" sz="1400">
+                          <a:solidFill>
+                            <a:srgbClr val="000000"/>
+                          </a:solidFill>
+                          <a:latin typeface="Calibri" charset="0"/>
+                          <a:cs typeface="Calibri" charset="0"/>
+                        </a:rPr>
+                        <a:t>压测工具</a:t>
+                      </a:r>
+                      <a:endParaRPr lang="zh-CN" altLang="en-US" sz="1400">
+                        <a:solidFill>
+                          <a:srgbClr val="000000"/>
+                        </a:solidFill>
+                        <a:latin typeface="Calibri" charset="0"/>
+                        <a:ea typeface="Calibri" charset="0"/>
+                        <a:cs typeface="Calibri" charset="0"/>
+                      </a:endParaRPr>
+                    </a:p>
+                  </a:txBody>
+                  <a:tcPr marL="0" marR="0" marT="0" marB="0" anchor="ctr">
+                    <a:lnL w="6350" cap="flat" cmpd="sng">
+                      <a:solidFill>
+                        <a:srgbClr val="000000"/>
+                      </a:solidFill>
+                      <a:prstDash val="dot"/>
+                      <a:headEnd type="none" w="med" len="med"/>
+                      <a:tailEnd type="none" w="med" len="med"/>
+                    </a:lnL>
+                    <a:lnR w="6350" cap="flat" cmpd="sng">
+                      <a:solidFill>
+                        <a:srgbClr val="000000"/>
+                      </a:solidFill>
+                      <a:prstDash val="dot"/>
+                      <a:headEnd type="none" w="med" len="med"/>
+                      <a:tailEnd type="none" w="med" len="med"/>
+                    </a:lnR>
+                    <a:lnT w="6350" cap="flat" cmpd="sng">
+                      <a:solidFill>
+                        <a:srgbClr val="000000"/>
+                      </a:solidFill>
+                      <a:prstDash val="dot"/>
+                      <a:headEnd type="none" w="med" len="med"/>
+                      <a:tailEnd type="none" w="med" len="med"/>
+                    </a:lnT>
+                    <a:lnB w="6350" cap="flat" cmpd="sng">
+                      <a:solidFill>
+                        <a:srgbClr val="000000"/>
+                      </a:solidFill>
+                      <a:prstDash val="dot"/>
+                      <a:headEnd type="none" w="med" len="med"/>
+                      <a:tailEnd type="none" w="med" len="med"/>
+                    </a:lnB>
+                    <a:lnTlToBr>
+                      <a:noFill/>
+                    </a:lnTlToBr>
+                    <a:lnBlToTr>
+                      <a:noFill/>
+                    </a:lnBlToTr>
+                    <a:noFill/>
+                  </a:tcPr>
+                </a:tc>
+                <a:tc>
+                  <a:txBody>
+                    <a:bodyPr/>
+                    <a:lstStyle/>
+                    <a:p>
+                      <a:pPr algn="l">
+                        <a:buNone/>
+                      </a:pPr>
+                      <a:endParaRPr lang="en-US" sz="1400">
+                        <a:solidFill>
+                          <a:srgbClr val="000000"/>
+                        </a:solidFill>
+                        <a:latin typeface="Calibri" charset="0"/>
+                        <a:ea typeface="Calibri" charset="0"/>
+                        <a:cs typeface="Calibri" charset="0"/>
+                      </a:endParaRPr>
+                    </a:p>
+                  </a:txBody>
+                  <a:tcPr marL="0" marR="0" marT="0" marB="0" anchor="ctr">
+                    <a:lnL w="6350" cap="flat" cmpd="sng">
+                      <a:solidFill>
+                        <a:srgbClr val="000000"/>
+                      </a:solidFill>
+                      <a:prstDash val="dot"/>
+                      <a:headEnd type="none" w="med" len="med"/>
+                      <a:tailEnd type="none" w="med" len="med"/>
+                    </a:lnL>
+                    <a:lnR w="6350" cap="flat" cmpd="sng">
+                      <a:solidFill>
+                        <a:srgbClr val="000000"/>
+                      </a:solidFill>
+                      <a:prstDash val="dot"/>
+                      <a:headEnd type="none" w="med" len="med"/>
+                      <a:tailEnd type="none" w="med" len="med"/>
+                    </a:lnR>
+                    <a:lnT w="6350" cap="flat" cmpd="sng">
+                      <a:solidFill>
+                        <a:srgbClr val="000000"/>
+                      </a:solidFill>
+                      <a:prstDash val="dot"/>
+                      <a:headEnd type="none" w="med" len="med"/>
+                      <a:tailEnd type="none" w="med" len="med"/>
+                    </a:lnT>
+                    <a:lnB w="6350" cap="flat" cmpd="sng">
+                      <a:solidFill>
+                        <a:srgbClr val="000000"/>
+                      </a:solidFill>
+                      <a:prstDash val="dot"/>
+                      <a:headEnd type="none" w="med" len="med"/>
+                      <a:tailEnd type="none" w="med" len="med"/>
+                    </a:lnB>
+                    <a:lnTlToBr>
+                      <a:noFill/>
+                    </a:lnTlToBr>
+                    <a:lnBlToTr>
+                      <a:noFill/>
+                    </a:lnBlToTr>
+                    <a:noFill/>
+                  </a:tcPr>
+                </a:tc>
+              </a:tr>
+              <a:tr h="880745">
+                <a:tc>
+                  <a:txBody>
+                    <a:bodyPr/>
+                    <a:lstStyle/>
+                    <a:p>
+                      <a:pPr algn="l">
+                        <a:buNone/>
+                      </a:pPr>
+                      <a:r>
+                        <a:rPr lang="en-US" altLang="zh-CN" sz="1400">
+                          <a:solidFill>
+                            <a:srgbClr val="000000"/>
+                          </a:solidFill>
+                          <a:latin typeface="Calibri" charset="0"/>
+                          <a:cs typeface="Calibri" charset="0"/>
+                        </a:rPr>
+                        <a:t>P5</a:t>
+                      </a:r>
+                      <a:endParaRPr lang="en-US" altLang="zh-CN" sz="1400">
+                        <a:solidFill>
+                          <a:srgbClr val="000000"/>
+                        </a:solidFill>
+                        <a:latin typeface="Calibri" charset="0"/>
+                        <a:ea typeface="Calibri" charset="0"/>
+                        <a:cs typeface="Calibri" charset="0"/>
+                      </a:endParaRPr>
+                    </a:p>
+                  </a:txBody>
+                  <a:tcPr marL="0" marR="0" marT="0" marB="0" anchor="ctr">
+                    <a:lnL w="6350" cap="flat" cmpd="sng">
+                      <a:solidFill>
+                        <a:srgbClr val="000000"/>
+                      </a:solidFill>
+                      <a:prstDash val="dot"/>
+                      <a:headEnd type="none" w="med" len="med"/>
+                      <a:tailEnd type="none" w="med" len="med"/>
+                    </a:lnL>
+                    <a:lnR w="6350" cap="flat" cmpd="sng">
+                      <a:solidFill>
+                        <a:srgbClr val="000000"/>
+                      </a:solidFill>
+                      <a:prstDash val="dot"/>
+                      <a:headEnd type="none" w="med" len="med"/>
+                      <a:tailEnd type="none" w="med" len="med"/>
+                    </a:lnR>
+                    <a:lnT w="6350" cap="flat" cmpd="sng">
+                      <a:solidFill>
+                        <a:srgbClr val="000000"/>
+                      </a:solidFill>
+                      <a:prstDash val="dot"/>
+                      <a:headEnd type="none" w="med" len="med"/>
+                      <a:tailEnd type="none" w="med" len="med"/>
+                    </a:lnT>
+                    <a:lnB w="6350" cap="flat" cmpd="sng">
+                      <a:solidFill>
+                        <a:srgbClr val="000000"/>
+                      </a:solidFill>
+                      <a:prstDash val="dot"/>
+                      <a:headEnd type="none" w="med" len="med"/>
+                      <a:tailEnd type="none" w="med" len="med"/>
+                    </a:lnB>
+                    <a:lnTlToBr>
+                      <a:noFill/>
+                    </a:lnTlToBr>
+                    <a:lnBlToTr>
+                      <a:noFill/>
+                    </a:lnBlToTr>
+                    <a:noFill/>
+                  </a:tcPr>
+                </a:tc>
+                <a:tc>
+                  <a:txBody>
+                    <a:bodyPr/>
+                    <a:lstStyle/>
+                    <a:p>
+                      <a:pPr algn="l">
+                        <a:buNone/>
+                      </a:pPr>
+                      <a:r>
+                        <a:rPr lang="zh-CN" altLang="en-US" sz="1400" dirty="0">
+                          <a:solidFill>
+                            <a:srgbClr val="000000"/>
+                          </a:solidFill>
+                          <a:latin typeface="Calibri" charset="0"/>
+                          <a:cs typeface="Calibri" charset="0"/>
+                        </a:rPr>
+                        <a:t>葛溢力</a:t>
+                      </a:r>
+                    </a:p>
+                    <a:p>
+                      <a:pPr algn="l">
+                        <a:buNone/>
+                      </a:pPr>
+                      <a:r>
+                        <a:rPr lang="zh-CN" altLang="en-US" sz="1400" smtClean="0">
+                          <a:solidFill>
+                            <a:srgbClr val="000000"/>
+                          </a:solidFill>
+                          <a:latin typeface="Calibri" charset="0"/>
+                          <a:cs typeface="Calibri" charset="0"/>
+                        </a:rPr>
+                        <a:t>有一定潜力</a:t>
+                      </a:r>
+                      <a:endParaRPr lang="zh-CN" altLang="en-US" sz="1400">
+                        <a:solidFill>
+                          <a:srgbClr val="000000"/>
+                        </a:solidFill>
+                        <a:latin typeface="Calibri" charset="0"/>
+                        <a:cs typeface="Calibri" charset="0"/>
+                      </a:endParaRPr>
+                    </a:p>
+                    <a:p>
+                      <a:pPr algn="l">
+                        <a:buNone/>
+                      </a:pPr>
+                      <a:r>
+                        <a:rPr lang="en-US" altLang="zh-CN" sz="1400" dirty="0" err="1">
+                          <a:solidFill>
+                            <a:srgbClr val="000000"/>
+                          </a:solidFill>
+                          <a:latin typeface="Calibri" charset="0"/>
+                          <a:cs typeface="Calibri" charset="0"/>
+                        </a:rPr>
+                        <a:t>OKChain</a:t>
+                      </a:r>
+                      <a:r>
+                        <a:rPr lang="zh-CN" altLang="en-US" sz="1400" dirty="0">
+                          <a:solidFill>
+                            <a:srgbClr val="000000"/>
+                          </a:solidFill>
+                          <a:latin typeface="Calibri" charset="0"/>
+                          <a:cs typeface="Calibri" charset="0"/>
+                        </a:rPr>
+                        <a:t>升级</a:t>
+                      </a:r>
+                      <a:r>
+                        <a:rPr lang="en-US" altLang="zh-CN" sz="1400" dirty="0">
+                          <a:solidFill>
+                            <a:srgbClr val="000000"/>
+                          </a:solidFill>
+                          <a:latin typeface="Calibri" charset="0"/>
+                          <a:cs typeface="Calibri" charset="0"/>
+                        </a:rPr>
+                        <a:t>+</a:t>
+                      </a:r>
+                      <a:r>
+                        <a:rPr lang="zh-CN" altLang="en-US" sz="1400" dirty="0">
+                          <a:solidFill>
+                            <a:srgbClr val="000000"/>
+                          </a:solidFill>
+                          <a:latin typeface="Calibri" charset="0"/>
+                          <a:cs typeface="Calibri" charset="0"/>
+                        </a:rPr>
+                        <a:t>部署</a:t>
+                      </a:r>
+                      <a:r>
+                        <a:rPr lang="en-US" altLang="zh-CN" sz="1400" dirty="0">
+                          <a:solidFill>
+                            <a:srgbClr val="000000"/>
+                          </a:solidFill>
+                          <a:latin typeface="Calibri" charset="0"/>
+                          <a:cs typeface="Calibri" charset="0"/>
+                        </a:rPr>
+                        <a:t>+SDK</a:t>
+                      </a:r>
+                      <a:endParaRPr lang="en-US" altLang="zh-CN" sz="1400" dirty="0">
+                        <a:solidFill>
+                          <a:srgbClr val="000000"/>
+                        </a:solidFill>
+                        <a:latin typeface="Calibri" charset="0"/>
+                        <a:ea typeface="Calibri" charset="0"/>
+                        <a:cs typeface="Calibri" charset="0"/>
+                      </a:endParaRPr>
+                    </a:p>
+                  </a:txBody>
+                  <a:tcPr marL="0" marR="0" marT="0" marB="0" anchor="ctr">
+                    <a:lnL w="6350" cap="flat" cmpd="sng">
+                      <a:solidFill>
+                        <a:srgbClr val="000000"/>
+                      </a:solidFill>
+                      <a:prstDash val="dot"/>
+                      <a:headEnd type="none" w="med" len="med"/>
+                      <a:tailEnd type="none" w="med" len="med"/>
+                    </a:lnL>
+                    <a:lnR w="6350" cap="flat" cmpd="sng">
+                      <a:solidFill>
+                        <a:srgbClr val="000000"/>
+                      </a:solidFill>
+                      <a:prstDash val="dot"/>
+                      <a:headEnd type="none" w="med" len="med"/>
+                      <a:tailEnd type="none" w="med" len="med"/>
+                    </a:lnR>
+                    <a:lnT w="6350" cap="flat" cmpd="sng">
+                      <a:solidFill>
+                        <a:srgbClr val="000000"/>
+                      </a:solidFill>
+                      <a:prstDash val="dot"/>
+                      <a:headEnd type="none" w="med" len="med"/>
+                      <a:tailEnd type="none" w="med" len="med"/>
+                    </a:lnT>
+                    <a:lnB w="6350" cap="flat" cmpd="sng">
+                      <a:solidFill>
+                        <a:srgbClr val="000000"/>
+                      </a:solidFill>
+                      <a:prstDash val="dot"/>
+                      <a:headEnd type="none" w="med" len="med"/>
+                      <a:tailEnd type="none" w="med" len="med"/>
+                    </a:lnB>
+                    <a:lnTlToBr>
+                      <a:noFill/>
+                    </a:lnTlToBr>
+                    <a:lnBlToTr>
+                      <a:noFill/>
+                    </a:lnBlToTr>
+                    <a:noFill/>
+                  </a:tcPr>
+                </a:tc>
+                <a:tc>
+                  <a:txBody>
+                    <a:bodyPr/>
+                    <a:lstStyle/>
+                    <a:p>
+                      <a:pPr algn="l">
+                        <a:buNone/>
+                      </a:pPr>
+                      <a:r>
+                        <a:rPr lang="zh-CN" altLang="en-US" sz="1400">
+                          <a:solidFill>
+                            <a:srgbClr val="000000"/>
+                          </a:solidFill>
+                          <a:latin typeface="Calibri" charset="0"/>
+                          <a:cs typeface="Calibri" charset="0"/>
+                        </a:rPr>
+                        <a:t>陈芳平</a:t>
+                      </a:r>
+                    </a:p>
+                    <a:p>
+                      <a:pPr algn="l">
+                        <a:buNone/>
+                      </a:pPr>
+                      <a:r>
+                        <a:rPr lang="en-US" altLang="zh-CN" sz="1400">
+                          <a:solidFill>
+                            <a:srgbClr val="000000"/>
+                          </a:solidFill>
+                          <a:latin typeface="Calibri" charset="0"/>
+                          <a:cs typeface="Calibri" charset="0"/>
+                        </a:rPr>
+                        <a:t>Dex</a:t>
+                      </a:r>
+                      <a:r>
+                        <a:rPr lang="zh-CN" altLang="en-US" sz="1400">
+                          <a:solidFill>
+                            <a:srgbClr val="000000"/>
+                          </a:solidFill>
+                          <a:latin typeface="Calibri" charset="0"/>
+                          <a:cs typeface="Calibri" charset="0"/>
+                        </a:rPr>
+                        <a:t>前端</a:t>
+                      </a:r>
+                      <a:r>
+                        <a:rPr lang="en-US" altLang="zh-CN" sz="1400">
+                          <a:solidFill>
+                            <a:srgbClr val="000000"/>
+                          </a:solidFill>
+                          <a:latin typeface="Calibri" charset="0"/>
+                          <a:cs typeface="Calibri" charset="0"/>
+                        </a:rPr>
+                        <a:t>+</a:t>
+                      </a:r>
+                      <a:r>
+                        <a:rPr lang="zh-CN" altLang="en-US" sz="1400">
+                          <a:solidFill>
+                            <a:srgbClr val="000000"/>
+                          </a:solidFill>
+                          <a:latin typeface="Calibri" charset="0"/>
+                          <a:cs typeface="Calibri" charset="0"/>
+                        </a:rPr>
+                        <a:t>压测工具</a:t>
+                      </a:r>
+                      <a:r>
+                        <a:rPr lang="en-US" altLang="zh-CN" sz="1400">
+                          <a:solidFill>
+                            <a:srgbClr val="000000"/>
+                          </a:solidFill>
+                          <a:latin typeface="Calibri" charset="0"/>
+                          <a:cs typeface="Calibri" charset="0"/>
+                        </a:rPr>
+                        <a:t>+stream</a:t>
+                      </a:r>
+                      <a:endParaRPr lang="en-US" altLang="zh-CN" sz="1400">
+                        <a:solidFill>
+                          <a:srgbClr val="000000"/>
+                        </a:solidFill>
+                        <a:latin typeface="Calibri" charset="0"/>
+                        <a:ea typeface="Calibri" charset="0"/>
+                        <a:cs typeface="Calibri" charset="0"/>
+                      </a:endParaRPr>
+                    </a:p>
+                  </a:txBody>
+                  <a:tcPr marL="0" marR="0" marT="0" marB="0" anchor="ctr">
+                    <a:lnL w="6350" cap="flat" cmpd="sng">
+                      <a:solidFill>
+                        <a:srgbClr val="000000"/>
+                      </a:solidFill>
+                      <a:prstDash val="dot"/>
+                      <a:headEnd type="none" w="med" len="med"/>
+                      <a:tailEnd type="none" w="med" len="med"/>
+                    </a:lnL>
+                    <a:lnR w="6350" cap="flat" cmpd="sng">
+                      <a:solidFill>
+                        <a:srgbClr val="000000"/>
+                      </a:solidFill>
+                      <a:prstDash val="dot"/>
+                      <a:headEnd type="none" w="med" len="med"/>
+                      <a:tailEnd type="none" w="med" len="med"/>
+                    </a:lnR>
+                    <a:lnT w="6350" cap="flat" cmpd="sng">
+                      <a:solidFill>
+                        <a:srgbClr val="000000"/>
+                      </a:solidFill>
+                      <a:prstDash val="dot"/>
+                      <a:headEnd type="none" w="med" len="med"/>
+                      <a:tailEnd type="none" w="med" len="med"/>
+                    </a:lnT>
+                    <a:lnB w="6350" cap="flat" cmpd="sng">
+                      <a:solidFill>
+                        <a:srgbClr val="000000"/>
+                      </a:solidFill>
+                      <a:prstDash val="dot"/>
+                      <a:headEnd type="none" w="med" len="med"/>
+                      <a:tailEnd type="none" w="med" len="med"/>
+                    </a:lnB>
+                    <a:lnTlToBr>
+                      <a:noFill/>
+                    </a:lnTlToBr>
+                    <a:lnBlToTr>
+                      <a:noFill/>
+                    </a:lnBlToTr>
+                    <a:noFill/>
+                  </a:tcPr>
+                </a:tc>
+                <a:tc>
+                  <a:txBody>
+                    <a:bodyPr/>
+                    <a:lstStyle/>
+                    <a:p>
+                      <a:pPr algn="l">
+                        <a:buNone/>
+                      </a:pPr>
+                      <a:endParaRPr lang="en-US" sz="1400" dirty="0">
+                        <a:solidFill>
+                          <a:srgbClr val="000000"/>
+                        </a:solidFill>
+                        <a:latin typeface="Calibri" charset="0"/>
+                        <a:ea typeface="Calibri" charset="0"/>
+                        <a:cs typeface="Calibri" charset="0"/>
+                      </a:endParaRPr>
+                    </a:p>
+                  </a:txBody>
+                  <a:tcPr marL="0" marR="0" marT="0" marB="0" anchor="ctr">
+                    <a:lnL w="6350" cap="flat" cmpd="sng">
+                      <a:solidFill>
+                        <a:srgbClr val="000000"/>
+                      </a:solidFill>
+                      <a:prstDash val="dot"/>
+                      <a:headEnd type="none" w="med" len="med"/>
+                      <a:tailEnd type="none" w="med" len="med"/>
+                    </a:lnL>
+                    <a:lnR w="6350" cap="flat" cmpd="sng">
+                      <a:solidFill>
+                        <a:srgbClr val="000000"/>
+                      </a:solidFill>
+                      <a:prstDash val="dot"/>
+                      <a:headEnd type="none" w="med" len="med"/>
+                      <a:tailEnd type="none" w="med" len="med"/>
+                    </a:lnR>
+                    <a:lnT w="6350" cap="flat" cmpd="sng">
+                      <a:solidFill>
+                        <a:srgbClr val="000000"/>
+                      </a:solidFill>
+                      <a:prstDash val="dot"/>
+                      <a:headEnd type="none" w="med" len="med"/>
+                      <a:tailEnd type="none" w="med" len="med"/>
+                    </a:lnT>
+                    <a:lnB w="6350" cap="flat" cmpd="sng">
+                      <a:solidFill>
+                        <a:srgbClr val="000000"/>
+                      </a:solidFill>
+                      <a:prstDash val="dot"/>
+                      <a:headEnd type="none" w="med" len="med"/>
+                      <a:tailEnd type="none" w="med" len="med"/>
+                    </a:lnB>
+                    <a:lnTlToBr>
+                      <a:noFill/>
+                    </a:lnTlToBr>
+                    <a:lnBlToTr>
+                      <a:noFill/>
+                    </a:lnBlToTr>
+                    <a:noFill/>
+                  </a:tcPr>
+                </a:tc>
+              </a:tr>
+            </a:tbl>
+          </a:graphicData>
+        </a:graphic>
+      </p:graphicFrame>
     </p:spTree>
   </p:cSld>
   <p:clrMapOvr>
@@ -3459,16 +5277,128 @@
             </a:pPr>
             <a:r>
               <a:rPr kumimoji="1" lang="zh-CN" altLang="en-US" sz="2400" dirty="0" smtClean="0"/>
-              <a:t>团队如何支撑业务发展，大致分工情况是怎样的</a:t>
+              <a:t>团队如何支撑业务</a:t>
             </a:r>
-            <a:endParaRPr kumimoji="1" lang="en-US" altLang="zh-CN" sz="2400" dirty="0" smtClean="0"/>
+            <a:r>
+              <a:rPr kumimoji="1" lang="zh-CN" altLang="en-US" sz="2400" dirty="0" smtClean="0"/>
+              <a:t>发展</a:t>
+            </a:r>
+            <a:endParaRPr kumimoji="1" lang="en-US" altLang="zh-CN" sz="1800" dirty="0" smtClean="0"/>
           </a:p>
           <a:p>
             <a:pPr marL="0" indent="0" hangingPunct="1">
               <a:buFontTx/>
               <a:buNone/>
             </a:pPr>
-            <a:endParaRPr kumimoji="1" lang="zh-CN" altLang="en-US" sz="1800" dirty="0"/>
+            <a:endParaRPr kumimoji="1" lang="zh-CN" altLang="en-US" sz="1800" dirty="0" smtClean="0"/>
+          </a:p>
+          <a:p>
+            <a:pPr hangingPunct="1"/>
+            <a:r>
+              <a:rPr kumimoji="1" lang="en-US" altLang="zh-CN" dirty="0" err="1" smtClean="0"/>
+              <a:t>OKChain</a:t>
+            </a:r>
+            <a:r>
+              <a:rPr kumimoji="1" lang="zh-CN" altLang="en-US" dirty="0" smtClean="0"/>
+              <a:t> ：</a:t>
+            </a:r>
+            <a:r>
+              <a:rPr kumimoji="1" lang="en-US" altLang="zh-CN" dirty="0" smtClean="0"/>
+              <a:t>5.5</a:t>
+            </a:r>
+            <a:r>
+              <a:rPr kumimoji="1" lang="zh-CN" altLang="en-US" dirty="0" smtClean="0"/>
+              <a:t>个人</a:t>
+            </a:r>
+            <a:endParaRPr kumimoji="1" lang="en-US" altLang="zh-CN" dirty="0" smtClean="0"/>
+          </a:p>
+          <a:p>
+            <a:pPr hangingPunct="1"/>
+            <a:r>
+              <a:rPr kumimoji="1" lang="en-US" altLang="zh-CN" dirty="0" err="1" smtClean="0"/>
+              <a:t>OKDex</a:t>
+            </a:r>
+            <a:r>
+              <a:rPr kumimoji="1" lang="zh-CN" altLang="en-US" dirty="0" smtClean="0"/>
+              <a:t>：</a:t>
+            </a:r>
+            <a:r>
+              <a:rPr kumimoji="1" lang="en-US" altLang="zh-CN" dirty="0" smtClean="0"/>
+              <a:t>3.5</a:t>
+            </a:r>
+            <a:r>
+              <a:rPr kumimoji="1" lang="zh-CN" altLang="en-US" dirty="0" smtClean="0"/>
+              <a:t>个人</a:t>
+            </a:r>
+            <a:endParaRPr kumimoji="1" lang="en-US" altLang="zh-CN" dirty="0" smtClean="0"/>
+          </a:p>
+          <a:p>
+            <a:pPr hangingPunct="1"/>
+            <a:r>
+              <a:rPr kumimoji="1" lang="en-US" altLang="zh-CN" dirty="0" smtClean="0"/>
+              <a:t>Cosmos</a:t>
+            </a:r>
+            <a:r>
+              <a:rPr kumimoji="1" lang="zh-CN" altLang="en-US" dirty="0" smtClean="0"/>
+              <a:t>开源社区支持</a:t>
+            </a:r>
+            <a:r>
+              <a:rPr kumimoji="1" lang="en-US" altLang="zh-CN" dirty="0" smtClean="0"/>
+              <a:t>:</a:t>
+            </a:r>
+            <a:r>
+              <a:rPr kumimoji="1" lang="zh-CN" altLang="en-US" dirty="0" smtClean="0"/>
+              <a:t> </a:t>
+            </a:r>
+            <a:r>
+              <a:rPr kumimoji="1" lang="en-US" altLang="zh-CN" dirty="0" smtClean="0"/>
+              <a:t>2</a:t>
+            </a:r>
+            <a:r>
+              <a:rPr kumimoji="1" lang="zh-CN" altLang="en-US" dirty="0" smtClean="0"/>
+              <a:t>个人</a:t>
+            </a:r>
+            <a:endParaRPr kumimoji="1" lang="en-US" altLang="zh-CN" dirty="0" smtClean="0"/>
+          </a:p>
+          <a:p>
+            <a:pPr hangingPunct="1"/>
+            <a:r>
+              <a:rPr kumimoji="1" lang="zh-CN" altLang="en-US" dirty="0"/>
+              <a:t>去中心化</a:t>
+            </a:r>
+            <a:r>
+              <a:rPr kumimoji="1" lang="zh-CN" altLang="en-US" dirty="0" smtClean="0"/>
+              <a:t>金融</a:t>
+            </a:r>
+            <a:r>
+              <a:rPr kumimoji="1" lang="en-US" altLang="zh-CN" dirty="0" smtClean="0"/>
+              <a:t>POC</a:t>
+            </a:r>
+            <a:r>
+              <a:rPr kumimoji="1" lang="zh-CN" altLang="en-US" dirty="0" smtClean="0"/>
+              <a:t>：</a:t>
+            </a:r>
+            <a:r>
+              <a:rPr kumimoji="1" lang="en-US" altLang="zh-CN" dirty="0" smtClean="0"/>
+              <a:t>2</a:t>
+            </a:r>
+            <a:r>
+              <a:rPr kumimoji="1" lang="zh-CN" altLang="en-US" dirty="0" smtClean="0"/>
+              <a:t>个人</a:t>
+            </a:r>
+            <a:endParaRPr kumimoji="1" lang="en-US" altLang="zh-CN" dirty="0"/>
+          </a:p>
+          <a:p>
+            <a:pPr hangingPunct="1"/>
+            <a:r>
+              <a:rPr kumimoji="1" lang="zh-CN" altLang="en-US" dirty="0" smtClean="0"/>
+              <a:t>区块链联盟链解决方案：暂无人员分配</a:t>
+            </a:r>
+            <a:endParaRPr kumimoji="1" lang="en-US" altLang="zh-CN" dirty="0" smtClean="0"/>
+          </a:p>
+          <a:p>
+            <a:pPr hangingPunct="1"/>
+            <a:endParaRPr kumimoji="1" lang="en-US" altLang="zh-CN" dirty="0" smtClean="0"/>
           </a:p>
           <a:p>
             <a:pPr hangingPunct="1"/>
@@ -3569,7 +5499,7 @@
         <p:spPr>
           <a:xfrm>
             <a:off x="670346" y="1533934"/>
-            <a:ext cx="10515600" cy="4351338"/>
+            <a:ext cx="11324430" cy="4351338"/>
           </a:xfrm>
           <a:prstGeom prst="rect">
             <a:avLst/>
@@ -3814,28 +5744,32 @@
               <a:buNone/>
             </a:pPr>
             <a:r>
-              <a:rPr kumimoji="1" lang="zh-CN" altLang="en-US" sz="2400" dirty="0" smtClean="0"/>
-              <a:t>理想的团队阵型是怎样的（</a:t>
+              <a:rPr lang="zh-CN" altLang="en-US" sz="2400" dirty="0" smtClean="0"/>
+              <a:t>对</a:t>
             </a:r>
             <a:r>
               <a:rPr lang="zh-CN" altLang="en-US" sz="2400" dirty="0" smtClean="0"/>
-              <a:t>需要对标业务</a:t>
+              <a:t>标业务</a:t>
             </a:r>
             <a:r>
               <a:rPr lang="zh-CN" altLang="en-US" sz="2400" dirty="0"/>
-              <a:t>的发展预期</a:t>
+              <a:t>的发展</a:t>
             </a:r>
             <a:r>
               <a:rPr lang="zh-CN" altLang="en-US" sz="2400" dirty="0" smtClean="0"/>
-              <a:t>），</a:t>
+              <a:t>预期</a:t>
+            </a:r>
+            <a:r>
+              <a:rPr lang="zh-CN" altLang="en-US" sz="2400" dirty="0"/>
+              <a:t>，</a:t>
             </a:r>
             <a:r>
               <a:rPr kumimoji="1" lang="zh-CN" altLang="en-US" sz="2400" dirty="0" smtClean="0"/>
-              <a:t>目前</a:t>
+              <a:t>团队的</a:t>
             </a:r>
             <a:r>
               <a:rPr kumimoji="1" lang="zh-CN" altLang="en-US" sz="2400" dirty="0"/>
-              <a:t>团队阵型的问题所在</a:t>
+              <a:t>问题所在</a:t>
             </a:r>
             <a:r>
               <a:rPr kumimoji="1" lang="zh-CN" altLang="en-US" sz="2400" dirty="0" smtClean="0"/>
@@ -3844,15 +5778,52 @@
             <a:endParaRPr kumimoji="1" lang="en-US" altLang="zh-CN" sz="2400" dirty="0" smtClean="0"/>
           </a:p>
           <a:p>
-            <a:pPr hangingPunct="1">
-              <a:buFontTx/>
-              <a:buChar char="-"/>
-            </a:pPr>
-            <a:endParaRPr kumimoji="1" lang="zh-CN" altLang="en-US" sz="1800" dirty="0"/>
+            <a:pPr hangingPunct="1"/>
+            <a:endParaRPr kumimoji="1" lang="en-US" altLang="zh-CN" sz="1800" dirty="0"/>
           </a:p>
           <a:p>
             <a:pPr hangingPunct="1"/>
-            <a:endParaRPr kumimoji="1" lang="zh-CN" altLang="en-US" dirty="0"/>
+            <a:r>
+              <a:rPr kumimoji="1" lang="zh-CN" altLang="en-US" sz="2400" dirty="0" smtClean="0"/>
+              <a:t>目前团队成员可</a:t>
+            </a:r>
+            <a:r>
+              <a:rPr kumimoji="1" lang="zh-CN" altLang="en-US" sz="2400" dirty="0" smtClean="0"/>
+              <a:t>满足当前工程需求开发</a:t>
+            </a:r>
+            <a:endParaRPr kumimoji="1" lang="en-US" altLang="zh-CN" sz="2400" dirty="0" smtClean="0"/>
+          </a:p>
+          <a:p>
+            <a:pPr hangingPunct="1"/>
+            <a:r>
+              <a:rPr kumimoji="1" lang="zh-CN" altLang="en-US" sz="2400" dirty="0" smtClean="0"/>
+              <a:t>缺少</a:t>
+            </a:r>
+            <a:r>
+              <a:rPr kumimoji="1" lang="en-US" altLang="zh-CN" sz="2400" dirty="0" smtClean="0"/>
+              <a:t>1-2</a:t>
+            </a:r>
+            <a:r>
+              <a:rPr kumimoji="1" lang="zh-CN" altLang="en-US" sz="2400" dirty="0" smtClean="0"/>
+              <a:t>个技术型产品研究员，专注区块链行业产品的前瞻性和可行性研究。</a:t>
+            </a:r>
+            <a:endParaRPr kumimoji="1" lang="en-US" altLang="zh-CN" sz="2400" dirty="0" smtClean="0"/>
+          </a:p>
+          <a:p>
+            <a:pPr hangingPunct="1"/>
+            <a:r>
+              <a:rPr kumimoji="1" lang="zh-CN" altLang="en-US" sz="2400" dirty="0" smtClean="0"/>
+              <a:t>明年国内企业对联盟</a:t>
+            </a:r>
+            <a:r>
+              <a:rPr kumimoji="1" lang="zh-CN" altLang="en-US" sz="2400" dirty="0"/>
+              <a:t>链</a:t>
+            </a:r>
+            <a:r>
+              <a:rPr kumimoji="1" lang="zh-CN" altLang="en-US" sz="2400" dirty="0" smtClean="0"/>
+              <a:t>需求可能有爆发增长，团队需补充开发人员应对</a:t>
+            </a:r>
+            <a:endParaRPr kumimoji="1" lang="en-US" altLang="zh-CN" sz="2400" dirty="0" smtClean="0"/>
           </a:p>
         </p:txBody>
       </p:sp>
@@ -4208,13 +6179,181 @@
             <a:endParaRPr kumimoji="1" lang="en-US" altLang="zh-CN" sz="2400" dirty="0" smtClean="0"/>
           </a:p>
           <a:p>
-            <a:pPr marL="0" indent="0" hangingPunct="1">
-              <a:buNone/>
-            </a:pPr>
-            <a:endParaRPr kumimoji="1" lang="zh-CN" altLang="en-US" sz="1800" dirty="0"/>
+            <a:pPr hangingPunct="1"/>
+            <a:endParaRPr kumimoji="1" lang="en-US" altLang="zh-CN" sz="1800" dirty="0" smtClean="0"/>
           </a:p>
           <a:p>
             <a:pPr hangingPunct="1"/>
+            <a:r>
+              <a:rPr kumimoji="1" lang="zh-CN" altLang="en-US" sz="1800" dirty="0" smtClean="0"/>
+              <a:t>团队成员工程技术能力普遍较强，技术栈丰富</a:t>
+            </a:r>
+            <a:r>
+              <a:rPr kumimoji="1" lang="en-US" altLang="zh-CN" sz="1800" dirty="0" smtClean="0"/>
+              <a:t>:</a:t>
+            </a:r>
+            <a:r>
+              <a:rPr kumimoji="1" lang="zh-CN" altLang="en-US" sz="1800" dirty="0" smtClean="0"/>
+              <a:t> </a:t>
+            </a:r>
+            <a:r>
+              <a:rPr kumimoji="1" lang="en-US" altLang="zh-CN" sz="1800" dirty="0" smtClean="0"/>
+              <a:t>C++,</a:t>
+            </a:r>
+            <a:r>
+              <a:rPr kumimoji="1" lang="zh-CN" altLang="en-US" sz="1800" dirty="0" smtClean="0"/>
+              <a:t> </a:t>
+            </a:r>
+            <a:r>
+              <a:rPr kumimoji="1" lang="en-US" altLang="zh-CN" sz="1800" dirty="0" smtClean="0"/>
+              <a:t>Go,</a:t>
+            </a:r>
+            <a:r>
+              <a:rPr kumimoji="1" lang="zh-CN" altLang="en-US" sz="1800" dirty="0" smtClean="0"/>
+              <a:t> </a:t>
+            </a:r>
+            <a:r>
+              <a:rPr kumimoji="1" lang="en-US" altLang="zh-CN" sz="1800" dirty="0" smtClean="0"/>
+              <a:t>Rust,</a:t>
+            </a:r>
+            <a:r>
+              <a:rPr kumimoji="1" lang="zh-CN" altLang="en-US" sz="1800" dirty="0" smtClean="0"/>
+              <a:t> </a:t>
+            </a:r>
+            <a:r>
+              <a:rPr kumimoji="1" lang="en-US" altLang="zh-CN" sz="1800" dirty="0" smtClean="0"/>
+              <a:t>Java,</a:t>
+            </a:r>
+            <a:r>
+              <a:rPr kumimoji="1" lang="zh-CN" altLang="en-US" sz="1800" dirty="0" smtClean="0"/>
+              <a:t> </a:t>
+            </a:r>
+            <a:r>
+              <a:rPr kumimoji="1" lang="en-US" altLang="zh-CN" sz="1800" dirty="0" err="1" smtClean="0"/>
+              <a:t>Js</a:t>
+            </a:r>
+            <a:r>
+              <a:rPr kumimoji="1" lang="en-US" altLang="zh-CN" sz="1800" dirty="0" smtClean="0"/>
+              <a:t>.</a:t>
+            </a:r>
+          </a:p>
+          <a:p>
+            <a:pPr hangingPunct="1"/>
+            <a:r>
+              <a:rPr kumimoji="1" lang="zh-CN" altLang="en-US" sz="1800" dirty="0" smtClean="0"/>
+              <a:t>大多员工沟通和表达技巧偏弱，会利用每周组内的技术分享进行锻炼</a:t>
+            </a:r>
+            <a:endParaRPr kumimoji="1" lang="en-US" altLang="zh-CN" sz="1800" dirty="0" smtClean="0"/>
+          </a:p>
+          <a:p>
+            <a:pPr hangingPunct="1"/>
+            <a:r>
+              <a:rPr kumimoji="1" lang="zh-CN" altLang="en-US" sz="1800" dirty="0" smtClean="0"/>
+              <a:t>对高潜高</a:t>
+            </a:r>
+            <a:r>
+              <a:rPr kumimoji="1" lang="en-US" altLang="zh-CN" sz="1800" dirty="0" smtClean="0"/>
+              <a:t>P</a:t>
+            </a:r>
+            <a:r>
+              <a:rPr kumimoji="1" lang="zh-CN" altLang="en-US" sz="1800" dirty="0" smtClean="0"/>
+              <a:t>员工，除了业务任务，也会当让其承担带人的任务，并给定一个最终目标让其完成，中间过程我尽量不过问</a:t>
+            </a:r>
+            <a:r>
+              <a:rPr kumimoji="1" lang="en-US" altLang="zh-CN" sz="1800" dirty="0" smtClean="0"/>
+              <a:t>(</a:t>
+            </a:r>
+            <a:r>
+              <a:rPr kumimoji="1" lang="zh-CN" altLang="en-US" sz="1800" dirty="0" smtClean="0"/>
+              <a:t>仅阶段性查看结果</a:t>
+            </a:r>
+            <a:r>
+              <a:rPr kumimoji="1" lang="en-US" altLang="zh-CN" sz="1800" dirty="0" smtClean="0"/>
+              <a:t>)</a:t>
+            </a:r>
+            <a:r>
+              <a:rPr kumimoji="1" lang="zh-CN" altLang="en-US" sz="1800" dirty="0" smtClean="0"/>
+              <a:t>。让其自由发挥，在责任感和适当压力下完成目标。</a:t>
+            </a:r>
+            <a:endParaRPr kumimoji="1" lang="en-US" altLang="zh-CN" sz="1800" dirty="0" smtClean="0"/>
+          </a:p>
+          <a:p>
+            <a:pPr hangingPunct="1"/>
+            <a:r>
+              <a:rPr kumimoji="1" lang="zh-CN" altLang="en-US" sz="1800" dirty="0"/>
+              <a:t>对高潜员工</a:t>
+            </a:r>
+            <a:r>
+              <a:rPr kumimoji="1" lang="en-US" altLang="zh-CN" sz="1800" dirty="0"/>
+              <a:t>(</a:t>
+            </a:r>
+            <a:r>
+              <a:rPr kumimoji="1" lang="zh-CN" altLang="en-US" sz="1800" dirty="0"/>
+              <a:t>自驱力强，业务能力强</a:t>
+            </a:r>
+            <a:r>
+              <a:rPr kumimoji="1" lang="en-US" altLang="zh-CN" sz="1800" dirty="0"/>
+              <a:t>)</a:t>
+            </a:r>
+            <a:r>
+              <a:rPr kumimoji="1" lang="zh-CN" altLang="en-US" sz="1800" dirty="0"/>
+              <a:t>，充分给予机会让其发展试</a:t>
+            </a:r>
+            <a:r>
+              <a:rPr kumimoji="1" lang="zh-CN" altLang="en-US" sz="1800" dirty="0" smtClean="0"/>
+              <a:t>错</a:t>
+            </a:r>
+            <a:r>
+              <a:rPr kumimoji="1" lang="en-US" altLang="zh-CN" sz="1800" dirty="0" smtClean="0"/>
+              <a:t>.</a:t>
+            </a:r>
+          </a:p>
+          <a:p>
+            <a:pPr hangingPunct="1"/>
+            <a:r>
+              <a:rPr kumimoji="1" lang="zh-CN" altLang="en-US" sz="1800" dirty="0" smtClean="0"/>
+              <a:t>对自驱力不够强的成员</a:t>
+            </a:r>
+            <a:r>
+              <a:rPr kumimoji="1" lang="en-US" altLang="zh-CN" sz="1800" dirty="0" smtClean="0"/>
+              <a:t>(</a:t>
+            </a:r>
+            <a:r>
+              <a:rPr kumimoji="1" lang="zh-CN" altLang="en-US" sz="1800" dirty="0" smtClean="0"/>
+              <a:t>大都是任务驱动型，分配工作了能完成任务，但是活干完也不主动找活</a:t>
+            </a:r>
+            <a:r>
+              <a:rPr kumimoji="1" lang="en-US" altLang="zh-CN" sz="1800" dirty="0" smtClean="0"/>
+              <a:t>)</a:t>
+            </a:r>
+            <a:endParaRPr kumimoji="1" lang="en-US" altLang="zh-CN" sz="1800" dirty="0"/>
+          </a:p>
+          <a:p>
+            <a:pPr lvl="1" hangingPunct="1"/>
+            <a:r>
+              <a:rPr kumimoji="1" lang="zh-CN" altLang="en-US" sz="1800" dirty="0" smtClean="0"/>
+              <a:t>有潜力：会多花些时间，经常</a:t>
+            </a:r>
+            <a:r>
+              <a:rPr kumimoji="1" lang="en-US" altLang="zh-CN" sz="1800" dirty="0" smtClean="0"/>
+              <a:t>1v1</a:t>
+            </a:r>
+            <a:r>
+              <a:rPr kumimoji="1" lang="zh-CN" altLang="en-US" sz="1800" dirty="0" smtClean="0"/>
+              <a:t>谈话，了解其工作兴趣所在，择其所好，尝试激发其主动性。</a:t>
+            </a:r>
+            <a:endParaRPr kumimoji="1" lang="en-US" altLang="zh-CN" sz="1800" dirty="0" smtClean="0"/>
+          </a:p>
+          <a:p>
+            <a:pPr lvl="1" hangingPunct="1"/>
+            <a:r>
+              <a:rPr kumimoji="1" lang="zh-CN" altLang="en-US" sz="1800" dirty="0" smtClean="0"/>
+              <a:t>潜力偏弱：</a:t>
+            </a:r>
+            <a:r>
+              <a:rPr kumimoji="1" lang="zh-CN" altLang="en-US" sz="1800" dirty="0" smtClean="0"/>
+              <a:t>分配周期较长，工作量饱满的任务。</a:t>
+            </a:r>
             <a:endParaRPr kumimoji="1" lang="zh-CN" altLang="en-US" dirty="0"/>
           </a:p>
         </p:txBody>
@@ -4264,8 +6403,8 @@
         </p:nvSpPr>
         <p:spPr>
           <a:xfrm>
-            <a:off x="670560" y="208280"/>
-            <a:ext cx="10515600" cy="996315"/>
+            <a:off x="670346" y="208371"/>
+            <a:ext cx="10515600" cy="1325563"/>
           </a:xfrm>
           <a:prstGeom prst="rect">
             <a:avLst/>
@@ -4289,2581 +6428,448 @@
             </a:r>
             <a:r>
               <a:rPr lang="en-US" altLang="zh-CN" dirty="0" smtClean="0"/>
-              <a:t>/</a:t>
+              <a:t>&amp;</a:t>
             </a:r>
             <a:r>
               <a:rPr lang="zh-CN" altLang="en-US" dirty="0" smtClean="0"/>
-              <a:t>团队梳理</a:t>
+              <a:t>人才 待落地举措</a:t>
             </a:r>
             <a:endParaRPr dirty="0"/>
           </a:p>
         </p:txBody>
       </p:sp>
-      <p:graphicFrame>
-        <p:nvGraphicFramePr>
-          <p:cNvPr id="0" name="Table -1"/>
-          <p:cNvGraphicFramePr/>
+      <p:sp>
+        <p:nvSpPr>
+          <p:cNvPr id="5" name="内容占位符 2"/>
+          <p:cNvSpPr txBox="1"/>
           <p:nvPr/>
-        </p:nvGraphicFramePr>
-        <p:xfrm>
-          <a:off x="805180" y="1334770"/>
-          <a:ext cx="10695305" cy="5241925"/>
-        </p:xfrm>
-        <a:graphic>
-          <a:graphicData uri="http://schemas.openxmlformats.org/drawingml/2006/table">
-            <a:tbl>
-              <a:tblPr firstRow="1" bandRow="1">
-                <a:tableStyleId>{5C22544A-7EE6-4342-B048-85BDC9FD1C3A}</a:tableStyleId>
-              </a:tblPr>
-              <a:tblGrid>
-                <a:gridCol w="662305"/>
-                <a:gridCol w="4525645"/>
-                <a:gridCol w="3509010"/>
-                <a:gridCol w="1998345"/>
-              </a:tblGrid>
-              <a:tr h="880110">
-                <a:tc>
-                  <a:txBody>
-                    <a:bodyPr/>
-                    <a:p>
-                      <a:pPr algn="l">
-                        <a:buNone/>
-                      </a:pPr>
-                      <a:r>
-                        <a:rPr lang="en-US" altLang="zh-CN" sz="1400" b="0">
-                          <a:solidFill>
-                            <a:srgbClr val="000000"/>
-                          </a:solidFill>
-                          <a:latin typeface="Calibri" charset="0"/>
-                          <a:cs typeface="Calibri" charset="0"/>
-                        </a:rPr>
-                        <a:t>P7</a:t>
-                      </a:r>
-                      <a:endParaRPr lang="en-US" altLang="zh-CN" sz="1400" b="0">
-                        <a:solidFill>
-                          <a:srgbClr val="000000"/>
-                        </a:solidFill>
-                        <a:latin typeface="Calibri" charset="0"/>
-                        <a:ea typeface="Calibri" charset="0"/>
-                        <a:cs typeface="Calibri" charset="0"/>
-                      </a:endParaRPr>
-                    </a:p>
-                  </a:txBody>
-                  <a:tcPr marL="0" marR="0" marT="0" marB="0" vert="horz" anchor="ctr">
-                    <a:lnL w="6350" cap="flat" cmpd="sng">
-                      <a:solidFill>
-                        <a:srgbClr val="000000"/>
-                      </a:solidFill>
-                      <a:prstDash val="dot"/>
-                      <a:headEnd type="none" w="med" len="med"/>
-                      <a:tailEnd type="none" w="med" len="med"/>
-                    </a:lnL>
-                    <a:lnR w="6350" cap="flat" cmpd="sng">
-                      <a:solidFill>
-                        <a:srgbClr val="000000"/>
-                      </a:solidFill>
-                      <a:prstDash val="dot"/>
-                      <a:headEnd type="none" w="med" len="med"/>
-                      <a:tailEnd type="none" w="med" len="med"/>
-                    </a:lnR>
-                    <a:lnT w="6350" cap="flat" cmpd="sng">
-                      <a:solidFill>
-                        <a:srgbClr val="000000"/>
-                      </a:solidFill>
-                      <a:prstDash val="dot"/>
-                      <a:headEnd type="none" w="med" len="med"/>
-                      <a:tailEnd type="none" w="med" len="med"/>
-                    </a:lnT>
-                    <a:lnB w="6350" cap="flat" cmpd="sng">
-                      <a:solidFill>
-                        <a:srgbClr val="000000"/>
-                      </a:solidFill>
-                      <a:prstDash val="dot"/>
-                      <a:headEnd type="none" w="med" len="med"/>
-                      <a:tailEnd type="none" w="med" len="med"/>
-                    </a:lnB>
-                    <a:lnTlToBr>
-                      <a:noFill/>
-                    </a:lnTlToBr>
-                    <a:lnBlToTr>
-                      <a:noFill/>
-                    </a:lnBlToTr>
-                    <a:noFill/>
-                  </a:tcPr>
-                </a:tc>
-                <a:tc>
-                  <a:txBody>
-                    <a:bodyPr/>
-                    <a:p>
-                      <a:pPr algn="l">
-                        <a:buNone/>
-                      </a:pPr>
-                      <a:r>
-                        <a:rPr lang="zh-CN" altLang="en-US" sz="1400" b="0">
-                          <a:solidFill>
-                            <a:srgbClr val="000000"/>
-                          </a:solidFill>
-                          <a:latin typeface="Calibri" charset="0"/>
-                          <a:cs typeface="Calibri" charset="0"/>
-                        </a:rPr>
-                        <a:t>郑超</a:t>
-                      </a:r>
-                      <a:endParaRPr lang="zh-CN" altLang="en-US" sz="1400" b="0">
-                        <a:solidFill>
-                          <a:srgbClr val="000000"/>
-                        </a:solidFill>
-                        <a:latin typeface="Calibri" charset="0"/>
-                        <a:cs typeface="Calibri" charset="0"/>
-                      </a:endParaRPr>
-                    </a:p>
-                    <a:p>
-                      <a:pPr algn="l">
-                        <a:buNone/>
-                      </a:pPr>
-                      <a:r>
-                        <a:rPr lang="zh-CN" altLang="en-US" sz="1400" b="0">
-                          <a:solidFill>
-                            <a:srgbClr val="000000"/>
-                          </a:solidFill>
-                          <a:latin typeface="Calibri" charset="0"/>
-                          <a:cs typeface="Calibri" charset="0"/>
-                        </a:rPr>
-                        <a:t>核心</a:t>
-                      </a:r>
-                      <a:endParaRPr lang="zh-CN" altLang="en-US" sz="1400" b="0">
-                        <a:solidFill>
-                          <a:srgbClr val="000000"/>
-                        </a:solidFill>
-                        <a:latin typeface="Calibri" charset="0"/>
-                        <a:cs typeface="Calibri" charset="0"/>
-                      </a:endParaRPr>
-                    </a:p>
-                    <a:p>
-                      <a:pPr algn="l">
-                        <a:buNone/>
-                      </a:pPr>
-                      <a:r>
-                        <a:rPr lang="en-US" altLang="zh-CN" sz="1400" b="0">
-                          <a:solidFill>
-                            <a:srgbClr val="000000"/>
-                          </a:solidFill>
-                          <a:latin typeface="Calibri" charset="0"/>
-                          <a:cs typeface="Calibri" charset="0"/>
-                        </a:rPr>
-                        <a:t>Dex</a:t>
-                      </a:r>
-                      <a:r>
-                        <a:rPr lang="zh-CN" altLang="en-US" sz="1400" b="0">
-                          <a:solidFill>
-                            <a:srgbClr val="000000"/>
-                          </a:solidFill>
-                          <a:latin typeface="Calibri" charset="0"/>
-                          <a:cs typeface="Calibri" charset="0"/>
-                        </a:rPr>
-                        <a:t>前端</a:t>
-                      </a:r>
-                      <a:r>
-                        <a:rPr lang="en-US" altLang="zh-CN" sz="1400" b="0">
-                          <a:solidFill>
-                            <a:srgbClr val="000000"/>
-                          </a:solidFill>
-                          <a:latin typeface="Calibri" charset="0"/>
-                          <a:cs typeface="Calibri" charset="0"/>
-                        </a:rPr>
-                        <a:t>+</a:t>
-                      </a:r>
-                      <a:r>
-                        <a:rPr lang="zh-CN" altLang="en-US" sz="1400" b="0">
-                          <a:solidFill>
-                            <a:srgbClr val="000000"/>
-                          </a:solidFill>
-                          <a:latin typeface="Calibri" charset="0"/>
-                          <a:cs typeface="Calibri" charset="0"/>
-                        </a:rPr>
-                        <a:t>事务管理</a:t>
-                      </a:r>
-                      <a:endParaRPr lang="zh-CN" altLang="en-US" sz="1400" b="0">
-                        <a:solidFill>
-                          <a:srgbClr val="000000"/>
-                        </a:solidFill>
-                        <a:latin typeface="Calibri" charset="0"/>
-                        <a:ea typeface="Calibri" charset="0"/>
-                        <a:cs typeface="Calibri" charset="0"/>
-                      </a:endParaRPr>
-                    </a:p>
-                  </a:txBody>
-                  <a:tcPr marL="0" marR="0" marT="0" marB="0" vert="horz" anchor="ctr">
-                    <a:lnL w="6350" cap="flat" cmpd="sng">
-                      <a:solidFill>
-                        <a:srgbClr val="000000"/>
-                      </a:solidFill>
-                      <a:prstDash val="dot"/>
-                      <a:headEnd type="none" w="med" len="med"/>
-                      <a:tailEnd type="none" w="med" len="med"/>
-                    </a:lnL>
-                    <a:lnR w="6350" cap="flat" cmpd="sng">
-                      <a:solidFill>
-                        <a:srgbClr val="000000"/>
-                      </a:solidFill>
-                      <a:prstDash val="dot"/>
-                      <a:headEnd type="none" w="med" len="med"/>
-                      <a:tailEnd type="none" w="med" len="med"/>
-                    </a:lnR>
-                    <a:lnT w="6350" cap="flat" cmpd="sng">
-                      <a:solidFill>
-                        <a:srgbClr val="000000"/>
-                      </a:solidFill>
-                      <a:prstDash val="dot"/>
-                      <a:headEnd type="none" w="med" len="med"/>
-                      <a:tailEnd type="none" w="med" len="med"/>
-                    </a:lnT>
-                    <a:lnB w="6350" cap="flat" cmpd="sng">
-                      <a:solidFill>
-                        <a:srgbClr val="000000"/>
-                      </a:solidFill>
-                      <a:prstDash val="dot"/>
-                      <a:headEnd type="none" w="med" len="med"/>
-                      <a:tailEnd type="none" w="med" len="med"/>
-                    </a:lnB>
-                    <a:lnTlToBr>
-                      <a:noFill/>
-                    </a:lnTlToBr>
-                    <a:lnBlToTr>
-                      <a:noFill/>
-                    </a:lnBlToTr>
-                    <a:noFill/>
-                  </a:tcPr>
-                </a:tc>
-                <a:tc>
-                  <a:txBody>
-                    <a:bodyPr/>
-                    <a:p>
-                      <a:pPr algn="l">
-                        <a:buNone/>
-                      </a:pPr>
-                      <a:r>
-                        <a:rPr lang="zh-CN" altLang="en-US" sz="1400" b="0">
-                          <a:solidFill>
-                            <a:srgbClr val="000000"/>
-                          </a:solidFill>
-                          <a:latin typeface="Calibri" charset="0"/>
-                          <a:cs typeface="Calibri" charset="0"/>
-                        </a:rPr>
-                        <a:t>符玲亭</a:t>
-                      </a:r>
-                      <a:endParaRPr lang="zh-CN" altLang="en-US" sz="1400" b="0">
-                        <a:solidFill>
-                          <a:srgbClr val="000000"/>
-                        </a:solidFill>
-                        <a:latin typeface="Calibri" charset="0"/>
-                        <a:cs typeface="Calibri" charset="0"/>
-                      </a:endParaRPr>
-                    </a:p>
-                    <a:p>
-                      <a:pPr algn="l">
-                        <a:buNone/>
-                      </a:pPr>
-                      <a:r>
-                        <a:rPr lang="zh-CN" altLang="en-US" sz="1400" b="0">
-                          <a:solidFill>
-                            <a:srgbClr val="000000"/>
-                          </a:solidFill>
-                          <a:latin typeface="Calibri" charset="0"/>
-                          <a:cs typeface="Calibri" charset="0"/>
-                        </a:rPr>
-                        <a:t>核心</a:t>
-                      </a:r>
-                      <a:endParaRPr lang="zh-CN" altLang="en-US" sz="1400" b="0">
-                        <a:solidFill>
-                          <a:srgbClr val="000000"/>
-                        </a:solidFill>
-                        <a:latin typeface="Calibri" charset="0"/>
-                        <a:cs typeface="Calibri" charset="0"/>
-                      </a:endParaRPr>
-                    </a:p>
-                    <a:p>
-                      <a:pPr algn="l">
-                        <a:buNone/>
-                      </a:pPr>
-                      <a:r>
-                        <a:rPr lang="en-US" altLang="zh-CN" sz="1400" b="0">
-                          <a:solidFill>
-                            <a:srgbClr val="000000"/>
-                          </a:solidFill>
-                          <a:latin typeface="Calibri" charset="0"/>
-                          <a:cs typeface="Calibri" charset="0"/>
-                        </a:rPr>
-                        <a:t>stream</a:t>
-                      </a:r>
-                      <a:r>
-                        <a:rPr lang="zh-CN" altLang="en-US" sz="1400" b="0">
-                          <a:solidFill>
-                            <a:srgbClr val="000000"/>
-                          </a:solidFill>
-                          <a:latin typeface="Calibri" charset="0"/>
-                          <a:cs typeface="Calibri" charset="0"/>
-                        </a:rPr>
-                        <a:t>架构</a:t>
-                      </a:r>
-                      <a:r>
-                        <a:rPr lang="en-US" altLang="zh-CN" sz="1400" b="0">
-                          <a:solidFill>
-                            <a:srgbClr val="000000"/>
-                          </a:solidFill>
-                          <a:latin typeface="Calibri" charset="0"/>
-                          <a:cs typeface="Calibri" charset="0"/>
-                        </a:rPr>
-                        <a:t>+</a:t>
-                      </a:r>
-                      <a:r>
-                        <a:rPr lang="zh-CN" altLang="en-US" sz="1400" b="0">
-                          <a:solidFill>
-                            <a:srgbClr val="000000"/>
-                          </a:solidFill>
-                          <a:latin typeface="Calibri" charset="0"/>
-                          <a:cs typeface="Calibri" charset="0"/>
-                        </a:rPr>
-                        <a:t>跨链</a:t>
-                      </a:r>
-                      <a:endParaRPr lang="zh-CN" altLang="en-US" sz="1400" b="0">
-                        <a:solidFill>
-                          <a:srgbClr val="000000"/>
-                        </a:solidFill>
-                        <a:latin typeface="Calibri" charset="0"/>
-                        <a:ea typeface="Calibri" charset="0"/>
-                        <a:cs typeface="Calibri" charset="0"/>
-                      </a:endParaRPr>
-                    </a:p>
-                  </a:txBody>
-                  <a:tcPr marL="0" marR="0" marT="0" marB="0" vert="horz" anchor="ctr">
-                    <a:lnL w="6350" cap="flat" cmpd="sng">
-                      <a:solidFill>
-                        <a:srgbClr val="000000"/>
-                      </a:solidFill>
-                      <a:prstDash val="dot"/>
-                      <a:headEnd type="none" w="med" len="med"/>
-                      <a:tailEnd type="none" w="med" len="med"/>
-                    </a:lnL>
-                    <a:lnR w="6350" cap="flat" cmpd="sng">
-                      <a:solidFill>
-                        <a:srgbClr val="000000"/>
-                      </a:solidFill>
-                      <a:prstDash val="dot"/>
-                      <a:headEnd type="none" w="med" len="med"/>
-                      <a:tailEnd type="none" w="med" len="med"/>
-                    </a:lnR>
-                    <a:lnT w="6350" cap="flat" cmpd="sng">
-                      <a:solidFill>
-                        <a:srgbClr val="000000"/>
-                      </a:solidFill>
-                      <a:prstDash val="dot"/>
-                      <a:headEnd type="none" w="med" len="med"/>
-                      <a:tailEnd type="none" w="med" len="med"/>
-                    </a:lnT>
-                    <a:lnB w="6350" cap="flat" cmpd="sng">
-                      <a:solidFill>
-                        <a:srgbClr val="000000"/>
-                      </a:solidFill>
-                      <a:prstDash val="dot"/>
-                      <a:headEnd type="none" w="med" len="med"/>
-                      <a:tailEnd type="none" w="med" len="med"/>
-                    </a:lnB>
-                    <a:lnTlToBr>
-                      <a:noFill/>
-                    </a:lnTlToBr>
-                    <a:lnBlToTr>
-                      <a:noFill/>
-                    </a:lnBlToTr>
-                    <a:noFill/>
-                  </a:tcPr>
-                </a:tc>
-                <a:tc>
-                  <a:txBody>
-                    <a:bodyPr/>
-                    <a:p>
-                      <a:pPr algn="l">
-                        <a:buNone/>
-                      </a:pPr>
-                      <a:endParaRPr lang="en-US" sz="1400" b="0">
-                        <a:solidFill>
-                          <a:srgbClr val="000000"/>
-                        </a:solidFill>
-                        <a:latin typeface="Calibri" charset="0"/>
-                        <a:ea typeface="Calibri" charset="0"/>
-                        <a:cs typeface="Calibri" charset="0"/>
-                      </a:endParaRPr>
-                    </a:p>
-                  </a:txBody>
-                  <a:tcPr marL="0" marR="0" marT="0" marB="0" vert="horz" anchor="ctr">
-                    <a:lnL w="6350" cap="flat" cmpd="sng">
-                      <a:solidFill>
-                        <a:srgbClr val="000000"/>
-                      </a:solidFill>
-                      <a:prstDash val="dot"/>
-                      <a:headEnd type="none" w="med" len="med"/>
-                      <a:tailEnd type="none" w="med" len="med"/>
-                    </a:lnL>
-                    <a:lnR w="6350" cap="flat" cmpd="sng">
-                      <a:solidFill>
-                        <a:srgbClr val="000000"/>
-                      </a:solidFill>
-                      <a:prstDash val="dot"/>
-                      <a:headEnd type="none" w="med" len="med"/>
-                      <a:tailEnd type="none" w="med" len="med"/>
-                    </a:lnR>
-                    <a:lnT w="6350" cap="flat" cmpd="sng">
-                      <a:solidFill>
-                        <a:srgbClr val="000000"/>
-                      </a:solidFill>
-                      <a:prstDash val="dot"/>
-                      <a:headEnd type="none" w="med" len="med"/>
-                      <a:tailEnd type="none" w="med" len="med"/>
-                    </a:lnT>
-                    <a:lnB w="6350" cap="flat" cmpd="sng">
-                      <a:solidFill>
-                        <a:srgbClr val="000000"/>
-                      </a:solidFill>
-                      <a:prstDash val="dot"/>
-                      <a:headEnd type="none" w="med" len="med"/>
-                      <a:tailEnd type="none" w="med" len="med"/>
-                    </a:lnB>
-                    <a:lnTlToBr>
-                      <a:noFill/>
-                    </a:lnTlToBr>
-                    <a:lnBlToTr>
-                      <a:noFill/>
-                    </a:lnBlToTr>
-                    <a:noFill/>
-                  </a:tcPr>
-                </a:tc>
-              </a:tr>
-              <a:tr h="1134110">
-                <a:tc>
-                  <a:txBody>
-                    <a:bodyPr/>
-                    <a:p>
-                      <a:pPr algn="l">
-                        <a:buNone/>
-                      </a:pPr>
-                      <a:r>
-                        <a:rPr lang="en-US" altLang="zh-CN" sz="1400">
-                          <a:solidFill>
-                            <a:srgbClr val="000000"/>
-                          </a:solidFill>
-                          <a:latin typeface="Calibri" charset="0"/>
-                          <a:cs typeface="Calibri" charset="0"/>
-                        </a:rPr>
-                        <a:t>P6+</a:t>
-                      </a:r>
-                      <a:endParaRPr lang="en-US" altLang="zh-CN" sz="1400">
-                        <a:solidFill>
-                          <a:srgbClr val="000000"/>
-                        </a:solidFill>
-                        <a:latin typeface="Calibri" charset="0"/>
-                        <a:ea typeface="Calibri" charset="0"/>
-                        <a:cs typeface="Calibri" charset="0"/>
-                      </a:endParaRPr>
-                    </a:p>
-                  </a:txBody>
-                  <a:tcPr marL="0" marR="0" marT="0" marB="0" vert="horz" anchor="ctr">
-                    <a:lnL w="6350" cap="flat" cmpd="sng">
-                      <a:solidFill>
-                        <a:srgbClr val="000000"/>
-                      </a:solidFill>
-                      <a:prstDash val="dot"/>
-                      <a:headEnd type="none" w="med" len="med"/>
-                      <a:tailEnd type="none" w="med" len="med"/>
-                    </a:lnL>
-                    <a:lnR w="6350" cap="flat" cmpd="sng">
-                      <a:solidFill>
-                        <a:srgbClr val="000000"/>
-                      </a:solidFill>
-                      <a:prstDash val="dot"/>
-                      <a:headEnd type="none" w="med" len="med"/>
-                      <a:tailEnd type="none" w="med" len="med"/>
-                    </a:lnR>
-                    <a:lnT w="6350" cap="flat" cmpd="sng">
-                      <a:solidFill>
-                        <a:srgbClr val="000000"/>
-                      </a:solidFill>
-                      <a:prstDash val="dot"/>
-                      <a:headEnd type="none" w="med" len="med"/>
-                      <a:tailEnd type="none" w="med" len="med"/>
-                    </a:lnT>
-                    <a:lnB w="6350" cap="flat" cmpd="sng">
-                      <a:solidFill>
-                        <a:srgbClr val="000000"/>
-                      </a:solidFill>
-                      <a:prstDash val="dot"/>
-                      <a:headEnd type="none" w="med" len="med"/>
-                      <a:tailEnd type="none" w="med" len="med"/>
-                    </a:lnB>
-                    <a:lnTlToBr>
-                      <a:noFill/>
-                    </a:lnTlToBr>
-                    <a:lnBlToTr>
-                      <a:noFill/>
-                    </a:lnBlToTr>
-                    <a:noFill/>
-                  </a:tcPr>
-                </a:tc>
-                <a:tc>
-                  <a:txBody>
-                    <a:bodyPr/>
-                    <a:p>
-                      <a:pPr algn="l">
-                        <a:buNone/>
-                      </a:pPr>
-                      <a:r>
-                        <a:rPr lang="zh-CN" altLang="en-US" sz="1400">
-                          <a:solidFill>
-                            <a:srgbClr val="000000"/>
-                          </a:solidFill>
-                          <a:latin typeface="Calibri" charset="0"/>
-                          <a:cs typeface="Calibri" charset="0"/>
-                        </a:rPr>
-                        <a:t>孟祥剑</a:t>
-                      </a:r>
-                      <a:endParaRPr lang="zh-CN" altLang="en-US" sz="1400">
-                        <a:solidFill>
-                          <a:srgbClr val="000000"/>
-                        </a:solidFill>
-                        <a:latin typeface="Calibri" charset="0"/>
-                        <a:cs typeface="Calibri" charset="0"/>
-                      </a:endParaRPr>
-                    </a:p>
-                    <a:p>
-                      <a:pPr algn="l">
-                        <a:buNone/>
-                      </a:pPr>
-                      <a:r>
-                        <a:rPr lang="zh-CN" altLang="en-US" sz="1400">
-                          <a:solidFill>
-                            <a:srgbClr val="FF0000"/>
-                          </a:solidFill>
-                          <a:latin typeface="font-weight" charset="0"/>
-                          <a:cs typeface="font-weight" charset="0"/>
-                        </a:rPr>
-                        <a:t>高潜</a:t>
-                      </a:r>
-                      <a:r>
-                        <a:rPr lang="en-US" altLang="zh-CN" sz="1400">
-                          <a:solidFill>
-                            <a:srgbClr val="FF0000"/>
-                          </a:solidFill>
-                          <a:latin typeface="font-weight" charset="0"/>
-                          <a:cs typeface="font-weight" charset="0"/>
-                        </a:rPr>
-                        <a:t>&amp;</a:t>
-                      </a:r>
-                      <a:r>
-                        <a:rPr lang="zh-CN" altLang="en-US" sz="1400">
-                          <a:solidFill>
-                            <a:srgbClr val="FF0000"/>
-                          </a:solidFill>
-                          <a:latin typeface="font-weight" charset="0"/>
-                          <a:cs typeface="font-weight" charset="0"/>
-                        </a:rPr>
-                        <a:t>核心</a:t>
-                      </a:r>
-                      <a:endParaRPr lang="zh-CN" altLang="en-US" sz="1400">
-                        <a:solidFill>
-                          <a:srgbClr val="FF0000"/>
-                        </a:solidFill>
-                        <a:latin typeface="font-weight" charset="0"/>
-                        <a:cs typeface="font-weight" charset="0"/>
-                      </a:endParaRPr>
-                    </a:p>
-                    <a:p>
-                      <a:pPr algn="l">
-                        <a:buNone/>
-                      </a:pPr>
-                      <a:r>
-                        <a:rPr lang="zh-CN" altLang="en-US" sz="1400">
-                          <a:solidFill>
-                            <a:srgbClr val="000000"/>
-                          </a:solidFill>
-                          <a:latin typeface="font-weight" charset="0"/>
-                          <a:cs typeface="font-weight" charset="0"/>
-                        </a:rPr>
-                        <a:t>委托</a:t>
-                      </a:r>
-                      <a:r>
-                        <a:rPr lang="en-US" altLang="zh-CN" sz="1400">
-                          <a:solidFill>
-                            <a:srgbClr val="000000"/>
-                          </a:solidFill>
-                          <a:latin typeface="font-weight" charset="0"/>
-                          <a:cs typeface="font-weight" charset="0"/>
-                        </a:rPr>
-                        <a:t>+</a:t>
-                      </a:r>
-                      <a:r>
-                        <a:rPr lang="zh-CN" altLang="en-US" sz="1400">
-                          <a:solidFill>
-                            <a:srgbClr val="000000"/>
-                          </a:solidFill>
-                          <a:latin typeface="font-weight" charset="0"/>
-                          <a:cs typeface="font-weight" charset="0"/>
-                        </a:rPr>
-                        <a:t>治理</a:t>
-                      </a:r>
-                      <a:r>
-                        <a:rPr lang="en-US" altLang="zh-CN" sz="1400">
-                          <a:solidFill>
-                            <a:srgbClr val="000000"/>
-                          </a:solidFill>
-                          <a:latin typeface="font-weight" charset="0"/>
-                          <a:cs typeface="font-weight" charset="0"/>
-                        </a:rPr>
-                        <a:t>+</a:t>
-                      </a:r>
-                      <a:r>
-                        <a:rPr lang="zh-CN" altLang="en-US" sz="1400">
-                          <a:solidFill>
-                            <a:srgbClr val="000000"/>
-                          </a:solidFill>
-                          <a:latin typeface="font-weight" charset="0"/>
-                          <a:cs typeface="font-weight" charset="0"/>
-                        </a:rPr>
-                        <a:t>分红</a:t>
-                      </a:r>
-                      <a:r>
-                        <a:rPr lang="en-US" altLang="zh-CN" sz="1400">
-                          <a:solidFill>
-                            <a:srgbClr val="000000"/>
-                          </a:solidFill>
-                          <a:latin typeface="font-weight" charset="0"/>
-                          <a:cs typeface="font-weight" charset="0"/>
-                        </a:rPr>
-                        <a:t>+</a:t>
-                      </a:r>
-                      <a:r>
-                        <a:rPr lang="zh-CN" altLang="en-US" sz="1400">
-                          <a:solidFill>
-                            <a:srgbClr val="000000"/>
-                          </a:solidFill>
-                          <a:latin typeface="font-weight" charset="0"/>
-                          <a:cs typeface="font-weight" charset="0"/>
-                        </a:rPr>
-                        <a:t>跨链</a:t>
-                      </a:r>
-                      <a:r>
-                        <a:rPr lang="en-US" altLang="zh-CN" sz="1400">
-                          <a:solidFill>
-                            <a:srgbClr val="000000"/>
-                          </a:solidFill>
-                          <a:latin typeface="font-weight" charset="0"/>
-                          <a:cs typeface="font-weight" charset="0"/>
-                        </a:rPr>
-                        <a:t>+OKChain</a:t>
-                      </a:r>
-                      <a:r>
-                        <a:rPr lang="zh-CN" altLang="en-US" sz="1400">
-                          <a:solidFill>
-                            <a:srgbClr val="000000"/>
-                          </a:solidFill>
-                          <a:latin typeface="font-weight" charset="0"/>
-                          <a:cs typeface="font-weight" charset="0"/>
-                        </a:rPr>
-                        <a:t>底层架构</a:t>
-                      </a:r>
-                      <a:r>
-                        <a:rPr lang="en-US" altLang="zh-CN" sz="1400">
-                          <a:solidFill>
-                            <a:srgbClr val="000000"/>
-                          </a:solidFill>
-                          <a:latin typeface="font-weight" charset="0"/>
-                          <a:cs typeface="font-weight" charset="0"/>
-                        </a:rPr>
-                        <a:t>+</a:t>
-                      </a:r>
-                      <a:r>
-                        <a:rPr lang="zh-CN" altLang="en-US" sz="1400">
-                          <a:solidFill>
-                            <a:srgbClr val="000000"/>
-                          </a:solidFill>
-                          <a:latin typeface="font-weight" charset="0"/>
-                          <a:cs typeface="font-weight" charset="0"/>
-                        </a:rPr>
-                        <a:t>门罗冷签名</a:t>
-                      </a:r>
-                      <a:endParaRPr lang="zh-CN" altLang="en-US" sz="1400">
-                        <a:solidFill>
-                          <a:srgbClr val="000000"/>
-                        </a:solidFill>
-                        <a:latin typeface="font-weight" charset="0"/>
-                        <a:ea typeface="Calibri" charset="0"/>
-                        <a:cs typeface="font-weight" charset="0"/>
-                      </a:endParaRPr>
-                    </a:p>
-                  </a:txBody>
-                  <a:tcPr marL="0" marR="0" marT="0" marB="0" vert="horz" anchor="ctr">
-                    <a:lnL w="6350" cap="flat" cmpd="sng">
-                      <a:solidFill>
-                        <a:srgbClr val="000000"/>
-                      </a:solidFill>
-                      <a:prstDash val="dot"/>
-                      <a:headEnd type="none" w="med" len="med"/>
-                      <a:tailEnd type="none" w="med" len="med"/>
-                    </a:lnL>
-                    <a:lnR w="6350" cap="flat" cmpd="sng">
-                      <a:solidFill>
-                        <a:srgbClr val="000000"/>
-                      </a:solidFill>
-                      <a:prstDash val="dot"/>
-                      <a:headEnd type="none" w="med" len="med"/>
-                      <a:tailEnd type="none" w="med" len="med"/>
-                    </a:lnR>
-                    <a:lnT w="6350" cap="flat" cmpd="sng">
-                      <a:solidFill>
-                        <a:srgbClr val="000000"/>
-                      </a:solidFill>
-                      <a:prstDash val="dot"/>
-                      <a:headEnd type="none" w="med" len="med"/>
-                      <a:tailEnd type="none" w="med" len="med"/>
-                    </a:lnT>
-                    <a:lnB w="6350" cap="flat" cmpd="sng">
-                      <a:solidFill>
-                        <a:srgbClr val="000000"/>
-                      </a:solidFill>
-                      <a:prstDash val="dot"/>
-                      <a:headEnd type="none" w="med" len="med"/>
-                      <a:tailEnd type="none" w="med" len="med"/>
-                    </a:lnB>
-                    <a:lnTlToBr>
-                      <a:noFill/>
-                    </a:lnTlToBr>
-                    <a:lnBlToTr>
-                      <a:noFill/>
-                    </a:lnBlToTr>
-                    <a:noFill/>
-                  </a:tcPr>
-                </a:tc>
-                <a:tc>
-                  <a:txBody>
-                    <a:bodyPr/>
-                    <a:p>
-                      <a:pPr algn="l">
-                        <a:buNone/>
-                      </a:pPr>
-                      <a:r>
-                        <a:rPr lang="zh-CN" altLang="en-US" sz="1400">
-                          <a:solidFill>
-                            <a:srgbClr val="000000"/>
-                          </a:solidFill>
-                          <a:latin typeface="Calibri" charset="0"/>
-                          <a:cs typeface="Calibri" charset="0"/>
-                        </a:rPr>
-                        <a:t>叶志刚</a:t>
-                      </a:r>
-                      <a:endParaRPr lang="zh-CN" altLang="en-US" sz="1400">
-                        <a:solidFill>
-                          <a:srgbClr val="000000"/>
-                        </a:solidFill>
-                        <a:latin typeface="Calibri" charset="0"/>
-                        <a:cs typeface="Calibri" charset="0"/>
-                      </a:endParaRPr>
-                    </a:p>
-                    <a:p>
-                      <a:pPr algn="l">
-                        <a:buNone/>
-                      </a:pPr>
-                      <a:r>
-                        <a:rPr lang="zh-CN" altLang="en-US" sz="1400">
-                          <a:solidFill>
-                            <a:srgbClr val="FF0000"/>
-                          </a:solidFill>
-                          <a:latin typeface="font-weight" charset="0"/>
-                          <a:cs typeface="font-weight" charset="0"/>
-                        </a:rPr>
-                        <a:t>高潜</a:t>
-                      </a:r>
-                      <a:r>
-                        <a:rPr lang="en-US" altLang="zh-CN" sz="1400">
-                          <a:solidFill>
-                            <a:srgbClr val="FF0000"/>
-                          </a:solidFill>
-                          <a:latin typeface="font-weight" charset="0"/>
-                          <a:cs typeface="font-weight" charset="0"/>
-                        </a:rPr>
-                        <a:t>&amp;</a:t>
-                      </a:r>
-                      <a:r>
-                        <a:rPr lang="zh-CN" altLang="en-US" sz="1400">
-                          <a:solidFill>
-                            <a:srgbClr val="FF0000"/>
-                          </a:solidFill>
-                          <a:latin typeface="font-weight" charset="0"/>
-                          <a:cs typeface="font-weight" charset="0"/>
-                        </a:rPr>
-                        <a:t>核心</a:t>
-                      </a:r>
-                      <a:endParaRPr lang="zh-CN" altLang="en-US" sz="1400">
-                        <a:solidFill>
-                          <a:srgbClr val="FF0000"/>
-                        </a:solidFill>
-                        <a:latin typeface="font-weight" charset="0"/>
-                        <a:cs typeface="font-weight" charset="0"/>
-                      </a:endParaRPr>
-                    </a:p>
-                    <a:p>
-                      <a:pPr algn="l">
-                        <a:buNone/>
-                      </a:pPr>
-                      <a:r>
-                        <a:rPr lang="zh-CN" altLang="en-US" sz="1400">
-                          <a:solidFill>
-                            <a:srgbClr val="000000"/>
-                          </a:solidFill>
-                          <a:latin typeface="font-weight" charset="0"/>
-                          <a:cs typeface="font-weight" charset="0"/>
-                        </a:rPr>
-                        <a:t>委托</a:t>
-                      </a:r>
-                      <a:r>
-                        <a:rPr lang="en-US" altLang="zh-CN" sz="1400">
-                          <a:solidFill>
-                            <a:srgbClr val="000000"/>
-                          </a:solidFill>
-                          <a:latin typeface="font-weight" charset="0"/>
-                          <a:cs typeface="font-weight" charset="0"/>
-                        </a:rPr>
-                        <a:t>+</a:t>
-                      </a:r>
-                      <a:r>
-                        <a:rPr lang="zh-CN" altLang="en-US" sz="1400">
-                          <a:solidFill>
-                            <a:srgbClr val="000000"/>
-                          </a:solidFill>
-                          <a:latin typeface="font-weight" charset="0"/>
-                          <a:cs typeface="font-weight" charset="0"/>
-                        </a:rPr>
-                        <a:t>治理</a:t>
-                      </a:r>
-                      <a:r>
-                        <a:rPr lang="en-US" altLang="zh-CN" sz="1400">
-                          <a:solidFill>
-                            <a:srgbClr val="000000"/>
-                          </a:solidFill>
-                          <a:latin typeface="font-weight" charset="0"/>
-                          <a:cs typeface="font-weight" charset="0"/>
-                        </a:rPr>
-                        <a:t>+OKChain</a:t>
-                      </a:r>
-                      <a:r>
-                        <a:rPr lang="zh-CN" altLang="en-US" sz="1400">
-                          <a:solidFill>
-                            <a:srgbClr val="000000"/>
-                          </a:solidFill>
-                          <a:latin typeface="font-weight" charset="0"/>
-                          <a:cs typeface="font-weight" charset="0"/>
-                        </a:rPr>
-                        <a:t>底层架构</a:t>
-                      </a:r>
-                      <a:r>
-                        <a:rPr lang="en-US" altLang="zh-CN" sz="1400">
-                          <a:solidFill>
-                            <a:srgbClr val="000000"/>
-                          </a:solidFill>
-                          <a:latin typeface="font-weight" charset="0"/>
-                          <a:cs typeface="font-weight" charset="0"/>
-                        </a:rPr>
-                        <a:t>+</a:t>
-                      </a:r>
-                      <a:r>
-                        <a:rPr lang="zh-CN" altLang="en-US" sz="1400">
-                          <a:solidFill>
-                            <a:srgbClr val="000000"/>
-                          </a:solidFill>
-                          <a:latin typeface="font-weight" charset="0"/>
-                          <a:cs typeface="font-weight" charset="0"/>
-                        </a:rPr>
-                        <a:t>门罗冷签名</a:t>
-                      </a:r>
-                      <a:endParaRPr lang="zh-CN" altLang="en-US" sz="1400">
-                        <a:solidFill>
-                          <a:srgbClr val="000000"/>
-                        </a:solidFill>
-                        <a:latin typeface="font-weight" charset="0"/>
-                        <a:ea typeface="Calibri" charset="0"/>
-                        <a:cs typeface="font-weight" charset="0"/>
-                      </a:endParaRPr>
-                    </a:p>
-                  </a:txBody>
-                  <a:tcPr marL="0" marR="0" marT="0" marB="0" vert="horz" anchor="ctr">
-                    <a:lnL w="6350" cap="flat" cmpd="sng">
-                      <a:solidFill>
-                        <a:srgbClr val="000000"/>
-                      </a:solidFill>
-                      <a:prstDash val="dot"/>
-                      <a:headEnd type="none" w="med" len="med"/>
-                      <a:tailEnd type="none" w="med" len="med"/>
-                    </a:lnL>
-                    <a:lnR w="6350" cap="flat" cmpd="sng">
-                      <a:solidFill>
-                        <a:srgbClr val="000000"/>
-                      </a:solidFill>
-                      <a:prstDash val="dot"/>
-                      <a:headEnd type="none" w="med" len="med"/>
-                      <a:tailEnd type="none" w="med" len="med"/>
-                    </a:lnR>
-                    <a:lnT w="6350" cap="flat" cmpd="sng">
-                      <a:solidFill>
-                        <a:srgbClr val="000000"/>
-                      </a:solidFill>
-                      <a:prstDash val="dot"/>
-                      <a:headEnd type="none" w="med" len="med"/>
-                      <a:tailEnd type="none" w="med" len="med"/>
-                    </a:lnT>
-                    <a:lnB w="6350" cap="flat" cmpd="sng">
-                      <a:solidFill>
-                        <a:srgbClr val="000000"/>
-                      </a:solidFill>
-                      <a:prstDash val="dot"/>
-                      <a:headEnd type="none" w="med" len="med"/>
-                      <a:tailEnd type="none" w="med" len="med"/>
-                    </a:lnB>
-                    <a:lnTlToBr>
-                      <a:noFill/>
-                    </a:lnTlToBr>
-                    <a:lnBlToTr>
-                      <a:noFill/>
-                    </a:lnBlToTr>
-                    <a:noFill/>
-                  </a:tcPr>
-                </a:tc>
-                <a:tc>
-                  <a:txBody>
-                    <a:bodyPr/>
-                    <a:p>
-                      <a:pPr algn="l">
-                        <a:buNone/>
-                      </a:pPr>
-                      <a:endParaRPr lang="en-US" sz="1400">
-                        <a:solidFill>
-                          <a:srgbClr val="000000"/>
-                        </a:solidFill>
-                        <a:latin typeface="Calibri" charset="0"/>
-                        <a:ea typeface="Calibri" charset="0"/>
-                        <a:cs typeface="Calibri" charset="0"/>
-                      </a:endParaRPr>
-                    </a:p>
-                  </a:txBody>
-                  <a:tcPr marL="0" marR="0" marT="0" marB="0" vert="horz" anchor="ctr">
-                    <a:lnL w="6350" cap="flat" cmpd="sng">
-                      <a:solidFill>
-                        <a:srgbClr val="000000"/>
-                      </a:solidFill>
-                      <a:prstDash val="dot"/>
-                      <a:headEnd type="none" w="med" len="med"/>
-                      <a:tailEnd type="none" w="med" len="med"/>
-                    </a:lnL>
-                    <a:lnR w="6350" cap="flat" cmpd="sng">
-                      <a:solidFill>
-                        <a:srgbClr val="000000"/>
-                      </a:solidFill>
-                      <a:prstDash val="dot"/>
-                      <a:headEnd type="none" w="med" len="med"/>
-                      <a:tailEnd type="none" w="med" len="med"/>
-                    </a:lnR>
-                    <a:lnT w="6350" cap="flat" cmpd="sng">
-                      <a:solidFill>
-                        <a:srgbClr val="000000"/>
-                      </a:solidFill>
-                      <a:prstDash val="dot"/>
-                      <a:headEnd type="none" w="med" len="med"/>
-                      <a:tailEnd type="none" w="med" len="med"/>
-                    </a:lnT>
-                    <a:lnB w="6350" cap="flat" cmpd="sng">
-                      <a:solidFill>
-                        <a:srgbClr val="000000"/>
-                      </a:solidFill>
-                      <a:prstDash val="dot"/>
-                      <a:headEnd type="none" w="med" len="med"/>
-                      <a:tailEnd type="none" w="med" len="med"/>
-                    </a:lnB>
-                    <a:lnTlToBr>
-                      <a:noFill/>
-                    </a:lnTlToBr>
-                    <a:lnBlToTr>
-                      <a:noFill/>
-                    </a:lnBlToTr>
-                    <a:noFill/>
-                  </a:tcPr>
-                </a:tc>
-              </a:tr>
-              <a:tr h="880110">
-                <a:tc>
-                  <a:txBody>
-                    <a:bodyPr/>
-                    <a:p>
-                      <a:pPr algn="l">
-                        <a:buNone/>
-                      </a:pPr>
-                      <a:r>
-                        <a:rPr lang="en-US" altLang="zh-CN" sz="1400">
-                          <a:solidFill>
-                            <a:srgbClr val="000000"/>
-                          </a:solidFill>
-                          <a:latin typeface="Calibri" charset="0"/>
-                          <a:cs typeface="Calibri" charset="0"/>
-                        </a:rPr>
-                        <a:t>P6</a:t>
-                      </a:r>
-                      <a:endParaRPr lang="en-US" altLang="zh-CN" sz="1400">
-                        <a:solidFill>
-                          <a:srgbClr val="000000"/>
-                        </a:solidFill>
-                        <a:latin typeface="Calibri" charset="0"/>
-                        <a:ea typeface="Calibri" charset="0"/>
-                        <a:cs typeface="Calibri" charset="0"/>
-                      </a:endParaRPr>
-                    </a:p>
-                  </a:txBody>
-                  <a:tcPr marL="0" marR="0" marT="0" marB="0" vert="horz" anchor="ctr">
-                    <a:lnL w="6350" cap="flat" cmpd="sng">
-                      <a:solidFill>
-                        <a:srgbClr val="000000"/>
-                      </a:solidFill>
-                      <a:prstDash val="dot"/>
-                      <a:headEnd type="none" w="med" len="med"/>
-                      <a:tailEnd type="none" w="med" len="med"/>
-                    </a:lnL>
-                    <a:lnR w="6350" cap="flat" cmpd="sng">
-                      <a:solidFill>
-                        <a:srgbClr val="000000"/>
-                      </a:solidFill>
-                      <a:prstDash val="dot"/>
-                      <a:headEnd type="none" w="med" len="med"/>
-                      <a:tailEnd type="none" w="med" len="med"/>
-                    </a:lnR>
-                    <a:lnT w="6350" cap="flat" cmpd="sng">
-                      <a:solidFill>
-                        <a:srgbClr val="000000"/>
-                      </a:solidFill>
-                      <a:prstDash val="dot"/>
-                      <a:headEnd type="none" w="med" len="med"/>
-                      <a:tailEnd type="none" w="med" len="med"/>
-                    </a:lnT>
-                    <a:lnB w="6350" cap="flat" cmpd="sng">
-                      <a:solidFill>
-                        <a:srgbClr val="000000"/>
-                      </a:solidFill>
-                      <a:prstDash val="dot"/>
-                      <a:headEnd type="none" w="med" len="med"/>
-                      <a:tailEnd type="none" w="med" len="med"/>
-                    </a:lnB>
-                    <a:lnTlToBr>
-                      <a:noFill/>
-                    </a:lnTlToBr>
-                    <a:lnBlToTr>
-                      <a:noFill/>
-                    </a:lnBlToTr>
-                    <a:noFill/>
-                  </a:tcPr>
-                </a:tc>
-                <a:tc>
-                  <a:txBody>
-                    <a:bodyPr/>
-                    <a:p>
-                      <a:pPr algn="l">
-                        <a:buNone/>
-                      </a:pPr>
-                      <a:r>
-                        <a:rPr lang="zh-CN" altLang="en-US" sz="1400">
-                          <a:solidFill>
-                            <a:srgbClr val="000000"/>
-                          </a:solidFill>
-                          <a:latin typeface="Calibri" charset="0"/>
-                          <a:cs typeface="Calibri" charset="0"/>
-                        </a:rPr>
-                        <a:t>韩学洋</a:t>
-                      </a:r>
-                      <a:endParaRPr lang="zh-CN" altLang="en-US" sz="1400">
-                        <a:solidFill>
-                          <a:srgbClr val="000000"/>
-                        </a:solidFill>
-                        <a:latin typeface="Calibri" charset="0"/>
-                        <a:cs typeface="Calibri" charset="0"/>
-                      </a:endParaRPr>
-                    </a:p>
-                    <a:p>
-                      <a:pPr algn="l">
-                        <a:buNone/>
-                      </a:pPr>
-                      <a:r>
-                        <a:rPr lang="zh-CN" altLang="en-US" sz="1400">
-                          <a:solidFill>
-                            <a:srgbClr val="000000"/>
-                          </a:solidFill>
-                          <a:latin typeface="Calibri" charset="0"/>
-                          <a:cs typeface="Calibri" charset="0"/>
-                        </a:rPr>
-                        <a:t>核心</a:t>
-                      </a:r>
-                      <a:endParaRPr lang="zh-CN" altLang="en-US" sz="1400">
-                        <a:solidFill>
-                          <a:srgbClr val="000000"/>
-                        </a:solidFill>
-                        <a:latin typeface="Calibri" charset="0"/>
-                        <a:cs typeface="Calibri" charset="0"/>
-                      </a:endParaRPr>
-                    </a:p>
-                    <a:p>
-                      <a:pPr algn="l">
-                        <a:buNone/>
-                      </a:pPr>
-                      <a:r>
-                        <a:rPr lang="zh-CN" altLang="en-US" sz="1400">
-                          <a:solidFill>
-                            <a:srgbClr val="000000"/>
-                          </a:solidFill>
-                          <a:latin typeface="Calibri" charset="0"/>
-                          <a:cs typeface="Calibri" charset="0"/>
-                        </a:rPr>
-                        <a:t>分红</a:t>
-                      </a:r>
-                      <a:r>
-                        <a:rPr lang="en-US" altLang="zh-CN" sz="1400">
-                          <a:solidFill>
-                            <a:srgbClr val="000000"/>
-                          </a:solidFill>
-                          <a:latin typeface="Calibri" charset="0"/>
-                          <a:cs typeface="Calibri" charset="0"/>
-                        </a:rPr>
-                        <a:t>+defi</a:t>
-                      </a:r>
-                      <a:endParaRPr lang="en-US" altLang="zh-CN" sz="1400">
-                        <a:solidFill>
-                          <a:srgbClr val="000000"/>
-                        </a:solidFill>
-                        <a:latin typeface="Calibri" charset="0"/>
-                        <a:ea typeface="Calibri" charset="0"/>
-                        <a:cs typeface="Calibri" charset="0"/>
-                      </a:endParaRPr>
-                    </a:p>
-                  </a:txBody>
-                  <a:tcPr marL="0" marR="0" marT="0" marB="0" vert="horz" anchor="ctr">
-                    <a:lnL w="6350" cap="flat" cmpd="sng">
-                      <a:solidFill>
-                        <a:srgbClr val="000000"/>
-                      </a:solidFill>
-                      <a:prstDash val="dot"/>
-                      <a:headEnd type="none" w="med" len="med"/>
-                      <a:tailEnd type="none" w="med" len="med"/>
-                    </a:lnL>
-                    <a:lnR w="6350" cap="flat" cmpd="sng">
-                      <a:solidFill>
-                        <a:srgbClr val="000000"/>
-                      </a:solidFill>
-                      <a:prstDash val="dot"/>
-                      <a:headEnd type="none" w="med" len="med"/>
-                      <a:tailEnd type="none" w="med" len="med"/>
-                    </a:lnR>
-                    <a:lnT w="6350" cap="flat" cmpd="sng">
-                      <a:solidFill>
-                        <a:srgbClr val="000000"/>
-                      </a:solidFill>
-                      <a:prstDash val="dot"/>
-                      <a:headEnd type="none" w="med" len="med"/>
-                      <a:tailEnd type="none" w="med" len="med"/>
-                    </a:lnT>
-                    <a:lnB w="6350" cap="flat" cmpd="sng">
-                      <a:solidFill>
-                        <a:srgbClr val="000000"/>
-                      </a:solidFill>
-                      <a:prstDash val="dot"/>
-                      <a:headEnd type="none" w="med" len="med"/>
-                      <a:tailEnd type="none" w="med" len="med"/>
-                    </a:lnB>
-                    <a:lnTlToBr>
-                      <a:noFill/>
-                    </a:lnTlToBr>
-                    <a:lnBlToTr>
-                      <a:noFill/>
-                    </a:lnBlToTr>
-                    <a:noFill/>
-                  </a:tcPr>
-                </a:tc>
-                <a:tc>
-                  <a:txBody>
-                    <a:bodyPr/>
-                    <a:p>
-                      <a:pPr algn="l">
-                        <a:buNone/>
-                      </a:pPr>
-                      <a:r>
-                        <a:rPr lang="zh-CN" altLang="en-US" sz="1400">
-                          <a:solidFill>
-                            <a:srgbClr val="000000"/>
-                          </a:solidFill>
-                          <a:latin typeface="Calibri" charset="0"/>
-                          <a:cs typeface="Calibri" charset="0"/>
-                        </a:rPr>
-                        <a:t>韩彦伟</a:t>
-                      </a:r>
-                      <a:endParaRPr lang="zh-CN" altLang="en-US" sz="1400">
-                        <a:solidFill>
-                          <a:srgbClr val="000000"/>
-                        </a:solidFill>
-                        <a:latin typeface="Calibri" charset="0"/>
-                        <a:cs typeface="Calibri" charset="0"/>
-                      </a:endParaRPr>
-                    </a:p>
-                    <a:p>
-                      <a:pPr algn="l">
-                        <a:buNone/>
-                      </a:pPr>
-                      <a:r>
-                        <a:rPr lang="en-US" altLang="zh-CN" sz="1400">
-                          <a:solidFill>
-                            <a:srgbClr val="000000"/>
-                          </a:solidFill>
-                          <a:latin typeface="Calibri" charset="0"/>
-                          <a:cs typeface="Calibri" charset="0"/>
-                        </a:rPr>
-                        <a:t>stream+</a:t>
-                      </a:r>
-                      <a:r>
-                        <a:rPr lang="zh-CN" altLang="en-US" sz="1400">
-                          <a:solidFill>
-                            <a:srgbClr val="000000"/>
-                          </a:solidFill>
-                          <a:latin typeface="Calibri" charset="0"/>
-                          <a:cs typeface="Calibri" charset="0"/>
-                        </a:rPr>
-                        <a:t>订单</a:t>
-                      </a:r>
-                      <a:endParaRPr lang="zh-CN" altLang="en-US" sz="1400">
-                        <a:solidFill>
-                          <a:srgbClr val="000000"/>
-                        </a:solidFill>
-                        <a:latin typeface="Calibri" charset="0"/>
-                        <a:ea typeface="Calibri" charset="0"/>
-                        <a:cs typeface="Calibri" charset="0"/>
-                      </a:endParaRPr>
-                    </a:p>
-                  </a:txBody>
-                  <a:tcPr marL="0" marR="0" marT="0" marB="0" vert="horz" anchor="ctr">
-                    <a:lnL w="6350" cap="flat" cmpd="sng">
-                      <a:solidFill>
-                        <a:srgbClr val="000000"/>
-                      </a:solidFill>
-                      <a:prstDash val="dot"/>
-                      <a:headEnd type="none" w="med" len="med"/>
-                      <a:tailEnd type="none" w="med" len="med"/>
-                    </a:lnL>
-                    <a:lnR w="6350" cap="flat" cmpd="sng">
-                      <a:solidFill>
-                        <a:srgbClr val="000000"/>
-                      </a:solidFill>
-                      <a:prstDash val="dot"/>
-                      <a:headEnd type="none" w="med" len="med"/>
-                      <a:tailEnd type="none" w="med" len="med"/>
-                    </a:lnR>
-                    <a:lnT w="6350" cap="flat" cmpd="sng">
-                      <a:solidFill>
-                        <a:srgbClr val="000000"/>
-                      </a:solidFill>
-                      <a:prstDash val="dot"/>
-                      <a:headEnd type="none" w="med" len="med"/>
-                      <a:tailEnd type="none" w="med" len="med"/>
-                    </a:lnT>
-                    <a:lnB w="6350" cap="flat" cmpd="sng">
-                      <a:solidFill>
-                        <a:srgbClr val="000000"/>
-                      </a:solidFill>
-                      <a:prstDash val="dot"/>
-                      <a:headEnd type="none" w="med" len="med"/>
-                      <a:tailEnd type="none" w="med" len="med"/>
-                    </a:lnB>
-                    <a:lnTlToBr>
-                      <a:noFill/>
-                    </a:lnTlToBr>
-                    <a:lnBlToTr>
-                      <a:noFill/>
-                    </a:lnBlToTr>
-                    <a:noFill/>
-                  </a:tcPr>
-                </a:tc>
-                <a:tc>
-                  <a:txBody>
-                    <a:bodyPr/>
-                    <a:p>
-                      <a:pPr algn="l">
-                        <a:buNone/>
-                      </a:pPr>
-                      <a:r>
-                        <a:rPr lang="zh-CN" altLang="en-US" sz="1400">
-                          <a:solidFill>
-                            <a:srgbClr val="000000"/>
-                          </a:solidFill>
-                          <a:latin typeface="Calibri" charset="0"/>
-                          <a:cs typeface="Calibri" charset="0"/>
-                        </a:rPr>
-                        <a:t>于林生</a:t>
-                      </a:r>
-                      <a:endParaRPr lang="zh-CN" altLang="en-US" sz="1400">
-                        <a:solidFill>
-                          <a:srgbClr val="000000"/>
-                        </a:solidFill>
-                        <a:latin typeface="Calibri" charset="0"/>
-                        <a:cs typeface="Calibri" charset="0"/>
-                      </a:endParaRPr>
-                    </a:p>
-                    <a:p>
-                      <a:pPr algn="l">
-                        <a:buNone/>
-                      </a:pPr>
-                      <a:r>
-                        <a:rPr lang="en-US" altLang="zh-CN" sz="1400">
-                          <a:solidFill>
-                            <a:srgbClr val="000000"/>
-                          </a:solidFill>
-                          <a:latin typeface="Calibri" charset="0"/>
-                          <a:cs typeface="Calibri" charset="0"/>
-                        </a:rPr>
-                        <a:t>OKChain</a:t>
-                      </a:r>
-                      <a:r>
-                        <a:rPr lang="zh-CN" altLang="en-US" sz="1400">
-                          <a:solidFill>
-                            <a:srgbClr val="000000"/>
-                          </a:solidFill>
-                          <a:latin typeface="Calibri" charset="0"/>
-                          <a:cs typeface="Calibri" charset="0"/>
-                        </a:rPr>
-                        <a:t>部署</a:t>
-                      </a:r>
-                      <a:r>
-                        <a:rPr lang="en-US" altLang="zh-CN" sz="1400">
-                          <a:solidFill>
-                            <a:srgbClr val="000000"/>
-                          </a:solidFill>
-                          <a:latin typeface="Calibri" charset="0"/>
-                          <a:cs typeface="Calibri" charset="0"/>
-                        </a:rPr>
-                        <a:t>+token</a:t>
-                      </a:r>
-                      <a:endParaRPr lang="en-US" altLang="zh-CN" sz="1400">
-                        <a:solidFill>
-                          <a:srgbClr val="000000"/>
-                        </a:solidFill>
-                        <a:latin typeface="Calibri" charset="0"/>
-                        <a:ea typeface="Calibri" charset="0"/>
-                        <a:cs typeface="Calibri" charset="0"/>
-                      </a:endParaRPr>
-                    </a:p>
-                  </a:txBody>
-                  <a:tcPr marL="0" marR="0" marT="0" marB="0" vert="horz" anchor="ctr">
-                    <a:lnL w="6350" cap="flat" cmpd="sng">
-                      <a:solidFill>
-                        <a:srgbClr val="000000"/>
-                      </a:solidFill>
-                      <a:prstDash val="dot"/>
-                      <a:headEnd type="none" w="med" len="med"/>
-                      <a:tailEnd type="none" w="med" len="med"/>
-                    </a:lnL>
-                    <a:lnR w="6350" cap="flat" cmpd="sng">
-                      <a:solidFill>
-                        <a:srgbClr val="000000"/>
-                      </a:solidFill>
-                      <a:prstDash val="dot"/>
-                      <a:headEnd type="none" w="med" len="med"/>
-                      <a:tailEnd type="none" w="med" len="med"/>
-                    </a:lnR>
-                    <a:lnT w="6350" cap="flat" cmpd="sng">
-                      <a:solidFill>
-                        <a:srgbClr val="000000"/>
-                      </a:solidFill>
-                      <a:prstDash val="dot"/>
-                      <a:headEnd type="none" w="med" len="med"/>
-                      <a:tailEnd type="none" w="med" len="med"/>
-                    </a:lnT>
-                    <a:lnB w="6350" cap="flat" cmpd="sng">
-                      <a:solidFill>
-                        <a:srgbClr val="000000"/>
-                      </a:solidFill>
-                      <a:prstDash val="dot"/>
-                      <a:headEnd type="none" w="med" len="med"/>
-                      <a:tailEnd type="none" w="med" len="med"/>
-                    </a:lnB>
-                    <a:lnTlToBr>
-                      <a:noFill/>
-                    </a:lnTlToBr>
-                    <a:lnBlToTr>
-                      <a:noFill/>
-                    </a:lnBlToTr>
-                    <a:noFill/>
-                  </a:tcPr>
-                </a:tc>
-              </a:tr>
-              <a:tr h="880110">
-                <a:tc>
-                  <a:txBody>
-                    <a:bodyPr/>
-                    <a:p>
-                      <a:pPr algn="l">
-                        <a:buNone/>
-                      </a:pPr>
-                      <a:r>
-                        <a:rPr lang="en-US" altLang="zh-CN" sz="1400">
-                          <a:solidFill>
-                            <a:srgbClr val="000000"/>
-                          </a:solidFill>
-                          <a:latin typeface="Calibri" charset="0"/>
-                          <a:cs typeface="Calibri" charset="0"/>
-                        </a:rPr>
-                        <a:t>P5</a:t>
-                      </a:r>
-                      <a:endParaRPr lang="en-US" altLang="zh-CN" sz="1400">
-                        <a:solidFill>
-                          <a:srgbClr val="000000"/>
-                        </a:solidFill>
-                        <a:latin typeface="Calibri" charset="0"/>
-                        <a:ea typeface="Calibri" charset="0"/>
-                        <a:cs typeface="Calibri" charset="0"/>
-                      </a:endParaRPr>
-                    </a:p>
-                  </a:txBody>
-                  <a:tcPr marL="0" marR="0" marT="0" marB="0" vert="horz" anchor="ctr">
-                    <a:lnL w="6350" cap="flat" cmpd="sng">
-                      <a:solidFill>
-                        <a:srgbClr val="000000"/>
-                      </a:solidFill>
-                      <a:prstDash val="dot"/>
-                      <a:headEnd type="none" w="med" len="med"/>
-                      <a:tailEnd type="none" w="med" len="med"/>
-                    </a:lnL>
-                    <a:lnR w="6350" cap="flat" cmpd="sng">
-                      <a:solidFill>
-                        <a:srgbClr val="000000"/>
-                      </a:solidFill>
-                      <a:prstDash val="dot"/>
-                      <a:headEnd type="none" w="med" len="med"/>
-                      <a:tailEnd type="none" w="med" len="med"/>
-                    </a:lnR>
-                    <a:lnT w="6350" cap="flat" cmpd="sng">
-                      <a:solidFill>
-                        <a:srgbClr val="000000"/>
-                      </a:solidFill>
-                      <a:prstDash val="dot"/>
-                      <a:headEnd type="none" w="med" len="med"/>
-                      <a:tailEnd type="none" w="med" len="med"/>
-                    </a:lnT>
-                    <a:lnB w="6350" cap="flat" cmpd="sng">
-                      <a:solidFill>
-                        <a:srgbClr val="000000"/>
-                      </a:solidFill>
-                      <a:prstDash val="dot"/>
-                      <a:headEnd type="none" w="med" len="med"/>
-                      <a:tailEnd type="none" w="med" len="med"/>
-                    </a:lnB>
-                    <a:lnTlToBr>
-                      <a:noFill/>
-                    </a:lnTlToBr>
-                    <a:lnBlToTr>
-                      <a:noFill/>
-                    </a:lnBlToTr>
-                    <a:noFill/>
-                  </a:tcPr>
-                </a:tc>
-                <a:tc>
-                  <a:txBody>
-                    <a:bodyPr/>
-                    <a:p>
-                      <a:pPr algn="l">
-                        <a:buNone/>
-                      </a:pPr>
-                      <a:r>
-                        <a:rPr lang="zh-CN" altLang="en-US" sz="1400">
-                          <a:solidFill>
-                            <a:srgbClr val="000000"/>
-                          </a:solidFill>
-                          <a:latin typeface="Calibri" charset="0"/>
-                          <a:cs typeface="Calibri" charset="0"/>
-                        </a:rPr>
-                        <a:t>王冠一</a:t>
-                      </a:r>
-                      <a:endParaRPr lang="zh-CN" altLang="en-US" sz="1400">
-                        <a:solidFill>
-                          <a:srgbClr val="000000"/>
-                        </a:solidFill>
-                        <a:latin typeface="Calibri" charset="0"/>
-                        <a:cs typeface="Calibri" charset="0"/>
-                      </a:endParaRPr>
-                    </a:p>
-                    <a:p>
-                      <a:pPr algn="l">
-                        <a:buNone/>
-                      </a:pPr>
-                      <a:r>
-                        <a:rPr lang="zh-CN" altLang="en-US" sz="1400">
-                          <a:solidFill>
-                            <a:srgbClr val="FF0000"/>
-                          </a:solidFill>
-                          <a:latin typeface="font-weight" charset="0"/>
-                          <a:cs typeface="font-weight" charset="0"/>
-                        </a:rPr>
-                        <a:t>高潜</a:t>
-                      </a:r>
-                      <a:r>
-                        <a:rPr lang="en-US" altLang="zh-CN" sz="1400">
-                          <a:solidFill>
-                            <a:srgbClr val="FF0000"/>
-                          </a:solidFill>
-                          <a:latin typeface="font-weight" charset="0"/>
-                          <a:cs typeface="font-weight" charset="0"/>
-                        </a:rPr>
-                        <a:t>&amp;</a:t>
-                      </a:r>
-                      <a:r>
-                        <a:rPr lang="zh-CN" altLang="en-US" sz="1400">
-                          <a:solidFill>
-                            <a:srgbClr val="FF0000"/>
-                          </a:solidFill>
-                          <a:latin typeface="font-weight" charset="0"/>
-                          <a:cs typeface="font-weight" charset="0"/>
-                        </a:rPr>
-                        <a:t>核心</a:t>
-                      </a:r>
-                      <a:endParaRPr lang="zh-CN" altLang="en-US" sz="1400">
-                        <a:solidFill>
-                          <a:srgbClr val="FF0000"/>
-                        </a:solidFill>
-                        <a:latin typeface="font-weight" charset="0"/>
-                        <a:cs typeface="font-weight" charset="0"/>
-                      </a:endParaRPr>
-                    </a:p>
-                    <a:p>
-                      <a:pPr algn="l">
-                        <a:buNone/>
-                      </a:pPr>
-                      <a:r>
-                        <a:rPr lang="zh-CN" altLang="en-US" sz="1400">
-                          <a:solidFill>
-                            <a:srgbClr val="000000"/>
-                          </a:solidFill>
-                          <a:latin typeface="font-weight" charset="0"/>
-                          <a:cs typeface="font-weight" charset="0"/>
-                        </a:rPr>
-                        <a:t>委托</a:t>
-                      </a:r>
-                      <a:r>
-                        <a:rPr lang="en-US" altLang="zh-CN" sz="1400">
-                          <a:solidFill>
-                            <a:srgbClr val="000000"/>
-                          </a:solidFill>
-                          <a:latin typeface="font-weight" charset="0"/>
-                          <a:cs typeface="font-weight" charset="0"/>
-                        </a:rPr>
-                        <a:t>+OKChain</a:t>
-                      </a:r>
-                      <a:r>
-                        <a:rPr lang="zh-CN" altLang="en-US" sz="1400">
-                          <a:solidFill>
-                            <a:srgbClr val="000000"/>
-                          </a:solidFill>
-                          <a:latin typeface="font-weight" charset="0"/>
-                          <a:cs typeface="font-weight" charset="0"/>
-                        </a:rPr>
-                        <a:t>升级</a:t>
-                      </a:r>
-                      <a:r>
-                        <a:rPr lang="en-US" altLang="zh-CN" sz="1400">
-                          <a:solidFill>
-                            <a:srgbClr val="000000"/>
-                          </a:solidFill>
-                          <a:latin typeface="font-weight" charset="0"/>
-                          <a:cs typeface="font-weight" charset="0"/>
-                        </a:rPr>
-                        <a:t>+token+</a:t>
-                      </a:r>
-                      <a:r>
-                        <a:rPr lang="zh-CN" altLang="en-US" sz="1400">
-                          <a:solidFill>
-                            <a:srgbClr val="000000"/>
-                          </a:solidFill>
-                          <a:latin typeface="font-weight" charset="0"/>
-                          <a:cs typeface="font-weight" charset="0"/>
-                        </a:rPr>
-                        <a:t>部署</a:t>
-                      </a:r>
-                      <a:r>
-                        <a:rPr lang="en-US" altLang="zh-CN" sz="1400">
-                          <a:solidFill>
-                            <a:srgbClr val="000000"/>
-                          </a:solidFill>
-                          <a:latin typeface="font-weight" charset="0"/>
-                          <a:cs typeface="font-weight" charset="0"/>
-                        </a:rPr>
-                        <a:t>+SDK+</a:t>
-                      </a:r>
-                      <a:r>
-                        <a:rPr lang="zh-CN" altLang="en-US" sz="1400">
-                          <a:solidFill>
-                            <a:srgbClr val="000000"/>
-                          </a:solidFill>
-                          <a:latin typeface="font-weight" charset="0"/>
-                          <a:cs typeface="font-weight" charset="0"/>
-                        </a:rPr>
-                        <a:t>压测工具</a:t>
-                      </a:r>
-                      <a:endParaRPr lang="zh-CN" altLang="en-US" sz="1400">
-                        <a:solidFill>
-                          <a:srgbClr val="000000"/>
-                        </a:solidFill>
-                        <a:latin typeface="font-weight" charset="0"/>
-                        <a:ea typeface="Calibri" charset="0"/>
-                        <a:cs typeface="font-weight" charset="0"/>
-                      </a:endParaRPr>
-                    </a:p>
-                  </a:txBody>
-                  <a:tcPr marL="0" marR="0" marT="0" marB="0" vert="horz" anchor="ctr">
-                    <a:lnL w="6350" cap="flat" cmpd="sng">
-                      <a:solidFill>
-                        <a:srgbClr val="000000"/>
-                      </a:solidFill>
-                      <a:prstDash val="dot"/>
-                      <a:headEnd type="none" w="med" len="med"/>
-                      <a:tailEnd type="none" w="med" len="med"/>
-                    </a:lnL>
-                    <a:lnR w="6350" cap="flat" cmpd="sng">
-                      <a:solidFill>
-                        <a:srgbClr val="000000"/>
-                      </a:solidFill>
-                      <a:prstDash val="dot"/>
-                      <a:headEnd type="none" w="med" len="med"/>
-                      <a:tailEnd type="none" w="med" len="med"/>
-                    </a:lnR>
-                    <a:lnT w="6350" cap="flat" cmpd="sng">
-                      <a:solidFill>
-                        <a:srgbClr val="000000"/>
-                      </a:solidFill>
-                      <a:prstDash val="dot"/>
-                      <a:headEnd type="none" w="med" len="med"/>
-                      <a:tailEnd type="none" w="med" len="med"/>
-                    </a:lnT>
-                    <a:lnB w="6350" cap="flat" cmpd="sng">
-                      <a:solidFill>
-                        <a:srgbClr val="000000"/>
-                      </a:solidFill>
-                      <a:prstDash val="dot"/>
-                      <a:headEnd type="none" w="med" len="med"/>
-                      <a:tailEnd type="none" w="med" len="med"/>
-                    </a:lnB>
-                    <a:lnTlToBr>
-                      <a:noFill/>
-                    </a:lnTlToBr>
-                    <a:lnBlToTr>
-                      <a:noFill/>
-                    </a:lnBlToTr>
-                    <a:noFill/>
-                  </a:tcPr>
-                </a:tc>
-                <a:tc>
-                  <a:txBody>
-                    <a:bodyPr/>
-                    <a:p>
-                      <a:pPr algn="l">
-                        <a:buNone/>
-                      </a:pPr>
-                      <a:r>
-                        <a:rPr lang="zh-CN" altLang="en-US" sz="1400">
-                          <a:solidFill>
-                            <a:srgbClr val="000000"/>
-                          </a:solidFill>
-                          <a:latin typeface="Calibri" charset="0"/>
-                          <a:cs typeface="Calibri" charset="0"/>
-                        </a:rPr>
-                        <a:t>冀磊  </a:t>
-                      </a:r>
-                      <a:endParaRPr lang="zh-CN" altLang="en-US" sz="1400">
-                        <a:solidFill>
-                          <a:srgbClr val="000000"/>
-                        </a:solidFill>
-                        <a:latin typeface="Calibri" charset="0"/>
-                        <a:cs typeface="Calibri" charset="0"/>
-                      </a:endParaRPr>
-                    </a:p>
-                    <a:p>
-                      <a:pPr algn="l">
-                        <a:buNone/>
-                      </a:pPr>
-                      <a:r>
-                        <a:rPr lang="en-US" altLang="zh-CN" sz="1400">
-                          <a:solidFill>
-                            <a:srgbClr val="000000"/>
-                          </a:solidFill>
-                          <a:latin typeface="Calibri" charset="0"/>
-                          <a:cs typeface="Calibri" charset="0"/>
-                        </a:rPr>
-                        <a:t>SDK</a:t>
-                      </a:r>
-                      <a:r>
-                        <a:rPr lang="en-US" altLang="zh-CN" sz="1400">
-                          <a:solidFill>
-                            <a:srgbClr val="000000"/>
-                          </a:solidFill>
-                          <a:latin typeface="Calibri" charset="0"/>
-                          <a:cs typeface="Calibri" charset="0"/>
-                          <a:sym typeface="+mn-ea"/>
-                        </a:rPr>
-                        <a:t>+</a:t>
-                      </a:r>
-                      <a:r>
-                        <a:rPr lang="zh-CN" altLang="en-US" sz="1400">
-                          <a:solidFill>
-                            <a:srgbClr val="000000"/>
-                          </a:solidFill>
-                          <a:latin typeface="Calibri" charset="0"/>
-                          <a:cs typeface="Calibri" charset="0"/>
-                          <a:sym typeface="+mn-ea"/>
-                        </a:rPr>
-                        <a:t>订单</a:t>
-                      </a:r>
-                      <a:r>
-                        <a:rPr lang="en-US" altLang="zh-CN" sz="1400">
-                          <a:solidFill>
-                            <a:srgbClr val="000000"/>
-                          </a:solidFill>
-                          <a:latin typeface="Calibri" charset="0"/>
-                          <a:cs typeface="Calibri" charset="0"/>
-                        </a:rPr>
-                        <a:t>+</a:t>
-                      </a:r>
-                      <a:r>
-                        <a:rPr lang="zh-CN" altLang="en-US" sz="1400">
-                          <a:solidFill>
-                            <a:srgbClr val="000000"/>
-                          </a:solidFill>
-                          <a:latin typeface="Calibri" charset="0"/>
-                          <a:cs typeface="Calibri" charset="0"/>
-                        </a:rPr>
-                        <a:t>压测工具</a:t>
-                      </a:r>
-                      <a:endParaRPr lang="zh-CN" altLang="en-US" sz="1400">
-                        <a:solidFill>
-                          <a:srgbClr val="000000"/>
-                        </a:solidFill>
-                        <a:latin typeface="Calibri" charset="0"/>
-                        <a:ea typeface="Calibri" charset="0"/>
-                        <a:cs typeface="Calibri" charset="0"/>
-                      </a:endParaRPr>
-                    </a:p>
-                  </a:txBody>
-                  <a:tcPr marL="0" marR="0" marT="0" marB="0" vert="horz" anchor="ctr">
-                    <a:lnL w="6350" cap="flat" cmpd="sng">
-                      <a:solidFill>
-                        <a:srgbClr val="000000"/>
-                      </a:solidFill>
-                      <a:prstDash val="dot"/>
-                      <a:headEnd type="none" w="med" len="med"/>
-                      <a:tailEnd type="none" w="med" len="med"/>
-                    </a:lnL>
-                    <a:lnR w="6350" cap="flat" cmpd="sng">
-                      <a:solidFill>
-                        <a:srgbClr val="000000"/>
-                      </a:solidFill>
-                      <a:prstDash val="dot"/>
-                      <a:headEnd type="none" w="med" len="med"/>
-                      <a:tailEnd type="none" w="med" len="med"/>
-                    </a:lnR>
-                    <a:lnT w="6350" cap="flat" cmpd="sng">
-                      <a:solidFill>
-                        <a:srgbClr val="000000"/>
-                      </a:solidFill>
-                      <a:prstDash val="dot"/>
-                      <a:headEnd type="none" w="med" len="med"/>
-                      <a:tailEnd type="none" w="med" len="med"/>
-                    </a:lnT>
-                    <a:lnB w="6350" cap="flat" cmpd="sng">
-                      <a:solidFill>
-                        <a:srgbClr val="000000"/>
-                      </a:solidFill>
-                      <a:prstDash val="dot"/>
-                      <a:headEnd type="none" w="med" len="med"/>
-                      <a:tailEnd type="none" w="med" len="med"/>
-                    </a:lnB>
-                    <a:lnTlToBr>
-                      <a:noFill/>
-                    </a:lnTlToBr>
-                    <a:lnBlToTr>
-                      <a:noFill/>
-                    </a:lnBlToTr>
-                    <a:noFill/>
-                  </a:tcPr>
-                </a:tc>
-                <a:tc>
-                  <a:txBody>
-                    <a:bodyPr/>
-                    <a:p>
-                      <a:pPr algn="l">
-                        <a:buNone/>
-                      </a:pPr>
-                      <a:endParaRPr lang="en-US" sz="1400">
-                        <a:solidFill>
-                          <a:srgbClr val="000000"/>
-                        </a:solidFill>
-                        <a:latin typeface="Calibri" charset="0"/>
-                        <a:ea typeface="Calibri" charset="0"/>
-                        <a:cs typeface="Calibri" charset="0"/>
-                      </a:endParaRPr>
-                    </a:p>
-                  </a:txBody>
-                  <a:tcPr marL="0" marR="0" marT="0" marB="0" vert="horz" anchor="ctr">
-                    <a:lnL w="6350" cap="flat" cmpd="sng">
-                      <a:solidFill>
-                        <a:srgbClr val="000000"/>
-                      </a:solidFill>
-                      <a:prstDash val="dot"/>
-                      <a:headEnd type="none" w="med" len="med"/>
-                      <a:tailEnd type="none" w="med" len="med"/>
-                    </a:lnL>
-                    <a:lnR w="6350" cap="flat" cmpd="sng">
-                      <a:solidFill>
-                        <a:srgbClr val="000000"/>
-                      </a:solidFill>
-                      <a:prstDash val="dot"/>
-                      <a:headEnd type="none" w="med" len="med"/>
-                      <a:tailEnd type="none" w="med" len="med"/>
-                    </a:lnR>
-                    <a:lnT w="6350" cap="flat" cmpd="sng">
-                      <a:solidFill>
-                        <a:srgbClr val="000000"/>
-                      </a:solidFill>
-                      <a:prstDash val="dot"/>
-                      <a:headEnd type="none" w="med" len="med"/>
-                      <a:tailEnd type="none" w="med" len="med"/>
-                    </a:lnT>
-                    <a:lnB w="6350" cap="flat" cmpd="sng">
-                      <a:solidFill>
-                        <a:srgbClr val="000000"/>
-                      </a:solidFill>
-                      <a:prstDash val="dot"/>
-                      <a:headEnd type="none" w="med" len="med"/>
-                      <a:tailEnd type="none" w="med" len="med"/>
-                    </a:lnB>
-                    <a:lnTlToBr>
-                      <a:noFill/>
-                    </a:lnTlToBr>
-                    <a:lnBlToTr>
-                      <a:noFill/>
-                    </a:lnBlToTr>
-                    <a:noFill/>
-                  </a:tcPr>
-                </a:tc>
-              </a:tr>
-              <a:tr h="880745">
-                <a:tc>
-                  <a:txBody>
-                    <a:bodyPr/>
-                    <a:p>
-                      <a:pPr algn="l">
-                        <a:buNone/>
-                      </a:pPr>
-                      <a:r>
-                        <a:rPr lang="en-US" altLang="zh-CN" sz="1400">
-                          <a:solidFill>
-                            <a:srgbClr val="000000"/>
-                          </a:solidFill>
-                          <a:latin typeface="Calibri" charset="0"/>
-                          <a:cs typeface="Calibri" charset="0"/>
-                        </a:rPr>
-                        <a:t>P5</a:t>
-                      </a:r>
-                      <a:endParaRPr lang="en-US" altLang="zh-CN" sz="1400">
-                        <a:solidFill>
-                          <a:srgbClr val="000000"/>
-                        </a:solidFill>
-                        <a:latin typeface="Calibri" charset="0"/>
-                        <a:ea typeface="Calibri" charset="0"/>
-                        <a:cs typeface="Calibri" charset="0"/>
-                      </a:endParaRPr>
-                    </a:p>
-                  </a:txBody>
-                  <a:tcPr marL="0" marR="0" marT="0" marB="0" vert="horz" anchor="ctr">
-                    <a:lnL w="6350" cap="flat" cmpd="sng">
-                      <a:solidFill>
-                        <a:srgbClr val="000000"/>
-                      </a:solidFill>
-                      <a:prstDash val="dot"/>
-                      <a:headEnd type="none" w="med" len="med"/>
-                      <a:tailEnd type="none" w="med" len="med"/>
-                    </a:lnL>
-                    <a:lnR w="6350" cap="flat" cmpd="sng">
-                      <a:solidFill>
-                        <a:srgbClr val="000000"/>
-                      </a:solidFill>
-                      <a:prstDash val="dot"/>
-                      <a:headEnd type="none" w="med" len="med"/>
-                      <a:tailEnd type="none" w="med" len="med"/>
-                    </a:lnR>
-                    <a:lnT w="6350" cap="flat" cmpd="sng">
-                      <a:solidFill>
-                        <a:srgbClr val="000000"/>
-                      </a:solidFill>
-                      <a:prstDash val="dot"/>
-                      <a:headEnd type="none" w="med" len="med"/>
-                      <a:tailEnd type="none" w="med" len="med"/>
-                    </a:lnT>
-                    <a:lnB w="6350" cap="flat" cmpd="sng">
-                      <a:solidFill>
-                        <a:srgbClr val="000000"/>
-                      </a:solidFill>
-                      <a:prstDash val="dot"/>
-                      <a:headEnd type="none" w="med" len="med"/>
-                      <a:tailEnd type="none" w="med" len="med"/>
-                    </a:lnB>
-                    <a:lnTlToBr>
-                      <a:noFill/>
-                    </a:lnTlToBr>
-                    <a:lnBlToTr>
-                      <a:noFill/>
-                    </a:lnBlToTr>
-                    <a:noFill/>
-                  </a:tcPr>
-                </a:tc>
-                <a:tc>
-                  <a:txBody>
-                    <a:bodyPr/>
-                    <a:p>
-                      <a:pPr algn="l">
-                        <a:buNone/>
-                      </a:pPr>
-                      <a:r>
-                        <a:rPr lang="zh-CN" altLang="en-US" sz="1400">
-                          <a:solidFill>
-                            <a:srgbClr val="000000"/>
-                          </a:solidFill>
-                          <a:latin typeface="Calibri" charset="0"/>
-                          <a:cs typeface="Calibri" charset="0"/>
-                        </a:rPr>
-                        <a:t>葛溢力</a:t>
-                      </a:r>
-                      <a:endParaRPr lang="zh-CN" altLang="en-US" sz="1400">
-                        <a:solidFill>
-                          <a:srgbClr val="000000"/>
-                        </a:solidFill>
-                        <a:latin typeface="Calibri" charset="0"/>
-                        <a:cs typeface="Calibri" charset="0"/>
-                      </a:endParaRPr>
-                    </a:p>
-                    <a:p>
-                      <a:pPr algn="l">
-                        <a:buNone/>
-                      </a:pPr>
-                      <a:r>
-                        <a:rPr lang="zh-CN" altLang="en-US" sz="1400">
-                          <a:solidFill>
-                            <a:srgbClr val="000000"/>
-                          </a:solidFill>
-                          <a:latin typeface="Calibri" charset="0"/>
-                          <a:cs typeface="Calibri" charset="0"/>
-                        </a:rPr>
-                        <a:t>高潜</a:t>
-                      </a:r>
-                      <a:endParaRPr lang="zh-CN" altLang="en-US" sz="1400">
-                        <a:solidFill>
-                          <a:srgbClr val="000000"/>
-                        </a:solidFill>
-                        <a:latin typeface="Calibri" charset="0"/>
-                        <a:cs typeface="Calibri" charset="0"/>
-                      </a:endParaRPr>
-                    </a:p>
-                    <a:p>
-                      <a:pPr algn="l">
-                        <a:buNone/>
-                      </a:pPr>
-                      <a:r>
-                        <a:rPr lang="en-US" altLang="zh-CN" sz="1400">
-                          <a:solidFill>
-                            <a:srgbClr val="000000"/>
-                          </a:solidFill>
-                          <a:latin typeface="Calibri" charset="0"/>
-                          <a:cs typeface="Calibri" charset="0"/>
-                        </a:rPr>
-                        <a:t>OKChain</a:t>
-                      </a:r>
-                      <a:r>
-                        <a:rPr lang="zh-CN" altLang="en-US" sz="1400">
-                          <a:solidFill>
-                            <a:srgbClr val="000000"/>
-                          </a:solidFill>
-                          <a:latin typeface="Calibri" charset="0"/>
-                          <a:cs typeface="Calibri" charset="0"/>
-                        </a:rPr>
-                        <a:t>升级</a:t>
-                      </a:r>
-                      <a:r>
-                        <a:rPr lang="en-US" altLang="zh-CN" sz="1400">
-                          <a:solidFill>
-                            <a:srgbClr val="000000"/>
-                          </a:solidFill>
-                          <a:latin typeface="Calibri" charset="0"/>
-                          <a:cs typeface="Calibri" charset="0"/>
-                        </a:rPr>
-                        <a:t>+</a:t>
-                      </a:r>
-                      <a:r>
-                        <a:rPr lang="zh-CN" altLang="en-US" sz="1400">
-                          <a:solidFill>
-                            <a:srgbClr val="000000"/>
-                          </a:solidFill>
-                          <a:latin typeface="Calibri" charset="0"/>
-                          <a:cs typeface="Calibri" charset="0"/>
-                        </a:rPr>
-                        <a:t>部署</a:t>
-                      </a:r>
-                      <a:r>
-                        <a:rPr lang="en-US" altLang="zh-CN" sz="1400">
-                          <a:solidFill>
-                            <a:srgbClr val="000000"/>
-                          </a:solidFill>
-                          <a:latin typeface="Calibri" charset="0"/>
-                          <a:cs typeface="Calibri" charset="0"/>
-                        </a:rPr>
-                        <a:t>+SDK</a:t>
-                      </a:r>
-                      <a:endParaRPr lang="en-US" altLang="zh-CN" sz="1400">
-                        <a:solidFill>
-                          <a:srgbClr val="000000"/>
-                        </a:solidFill>
-                        <a:latin typeface="Calibri" charset="0"/>
-                        <a:ea typeface="Calibri" charset="0"/>
-                        <a:cs typeface="Calibri" charset="0"/>
-                      </a:endParaRPr>
-                    </a:p>
-                  </a:txBody>
-                  <a:tcPr marL="0" marR="0" marT="0" marB="0" vert="horz" anchor="ctr">
-                    <a:lnL w="6350" cap="flat" cmpd="sng">
-                      <a:solidFill>
-                        <a:srgbClr val="000000"/>
-                      </a:solidFill>
-                      <a:prstDash val="dot"/>
-                      <a:headEnd type="none" w="med" len="med"/>
-                      <a:tailEnd type="none" w="med" len="med"/>
-                    </a:lnL>
-                    <a:lnR w="6350" cap="flat" cmpd="sng">
-                      <a:solidFill>
-                        <a:srgbClr val="000000"/>
-                      </a:solidFill>
-                      <a:prstDash val="dot"/>
-                      <a:headEnd type="none" w="med" len="med"/>
-                      <a:tailEnd type="none" w="med" len="med"/>
-                    </a:lnR>
-                    <a:lnT w="6350" cap="flat" cmpd="sng">
-                      <a:solidFill>
-                        <a:srgbClr val="000000"/>
-                      </a:solidFill>
-                      <a:prstDash val="dot"/>
-                      <a:headEnd type="none" w="med" len="med"/>
-                      <a:tailEnd type="none" w="med" len="med"/>
-                    </a:lnT>
-                    <a:lnB w="6350" cap="flat" cmpd="sng">
-                      <a:solidFill>
-                        <a:srgbClr val="000000"/>
-                      </a:solidFill>
-                      <a:prstDash val="dot"/>
-                      <a:headEnd type="none" w="med" len="med"/>
-                      <a:tailEnd type="none" w="med" len="med"/>
-                    </a:lnB>
-                    <a:lnTlToBr>
-                      <a:noFill/>
-                    </a:lnTlToBr>
-                    <a:lnBlToTr>
-                      <a:noFill/>
-                    </a:lnBlToTr>
-                    <a:noFill/>
-                  </a:tcPr>
-                </a:tc>
-                <a:tc>
-                  <a:txBody>
-                    <a:bodyPr/>
-                    <a:p>
-                      <a:pPr algn="l">
-                        <a:buNone/>
-                      </a:pPr>
-                      <a:r>
-                        <a:rPr lang="zh-CN" altLang="en-US" sz="1400">
-                          <a:solidFill>
-                            <a:srgbClr val="000000"/>
-                          </a:solidFill>
-                          <a:latin typeface="Calibri" charset="0"/>
-                          <a:cs typeface="Calibri" charset="0"/>
-                        </a:rPr>
-                        <a:t>陈芳平</a:t>
-                      </a:r>
-                      <a:endParaRPr lang="zh-CN" altLang="en-US" sz="1400">
-                        <a:solidFill>
-                          <a:srgbClr val="000000"/>
-                        </a:solidFill>
-                        <a:latin typeface="Calibri" charset="0"/>
-                        <a:cs typeface="Calibri" charset="0"/>
-                      </a:endParaRPr>
-                    </a:p>
-                    <a:p>
-                      <a:pPr algn="l">
-                        <a:buNone/>
-                      </a:pPr>
-                      <a:r>
-                        <a:rPr lang="en-US" altLang="zh-CN" sz="1400">
-                          <a:solidFill>
-                            <a:srgbClr val="000000"/>
-                          </a:solidFill>
-                          <a:latin typeface="Calibri" charset="0"/>
-                          <a:cs typeface="Calibri" charset="0"/>
-                        </a:rPr>
-                        <a:t>Dex</a:t>
-                      </a:r>
-                      <a:r>
-                        <a:rPr lang="zh-CN" altLang="en-US" sz="1400">
-                          <a:solidFill>
-                            <a:srgbClr val="000000"/>
-                          </a:solidFill>
-                          <a:latin typeface="Calibri" charset="0"/>
-                          <a:cs typeface="Calibri" charset="0"/>
-                        </a:rPr>
-                        <a:t>前端</a:t>
-                      </a:r>
-                      <a:r>
-                        <a:rPr lang="en-US" altLang="zh-CN" sz="1400">
-                          <a:solidFill>
-                            <a:srgbClr val="000000"/>
-                          </a:solidFill>
-                          <a:latin typeface="Calibri" charset="0"/>
-                          <a:cs typeface="Calibri" charset="0"/>
-                        </a:rPr>
-                        <a:t>+</a:t>
-                      </a:r>
-                      <a:r>
-                        <a:rPr lang="zh-CN" altLang="en-US" sz="1400">
-                          <a:solidFill>
-                            <a:srgbClr val="000000"/>
-                          </a:solidFill>
-                          <a:latin typeface="Calibri" charset="0"/>
-                          <a:cs typeface="Calibri" charset="0"/>
-                        </a:rPr>
-                        <a:t>压测工具</a:t>
-                      </a:r>
-                      <a:r>
-                        <a:rPr lang="en-US" altLang="zh-CN" sz="1400">
-                          <a:solidFill>
-                            <a:srgbClr val="000000"/>
-                          </a:solidFill>
-                          <a:latin typeface="Calibri" charset="0"/>
-                          <a:cs typeface="Calibri" charset="0"/>
-                        </a:rPr>
-                        <a:t>+stream</a:t>
-                      </a:r>
-                      <a:endParaRPr lang="en-US" altLang="zh-CN" sz="1400">
-                        <a:solidFill>
-                          <a:srgbClr val="000000"/>
-                        </a:solidFill>
-                        <a:latin typeface="Calibri" charset="0"/>
-                        <a:ea typeface="Calibri" charset="0"/>
-                        <a:cs typeface="Calibri" charset="0"/>
-                      </a:endParaRPr>
-                    </a:p>
-                  </a:txBody>
-                  <a:tcPr marL="0" marR="0" marT="0" marB="0" vert="horz" anchor="ctr">
-                    <a:lnL w="6350" cap="flat" cmpd="sng">
-                      <a:solidFill>
-                        <a:srgbClr val="000000"/>
-                      </a:solidFill>
-                      <a:prstDash val="dot"/>
-                      <a:headEnd type="none" w="med" len="med"/>
-                      <a:tailEnd type="none" w="med" len="med"/>
-                    </a:lnL>
-                    <a:lnR w="6350" cap="flat" cmpd="sng">
-                      <a:solidFill>
-                        <a:srgbClr val="000000"/>
-                      </a:solidFill>
-                      <a:prstDash val="dot"/>
-                      <a:headEnd type="none" w="med" len="med"/>
-                      <a:tailEnd type="none" w="med" len="med"/>
-                    </a:lnR>
-                    <a:lnT w="6350" cap="flat" cmpd="sng">
-                      <a:solidFill>
-                        <a:srgbClr val="000000"/>
-                      </a:solidFill>
-                      <a:prstDash val="dot"/>
-                      <a:headEnd type="none" w="med" len="med"/>
-                      <a:tailEnd type="none" w="med" len="med"/>
-                    </a:lnT>
-                    <a:lnB w="6350" cap="flat" cmpd="sng">
-                      <a:solidFill>
-                        <a:srgbClr val="000000"/>
-                      </a:solidFill>
-                      <a:prstDash val="dot"/>
-                      <a:headEnd type="none" w="med" len="med"/>
-                      <a:tailEnd type="none" w="med" len="med"/>
-                    </a:lnB>
-                    <a:lnTlToBr>
-                      <a:noFill/>
-                    </a:lnTlToBr>
-                    <a:lnBlToTr>
-                      <a:noFill/>
-                    </a:lnBlToTr>
-                    <a:noFill/>
-                  </a:tcPr>
-                </a:tc>
-                <a:tc>
-                  <a:txBody>
-                    <a:bodyPr/>
-                    <a:p>
-                      <a:pPr algn="l">
-                        <a:buNone/>
-                      </a:pPr>
-                      <a:endParaRPr lang="en-US" sz="1400">
-                        <a:solidFill>
-                          <a:srgbClr val="000000"/>
-                        </a:solidFill>
-                        <a:latin typeface="Calibri" charset="0"/>
-                        <a:ea typeface="Calibri" charset="0"/>
-                        <a:cs typeface="Calibri" charset="0"/>
-                      </a:endParaRPr>
-                    </a:p>
-                  </a:txBody>
-                  <a:tcPr marL="0" marR="0" marT="0" marB="0" vert="horz" anchor="ctr">
-                    <a:lnL w="6350" cap="flat" cmpd="sng">
-                      <a:solidFill>
-                        <a:srgbClr val="000000"/>
-                      </a:solidFill>
-                      <a:prstDash val="dot"/>
-                      <a:headEnd type="none" w="med" len="med"/>
-                      <a:tailEnd type="none" w="med" len="med"/>
-                    </a:lnL>
-                    <a:lnR w="6350" cap="flat" cmpd="sng">
-                      <a:solidFill>
-                        <a:srgbClr val="000000"/>
-                      </a:solidFill>
-                      <a:prstDash val="dot"/>
-                      <a:headEnd type="none" w="med" len="med"/>
-                      <a:tailEnd type="none" w="med" len="med"/>
-                    </a:lnR>
-                    <a:lnT w="6350" cap="flat" cmpd="sng">
-                      <a:solidFill>
-                        <a:srgbClr val="000000"/>
-                      </a:solidFill>
-                      <a:prstDash val="dot"/>
-                      <a:headEnd type="none" w="med" len="med"/>
-                      <a:tailEnd type="none" w="med" len="med"/>
-                    </a:lnT>
-                    <a:lnB w="6350" cap="flat" cmpd="sng">
-                      <a:solidFill>
-                        <a:srgbClr val="000000"/>
-                      </a:solidFill>
-                      <a:prstDash val="dot"/>
-                      <a:headEnd type="none" w="med" len="med"/>
-                      <a:tailEnd type="none" w="med" len="med"/>
-                    </a:lnB>
-                    <a:lnTlToBr>
-                      <a:noFill/>
-                    </a:lnTlToBr>
-                    <a:lnBlToTr>
-                      <a:noFill/>
-                    </a:lnBlToTr>
-                    <a:noFill/>
-                  </a:tcPr>
-                </a:tc>
-              </a:tr>
-              <a:tr h="586740">
-                <a:tc>
-                  <a:txBody>
-                    <a:bodyPr/>
-                    <a:p>
-                      <a:pPr algn="l">
-                        <a:buNone/>
-                      </a:pPr>
-                      <a:r>
-                        <a:rPr lang="zh-CN" altLang="en-US" sz="1400">
-                          <a:solidFill>
-                            <a:srgbClr val="000000"/>
-                          </a:solidFill>
-                          <a:latin typeface="Calibri" charset="0"/>
-                          <a:cs typeface="Calibri" charset="0"/>
-                        </a:rPr>
-                        <a:t>顾问</a:t>
-                      </a:r>
-                      <a:endParaRPr lang="zh-CN" altLang="en-US" sz="1400">
-                        <a:solidFill>
-                          <a:srgbClr val="000000"/>
-                        </a:solidFill>
-                        <a:latin typeface="Calibri" charset="0"/>
-                        <a:ea typeface="Calibri" charset="0"/>
-                        <a:cs typeface="Calibri" charset="0"/>
-                      </a:endParaRPr>
-                    </a:p>
-                  </a:txBody>
-                  <a:tcPr marL="0" marR="0" marT="0" marB="0" vert="horz" anchor="ctr">
-                    <a:lnL w="6350" cap="flat" cmpd="sng">
-                      <a:solidFill>
-                        <a:srgbClr val="000000"/>
-                      </a:solidFill>
-                      <a:prstDash val="dot"/>
-                      <a:headEnd type="none" w="med" len="med"/>
-                      <a:tailEnd type="none" w="med" len="med"/>
-                    </a:lnL>
-                    <a:lnR w="6350" cap="flat" cmpd="sng">
-                      <a:solidFill>
-                        <a:srgbClr val="000000"/>
-                      </a:solidFill>
-                      <a:prstDash val="dot"/>
-                      <a:headEnd type="none" w="med" len="med"/>
-                      <a:tailEnd type="none" w="med" len="med"/>
-                    </a:lnR>
-                    <a:lnT w="6350" cap="flat" cmpd="sng">
-                      <a:solidFill>
-                        <a:srgbClr val="000000"/>
-                      </a:solidFill>
-                      <a:prstDash val="dot"/>
-                      <a:headEnd type="none" w="med" len="med"/>
-                      <a:tailEnd type="none" w="med" len="med"/>
-                    </a:lnT>
-                    <a:lnB w="6350" cap="flat" cmpd="sng">
-                      <a:solidFill>
-                        <a:srgbClr val="000000"/>
-                      </a:solidFill>
-                      <a:prstDash val="dot"/>
-                      <a:headEnd type="none" w="med" len="med"/>
-                      <a:tailEnd type="none" w="med" len="med"/>
-                    </a:lnB>
-                    <a:lnTlToBr>
-                      <a:noFill/>
-                    </a:lnTlToBr>
-                    <a:lnBlToTr>
-                      <a:noFill/>
-                    </a:lnBlToTr>
-                    <a:noFill/>
-                  </a:tcPr>
-                </a:tc>
-                <a:tc>
-                  <a:txBody>
-                    <a:bodyPr/>
-                    <a:p>
-                      <a:pPr algn="l">
-                        <a:buNone/>
-                      </a:pPr>
-                      <a:r>
-                        <a:rPr lang="zh-CN" altLang="en-US" sz="1400">
-                          <a:solidFill>
-                            <a:srgbClr val="000000"/>
-                          </a:solidFill>
-                          <a:latin typeface="Calibri" charset="0"/>
-                          <a:cs typeface="Calibri" charset="0"/>
-                        </a:rPr>
-                        <a:t>付希明</a:t>
-                      </a:r>
-                      <a:endParaRPr lang="zh-CN" altLang="en-US" sz="1400">
-                        <a:solidFill>
-                          <a:srgbClr val="000000"/>
-                        </a:solidFill>
-                        <a:latin typeface="Calibri" charset="0"/>
-                        <a:cs typeface="Calibri" charset="0"/>
-                      </a:endParaRPr>
-                    </a:p>
-                    <a:p>
-                      <a:pPr algn="l">
-                        <a:buNone/>
-                      </a:pPr>
-                      <a:r>
-                        <a:rPr lang="zh-CN" altLang="en-US" sz="1400">
-                          <a:solidFill>
-                            <a:srgbClr val="000000"/>
-                          </a:solidFill>
-                          <a:latin typeface="Calibri" charset="0"/>
-                          <a:cs typeface="Calibri" charset="0"/>
-                        </a:rPr>
-                        <a:t>异步网络共识出块专利</a:t>
-                      </a:r>
-                      <a:endParaRPr lang="zh-CN" altLang="en-US" sz="1400">
-                        <a:solidFill>
-                          <a:srgbClr val="000000"/>
-                        </a:solidFill>
-                        <a:latin typeface="Calibri" charset="0"/>
-                        <a:ea typeface="Calibri" charset="0"/>
-                        <a:cs typeface="Calibri" charset="0"/>
-                      </a:endParaRPr>
-                    </a:p>
-                  </a:txBody>
-                  <a:tcPr marL="0" marR="0" marT="0" marB="0" vert="horz" anchor="ctr">
-                    <a:lnL w="6350" cap="flat" cmpd="sng">
-                      <a:solidFill>
-                        <a:srgbClr val="000000"/>
-                      </a:solidFill>
-                      <a:prstDash val="dot"/>
-                      <a:headEnd type="none" w="med" len="med"/>
-                      <a:tailEnd type="none" w="med" len="med"/>
-                    </a:lnL>
-                    <a:lnR w="6350" cap="flat" cmpd="sng">
-                      <a:solidFill>
-                        <a:srgbClr val="000000"/>
-                      </a:solidFill>
-                      <a:prstDash val="dot"/>
-                      <a:headEnd type="none" w="med" len="med"/>
-                      <a:tailEnd type="none" w="med" len="med"/>
-                    </a:lnR>
-                    <a:lnT w="6350" cap="flat" cmpd="sng">
-                      <a:solidFill>
-                        <a:srgbClr val="000000"/>
-                      </a:solidFill>
-                      <a:prstDash val="dot"/>
-                      <a:headEnd type="none" w="med" len="med"/>
-                      <a:tailEnd type="none" w="med" len="med"/>
-                    </a:lnT>
-                    <a:lnB w="6350" cap="flat" cmpd="sng">
-                      <a:solidFill>
-                        <a:srgbClr val="000000"/>
-                      </a:solidFill>
-                      <a:prstDash val="dot"/>
-                      <a:headEnd type="none" w="med" len="med"/>
-                      <a:tailEnd type="none" w="med" len="med"/>
-                    </a:lnB>
-                    <a:lnTlToBr>
-                      <a:noFill/>
-                    </a:lnTlToBr>
-                    <a:lnBlToTr>
-                      <a:noFill/>
-                    </a:lnBlToTr>
-                    <a:noFill/>
-                  </a:tcPr>
-                </a:tc>
-                <a:tc>
-                  <a:txBody>
-                    <a:bodyPr/>
-                    <a:p>
-                      <a:pPr algn="l">
-                        <a:buNone/>
-                      </a:pPr>
-                      <a:r>
-                        <a:rPr lang="en-US" altLang="zh-CN" sz="1400">
-                          <a:solidFill>
-                            <a:srgbClr val="000000"/>
-                          </a:solidFill>
-                          <a:latin typeface="Calibri" charset="0"/>
-                          <a:cs typeface="Calibri" charset="0"/>
-                        </a:rPr>
-                        <a:t>                  </a:t>
-                      </a:r>
-                      <a:endParaRPr lang="en-US" altLang="zh-CN" sz="1400">
-                        <a:solidFill>
-                          <a:srgbClr val="000000"/>
-                        </a:solidFill>
-                        <a:latin typeface="Calibri" charset="0"/>
-                        <a:ea typeface="Calibri" charset="0"/>
-                        <a:cs typeface="Calibri" charset="0"/>
-                      </a:endParaRPr>
-                    </a:p>
-                  </a:txBody>
-                  <a:tcPr marL="0" marR="0" marT="0" marB="0" vert="horz" anchor="ctr">
-                    <a:lnL w="6350" cap="flat" cmpd="sng">
-                      <a:solidFill>
-                        <a:srgbClr val="000000"/>
-                      </a:solidFill>
-                      <a:prstDash val="dot"/>
-                      <a:headEnd type="none" w="med" len="med"/>
-                      <a:tailEnd type="none" w="med" len="med"/>
-                    </a:lnL>
-                    <a:lnR w="6350" cap="flat" cmpd="sng">
-                      <a:solidFill>
-                        <a:srgbClr val="000000"/>
-                      </a:solidFill>
-                      <a:prstDash val="dot"/>
-                      <a:headEnd type="none" w="med" len="med"/>
-                      <a:tailEnd type="none" w="med" len="med"/>
-                    </a:lnR>
-                    <a:lnT w="6350" cap="flat" cmpd="sng">
-                      <a:solidFill>
-                        <a:srgbClr val="000000"/>
-                      </a:solidFill>
-                      <a:prstDash val="dot"/>
-                      <a:headEnd type="none" w="med" len="med"/>
-                      <a:tailEnd type="none" w="med" len="med"/>
-                    </a:lnT>
-                    <a:lnB w="6350" cap="flat" cmpd="sng">
-                      <a:solidFill>
-                        <a:srgbClr val="000000"/>
-                      </a:solidFill>
-                      <a:prstDash val="dot"/>
-                      <a:headEnd type="none" w="med" len="med"/>
-                      <a:tailEnd type="none" w="med" len="med"/>
-                    </a:lnB>
-                    <a:lnTlToBr>
-                      <a:noFill/>
-                    </a:lnTlToBr>
-                    <a:lnBlToTr>
-                      <a:noFill/>
-                    </a:lnBlToTr>
-                    <a:noFill/>
-                  </a:tcPr>
-                </a:tc>
-                <a:tc>
-                  <a:txBody>
-                    <a:bodyPr/>
-                    <a:p>
-                      <a:pPr algn="l">
-                        <a:buNone/>
-                      </a:pPr>
-                      <a:endParaRPr lang="en-US" sz="1400">
-                        <a:solidFill>
-                          <a:srgbClr val="000000"/>
-                        </a:solidFill>
-                        <a:latin typeface="Calibri" charset="0"/>
-                        <a:ea typeface="Calibri" charset="0"/>
-                        <a:cs typeface="Calibri" charset="0"/>
-                      </a:endParaRPr>
-                    </a:p>
-                  </a:txBody>
-                  <a:tcPr marL="0" marR="0" marT="0" marB="0" vert="horz" anchor="ctr">
-                    <a:lnL w="6350" cap="flat" cmpd="sng">
-                      <a:solidFill>
-                        <a:srgbClr val="000000"/>
-                      </a:solidFill>
-                      <a:prstDash val="dot"/>
-                      <a:headEnd type="none" w="med" len="med"/>
-                      <a:tailEnd type="none" w="med" len="med"/>
-                    </a:lnL>
-                    <a:lnR w="6350" cap="flat" cmpd="sng">
-                      <a:solidFill>
-                        <a:srgbClr val="000000"/>
-                      </a:solidFill>
-                      <a:prstDash val="dot"/>
-                      <a:headEnd type="none" w="med" len="med"/>
-                      <a:tailEnd type="none" w="med" len="med"/>
-                    </a:lnR>
-                    <a:lnT w="6350" cap="flat" cmpd="sng">
-                      <a:solidFill>
-                        <a:srgbClr val="000000"/>
-                      </a:solidFill>
-                      <a:prstDash val="dot"/>
-                      <a:headEnd type="none" w="med" len="med"/>
-                      <a:tailEnd type="none" w="med" len="med"/>
-                    </a:lnT>
-                    <a:lnB w="6350" cap="flat" cmpd="sng">
-                      <a:solidFill>
-                        <a:srgbClr val="000000"/>
-                      </a:solidFill>
-                      <a:prstDash val="dot"/>
-                      <a:headEnd type="none" w="med" len="med"/>
-                      <a:tailEnd type="none" w="med" len="med"/>
-                    </a:lnB>
-                    <a:lnTlToBr>
-                      <a:noFill/>
-                    </a:lnTlToBr>
-                    <a:lnBlToTr>
-                      <a:noFill/>
-                    </a:lnBlToTr>
-                    <a:noFill/>
-                  </a:tcPr>
-                </a:tc>
-              </a:tr>
-            </a:tbl>
-          </a:graphicData>
-        </a:graphic>
-      </p:graphicFrame>
+        </p:nvSpPr>
+        <p:spPr>
+          <a:xfrm>
+            <a:off x="670346" y="1533934"/>
+            <a:ext cx="10515600" cy="4351338"/>
+          </a:xfrm>
+          <a:prstGeom prst="rect">
+            <a:avLst/>
+          </a:prstGeom>
+          <a:ln w="12700">
+            <a:miter lim="400000"/>
+          </a:ln>
+        </p:spPr>
+        <p:txBody>
+          <a:bodyPr lIns="45719" rIns="45719">
+            <a:normAutofit/>
+          </a:bodyPr>
+          <a:lstStyle>
+            <a:lvl1pPr marL="228600" marR="0" indent="-228600" algn="l" defTabSz="914400" rtl="0" latinLnBrk="0">
+              <a:lnSpc>
+                <a:spcPct val="90000"/>
+              </a:lnSpc>
+              <a:spcBef>
+                <a:spcPts val="1000"/>
+              </a:spcBef>
+              <a:spcAft>
+                <a:spcPts val="0"/>
+              </a:spcAft>
+              <a:buClrTx/>
+              <a:buSzPct val="100000"/>
+              <a:buFont typeface="Arial" panose="020B0604020202090204"/>
+              <a:buChar char="•"/>
+              <a:defRPr sz="2800" b="0" i="0" u="none" strike="noStrike" cap="none" spc="0" baseline="0">
+                <a:solidFill>
+                  <a:srgbClr val="000000"/>
+                </a:solidFill>
+                <a:uFillTx/>
+                <a:latin typeface="Microsoft YaHei Light"/>
+                <a:ea typeface="Microsoft YaHei Light"/>
+                <a:cs typeface="Microsoft YaHei Light"/>
+                <a:sym typeface="Microsoft YaHei Light"/>
+              </a:defRPr>
+            </a:lvl1pPr>
+            <a:lvl2pPr marL="723900" marR="0" indent="-266700" algn="l" defTabSz="914400" rtl="0" latinLnBrk="0">
+              <a:lnSpc>
+                <a:spcPct val="90000"/>
+              </a:lnSpc>
+              <a:spcBef>
+                <a:spcPts val="1000"/>
+              </a:spcBef>
+              <a:spcAft>
+                <a:spcPts val="0"/>
+              </a:spcAft>
+              <a:buClrTx/>
+              <a:buSzPct val="100000"/>
+              <a:buFont typeface="Arial" panose="020B0604020202090204"/>
+              <a:buChar char="•"/>
+              <a:defRPr sz="2800" b="0" i="0" u="none" strike="noStrike" cap="none" spc="0" baseline="0">
+                <a:solidFill>
+                  <a:srgbClr val="000000"/>
+                </a:solidFill>
+                <a:uFillTx/>
+                <a:latin typeface="Microsoft YaHei Light"/>
+                <a:ea typeface="Microsoft YaHei Light"/>
+                <a:cs typeface="Microsoft YaHei Light"/>
+                <a:sym typeface="Microsoft YaHei Light"/>
+              </a:defRPr>
+            </a:lvl2pPr>
+            <a:lvl3pPr marL="1234440" marR="0" indent="-320040" algn="l" defTabSz="914400" rtl="0" latinLnBrk="0">
+              <a:lnSpc>
+                <a:spcPct val="90000"/>
+              </a:lnSpc>
+              <a:spcBef>
+                <a:spcPts val="1000"/>
+              </a:spcBef>
+              <a:spcAft>
+                <a:spcPts val="0"/>
+              </a:spcAft>
+              <a:buClrTx/>
+              <a:buSzPct val="100000"/>
+              <a:buFont typeface="Arial" panose="020B0604020202090204"/>
+              <a:buChar char="•"/>
+              <a:defRPr sz="2800" b="0" i="0" u="none" strike="noStrike" cap="none" spc="0" baseline="0">
+                <a:solidFill>
+                  <a:srgbClr val="000000"/>
+                </a:solidFill>
+                <a:uFillTx/>
+                <a:latin typeface="Microsoft YaHei Light"/>
+                <a:ea typeface="Microsoft YaHei Light"/>
+                <a:cs typeface="Microsoft YaHei Light"/>
+                <a:sym typeface="Microsoft YaHei Light"/>
+              </a:defRPr>
+            </a:lvl3pPr>
+            <a:lvl4pPr marL="1727200" marR="0" indent="-355600" algn="l" defTabSz="914400" rtl="0" latinLnBrk="0">
+              <a:lnSpc>
+                <a:spcPct val="90000"/>
+              </a:lnSpc>
+              <a:spcBef>
+                <a:spcPts val="1000"/>
+              </a:spcBef>
+              <a:spcAft>
+                <a:spcPts val="0"/>
+              </a:spcAft>
+              <a:buClrTx/>
+              <a:buSzPct val="100000"/>
+              <a:buFont typeface="Arial" panose="020B0604020202090204"/>
+              <a:buChar char="•"/>
+              <a:defRPr sz="2800" b="0" i="0" u="none" strike="noStrike" cap="none" spc="0" baseline="0">
+                <a:solidFill>
+                  <a:srgbClr val="000000"/>
+                </a:solidFill>
+                <a:uFillTx/>
+                <a:latin typeface="Microsoft YaHei Light"/>
+                <a:ea typeface="Microsoft YaHei Light"/>
+                <a:cs typeface="Microsoft YaHei Light"/>
+                <a:sym typeface="Microsoft YaHei Light"/>
+              </a:defRPr>
+            </a:lvl4pPr>
+            <a:lvl5pPr marL="2184400" marR="0" indent="-355600" algn="l" defTabSz="914400" rtl="0" latinLnBrk="0">
+              <a:lnSpc>
+                <a:spcPct val="90000"/>
+              </a:lnSpc>
+              <a:spcBef>
+                <a:spcPts val="1000"/>
+              </a:spcBef>
+              <a:spcAft>
+                <a:spcPts val="0"/>
+              </a:spcAft>
+              <a:buClrTx/>
+              <a:buSzPct val="100000"/>
+              <a:buFont typeface="Arial" panose="020B0604020202090204"/>
+              <a:buChar char="•"/>
+              <a:defRPr sz="2800" b="0" i="0" u="none" strike="noStrike" cap="none" spc="0" baseline="0">
+                <a:solidFill>
+                  <a:srgbClr val="000000"/>
+                </a:solidFill>
+                <a:uFillTx/>
+                <a:latin typeface="Microsoft YaHei Light"/>
+                <a:ea typeface="Microsoft YaHei Light"/>
+                <a:cs typeface="Microsoft YaHei Light"/>
+                <a:sym typeface="Microsoft YaHei Light"/>
+              </a:defRPr>
+            </a:lvl5pPr>
+            <a:lvl6pPr marL="2641600" marR="0" indent="-355600" algn="l" defTabSz="914400" rtl="0" latinLnBrk="0">
+              <a:lnSpc>
+                <a:spcPct val="90000"/>
+              </a:lnSpc>
+              <a:spcBef>
+                <a:spcPts val="1000"/>
+              </a:spcBef>
+              <a:spcAft>
+                <a:spcPts val="0"/>
+              </a:spcAft>
+              <a:buClrTx/>
+              <a:buSzPct val="100000"/>
+              <a:buFont typeface="Arial" panose="020B0604020202090204"/>
+              <a:buChar char="•"/>
+              <a:defRPr sz="2800" b="0" i="0" u="none" strike="noStrike" cap="none" spc="0" baseline="0">
+                <a:solidFill>
+                  <a:srgbClr val="000000"/>
+                </a:solidFill>
+                <a:uFillTx/>
+                <a:latin typeface="Microsoft YaHei Light"/>
+                <a:ea typeface="Microsoft YaHei Light"/>
+                <a:cs typeface="Microsoft YaHei Light"/>
+                <a:sym typeface="Microsoft YaHei Light"/>
+              </a:defRPr>
+            </a:lvl6pPr>
+            <a:lvl7pPr marL="3098800" marR="0" indent="-355600" algn="l" defTabSz="914400" rtl="0" latinLnBrk="0">
+              <a:lnSpc>
+                <a:spcPct val="90000"/>
+              </a:lnSpc>
+              <a:spcBef>
+                <a:spcPts val="1000"/>
+              </a:spcBef>
+              <a:spcAft>
+                <a:spcPts val="0"/>
+              </a:spcAft>
+              <a:buClrTx/>
+              <a:buSzPct val="100000"/>
+              <a:buFont typeface="Arial" panose="020B0604020202090204"/>
+              <a:buChar char="•"/>
+              <a:defRPr sz="2800" b="0" i="0" u="none" strike="noStrike" cap="none" spc="0" baseline="0">
+                <a:solidFill>
+                  <a:srgbClr val="000000"/>
+                </a:solidFill>
+                <a:uFillTx/>
+                <a:latin typeface="Microsoft YaHei Light"/>
+                <a:ea typeface="Microsoft YaHei Light"/>
+                <a:cs typeface="Microsoft YaHei Light"/>
+                <a:sym typeface="Microsoft YaHei Light"/>
+              </a:defRPr>
+            </a:lvl7pPr>
+            <a:lvl8pPr marL="3556000" marR="0" indent="-355600" algn="l" defTabSz="914400" rtl="0" latinLnBrk="0">
+              <a:lnSpc>
+                <a:spcPct val="90000"/>
+              </a:lnSpc>
+              <a:spcBef>
+                <a:spcPts val="1000"/>
+              </a:spcBef>
+              <a:spcAft>
+                <a:spcPts val="0"/>
+              </a:spcAft>
+              <a:buClrTx/>
+              <a:buSzPct val="100000"/>
+              <a:buFont typeface="Arial" panose="020B0604020202090204"/>
+              <a:buChar char="•"/>
+              <a:defRPr sz="2800" b="0" i="0" u="none" strike="noStrike" cap="none" spc="0" baseline="0">
+                <a:solidFill>
+                  <a:srgbClr val="000000"/>
+                </a:solidFill>
+                <a:uFillTx/>
+                <a:latin typeface="Microsoft YaHei Light"/>
+                <a:ea typeface="Microsoft YaHei Light"/>
+                <a:cs typeface="Microsoft YaHei Light"/>
+                <a:sym typeface="Microsoft YaHei Light"/>
+              </a:defRPr>
+            </a:lvl8pPr>
+            <a:lvl9pPr marL="4013200" marR="0" indent="-355600" algn="l" defTabSz="914400" rtl="0" latinLnBrk="0">
+              <a:lnSpc>
+                <a:spcPct val="90000"/>
+              </a:lnSpc>
+              <a:spcBef>
+                <a:spcPts val="1000"/>
+              </a:spcBef>
+              <a:spcAft>
+                <a:spcPts val="0"/>
+              </a:spcAft>
+              <a:buClrTx/>
+              <a:buSzPct val="100000"/>
+              <a:buFont typeface="Arial" panose="020B0604020202090204"/>
+              <a:buChar char="•"/>
+              <a:defRPr sz="2800" b="0" i="0" u="none" strike="noStrike" cap="none" spc="0" baseline="0">
+                <a:solidFill>
+                  <a:srgbClr val="000000"/>
+                </a:solidFill>
+                <a:uFillTx/>
+                <a:latin typeface="Microsoft YaHei Light"/>
+                <a:ea typeface="Microsoft YaHei Light"/>
+                <a:cs typeface="Microsoft YaHei Light"/>
+                <a:sym typeface="Microsoft YaHei Light"/>
+              </a:defRPr>
+            </a:lvl9pPr>
+          </a:lstStyle>
+          <a:p>
+            <a:pPr marL="0" indent="0" hangingPunct="1">
+              <a:buNone/>
+            </a:pPr>
+            <a:r>
+              <a:rPr kumimoji="1" lang="zh-CN" altLang="en-US" sz="2400" dirty="0" smtClean="0"/>
+              <a:t>半年后团队样子</a:t>
+            </a:r>
+            <a:r>
+              <a:rPr kumimoji="1" lang="en-US" altLang="zh-CN" sz="2400" dirty="0" smtClean="0"/>
+              <a:t>,</a:t>
+            </a:r>
+            <a:r>
+              <a:rPr kumimoji="1" lang="zh-CN" altLang="en-US" sz="2400" dirty="0" smtClean="0"/>
+              <a:t> 和期间的</a:t>
+            </a:r>
+            <a:r>
+              <a:rPr kumimoji="1" lang="en-US" altLang="zh-CN" sz="2400" dirty="0" smtClean="0"/>
+              <a:t>action</a:t>
+            </a:r>
+            <a:r>
+              <a:rPr kumimoji="1" lang="zh-CN" altLang="en-US" sz="2400" dirty="0" smtClean="0"/>
+              <a:t>：</a:t>
+            </a:r>
+            <a:endParaRPr kumimoji="1" lang="en-US" altLang="zh-CN" sz="2400" dirty="0"/>
+          </a:p>
+          <a:p>
+            <a:pPr hangingPunct="1">
+              <a:buFontTx/>
+              <a:buChar char="-"/>
+            </a:pPr>
+            <a:r>
+              <a:rPr kumimoji="1" lang="zh-CN" altLang="en-US" sz="2400" dirty="0" smtClean="0"/>
+              <a:t>提拔一个高潜的</a:t>
+            </a:r>
+            <a:r>
+              <a:rPr kumimoji="1" lang="en-US" altLang="zh-CN" sz="2400" dirty="0" smtClean="0"/>
+              <a:t>P6+(</a:t>
+            </a:r>
+            <a:r>
+              <a:rPr kumimoji="1" lang="zh-CN" altLang="en-US" sz="2400" dirty="0" smtClean="0"/>
+              <a:t>孟祥剑</a:t>
+            </a:r>
+            <a:r>
+              <a:rPr kumimoji="1" lang="en-US" altLang="zh-CN" sz="2400" dirty="0" smtClean="0"/>
+              <a:t>)</a:t>
+            </a:r>
+            <a:r>
+              <a:rPr kumimoji="1" lang="zh-CN" altLang="en-US" sz="2400" dirty="0" smtClean="0"/>
+              <a:t>到</a:t>
+            </a:r>
+            <a:r>
+              <a:rPr kumimoji="1" lang="en-US" altLang="zh-CN" sz="2400" dirty="0" smtClean="0"/>
+              <a:t>P7</a:t>
+            </a:r>
+            <a:r>
+              <a:rPr kumimoji="1" lang="zh-CN" altLang="en-US" sz="2400" dirty="0" smtClean="0"/>
+              <a:t>，期间，帮助其在团队中建立威望，使其成为</a:t>
+            </a:r>
+            <a:r>
+              <a:rPr kumimoji="1" lang="en-US" altLang="zh-CN" sz="2400" dirty="0" smtClean="0"/>
+              <a:t>TL</a:t>
+            </a:r>
+            <a:r>
+              <a:rPr kumimoji="1" lang="zh-CN" altLang="en-US" sz="2400" dirty="0" smtClean="0"/>
+              <a:t>的</a:t>
+            </a:r>
+            <a:r>
+              <a:rPr kumimoji="1" lang="en-US" altLang="zh-CN" sz="2400" dirty="0" smtClean="0"/>
+              <a:t>backup</a:t>
+            </a:r>
+            <a:r>
+              <a:rPr kumimoji="1" lang="zh-CN" altLang="en-US" sz="2400" dirty="0" smtClean="0"/>
+              <a:t>。</a:t>
+            </a:r>
+            <a:endParaRPr kumimoji="1" lang="en-US" altLang="zh-CN" sz="2400" dirty="0" smtClean="0"/>
+          </a:p>
+          <a:p>
+            <a:pPr hangingPunct="1">
+              <a:buFontTx/>
+              <a:buChar char="-"/>
+            </a:pPr>
+            <a:r>
+              <a:rPr kumimoji="1" lang="zh-CN" altLang="en-US" sz="2400" dirty="0" smtClean="0"/>
+              <a:t>提拔一个高潜</a:t>
+            </a:r>
+            <a:r>
+              <a:rPr kumimoji="1" lang="en-US" altLang="zh-CN" sz="2400" dirty="0" smtClean="0"/>
+              <a:t>P5(</a:t>
+            </a:r>
+            <a:r>
+              <a:rPr kumimoji="1" lang="zh-CN" altLang="en-US" sz="2400" dirty="0" smtClean="0"/>
+              <a:t>王冠一</a:t>
+            </a:r>
+            <a:r>
+              <a:rPr kumimoji="1" lang="en-US" altLang="zh-CN" sz="2400" dirty="0" smtClean="0"/>
+              <a:t>)</a:t>
+            </a:r>
+            <a:r>
+              <a:rPr kumimoji="1" lang="zh-CN" altLang="en-US" sz="2400" dirty="0" smtClean="0"/>
+              <a:t>到</a:t>
+            </a:r>
+            <a:r>
+              <a:rPr kumimoji="1" lang="en-US" altLang="zh-CN" sz="2400" dirty="0" smtClean="0"/>
+              <a:t>P6</a:t>
+            </a:r>
+            <a:endParaRPr kumimoji="1" lang="en-US" altLang="zh-CN" sz="2400" dirty="0" smtClean="0"/>
+          </a:p>
+          <a:p>
+            <a:pPr hangingPunct="1">
+              <a:buFontTx/>
+              <a:buChar char="-"/>
+            </a:pPr>
+            <a:r>
+              <a:rPr kumimoji="1" lang="zh-CN" altLang="en-US" sz="2400" dirty="0" smtClean="0"/>
+              <a:t>培养或招聘到</a:t>
+            </a:r>
+            <a:r>
+              <a:rPr kumimoji="1" lang="en-US" altLang="zh-CN" sz="2400" dirty="0" smtClean="0"/>
+              <a:t>1-2</a:t>
+            </a:r>
+            <a:r>
+              <a:rPr kumimoji="1" lang="zh-CN" altLang="en-US" sz="2400" dirty="0" smtClean="0"/>
+              <a:t>个技术型区块链产品研究人员</a:t>
+            </a:r>
+            <a:endParaRPr kumimoji="1" lang="en-US" altLang="zh-CN" sz="2400" dirty="0" smtClean="0"/>
+          </a:p>
+          <a:p>
+            <a:pPr hangingPunct="1">
+              <a:buFontTx/>
+              <a:buChar char="-"/>
+            </a:pPr>
+            <a:r>
+              <a:rPr kumimoji="1" lang="zh-CN" altLang="en-US" sz="2400" dirty="0"/>
+              <a:t>招聘</a:t>
+            </a:r>
+            <a:r>
+              <a:rPr kumimoji="1" lang="en-US" altLang="zh-CN" sz="2400" dirty="0" smtClean="0"/>
+              <a:t>3</a:t>
+            </a:r>
+            <a:r>
+              <a:rPr kumimoji="1" lang="zh-CN" altLang="en-US" sz="2400" dirty="0" smtClean="0"/>
+              <a:t>个成员（</a:t>
+            </a:r>
+            <a:r>
+              <a:rPr kumimoji="1" lang="en-US" altLang="zh-CN" sz="2400" dirty="0" smtClean="0"/>
+              <a:t>P5-P6</a:t>
+            </a:r>
+            <a:r>
+              <a:rPr kumimoji="1" lang="zh-CN" altLang="en-US" sz="2400" dirty="0" smtClean="0"/>
+              <a:t>）做联盟链解决方案</a:t>
+            </a:r>
+            <a:endParaRPr kumimoji="1" lang="en-US" altLang="zh-CN" sz="2400" dirty="0" smtClean="0"/>
+          </a:p>
+          <a:p>
+            <a:pPr hangingPunct="1">
+              <a:buFontTx/>
+              <a:buChar char="-"/>
+            </a:pPr>
+            <a:endParaRPr kumimoji="1" lang="en-US" altLang="zh-CN" sz="2400" dirty="0" smtClean="0"/>
+          </a:p>
+          <a:p>
+            <a:pPr hangingPunct="1">
+              <a:buFontTx/>
+              <a:buChar char="-"/>
+            </a:pPr>
+            <a:endParaRPr kumimoji="1" lang="en-US" altLang="zh-CN" sz="2400" dirty="0" smtClean="0"/>
+          </a:p>
+          <a:p>
+            <a:pPr hangingPunct="1">
+              <a:buFontTx/>
+              <a:buChar char="-"/>
+            </a:pPr>
+            <a:endParaRPr kumimoji="1" lang="en-US" altLang="zh-CN" sz="2400" dirty="0" smtClean="0"/>
+          </a:p>
+        </p:txBody>
+      </p:sp>
     </p:spTree>
+    <p:extLst>
+      <p:ext uri="{BB962C8B-B14F-4D97-AF65-F5344CB8AC3E}">
+        <p14:creationId xmlns:p14="http://schemas.microsoft.com/office/powerpoint/2010/main" val="29521719"/>
+      </p:ext>
+    </p:extLst>
   </p:cSld>
   <p:clrMapOvr>
     <a:masterClrMapping/>
@@ -7197,72 +7203,20 @@
               <a:buNone/>
             </a:pPr>
             <a:r>
-              <a:rPr kumimoji="1" lang="zh-CN" altLang="en-US" dirty="0" smtClean="0"/>
-              <a:t>为了更好的支撑业务发展，您团队可以进行哪些方面的优化或完善？</a:t>
-            </a:r>
-            <a:endParaRPr kumimoji="1" lang="en-US" altLang="zh-CN" dirty="0" smtClean="0"/>
-          </a:p>
-          <a:p>
-            <a:pPr marL="0" indent="0" hangingPunct="1">
-              <a:buNone/>
-            </a:pPr>
-            <a:r>
-              <a:rPr kumimoji="1" lang="zh-CN" altLang="en-US" sz="2000" dirty="0" smtClean="0"/>
-              <a:t>（如下</a:t>
+              <a:rPr kumimoji="1" lang="zh-CN" altLang="en-US" sz="2400" dirty="0" smtClean="0"/>
+              <a:t>关键岗位或个人的</a:t>
             </a:r>
             <a:r>
-              <a:rPr kumimoji="1" lang="zh-CN" altLang="en-US" sz="2000" dirty="0"/>
-              <a:t>方面</a:t>
-            </a:r>
-            <a:r>
-              <a:rPr kumimoji="1" lang="zh-CN" altLang="en-US" sz="2000" dirty="0" smtClean="0"/>
-              <a:t>仅供参考</a:t>
-            </a:r>
-            <a:r>
-              <a:rPr kumimoji="1" lang="zh-CN" altLang="en-US" sz="2000" dirty="0"/>
-              <a:t>，你可以按照自己的思路和逻辑进行梳理</a:t>
-            </a:r>
-            <a:r>
-              <a:rPr kumimoji="1" lang="zh-CN" altLang="en-US" sz="2000" dirty="0" smtClean="0"/>
-              <a:t>）</a:t>
-            </a:r>
-            <a:endParaRPr kumimoji="1" lang="en-US" altLang="zh-CN" dirty="0" smtClean="0"/>
-          </a:p>
-          <a:p>
-            <a:pPr hangingPunct="1"/>
-            <a:endParaRPr kumimoji="1" lang="en-US" altLang="zh-CN" sz="2400" dirty="0"/>
-          </a:p>
-          <a:p>
-            <a:pPr hangingPunct="1">
-              <a:buFontTx/>
-              <a:buChar char="-"/>
-            </a:pPr>
-            <a:r>
-              <a:rPr kumimoji="1" lang="zh-CN" altLang="en-US" sz="2400" dirty="0" smtClean="0"/>
-              <a:t>半</a:t>
-            </a:r>
-            <a:r>
-              <a:rPr kumimoji="1" lang="zh-CN" altLang="en-US" sz="2400" dirty="0"/>
-              <a:t>年后我希望团队变成什么</a:t>
+              <a:rPr kumimoji="1" lang="en-US" altLang="zh-CN" sz="2400" dirty="0" smtClean="0"/>
+              <a:t>back up</a:t>
             </a:r>
             <a:r>
               <a:rPr kumimoji="1" lang="zh-CN" altLang="en-US" sz="2400" dirty="0" smtClean="0"/>
-              <a:t>样子？</a:t>
+              <a:t>人选是否具备，不具备的话怎么解决？中坚</a:t>
             </a:r>
-            <a:endParaRPr kumimoji="1" lang="en-US" altLang="zh-CN" sz="2400" dirty="0" smtClean="0"/>
-          </a:p>
-          <a:p>
-            <a:pPr hangingPunct="1">
-              <a:buFontTx/>
-              <a:buChar char="-"/>
-            </a:pPr>
             <a:r>
               <a:rPr kumimoji="1" lang="zh-CN" altLang="en-US" sz="2400" dirty="0" smtClean="0"/>
-              <a:t>为了</a:t>
-            </a:r>
-            <a:r>
-              <a:rPr kumimoji="1" lang="zh-CN" altLang="en-US" sz="2400" dirty="0"/>
-              <a:t>这个目标，当前需要补充什么人、培养什么人、优化什么人</a:t>
+              <a:t>人才如何招聘、识别、培养</a:t>
             </a:r>
             <a:r>
               <a:rPr kumimoji="1" lang="zh-CN" altLang="en-US" sz="2400" dirty="0" smtClean="0"/>
@@ -7271,52 +7225,112 @@
             <a:endParaRPr kumimoji="1" lang="en-US" altLang="zh-CN" sz="2400" dirty="0" smtClean="0"/>
           </a:p>
           <a:p>
-            <a:pPr hangingPunct="1">
-              <a:buFontTx/>
-              <a:buChar char="-"/>
-            </a:pPr>
+            <a:pPr hangingPunct="1"/>
             <a:r>
               <a:rPr kumimoji="1" lang="zh-CN" altLang="en-US" sz="2400" dirty="0" smtClean="0"/>
-              <a:t>关键</a:t>
-            </a:r>
-            <a:r>
-              <a:rPr kumimoji="1" lang="zh-CN" altLang="en-US" sz="2400" dirty="0"/>
-              <a:t>岗位或个人的</a:t>
+              <a:t>目前人员和工作项目是多对多关系，每个人都可以</a:t>
             </a:r>
             <a:r>
               <a:rPr kumimoji="1" lang="en-US" altLang="zh-CN" sz="2400" dirty="0" smtClean="0"/>
-              <a:t>back up</a:t>
-            </a:r>
-            <a:r>
-              <a:rPr kumimoji="1" lang="zh-CN" altLang="en-US" sz="2400" dirty="0"/>
-              <a:t>人选是否具备，不具备的话怎么解决</a:t>
+              <a:t>cover2</a:t>
             </a:r>
             <a:r>
               <a:rPr kumimoji="1" lang="zh-CN" altLang="en-US" sz="2400" dirty="0" smtClean="0"/>
-              <a:t>？</a:t>
+              <a:t>个或</a:t>
             </a:r>
-            <a:endParaRPr kumimoji="1" lang="en-US" altLang="zh-CN" sz="2400" dirty="0"/>
-          </a:p>
-          <a:p>
-            <a:pPr hangingPunct="1">
-              <a:buFontTx/>
-              <a:buChar char="-"/>
-            </a:pPr>
+            <a:r>
+              <a:rPr kumimoji="1" lang="en-US" altLang="zh-CN" sz="2400" dirty="0" smtClean="0"/>
+              <a:t>2</a:t>
+            </a:r>
             <a:r>
               <a:rPr kumimoji="1" lang="zh-CN" altLang="en-US" sz="2400" dirty="0" smtClean="0"/>
-              <a:t>中坚人才如何招聘、识别、培养？</a:t>
+              <a:t>个以上的模块和项目，每个模块岗位都有</a:t>
+            </a:r>
+            <a:r>
+              <a:rPr kumimoji="1" lang="en-US" altLang="zh-CN" sz="2400" dirty="0" smtClean="0"/>
+              <a:t>backup</a:t>
+            </a:r>
+            <a:r>
+              <a:rPr kumimoji="1" lang="zh-CN" altLang="en-US" sz="2400" dirty="0" smtClean="0"/>
+              <a:t>。</a:t>
             </a:r>
             <a:endParaRPr kumimoji="1" lang="en-US" altLang="zh-CN" sz="2400" dirty="0" smtClean="0"/>
           </a:p>
           <a:p>
-            <a:pPr marL="0" indent="0" hangingPunct="1">
-              <a:buNone/>
-            </a:pPr>
+            <a:pPr hangingPunct="1"/>
             <a:r>
               <a:rPr kumimoji="1" lang="zh-CN" altLang="en-US" sz="2400" dirty="0" smtClean="0"/>
-              <a:t>（如上希望落地到比较细化的方案）</a:t>
+              <a:t>计划培养</a:t>
             </a:r>
-            <a:endParaRPr kumimoji="1" lang="zh-CN" altLang="en-US" sz="2400" dirty="0" smtClean="0"/>
+            <a:r>
+              <a:rPr kumimoji="1" lang="zh-CN" altLang="en-US" sz="2400" dirty="0"/>
+              <a:t>孟祥</a:t>
+            </a:r>
+            <a:r>
+              <a:rPr kumimoji="1" lang="zh-CN" altLang="en-US" sz="2400" dirty="0" smtClean="0"/>
+              <a:t>剑作为</a:t>
+            </a:r>
+            <a:r>
+              <a:rPr kumimoji="1" lang="en-US" altLang="zh-CN" sz="2400" dirty="0" smtClean="0"/>
+              <a:t>TL</a:t>
+            </a:r>
+            <a:r>
+              <a:rPr kumimoji="1" lang="zh-CN" altLang="en-US" sz="2400" dirty="0" smtClean="0"/>
+              <a:t> </a:t>
+            </a:r>
+            <a:r>
+              <a:rPr kumimoji="1" lang="en-US" altLang="zh-CN" sz="2400" dirty="0" smtClean="0"/>
+              <a:t>backup</a:t>
+            </a:r>
+            <a:r>
+              <a:rPr kumimoji="1" lang="zh-CN" altLang="en-US" sz="2400" dirty="0" smtClean="0"/>
+              <a:t> </a:t>
+            </a:r>
+            <a:endParaRPr kumimoji="1" lang="en-US" altLang="zh-CN" sz="2400" dirty="0" smtClean="0"/>
+          </a:p>
+          <a:p>
+            <a:pPr hangingPunct="1"/>
+            <a:r>
+              <a:rPr kumimoji="1" lang="zh-CN" altLang="en-US" sz="2400" dirty="0" smtClean="0"/>
+              <a:t>除非</a:t>
+            </a:r>
+            <a:r>
+              <a:rPr kumimoji="1" lang="en-US" altLang="zh-CN" sz="2400" dirty="0" smtClean="0"/>
+              <a:t>P7</a:t>
+            </a:r>
+            <a:r>
+              <a:rPr kumimoji="1" lang="zh-CN" altLang="en-US" sz="2400" dirty="0" smtClean="0"/>
+              <a:t>候选人特别突出，否则建议从社会招聘</a:t>
+            </a:r>
+            <a:r>
+              <a:rPr kumimoji="1" lang="en-US" altLang="zh-CN" sz="2400" dirty="0" smtClean="0"/>
+              <a:t>P5+</a:t>
+            </a:r>
+            <a:r>
+              <a:rPr kumimoji="1" lang="zh-CN" altLang="en-US" sz="2400" dirty="0" smtClean="0"/>
+              <a:t>或者</a:t>
+            </a:r>
+            <a:r>
+              <a:rPr kumimoji="1" lang="en-US" altLang="zh-CN" sz="2400" dirty="0" smtClean="0"/>
+              <a:t>P6</a:t>
+            </a:r>
+            <a:r>
+              <a:rPr kumimoji="1" lang="zh-CN" altLang="en-US" sz="2400" dirty="0" smtClean="0"/>
+              <a:t>来培养晋升到</a:t>
+            </a:r>
+            <a:r>
+              <a:rPr kumimoji="1" lang="en-US" altLang="zh-CN" sz="2400" dirty="0" smtClean="0"/>
+              <a:t>P7</a:t>
+            </a:r>
+            <a:r>
+              <a:rPr kumimoji="1" lang="zh-CN" altLang="en-US" sz="2400" dirty="0" smtClean="0"/>
+              <a:t>。</a:t>
+            </a:r>
+            <a:endParaRPr kumimoji="1" lang="en-US" altLang="zh-CN" sz="2400" dirty="0" smtClean="0"/>
+          </a:p>
+          <a:p>
+            <a:pPr hangingPunct="1"/>
+            <a:endParaRPr kumimoji="1" lang="en-US" altLang="zh-CN" sz="2400" dirty="0" smtClean="0"/>
           </a:p>
           <a:p>
             <a:pPr hangingPunct="1"/>
@@ -7325,6 +7339,11 @@
         </p:txBody>
       </p:sp>
     </p:spTree>
+    <p:extLst>
+      <p:ext uri="{BB962C8B-B14F-4D97-AF65-F5344CB8AC3E}">
+        <p14:creationId xmlns:p14="http://schemas.microsoft.com/office/powerpoint/2010/main" val="1330246044"/>
+      </p:ext>
+    </p:extLst>
   </p:cSld>
   <p:clrMapOvr>
     <a:masterClrMapping/>
@@ -7409,7 +7428,7 @@
         <p:spPr>
           <a:xfrm>
             <a:off x="670346" y="1533934"/>
-            <a:ext cx="10515600" cy="4351338"/>
+            <a:ext cx="10926398" cy="4351338"/>
           </a:xfrm>
           <a:prstGeom prst="rect">
             <a:avLst/>
@@ -7420,7 +7439,7 @@
         </p:spPr>
         <p:txBody>
           <a:bodyPr lIns="45719" rIns="45719">
-            <a:normAutofit/>
+            <a:normAutofit fontScale="92500"/>
           </a:bodyPr>
           <a:lstStyle>
             <a:lvl1pPr marL="228600" marR="0" indent="-228600" algn="l" defTabSz="914400" rtl="0" latinLnBrk="0">
@@ -7654,36 +7673,46 @@
               <a:buNone/>
             </a:pPr>
             <a:r>
-              <a:rPr kumimoji="1" lang="zh-CN" altLang="en-US" dirty="0"/>
-              <a:t>可以做</a:t>
+              <a:rPr kumimoji="1" lang="zh-CN" altLang="en-US" sz="1600" dirty="0" smtClean="0"/>
+              <a:t>我们</a:t>
             </a:r>
             <a:r>
-              <a:rPr kumimoji="1" lang="zh-CN" altLang="en-US" dirty="0" smtClean="0"/>
-              <a:t>些什么，从而打造更好的团队氛围？</a:t>
-            </a:r>
-            <a:endParaRPr kumimoji="1" lang="en-US" altLang="zh-CN" dirty="0" smtClean="0"/>
-          </a:p>
-          <a:p>
-            <a:pPr marL="0" indent="0" hangingPunct="1">
-              <a:buNone/>
-            </a:pPr>
-            <a:r>
-              <a:rPr kumimoji="1" lang="zh-CN" altLang="en-US" sz="1800" dirty="0" smtClean="0"/>
-              <a:t>（如下</a:t>
+              <a:rPr kumimoji="1" lang="zh-CN" altLang="en-US" sz="1600" dirty="0" smtClean="0"/>
+              <a:t>小组有怎样的团队文化，好的地方是什么，不好的地方是什么，我希望哪些方面可以改善</a:t>
             </a:r>
             <a:r>
-              <a:rPr kumimoji="1" lang="zh-CN" altLang="en-US" sz="1800" dirty="0"/>
-              <a:t>方面</a:t>
+              <a:rPr kumimoji="1" lang="zh-CN" altLang="en-US" sz="1600" dirty="0" smtClean="0"/>
+              <a:t>？小伙伴</a:t>
             </a:r>
             <a:r>
-              <a:rPr kumimoji="1" lang="zh-CN" altLang="en-US" sz="1800" dirty="0" smtClean="0"/>
-              <a:t>仅供参考，你可以按照自己的思路和逻辑进行梳理）</a:t>
+              <a:rPr kumimoji="1" lang="zh-CN" altLang="en-US" sz="1600" dirty="0" smtClean="0"/>
+              <a:t>们彼此的关系情况怎样，大家有怎样的互动关系</a:t>
             </a:r>
-            <a:endParaRPr kumimoji="1" lang="en-US" altLang="zh-CN" sz="1800" dirty="0" smtClean="0"/>
-          </a:p>
-          <a:p>
-            <a:pPr hangingPunct="1"/>
-            <a:endParaRPr kumimoji="1" lang="en-US" altLang="zh-CN" dirty="0"/>
+            <a:r>
+              <a:rPr kumimoji="1" lang="zh-CN" altLang="en-US" sz="1600" dirty="0" smtClean="0"/>
+              <a:t>？团队</a:t>
+            </a:r>
+            <a:r>
+              <a:rPr kumimoji="1" lang="zh-CN" altLang="en-US" sz="1600" dirty="0" smtClean="0"/>
+              <a:t>内有哪些团建项目，大家反馈如何</a:t>
+            </a:r>
+            <a:r>
+              <a:rPr kumimoji="1" lang="zh-CN" altLang="en-US" sz="1600" dirty="0" smtClean="0"/>
+              <a:t>？作为</a:t>
+            </a:r>
+            <a:r>
+              <a:rPr kumimoji="1" lang="en-US" altLang="zh-CN" sz="1600" dirty="0" smtClean="0"/>
+              <a:t>TL</a:t>
+            </a:r>
+            <a:r>
+              <a:rPr kumimoji="1" lang="zh-CN" altLang="en-US" sz="1600" dirty="0" smtClean="0"/>
+              <a:t>我希望打造怎样的团队氛围，待落地的举措有哪些</a:t>
+            </a:r>
+            <a:r>
+              <a:rPr kumimoji="1" lang="zh-CN" altLang="en-US" sz="1600" dirty="0" smtClean="0"/>
+              <a:t>？</a:t>
+            </a:r>
+            <a:endParaRPr kumimoji="1" lang="en-US" altLang="zh-CN" sz="1600" dirty="0" smtClean="0"/>
           </a:p>
           <a:p>
             <a:pPr hangingPunct="1">
@@ -7692,7 +7721,38 @@
             </a:pPr>
             <a:r>
               <a:rPr kumimoji="1" lang="zh-CN" altLang="en-US" sz="2400" dirty="0" smtClean="0"/>
-              <a:t>我们小组有怎样的团队文化，好的地方是什么，不好的地方是什么，我希望哪些方面可以改善？</a:t>
+              <a:t>团队</a:t>
+            </a:r>
+            <a:r>
+              <a:rPr kumimoji="1" lang="zh-CN" altLang="en-US" sz="2400" dirty="0"/>
+              <a:t>崇尚</a:t>
+            </a:r>
+            <a:r>
+              <a:rPr kumimoji="1" lang="zh-CN" altLang="en-US" sz="2400" dirty="0" smtClean="0"/>
+              <a:t>工程师文化，崇尚技术，大家喜欢做技术分享，每周</a:t>
+            </a:r>
+            <a:r>
+              <a:rPr kumimoji="1" lang="en-US" altLang="zh-CN" sz="2400" dirty="0" smtClean="0"/>
+              <a:t>3</a:t>
+            </a:r>
+            <a:r>
+              <a:rPr kumimoji="1" lang="zh-CN" altLang="en-US" sz="2400" dirty="0" smtClean="0"/>
+              <a:t>都有固定的体育活动。</a:t>
+            </a:r>
+            <a:endParaRPr kumimoji="1" lang="en-US" altLang="zh-CN" sz="2400" dirty="0" smtClean="0"/>
+          </a:p>
+          <a:p>
+            <a:pPr hangingPunct="1">
+              <a:buFontTx/>
+              <a:buChar char="-"/>
+            </a:pPr>
+            <a:r>
+              <a:rPr kumimoji="1" lang="zh-CN" altLang="en-US" sz="2400" dirty="0"/>
+              <a:t>目前团队关系非常融洽</a:t>
+            </a:r>
+            <a:r>
+              <a:rPr kumimoji="1" lang="zh-CN" altLang="en-US" sz="2400" dirty="0" smtClean="0"/>
+              <a:t>，无小帮派</a:t>
             </a:r>
             <a:endParaRPr kumimoji="1" lang="en-US" altLang="zh-CN" sz="2400" dirty="0" smtClean="0"/>
           </a:p>
@@ -7703,7 +7763,7 @@
             </a:pPr>
             <a:r>
               <a:rPr kumimoji="1" lang="zh-CN" altLang="en-US" sz="2400" dirty="0" smtClean="0"/>
-              <a:t>小伙伴们彼此的关系情况怎样，大家有怎样的互动关系？</a:t>
+              <a:t>室内团建吃饭居多。春夏秋天团建有爬山，郊游。近期团建准备组织一次滑雪。大家对室外团建情有独钟。</a:t>
             </a:r>
             <a:endParaRPr kumimoji="1" lang="en-US" altLang="zh-CN" sz="2400" dirty="0" smtClean="0"/>
           </a:p>
@@ -7714,18 +7774,7 @@
             </a:pPr>
             <a:r>
               <a:rPr kumimoji="1" lang="zh-CN" altLang="en-US" sz="2400" dirty="0" smtClean="0"/>
-              <a:t>团队内有哪些团建项目，大家反馈如何？</a:t>
-            </a:r>
-            <a:endParaRPr kumimoji="1" lang="en-US" altLang="zh-CN" sz="2400" dirty="0" smtClean="0"/>
-          </a:p>
-          <a:p>
-            <a:pPr hangingPunct="1">
-              <a:buFontTx/>
-              <a:buChar char="-"/>
-            </a:pPr>
-            <a:r>
-              <a:rPr kumimoji="1" lang="zh-CN" altLang="en-US" sz="2400" dirty="0" smtClean="0"/>
-              <a:t>作为</a:t>
+              <a:t>希望</a:t>
             </a:r>
             <a:r>
               <a:rPr kumimoji="1" lang="en-US" altLang="zh-CN" sz="2400" dirty="0" smtClean="0"/>
@@ -7733,7 +7782,80 @@
             </a:r>
             <a:r>
               <a:rPr kumimoji="1" lang="zh-CN" altLang="en-US" sz="2400" dirty="0" smtClean="0"/>
-              <a:t>我希望打造怎样的团队氛围，待落地的举措有哪些？</a:t>
+              <a:t>有权利每个月给</a:t>
+            </a:r>
+            <a:r>
+              <a:rPr kumimoji="1" lang="en-US" altLang="zh-CN" sz="2400" dirty="0" smtClean="0"/>
+              <a:t>1-2</a:t>
+            </a:r>
+            <a:r>
+              <a:rPr kumimoji="1" lang="zh-CN" altLang="en-US" sz="2400" dirty="0" smtClean="0"/>
+              <a:t>团队成员发奖励，更好的营造技术氛围</a:t>
+            </a:r>
+            <a:endParaRPr kumimoji="1" lang="en-US" altLang="zh-CN" sz="2400" dirty="0" smtClean="0"/>
+          </a:p>
+          <a:p>
+            <a:pPr lvl="1" hangingPunct="1">
+              <a:buFontTx/>
+              <a:buChar char="-"/>
+            </a:pPr>
+            <a:r>
+              <a:rPr kumimoji="1" lang="zh-CN" altLang="en-US" sz="2400" dirty="0" smtClean="0"/>
+              <a:t>奖励原因：突出的技术贡献，包括：创新，技术救火，攻克难题，技术支持他人</a:t>
+            </a:r>
+            <a:endParaRPr kumimoji="1" lang="en-US" altLang="zh-CN" sz="2400" dirty="0" smtClean="0"/>
+          </a:p>
+          <a:p>
+            <a:pPr lvl="1" hangingPunct="1">
+              <a:buFontTx/>
+              <a:buChar char="-"/>
+            </a:pPr>
+            <a:r>
+              <a:rPr kumimoji="1" lang="zh-CN" altLang="en-US" sz="2400" dirty="0" smtClean="0"/>
+              <a:t>奖励形式：</a:t>
+            </a:r>
+            <a:r>
+              <a:rPr kumimoji="1" lang="en-US" altLang="zh-CN" sz="2400" dirty="0" smtClean="0"/>
+              <a:t>100-200</a:t>
+            </a:r>
+            <a:r>
+              <a:rPr kumimoji="1" lang="zh-CN" altLang="en-US" sz="2400" dirty="0" smtClean="0"/>
+              <a:t>现金 </a:t>
+            </a:r>
+            <a:r>
+              <a:rPr kumimoji="1" lang="en-US" altLang="zh-CN" sz="2400" dirty="0" smtClean="0"/>
+              <a:t>+</a:t>
+            </a:r>
+            <a:r>
+              <a:rPr kumimoji="1" lang="zh-CN" altLang="en-US" sz="2400" dirty="0" smtClean="0"/>
+              <a:t> 一个</a:t>
+            </a:r>
+            <a:r>
+              <a:rPr kumimoji="1" lang="en-US" altLang="zh-CN" sz="2400" dirty="0" smtClean="0"/>
+              <a:t>A4</a:t>
+            </a:r>
+            <a:r>
+              <a:rPr kumimoji="1" lang="zh-CN" altLang="en-US" sz="2400" dirty="0" smtClean="0"/>
+              <a:t>纸质奖状</a:t>
+            </a:r>
+            <a:r>
+              <a:rPr kumimoji="1" lang="en-US" altLang="zh-CN" sz="2400" dirty="0" smtClean="0"/>
+              <a:t>(</a:t>
+            </a:r>
+            <a:r>
+              <a:rPr kumimoji="1" lang="zh-CN" altLang="en-US" sz="2400" dirty="0" smtClean="0"/>
+              <a:t>可以贴在工位上</a:t>
+            </a:r>
+            <a:r>
+              <a:rPr kumimoji="1" lang="en-US" altLang="zh-CN" sz="2400" dirty="0" smtClean="0"/>
+              <a:t>)</a:t>
+            </a:r>
+            <a:br>
+              <a:rPr kumimoji="1" lang="en-US" altLang="zh-CN" sz="2400" dirty="0" smtClean="0"/>
+            </a:br>
+            <a:r>
+              <a:rPr kumimoji="1" lang="en-US" altLang="zh-CN" sz="2400" dirty="0" smtClean="0"/>
+              <a:t>	</a:t>
             </a:r>
             <a:endParaRPr kumimoji="1" lang="en-US" altLang="zh-CN" sz="2400" dirty="0" smtClean="0"/>
           </a:p>
@@ -7744,16 +7866,14 @@
             </a:pPr>
             <a:endParaRPr kumimoji="1" lang="en-US" altLang="zh-CN" sz="2400" dirty="0" smtClean="0"/>
           </a:p>
-          <a:p>
-            <a:pPr hangingPunct="1">
-              <a:buFontTx/>
-              <a:buChar char="-"/>
-            </a:pPr>
-            <a:endParaRPr kumimoji="1" lang="zh-CN" altLang="en-US" dirty="0"/>
-          </a:p>
         </p:txBody>
       </p:sp>
     </p:spTree>
+    <p:extLst>
+      <p:ext uri="{BB962C8B-B14F-4D97-AF65-F5344CB8AC3E}">
+        <p14:creationId xmlns:p14="http://schemas.microsoft.com/office/powerpoint/2010/main" val="2039781559"/>
+      </p:ext>
+    </p:extLst>
   </p:cSld>
   <p:clrMapOvr>
     <a:masterClrMapping/>
@@ -7897,6 +8017,7 @@
             <a:lstStyle/>
             <a:p>
               <a:pPr algn="ctr"/>
+              <a:endParaRPr/>
             </a:p>
           </p:txBody>
         </p:sp>
@@ -8097,6 +8218,7 @@
             <a:lstStyle/>
             <a:p>
               <a:pPr algn="ctr"/>
+              <a:endParaRPr/>
             </a:p>
           </p:txBody>
         </p:sp>
@@ -8207,6 +8329,7 @@
             <a:lstStyle/>
             <a:p>
               <a:pPr algn="ctr"/>
+              <a:endParaRPr/>
             </a:p>
           </p:txBody>
         </p:sp>
@@ -8247,6 +8370,7 @@
             <a:lstStyle/>
             <a:p>
               <a:pPr algn="ctr"/>
+              <a:endParaRPr/>
             </a:p>
           </p:txBody>
         </p:sp>
@@ -8487,6 +8611,7 @@
             <a:lstStyle/>
             <a:p>
               <a:pPr algn="ctr"/>
+              <a:endParaRPr/>
             </a:p>
           </p:txBody>
         </p:sp>
@@ -9087,6 +9212,7 @@
             <a:lstStyle/>
             <a:p>
               <a:pPr algn="ctr"/>
+              <a:endParaRPr/>
             </a:p>
           </p:txBody>
         </p:sp>
@@ -9327,6 +9453,7 @@
             <a:lstStyle/>
             <a:p>
               <a:pPr algn="ctr"/>
+              <a:endParaRPr/>
             </a:p>
           </p:txBody>
         </p:sp>
@@ -9927,6 +10054,7 @@
             <a:lstStyle/>
             <a:p>
               <a:pPr algn="ctr"/>
+              <a:endParaRPr/>
             </a:p>
           </p:txBody>
         </p:sp>
@@ -10167,6 +10295,7 @@
             <a:lstStyle/>
             <a:p>
               <a:pPr algn="ctr"/>
+              <a:endParaRPr/>
             </a:p>
           </p:txBody>
         </p:sp>
@@ -10767,6 +10896,7 @@
             <a:lstStyle/>
             <a:p>
               <a:pPr algn="ctr"/>
+              <a:endParaRPr/>
             </a:p>
           </p:txBody>
         </p:sp>
@@ -11007,6 +11137,7 @@
             <a:lstStyle/>
             <a:p>
               <a:pPr algn="ctr"/>
+              <a:endParaRPr/>
             </a:p>
           </p:txBody>
         </p:sp>
@@ -11607,6 +11738,7 @@
             <a:lstStyle/>
             <a:p>
               <a:pPr algn="ctr"/>
+              <a:endParaRPr/>
             </a:p>
           </p:txBody>
         </p:sp>
@@ -11756,6 +11888,7 @@
             <a:lstStyle/>
             <a:p>
               <a:pPr algn="ctr"/>
+              <a:endParaRPr/>
             </a:p>
           </p:txBody>
         </p:sp>
@@ -11904,6 +12037,7 @@
             <a:lstStyle/>
             <a:p>
               <a:pPr algn="ctr"/>
+              <a:endParaRPr/>
             </a:p>
           </p:txBody>
         </p:sp>
@@ -12262,6 +12396,7 @@
             <a:lstStyle/>
             <a:p>
               <a:pPr algn="ctr"/>
+              <a:endParaRPr/>
             </a:p>
           </p:txBody>
         </p:sp>
@@ -12410,6 +12545,7 @@
             <a:lstStyle/>
             <a:p>
               <a:pPr algn="ctr"/>
+              <a:endParaRPr/>
             </a:p>
           </p:txBody>
         </p:sp>
@@ -12768,6 +12904,7 @@
             <a:lstStyle/>
             <a:p>
               <a:pPr algn="ctr"/>
+              <a:endParaRPr/>
             </a:p>
           </p:txBody>
         </p:sp>
@@ -12896,6 +13033,7 @@
             <a:lstStyle/>
             <a:p>
               <a:pPr algn="ctr"/>
+              <a:endParaRPr/>
             </a:p>
           </p:txBody>
         </p:sp>
@@ -12988,6 +13126,7 @@
             <a:lstStyle/>
             <a:p>
               <a:pPr algn="ctr"/>
+              <a:endParaRPr/>
             </a:p>
           </p:txBody>
         </p:sp>
@@ -13108,6 +13247,7 @@
             <a:lstStyle/>
             <a:p>
               <a:pPr algn="ctr"/>
+              <a:endParaRPr/>
             </a:p>
           </p:txBody>
         </p:sp>
@@ -13257,6 +13397,7 @@
             <a:lstStyle/>
             <a:p>
               <a:pPr algn="ctr"/>
+              <a:endParaRPr/>
             </a:p>
           </p:txBody>
         </p:sp>
@@ -13406,6 +13547,7 @@
             <a:lstStyle/>
             <a:p>
               <a:pPr algn="ctr"/>
+              <a:endParaRPr/>
             </a:p>
           </p:txBody>
         </p:sp>
@@ -13555,6 +13697,7 @@
             <a:lstStyle/>
             <a:p>
               <a:pPr algn="ctr"/>
+              <a:endParaRPr/>
             </a:p>
           </p:txBody>
         </p:sp>
@@ -13683,6 +13826,7 @@
             <a:lstStyle/>
             <a:p>
               <a:pPr algn="ctr"/>
+              <a:endParaRPr/>
             </a:p>
           </p:txBody>
         </p:sp>
@@ -13803,6 +13947,7 @@
             <a:lstStyle/>
             <a:p>
               <a:pPr algn="ctr"/>
+              <a:endParaRPr/>
             </a:p>
           </p:txBody>
         </p:sp>
@@ -13901,6 +14046,7 @@
             <a:lstStyle/>
             <a:p>
               <a:pPr algn="ctr"/>
+              <a:endParaRPr/>
             </a:p>
           </p:txBody>
         </p:sp>
@@ -14021,6 +14167,7 @@
             <a:lstStyle/>
             <a:p>
               <a:pPr algn="ctr"/>
+              <a:endParaRPr/>
             </a:p>
           </p:txBody>
         </p:sp>
@@ -14121,6 +14268,7 @@
             <a:lstStyle/>
             <a:p>
               <a:pPr algn="ctr"/>
+              <a:endParaRPr/>
             </a:p>
           </p:txBody>
         </p:sp>
@@ -14321,6 +14469,7 @@
             <a:lstStyle/>
             <a:p>
               <a:pPr algn="ctr"/>
+              <a:endParaRPr/>
             </a:p>
           </p:txBody>
         </p:sp>
@@ -14451,6 +14600,7 @@
             <a:lstStyle/>
             <a:p>
               <a:pPr algn="ctr"/>
+              <a:endParaRPr/>
             </a:p>
           </p:txBody>
         </p:sp>
@@ -14571,6 +14721,7 @@
             <a:lstStyle/>
             <a:p>
               <a:pPr algn="ctr"/>
+              <a:endParaRPr/>
             </a:p>
           </p:txBody>
         </p:sp>
@@ -14761,6 +14912,7 @@
             <a:lstStyle/>
             <a:p>
               <a:pPr algn="ctr"/>
+              <a:endParaRPr/>
             </a:p>
           </p:txBody>
         </p:sp>
@@ -14881,6 +15033,7 @@
             <a:lstStyle/>
             <a:p>
               <a:pPr algn="ctr"/>
+              <a:endParaRPr/>
             </a:p>
           </p:txBody>
         </p:sp>
@@ -14991,6 +15144,7 @@
             <a:lstStyle/>
             <a:p>
               <a:pPr algn="ctr"/>
+              <a:endParaRPr/>
             </a:p>
           </p:txBody>
         </p:sp>
@@ -15101,6 +15255,7 @@
             <a:lstStyle/>
             <a:p>
               <a:pPr algn="ctr"/>
+              <a:endParaRPr/>
             </a:p>
           </p:txBody>
         </p:sp>
@@ -15251,6 +15406,7 @@
             <a:lstStyle/>
             <a:p>
               <a:pPr algn="ctr"/>
+              <a:endParaRPr/>
             </a:p>
           </p:txBody>
         </p:sp>
@@ -15479,6 +15635,7 @@
             <a:lstStyle/>
             <a:p>
               <a:pPr algn="ctr"/>
+              <a:endParaRPr/>
             </a:p>
           </p:txBody>
         </p:sp>
@@ -15579,6 +15736,7 @@
             <a:lstStyle/>
             <a:p>
               <a:pPr algn="ctr"/>
+              <a:endParaRPr/>
             </a:p>
           </p:txBody>
         </p:sp>
@@ -15689,6 +15847,7 @@
             <a:lstStyle/>
             <a:p>
               <a:pPr algn="ctr"/>
+              <a:endParaRPr/>
             </a:p>
           </p:txBody>
         </p:sp>
@@ -15789,6 +15948,7 @@
             <a:lstStyle/>
             <a:p>
               <a:pPr algn="ctr"/>
+              <a:endParaRPr/>
             </a:p>
           </p:txBody>
         </p:sp>
@@ -15887,6 +16047,7 @@
             <a:lstStyle/>
             <a:p>
               <a:pPr algn="ctr"/>
+              <a:endParaRPr/>
             </a:p>
           </p:txBody>
         </p:sp>
@@ -16067,6 +16228,7 @@
             <a:lstStyle/>
             <a:p>
               <a:pPr algn="ctr"/>
+              <a:endParaRPr/>
             </a:p>
           </p:txBody>
         </p:sp>
@@ -16167,6 +16329,7 @@
             <a:lstStyle/>
             <a:p>
               <a:pPr algn="ctr"/>
+              <a:endParaRPr/>
             </a:p>
           </p:txBody>
         </p:sp>
@@ -16477,6 +16640,7 @@
             <a:lstStyle/>
             <a:p>
               <a:pPr algn="ctr"/>
+              <a:endParaRPr/>
             </a:p>
           </p:txBody>
         </p:sp>
@@ -16597,6 +16761,7 @@
             <a:lstStyle/>
             <a:p>
               <a:pPr algn="ctr"/>
+              <a:endParaRPr/>
             </a:p>
           </p:txBody>
         </p:sp>
@@ -16717,6 +16882,7 @@
             <a:lstStyle/>
             <a:p>
               <a:pPr algn="ctr"/>
+              <a:endParaRPr/>
             </a:p>
           </p:txBody>
         </p:sp>
@@ -16867,6 +17033,7 @@
             <a:lstStyle/>
             <a:p>
               <a:pPr algn="ctr"/>
+              <a:endParaRPr/>
             </a:p>
           </p:txBody>
         </p:sp>
@@ -16977,6 +17144,7 @@
             <a:lstStyle/>
             <a:p>
               <a:pPr algn="ctr"/>
+              <a:endParaRPr/>
             </a:p>
           </p:txBody>
         </p:sp>
@@ -17077,6 +17245,7 @@
             <a:lstStyle/>
             <a:p>
               <a:pPr algn="ctr"/>
+              <a:endParaRPr/>
             </a:p>
           </p:txBody>
         </p:sp>
@@ -17277,6 +17446,7 @@
             <a:lstStyle/>
             <a:p>
               <a:pPr algn="ctr"/>
+              <a:endParaRPr/>
             </a:p>
           </p:txBody>
         </p:sp>
@@ -17407,6 +17577,7 @@
             <a:lstStyle/>
             <a:p>
               <a:pPr algn="ctr"/>
+              <a:endParaRPr/>
             </a:p>
           </p:txBody>
         </p:sp>
@@ -17527,6 +17698,7 @@
             <a:lstStyle/>
             <a:p>
               <a:pPr algn="ctr"/>
+              <a:endParaRPr/>
             </a:p>
           </p:txBody>
         </p:sp>
@@ -17697,6 +17869,7 @@
             <a:lstStyle/>
             <a:p>
               <a:pPr algn="ctr"/>
+              <a:endParaRPr/>
             </a:p>
           </p:txBody>
         </p:sp>
@@ -17807,6 +17980,7 @@
             <a:lstStyle/>
             <a:p>
               <a:pPr algn="ctr"/>
+              <a:endParaRPr/>
             </a:p>
           </p:txBody>
         </p:sp>
@@ -17957,6 +18131,7 @@
             <a:lstStyle/>
             <a:p>
               <a:pPr algn="ctr"/>
+              <a:endParaRPr/>
             </a:p>
           </p:txBody>
         </p:sp>
@@ -18107,6 +18282,7 @@
             <a:lstStyle/>
             <a:p>
               <a:pPr algn="ctr"/>
+              <a:endParaRPr/>
             </a:p>
           </p:txBody>
         </p:sp>
@@ -18307,6 +18483,7 @@
             <a:lstStyle/>
             <a:p>
               <a:pPr algn="ctr"/>
+              <a:endParaRPr/>
             </a:p>
           </p:txBody>
         </p:sp>
@@ -18407,6 +18584,7 @@
             <a:lstStyle/>
             <a:p>
               <a:pPr algn="ctr"/>
+              <a:endParaRPr/>
             </a:p>
           </p:txBody>
         </p:sp>
@@ -18507,6 +18685,7 @@
             <a:lstStyle/>
             <a:p>
               <a:pPr algn="ctr"/>
+              <a:endParaRPr/>
             </a:p>
           </p:txBody>
         </p:sp>
@@ -18737,6 +18916,7 @@
             <a:lstStyle/>
             <a:p>
               <a:pPr algn="ctr"/>
+              <a:endParaRPr/>
             </a:p>
           </p:txBody>
         </p:sp>
@@ -18907,6 +19087,7 @@
             <a:lstStyle/>
             <a:p>
               <a:pPr algn="ctr"/>
+              <a:endParaRPr/>
             </a:p>
           </p:txBody>
         </p:sp>
@@ -19057,6 +19238,7 @@
             <a:lstStyle/>
             <a:p>
               <a:pPr algn="ctr"/>
+              <a:endParaRPr/>
             </a:p>
           </p:txBody>
         </p:sp>
@@ -19157,6 +19339,7 @@
             <a:lstStyle/>
             <a:p>
               <a:pPr algn="ctr"/>
+              <a:endParaRPr/>
             </a:p>
           </p:txBody>
         </p:sp>
@@ -19307,6 +19490,7 @@
             <a:lstStyle/>
             <a:p>
               <a:pPr algn="ctr"/>
+              <a:endParaRPr/>
             </a:p>
           </p:txBody>
         </p:sp>
@@ -19407,6 +19591,7 @@
             <a:lstStyle/>
             <a:p>
               <a:pPr algn="ctr"/>
+              <a:endParaRPr/>
             </a:p>
           </p:txBody>
         </p:sp>
@@ -19607,6 +19792,7 @@
             <a:lstStyle/>
             <a:p>
               <a:pPr algn="ctr"/>
+              <a:endParaRPr/>
             </a:p>
           </p:txBody>
         </p:sp>
@@ -19737,6 +19923,7 @@
             <a:lstStyle/>
             <a:p>
               <a:pPr algn="ctr"/>
+              <a:endParaRPr/>
             </a:p>
           </p:txBody>
         </p:sp>
@@ -19857,6 +20044,7 @@
             <a:lstStyle/>
             <a:p>
               <a:pPr algn="ctr"/>
+              <a:endParaRPr/>
             </a:p>
           </p:txBody>
         </p:sp>
@@ -20007,6 +20195,7 @@
             <a:lstStyle/>
             <a:p>
               <a:pPr algn="ctr"/>
+              <a:endParaRPr/>
             </a:p>
           </p:txBody>
         </p:sp>
@@ -20127,6 +20316,7 @@
             <a:lstStyle/>
             <a:p>
               <a:pPr algn="ctr"/>
+              <a:endParaRPr/>
             </a:p>
           </p:txBody>
         </p:sp>
@@ -20247,6 +20437,7 @@
             <a:lstStyle/>
             <a:p>
               <a:pPr algn="ctr"/>
+              <a:endParaRPr/>
             </a:p>
           </p:txBody>
         </p:sp>
@@ -20367,6 +20558,7 @@
             <a:lstStyle/>
             <a:p>
               <a:pPr algn="ctr"/>
+              <a:endParaRPr/>
             </a:p>
           </p:txBody>
         </p:sp>
@@ -20537,6 +20729,7 @@
             <a:lstStyle/>
             <a:p>
               <a:pPr algn="ctr"/>
+              <a:endParaRPr/>
             </a:p>
           </p:txBody>
         </p:sp>
@@ -20737,6 +20930,7 @@
             <a:lstStyle/>
             <a:p>
               <a:pPr algn="ctr"/>
+              <a:endParaRPr/>
             </a:p>
           </p:txBody>
         </p:sp>
@@ -20887,6 +21081,7 @@
             <a:lstStyle/>
             <a:p>
               <a:pPr algn="ctr"/>
+              <a:endParaRPr/>
             </a:p>
           </p:txBody>
         </p:sp>
@@ -20987,6 +21182,7 @@
             <a:lstStyle/>
             <a:p>
               <a:pPr algn="ctr"/>
+              <a:endParaRPr/>
             </a:p>
           </p:txBody>
         </p:sp>
@@ -21207,6 +21403,7 @@
             <a:lstStyle/>
             <a:p>
               <a:pPr algn="ctr"/>
+              <a:endParaRPr/>
             </a:p>
           </p:txBody>
         </p:sp>
@@ -21427,6 +21624,7 @@
             <a:lstStyle/>
             <a:p>
               <a:pPr algn="ctr"/>
+              <a:endParaRPr/>
             </a:p>
           </p:txBody>
         </p:sp>
@@ -21597,6 +21795,7 @@
             <a:lstStyle/>
             <a:p>
               <a:pPr algn="ctr"/>
+              <a:endParaRPr/>
             </a:p>
           </p:txBody>
         </p:sp>
@@ -21767,6 +21966,7 @@
             <a:lstStyle/>
             <a:p>
               <a:pPr algn="ctr"/>
+              <a:endParaRPr/>
             </a:p>
           </p:txBody>
         </p:sp>
@@ -22194,6 +22394,7 @@
             <a:lstStyle/>
             <a:p>
               <a:pPr algn="ctr"/>
+              <a:endParaRPr/>
             </a:p>
           </p:txBody>
         </p:sp>
@@ -22621,6 +22822,7 @@
             <a:lstStyle/>
             <a:p>
               <a:pPr algn="ctr"/>
+              <a:endParaRPr/>
             </a:p>
           </p:txBody>
         </p:sp>
@@ -23735,6 +23937,7 @@
       </a:style>
     </a:txDef>
   </a:objectDefaults>
+  <a:extraClrSchemeLst/>
   <a:extLst>
     <a:ext uri="{05A4C25C-085E-4340-85A3-A5531E510DB2}">
       <thm15:themeFamily xmlns:thm15="http://schemas.microsoft.com/office/thememl/2012/main" name="Office Theme" id="{62F939B6-93AF-4DB8-9C6B-D6C7DFDC589F}" vid="{4A3C46E8-61CC-4603-A589-7422A47A8E4A}"/>
@@ -24776,6 +24979,7 @@
       </a:style>
     </a:txDef>
   </a:objectDefaults>
+  <a:extraClrSchemeLst/>
   <a:extLst>
     <a:ext uri="{05A4C25C-085E-4340-85A3-A5531E510DB2}">
       <thm15:themeFamily xmlns:thm15="http://schemas.microsoft.com/office/thememl/2012/main" name="Office Theme" id="{62F939B6-93AF-4DB8-9C6B-D6C7DFDC589F}" vid="{4A3C46E8-61CC-4603-A589-7422A47A8E4A}"/>
